--- a/Slides/Module 02.2 Test-Driven Development.pptx
+++ b/Slides/Module 02.2 Test-Driven Development.pptx
@@ -5,7 +5,7 @@
     <p:sldMasterId id="2147483648" r:id="rId1"/>
   </p:sldMasterIdLst>
   <p:notesMasterIdLst>
-    <p:notesMasterId r:id="rId27"/>
+    <p:notesMasterId r:id="rId25"/>
   </p:notesMasterIdLst>
   <p:sldIdLst>
     <p:sldId id="485" r:id="rId2"/>
@@ -17,43 +17,41 @@
     <p:sldId id="592" r:id="rId8"/>
     <p:sldId id="593" r:id="rId9"/>
     <p:sldId id="596" r:id="rId10"/>
-    <p:sldId id="597" r:id="rId11"/>
-    <p:sldId id="565" r:id="rId12"/>
-    <p:sldId id="598" r:id="rId13"/>
-    <p:sldId id="569" r:id="rId14"/>
-    <p:sldId id="568" r:id="rId15"/>
-    <p:sldId id="570" r:id="rId16"/>
-    <p:sldId id="571" r:id="rId17"/>
-    <p:sldId id="572" r:id="rId18"/>
-    <p:sldId id="573" r:id="rId19"/>
-    <p:sldId id="574" r:id="rId20"/>
-    <p:sldId id="575" r:id="rId21"/>
-    <p:sldId id="602" r:id="rId22"/>
-    <p:sldId id="600" r:id="rId23"/>
-    <p:sldId id="549" r:id="rId24"/>
-    <p:sldId id="599" r:id="rId25"/>
-    <p:sldId id="577" r:id="rId26"/>
+    <p:sldId id="565" r:id="rId11"/>
+    <p:sldId id="598" r:id="rId12"/>
+    <p:sldId id="569" r:id="rId13"/>
+    <p:sldId id="568" r:id="rId14"/>
+    <p:sldId id="570" r:id="rId15"/>
+    <p:sldId id="571" r:id="rId16"/>
+    <p:sldId id="572" r:id="rId17"/>
+    <p:sldId id="573" r:id="rId18"/>
+    <p:sldId id="574" r:id="rId19"/>
+    <p:sldId id="602" r:id="rId20"/>
+    <p:sldId id="600" r:id="rId21"/>
+    <p:sldId id="549" r:id="rId22"/>
+    <p:sldId id="599" r:id="rId23"/>
+    <p:sldId id="577" r:id="rId24"/>
   </p:sldIdLst>
   <p:sldSz cx="12192000" cy="6858000"/>
   <p:notesSz cx="6858000" cy="9144000"/>
   <p:embeddedFontLst>
     <p:embeddedFont>
       <p:font typeface="Consolas" panose="020B0609020204030204" pitchFamily="49" charset="0"/>
-      <p:regular r:id="rId28"/>
-      <p:bold r:id="rId29"/>
-      <p:italic r:id="rId30"/>
-      <p:boldItalic r:id="rId31"/>
+      <p:regular r:id="rId26"/>
+      <p:bold r:id="rId27"/>
+      <p:italic r:id="rId28"/>
+      <p:boldItalic r:id="rId29"/>
     </p:embeddedFont>
     <p:embeddedFont>
       <p:font typeface="Ink Free" panose="03080402000500000000" pitchFamily="66" charset="0"/>
-      <p:regular r:id="rId32"/>
+      <p:regular r:id="rId30"/>
     </p:embeddedFont>
     <p:embeddedFont>
       <p:font typeface="Verdana" panose="020B0604030504040204" pitchFamily="34" charset="0"/>
-      <p:regular r:id="rId33"/>
-      <p:bold r:id="rId34"/>
-      <p:italic r:id="rId35"/>
-      <p:boldItalic r:id="rId36"/>
+      <p:regular r:id="rId31"/>
+      <p:bold r:id="rId32"/>
+      <p:italic r:id="rId33"/>
+      <p:boldItalic r:id="rId34"/>
     </p:embeddedFont>
   </p:embeddedFontLst>
   <p:defaultTextStyle>
@@ -165,7 +163,6 @@
             <p14:sldId id="592"/>
             <p14:sldId id="593"/>
             <p14:sldId id="596"/>
-            <p14:sldId id="597"/>
             <p14:sldId id="565"/>
             <p14:sldId id="598"/>
             <p14:sldId id="569"/>
@@ -175,7 +172,6 @@
             <p14:sldId id="572"/>
             <p14:sldId id="573"/>
             <p14:sldId id="574"/>
-            <p14:sldId id="575"/>
             <p14:sldId id="602"/>
             <p14:sldId id="600"/>
             <p14:sldId id="549"/>
@@ -280,7 +276,7 @@
           <a:p>
             <a:fld id="{7C7E5181-6CF5-45F7-A87A-E0E0B1FD7549}" type="datetimeFigureOut">
               <a:rPr lang="en-US" smtClean="0"/>
-              <a:t>12/26/25</a:t>
+              <a:t>12/29/25</a:t>
             </a:fld>
             <a:endParaRPr lang="en-US"/>
           </a:p>
@@ -675,7 +671,19 @@
           <a:bodyPr/>
           <a:lstStyle/>
           <a:p>
+            <a:r>
+              <a:rPr lang="en-US" dirty="0"/>
+              <a:t>Ideally, your conditions of satisfaction are specific enough that they can be linked to the behavior of individual functions.</a:t>
+            </a:r>
+          </a:p>
+          <a:p>
             <a:endParaRPr lang="en-US" dirty="0"/>
+          </a:p>
+          <a:p>
+            <a:r>
+              <a:rPr lang="en-US" dirty="0"/>
+              <a:t>Often, turning testable behaviors into conditions of satisfaction leads to points where the user story or initial conditions of satisfaction weren’t clear enough. This can require negotiation within your team or with your users.</a:t>
+            </a:r>
           </a:p>
         </p:txBody>
       </p:sp>
@@ -696,7 +704,7 @@
           <a:p>
             <a:fld id="{07937F07-1250-4CCE-B198-1B2887014F41}" type="slidenum">
               <a:rPr lang="en-US" smtClean="0"/>
-              <a:t>16</a:t>
+              <a:t>11</a:t>
             </a:fld>
             <a:endParaRPr lang="en-US"/>
           </a:p>
@@ -705,7 +713,7 @@
     </p:spTree>
     <p:extLst>
       <p:ext uri="{BB962C8B-B14F-4D97-AF65-F5344CB8AC3E}">
-        <p14:creationId xmlns:p14="http://schemas.microsoft.com/office/powerpoint/2010/main" val="2151239199"/>
+        <p14:creationId xmlns:p14="http://schemas.microsoft.com/office/powerpoint/2010/main" val="1467661000"/>
       </p:ext>
     </p:extLst>
   </p:cSld>
@@ -760,247 +768,9 @@
           <a:lstStyle/>
           <a:p>
             <a:r>
-              <a:rPr lang="en-US" b="0" i="0" dirty="0">
-                <a:solidFill>
-                  <a:srgbClr val="5C5962"/>
-                </a:solidFill>
-                <a:effectLst/>
-                <a:latin typeface="Calibri" panose="020F0502020204030204" pitchFamily="34" charset="0"/>
-              </a:rPr>
-              <a:t>In order to run a test, we need to first ASSEMBLE it. This may include creating instances of classes/variables, setting up test data for inputs, etc.  We should always check to see that we’ve set it up correctly.  Here most of the work has already been done in the </a:t>
-            </a:r>
-            <a:r>
-              <a:rPr lang="en-US" b="0" i="0" dirty="0" err="1">
-                <a:solidFill>
-                  <a:srgbClr val="5C5962"/>
-                </a:solidFill>
-                <a:effectLst/>
-                <a:latin typeface="Calibri" panose="020F0502020204030204" pitchFamily="34" charset="0"/>
-              </a:rPr>
-              <a:t>beforeEach</a:t>
-            </a:r>
-            <a:r>
-              <a:rPr lang="en-US" b="0" i="0" dirty="0">
-                <a:solidFill>
-                  <a:srgbClr val="5C5962"/>
-                </a:solidFill>
-                <a:effectLst/>
-                <a:latin typeface="Calibri" panose="020F0502020204030204" pitchFamily="34" charset="0"/>
-              </a:rPr>
-              <a:t> block.</a:t>
-            </a:r>
-          </a:p>
-          <a:p>
-            <a:endParaRPr lang="en-US" b="0" i="0" dirty="0">
-              <a:solidFill>
-                <a:srgbClr val="5C5962"/>
-              </a:solidFill>
-              <a:effectLst/>
-              <a:latin typeface="Calibri" panose="020F0502020204030204" pitchFamily="34" charset="0"/>
-            </a:endParaRPr>
-          </a:p>
-          <a:p>
-            <a:r>
-              <a:rPr lang="en-US" b="0" i="0" dirty="0">
-                <a:solidFill>
-                  <a:srgbClr val="5C5962"/>
-                </a:solidFill>
-                <a:effectLst/>
-                <a:latin typeface="Calibri" panose="020F0502020204030204" pitchFamily="34" charset="0"/>
-              </a:rPr>
-              <a:t>Then we ACT: we do the action under test.</a:t>
-            </a:r>
-          </a:p>
-          <a:p>
-            <a:endParaRPr lang="en-US" b="0" i="0" dirty="0">
-              <a:solidFill>
-                <a:srgbClr val="5C5962"/>
-              </a:solidFill>
-              <a:effectLst/>
-              <a:latin typeface="Calibri" panose="020F0502020204030204" pitchFamily="34" charset="0"/>
-            </a:endParaRPr>
-          </a:p>
-          <a:p>
-            <a:r>
-              <a:rPr lang="en-US" b="0" i="0" dirty="0">
-                <a:solidFill>
-                  <a:srgbClr val="5C5962"/>
-                </a:solidFill>
-                <a:effectLst/>
-                <a:latin typeface="Calibri" panose="020F0502020204030204" pitchFamily="34" charset="0"/>
-              </a:rPr>
-              <a:t>Last, we ASSESS: we check to see that the response was acceptable.  In </a:t>
-            </a:r>
-            <a:r>
-              <a:rPr lang="en-US" b="0" i="0" dirty="0" err="1">
-                <a:solidFill>
-                  <a:srgbClr val="5C5962"/>
-                </a:solidFill>
-                <a:effectLst/>
-                <a:latin typeface="Calibri" panose="020F0502020204030204" pitchFamily="34" charset="0"/>
-              </a:rPr>
-              <a:t>Vitest</a:t>
-            </a:r>
-            <a:r>
-              <a:rPr lang="en-US" b="0" i="0" dirty="0">
-                <a:solidFill>
-                  <a:srgbClr val="5C5962"/>
-                </a:solidFill>
-                <a:effectLst/>
-                <a:latin typeface="Calibri" panose="020F0502020204030204" pitchFamily="34" charset="0"/>
-              </a:rPr>
-              <a:t>, this is done by the </a:t>
-            </a:r>
-            <a:r>
-              <a:rPr lang="en-US" b="1" i="0" dirty="0">
-                <a:solidFill>
-                  <a:srgbClr val="5C5962"/>
-                </a:solidFill>
-                <a:effectLst/>
-                <a:latin typeface="Calibri" panose="020F0502020204030204" pitchFamily="34" charset="0"/>
-              </a:rPr>
-              <a:t>expect</a:t>
-            </a:r>
-            <a:r>
-              <a:rPr lang="en-US" b="0" i="0" dirty="0">
-                <a:solidFill>
-                  <a:srgbClr val="5C5962"/>
-                </a:solidFill>
-                <a:effectLst/>
-                <a:latin typeface="Calibri" panose="020F0502020204030204" pitchFamily="34" charset="0"/>
-              </a:rPr>
-              <a:t> function; in other testing frameworks this is called </a:t>
-            </a:r>
-            <a:r>
-              <a:rPr lang="en-US" b="1" i="0" dirty="0">
-                <a:solidFill>
-                  <a:srgbClr val="5C5962"/>
-                </a:solidFill>
-                <a:effectLst/>
-                <a:latin typeface="Calibri" panose="020F0502020204030204" pitchFamily="34" charset="0"/>
-              </a:rPr>
-              <a:t>assert</a:t>
-            </a:r>
-            <a:r>
-              <a:rPr lang="en-US" b="0" i="0" dirty="0">
-                <a:solidFill>
-                  <a:srgbClr val="5C5962"/>
-                </a:solidFill>
-                <a:effectLst/>
-                <a:latin typeface="Calibri" panose="020F0502020204030204" pitchFamily="34" charset="0"/>
-              </a:rPr>
-              <a:t>.  Note that the test uses some methods other than the one we’re testing; we’ll write tests for </a:t>
-            </a:r>
-            <a:r>
-              <a:rPr lang="en-US" b="1" i="0" dirty="0" err="1">
-                <a:solidFill>
-                  <a:srgbClr val="5C5962"/>
-                </a:solidFill>
-                <a:effectLst/>
-                <a:latin typeface="Calibri" panose="020F0502020204030204" pitchFamily="34" charset="0"/>
-              </a:rPr>
-              <a:t>nameToIds</a:t>
-            </a:r>
-            <a:r>
-              <a:rPr lang="en-US" b="0" i="0" dirty="0">
-                <a:solidFill>
-                  <a:srgbClr val="5C5962"/>
-                </a:solidFill>
-                <a:effectLst/>
-                <a:latin typeface="Calibri" panose="020F0502020204030204" pitchFamily="34" charset="0"/>
-              </a:rPr>
-              <a:t> separately.</a:t>
-            </a:r>
-          </a:p>
-          <a:p>
-            <a:endParaRPr lang="en-US" b="0" i="0" dirty="0">
-              <a:solidFill>
-                <a:srgbClr val="5C5962"/>
-              </a:solidFill>
-              <a:effectLst/>
-              <a:latin typeface="Calibri" panose="020F0502020204030204" pitchFamily="34" charset="0"/>
-            </a:endParaRPr>
-          </a:p>
-          <a:p>
-            <a:r>
-              <a:rPr lang="en-US" b="0" i="0" dirty="0">
-                <a:solidFill>
-                  <a:srgbClr val="5C5962"/>
-                </a:solidFill>
-                <a:effectLst/>
-                <a:latin typeface="Calibri" panose="020F0502020204030204" pitchFamily="34" charset="0"/>
-              </a:rPr>
-              <a:t>Another way of looking at this is that this test is not just about </a:t>
-            </a:r>
-            <a:r>
-              <a:rPr lang="en-US" b="1" i="0" dirty="0" err="1">
-                <a:solidFill>
-                  <a:srgbClr val="5C5962"/>
-                </a:solidFill>
-                <a:effectLst/>
-                <a:latin typeface="Calibri" panose="020F0502020204030204" pitchFamily="34" charset="0"/>
-              </a:rPr>
-              <a:t>addStudent</a:t>
-            </a:r>
-            <a:r>
-              <a:rPr lang="en-US" b="0" i="0" dirty="0">
-                <a:solidFill>
-                  <a:srgbClr val="5C5962"/>
-                </a:solidFill>
-                <a:effectLst/>
-                <a:latin typeface="Calibri" panose="020F0502020204030204" pitchFamily="34" charset="0"/>
-              </a:rPr>
-              <a:t>; it’s making sure that </a:t>
-            </a:r>
-            <a:r>
-              <a:rPr lang="en-US" b="1" i="0" dirty="0" err="1">
-                <a:solidFill>
-                  <a:srgbClr val="5C5962"/>
-                </a:solidFill>
-                <a:effectLst/>
-                <a:latin typeface="Calibri" panose="020F0502020204030204" pitchFamily="34" charset="0"/>
-              </a:rPr>
-              <a:t>addStudent</a:t>
-            </a:r>
-            <a:r>
-              <a:rPr lang="en-US" b="0" i="0" dirty="0">
-                <a:solidFill>
-                  <a:srgbClr val="5C5962"/>
-                </a:solidFill>
-                <a:effectLst/>
-                <a:latin typeface="Calibri" panose="020F0502020204030204" pitchFamily="34" charset="0"/>
-              </a:rPr>
-              <a:t> and </a:t>
-            </a:r>
-            <a:r>
-              <a:rPr lang="en-US" b="1" i="0" dirty="0" err="1">
-                <a:solidFill>
-                  <a:srgbClr val="5C5962"/>
-                </a:solidFill>
-                <a:effectLst/>
-                <a:latin typeface="Calibri" panose="020F0502020204030204" pitchFamily="34" charset="0"/>
-              </a:rPr>
-              <a:t>nameToIds</a:t>
-            </a:r>
-            <a:r>
-              <a:rPr lang="en-US" b="0" i="0" dirty="0">
-                <a:solidFill>
-                  <a:srgbClr val="5C5962"/>
-                </a:solidFill>
-                <a:effectLst/>
-                <a:latin typeface="Calibri" panose="020F0502020204030204" pitchFamily="34" charset="0"/>
-              </a:rPr>
-              <a:t> cooperate (or conspire) together to produce the desired behavior.</a:t>
-            </a:r>
-          </a:p>
-          <a:p>
-            <a:endParaRPr lang="en-US" b="0" i="0" dirty="0">
-              <a:solidFill>
-                <a:srgbClr val="5C5962"/>
-              </a:solidFill>
-              <a:effectLst/>
-              <a:latin typeface="Calibri" panose="020F0502020204030204" pitchFamily="34" charset="0"/>
-            </a:endParaRPr>
+              <a:rPr lang="en-US" dirty="0"/>
+              <a:t>Just writing out our testable behaviors in English starts letting us see where there might be ambiguity; once we’ve resolved that through negotiation — either with the programmers that are using this API to build other parts of the application, or with a client representing the ultimate users of the application — we can go a step further and start writing actual tests.</a:t>
+            </a:r>
           </a:p>
           <a:p>
             <a:endParaRPr lang="en-US" dirty="0"/>
@@ -1027,7 +797,7 @@
           <a:p>
             <a:fld id="{07937F07-1250-4CCE-B198-1B2887014F41}" type="slidenum">
               <a:rPr lang="en-US" smtClean="0"/>
-              <a:t>18</a:t>
+              <a:t>12</a:t>
             </a:fld>
             <a:endParaRPr lang="en-US"/>
           </a:p>
@@ -1036,7 +806,7 @@
     </p:spTree>
     <p:extLst>
       <p:ext uri="{BB962C8B-B14F-4D97-AF65-F5344CB8AC3E}">
-        <p14:creationId xmlns:p14="http://schemas.microsoft.com/office/powerpoint/2010/main" val="2767224892"/>
+        <p14:creationId xmlns:p14="http://schemas.microsoft.com/office/powerpoint/2010/main" val="814917079"/>
       </p:ext>
     </p:extLst>
   </p:cSld>
@@ -1090,60 +860,17 @@
           <a:bodyPr/>
           <a:lstStyle/>
           <a:p>
-            <a:pPr marL="0" marR="0" lvl="0" indent="0" algn="l" defTabSz="914400" rtl="0" eaLnBrk="1" fontAlgn="auto" latinLnBrk="0" hangingPunct="1">
-              <a:lnSpc>
-                <a:spcPct val="100000"/>
-              </a:lnSpc>
-              <a:spcBef>
-                <a:spcPts val="0"/>
-              </a:spcBef>
-              <a:spcAft>
-                <a:spcPts val="0"/>
-              </a:spcAft>
-              <a:buClrTx/>
-              <a:buSzTx/>
-              <a:buFontTx/>
-              <a:buNone/>
-              <a:tabLst/>
-              <a:defRPr/>
-            </a:pPr>
             <a:r>
               <a:rPr lang="en-US" dirty="0"/>
-              <a:t>(review Assemble-Act-Assess)</a:t>
-            </a:r>
-          </a:p>
-          <a:p>
-            <a:endParaRPr lang="en-US" dirty="0"/>
-          </a:p>
-          <a:p>
-            <a:pPr marL="0" marR="0" lvl="0" indent="0" algn="l" defTabSz="914400" rtl="0" eaLnBrk="1" fontAlgn="auto" latinLnBrk="0" hangingPunct="1">
-              <a:lnSpc>
-                <a:spcPct val="100000"/>
-              </a:lnSpc>
-              <a:spcBef>
-                <a:spcPts val="0"/>
-              </a:spcBef>
-              <a:spcAft>
-                <a:spcPts val="0"/>
-              </a:spcAft>
-              <a:buClrTx/>
-              <a:buSzTx/>
-              <a:buFontTx/>
-              <a:buNone/>
-              <a:tabLst/>
-              <a:defRPr/>
-            </a:pPr>
+              <a:t>A lot of testing frameworks are similar — we’ll be using </a:t>
+            </a:r>
+            <a:r>
+              <a:rPr lang="en-US" dirty="0" err="1"/>
+              <a:t>Vitest</a:t>
+            </a:r>
             <a:r>
               <a:rPr lang="en-US" dirty="0"/>
-              <a:t>Q: how will we test “</a:t>
-            </a:r>
-            <a:r>
-              <a:rPr lang="en-US" dirty="0" err="1"/>
-              <a:t>addStudent</a:t>
-            </a:r>
-            <a:r>
-              <a:rPr lang="en-US" dirty="0"/>
-              <a:t> should permit adding a student with the same name as an existing student"</a:t>
+              <a:t>, a modernized version of a popular JavaScript testing framework called Jest.</a:t>
             </a:r>
           </a:p>
         </p:txBody>
@@ -1165,7 +892,7 @@
           <a:p>
             <a:fld id="{07937F07-1250-4CCE-B198-1B2887014F41}" type="slidenum">
               <a:rPr lang="en-US" smtClean="0"/>
-              <a:t>19</a:t>
+              <a:t>13</a:t>
             </a:fld>
             <a:endParaRPr lang="en-US"/>
           </a:p>
@@ -1174,7 +901,7 @@
     </p:spTree>
     <p:extLst>
       <p:ext uri="{BB962C8B-B14F-4D97-AF65-F5344CB8AC3E}">
-        <p14:creationId xmlns:p14="http://schemas.microsoft.com/office/powerpoint/2010/main" val="4142252247"/>
+        <p14:creationId xmlns:p14="http://schemas.microsoft.com/office/powerpoint/2010/main" val="3251417235"/>
       </p:ext>
     </p:extLst>
   </p:cSld>
@@ -1228,10 +955,7 @@
           <a:bodyPr/>
           <a:lstStyle/>
           <a:p>
-            <a:r>
-              <a:rPr lang="en-US" dirty="0"/>
-              <a:t>We’re actually testing a more specific behavior here, that </a:t>
-            </a:r>
+            <a:endParaRPr lang="en-US" dirty="0"/>
           </a:p>
         </p:txBody>
       </p:sp>
@@ -1252,7 +976,7 @@
           <a:p>
             <a:fld id="{07937F07-1250-4CCE-B198-1B2887014F41}" type="slidenum">
               <a:rPr lang="en-US" smtClean="0"/>
-              <a:t>20</a:t>
+              <a:t>15</a:t>
             </a:fld>
             <a:endParaRPr lang="en-US"/>
           </a:p>
@@ -1261,7 +985,7 @@
     </p:spTree>
     <p:extLst>
       <p:ext uri="{BB962C8B-B14F-4D97-AF65-F5344CB8AC3E}">
-        <p14:creationId xmlns:p14="http://schemas.microsoft.com/office/powerpoint/2010/main" val="2422311404"/>
+        <p14:creationId xmlns:p14="http://schemas.microsoft.com/office/powerpoint/2010/main" val="2151239199"/>
       </p:ext>
     </p:extLst>
   </p:cSld>
@@ -1272,6 +996,475 @@
 </file>
 
 <file path=ppt/notesSlides/notesSlide14.xml><?xml version="1.0" encoding="utf-8"?>
+<p:notes xmlns:a="http://schemas.openxmlformats.org/drawingml/2006/main" xmlns:r="http://schemas.openxmlformats.org/officeDocument/2006/relationships" xmlns:p="http://schemas.openxmlformats.org/presentationml/2006/main">
+  <p:cSld>
+    <p:spTree>
+      <p:nvGrpSpPr>
+        <p:cNvPr id="1" name=""/>
+        <p:cNvGrpSpPr/>
+        <p:nvPr/>
+      </p:nvGrpSpPr>
+      <p:grpSpPr>
+        <a:xfrm>
+          <a:off x="0" y="0"/>
+          <a:ext cx="0" cy="0"/>
+          <a:chOff x="0" y="0"/>
+          <a:chExt cx="0" cy="0"/>
+        </a:xfrm>
+      </p:grpSpPr>
+      <p:sp>
+        <p:nvSpPr>
+          <p:cNvPr id="2" name="Slide Image Placeholder 1"/>
+          <p:cNvSpPr>
+            <a:spLocks noGrp="1" noRot="1" noChangeAspect="1"/>
+          </p:cNvSpPr>
+          <p:nvPr>
+            <p:ph type="sldImg"/>
+          </p:nvPr>
+        </p:nvSpPr>
+        <p:spPr/>
+      </p:sp>
+      <p:sp>
+        <p:nvSpPr>
+          <p:cNvPr id="3" name="Notes Placeholder 2"/>
+          <p:cNvSpPr>
+            <a:spLocks noGrp="1"/>
+          </p:cNvSpPr>
+          <p:nvPr>
+            <p:ph type="body" idx="1"/>
+          </p:nvPr>
+        </p:nvSpPr>
+        <p:spPr/>
+        <p:txBody>
+          <a:bodyPr/>
+          <a:lstStyle/>
+          <a:p>
+            <a:r>
+              <a:rPr lang="en-US" b="0" i="0" dirty="0">
+                <a:solidFill>
+                  <a:srgbClr val="5C5962"/>
+                </a:solidFill>
+                <a:effectLst/>
+                <a:latin typeface="Calibri" panose="020F0502020204030204" pitchFamily="34" charset="0"/>
+              </a:rPr>
+              <a:t>In order to run a test, we need to first ASSEMBLE it. This may include creating instances of classes/variables, setting up test data for inputs, etc.  We should always check to see that we’ve set it up correctly.  Here most of the work has already been done in the </a:t>
+            </a:r>
+            <a:r>
+              <a:rPr lang="en-US" b="0" i="0" dirty="0" err="1">
+                <a:solidFill>
+                  <a:srgbClr val="5C5962"/>
+                </a:solidFill>
+                <a:effectLst/>
+                <a:latin typeface="Calibri" panose="020F0502020204030204" pitchFamily="34" charset="0"/>
+              </a:rPr>
+              <a:t>beforeEach</a:t>
+            </a:r>
+            <a:r>
+              <a:rPr lang="en-US" b="0" i="0" dirty="0">
+                <a:solidFill>
+                  <a:srgbClr val="5C5962"/>
+                </a:solidFill>
+                <a:effectLst/>
+                <a:latin typeface="Calibri" panose="020F0502020204030204" pitchFamily="34" charset="0"/>
+              </a:rPr>
+              <a:t> block.</a:t>
+            </a:r>
+          </a:p>
+          <a:p>
+            <a:endParaRPr lang="en-US" b="0" i="0" dirty="0">
+              <a:solidFill>
+                <a:srgbClr val="5C5962"/>
+              </a:solidFill>
+              <a:effectLst/>
+              <a:latin typeface="Calibri" panose="020F0502020204030204" pitchFamily="34" charset="0"/>
+            </a:endParaRPr>
+          </a:p>
+          <a:p>
+            <a:r>
+              <a:rPr lang="en-US" b="0" i="0" dirty="0">
+                <a:solidFill>
+                  <a:srgbClr val="5C5962"/>
+                </a:solidFill>
+                <a:effectLst/>
+                <a:latin typeface="Calibri" panose="020F0502020204030204" pitchFamily="34" charset="0"/>
+              </a:rPr>
+              <a:t>Then we ACT: we do the action under test.</a:t>
+            </a:r>
+          </a:p>
+          <a:p>
+            <a:endParaRPr lang="en-US" b="0" i="0" dirty="0">
+              <a:solidFill>
+                <a:srgbClr val="5C5962"/>
+              </a:solidFill>
+              <a:effectLst/>
+              <a:latin typeface="Calibri" panose="020F0502020204030204" pitchFamily="34" charset="0"/>
+            </a:endParaRPr>
+          </a:p>
+          <a:p>
+            <a:r>
+              <a:rPr lang="en-US" b="0" i="0" dirty="0">
+                <a:solidFill>
+                  <a:srgbClr val="5C5962"/>
+                </a:solidFill>
+                <a:effectLst/>
+                <a:latin typeface="Calibri" panose="020F0502020204030204" pitchFamily="34" charset="0"/>
+              </a:rPr>
+              <a:t>Last, we ASSESS: we check to see that the response was acceptable.  In </a:t>
+            </a:r>
+            <a:r>
+              <a:rPr lang="en-US" b="0" i="0" dirty="0" err="1">
+                <a:solidFill>
+                  <a:srgbClr val="5C5962"/>
+                </a:solidFill>
+                <a:effectLst/>
+                <a:latin typeface="Calibri" panose="020F0502020204030204" pitchFamily="34" charset="0"/>
+              </a:rPr>
+              <a:t>Vitest</a:t>
+            </a:r>
+            <a:r>
+              <a:rPr lang="en-US" b="0" i="0" dirty="0">
+                <a:solidFill>
+                  <a:srgbClr val="5C5962"/>
+                </a:solidFill>
+                <a:effectLst/>
+                <a:latin typeface="Calibri" panose="020F0502020204030204" pitchFamily="34" charset="0"/>
+              </a:rPr>
+              <a:t>, this is done by the </a:t>
+            </a:r>
+            <a:r>
+              <a:rPr lang="en-US" b="1" i="0" dirty="0">
+                <a:solidFill>
+                  <a:srgbClr val="5C5962"/>
+                </a:solidFill>
+                <a:effectLst/>
+                <a:latin typeface="Calibri" panose="020F0502020204030204" pitchFamily="34" charset="0"/>
+              </a:rPr>
+              <a:t>expect</a:t>
+            </a:r>
+            <a:r>
+              <a:rPr lang="en-US" b="0" i="0" dirty="0">
+                <a:solidFill>
+                  <a:srgbClr val="5C5962"/>
+                </a:solidFill>
+                <a:effectLst/>
+                <a:latin typeface="Calibri" panose="020F0502020204030204" pitchFamily="34" charset="0"/>
+              </a:rPr>
+              <a:t> function; in other testing frameworks this is called </a:t>
+            </a:r>
+            <a:r>
+              <a:rPr lang="en-US" b="1" i="0" dirty="0">
+                <a:solidFill>
+                  <a:srgbClr val="5C5962"/>
+                </a:solidFill>
+                <a:effectLst/>
+                <a:latin typeface="Calibri" panose="020F0502020204030204" pitchFamily="34" charset="0"/>
+              </a:rPr>
+              <a:t>assert</a:t>
+            </a:r>
+            <a:r>
+              <a:rPr lang="en-US" b="0" i="0" dirty="0">
+                <a:solidFill>
+                  <a:srgbClr val="5C5962"/>
+                </a:solidFill>
+                <a:effectLst/>
+                <a:latin typeface="Calibri" panose="020F0502020204030204" pitchFamily="34" charset="0"/>
+              </a:rPr>
+              <a:t>.  Note that the test uses some methods other than the one we’re testing; we’ll write tests for </a:t>
+            </a:r>
+            <a:r>
+              <a:rPr lang="en-US" b="1" i="0" dirty="0" err="1">
+                <a:solidFill>
+                  <a:srgbClr val="5C5962"/>
+                </a:solidFill>
+                <a:effectLst/>
+                <a:latin typeface="Calibri" panose="020F0502020204030204" pitchFamily="34" charset="0"/>
+              </a:rPr>
+              <a:t>nameToIds</a:t>
+            </a:r>
+            <a:r>
+              <a:rPr lang="en-US" b="0" i="0" dirty="0">
+                <a:solidFill>
+                  <a:srgbClr val="5C5962"/>
+                </a:solidFill>
+                <a:effectLst/>
+                <a:latin typeface="Calibri" panose="020F0502020204030204" pitchFamily="34" charset="0"/>
+              </a:rPr>
+              <a:t> separately.</a:t>
+            </a:r>
+          </a:p>
+          <a:p>
+            <a:endParaRPr lang="en-US" b="0" i="0" dirty="0">
+              <a:solidFill>
+                <a:srgbClr val="5C5962"/>
+              </a:solidFill>
+              <a:effectLst/>
+              <a:latin typeface="Calibri" panose="020F0502020204030204" pitchFamily="34" charset="0"/>
+            </a:endParaRPr>
+          </a:p>
+          <a:p>
+            <a:r>
+              <a:rPr lang="en-US" b="0" i="0" dirty="0">
+                <a:solidFill>
+                  <a:srgbClr val="5C5962"/>
+                </a:solidFill>
+                <a:effectLst/>
+                <a:latin typeface="Calibri" panose="020F0502020204030204" pitchFamily="34" charset="0"/>
+              </a:rPr>
+              <a:t>Another way of looking at this is that this test is not just about </a:t>
+            </a:r>
+            <a:r>
+              <a:rPr lang="en-US" b="1" i="0" dirty="0" err="1">
+                <a:solidFill>
+                  <a:srgbClr val="5C5962"/>
+                </a:solidFill>
+                <a:effectLst/>
+                <a:latin typeface="Calibri" panose="020F0502020204030204" pitchFamily="34" charset="0"/>
+              </a:rPr>
+              <a:t>addStudent</a:t>
+            </a:r>
+            <a:r>
+              <a:rPr lang="en-US" b="0" i="0" dirty="0">
+                <a:solidFill>
+                  <a:srgbClr val="5C5962"/>
+                </a:solidFill>
+                <a:effectLst/>
+                <a:latin typeface="Calibri" panose="020F0502020204030204" pitchFamily="34" charset="0"/>
+              </a:rPr>
+              <a:t>; it’s making sure that </a:t>
+            </a:r>
+            <a:r>
+              <a:rPr lang="en-US" b="1" i="0" dirty="0" err="1">
+                <a:solidFill>
+                  <a:srgbClr val="5C5962"/>
+                </a:solidFill>
+                <a:effectLst/>
+                <a:latin typeface="Calibri" panose="020F0502020204030204" pitchFamily="34" charset="0"/>
+              </a:rPr>
+              <a:t>addStudent</a:t>
+            </a:r>
+            <a:r>
+              <a:rPr lang="en-US" b="0" i="0" dirty="0">
+                <a:solidFill>
+                  <a:srgbClr val="5C5962"/>
+                </a:solidFill>
+                <a:effectLst/>
+                <a:latin typeface="Calibri" panose="020F0502020204030204" pitchFamily="34" charset="0"/>
+              </a:rPr>
+              <a:t> and </a:t>
+            </a:r>
+            <a:r>
+              <a:rPr lang="en-US" b="1" i="0" dirty="0" err="1">
+                <a:solidFill>
+                  <a:srgbClr val="5C5962"/>
+                </a:solidFill>
+                <a:effectLst/>
+                <a:latin typeface="Calibri" panose="020F0502020204030204" pitchFamily="34" charset="0"/>
+              </a:rPr>
+              <a:t>nameToIds</a:t>
+            </a:r>
+            <a:r>
+              <a:rPr lang="en-US" b="0" i="0" dirty="0">
+                <a:solidFill>
+                  <a:srgbClr val="5C5962"/>
+                </a:solidFill>
+                <a:effectLst/>
+                <a:latin typeface="Calibri" panose="020F0502020204030204" pitchFamily="34" charset="0"/>
+              </a:rPr>
+              <a:t> cooperate (or conspire) together to produce the desired behavior.</a:t>
+            </a:r>
+          </a:p>
+          <a:p>
+            <a:endParaRPr lang="en-US" b="0" i="0" dirty="0">
+              <a:solidFill>
+                <a:srgbClr val="5C5962"/>
+              </a:solidFill>
+              <a:effectLst/>
+              <a:latin typeface="Calibri" panose="020F0502020204030204" pitchFamily="34" charset="0"/>
+            </a:endParaRPr>
+          </a:p>
+          <a:p>
+            <a:endParaRPr lang="en-US" dirty="0"/>
+          </a:p>
+          <a:p>
+            <a:endParaRPr lang="en-US" dirty="0"/>
+          </a:p>
+        </p:txBody>
+      </p:sp>
+      <p:sp>
+        <p:nvSpPr>
+          <p:cNvPr id="4" name="Slide Number Placeholder 3"/>
+          <p:cNvSpPr>
+            <a:spLocks noGrp="1"/>
+          </p:cNvSpPr>
+          <p:nvPr>
+            <p:ph type="sldNum" sz="quarter" idx="5"/>
+          </p:nvPr>
+        </p:nvSpPr>
+        <p:spPr/>
+        <p:txBody>
+          <a:bodyPr/>
+          <a:lstStyle/>
+          <a:p>
+            <a:fld id="{07937F07-1250-4CCE-B198-1B2887014F41}" type="slidenum">
+              <a:rPr lang="en-US" smtClean="0"/>
+              <a:t>17</a:t>
+            </a:fld>
+            <a:endParaRPr lang="en-US"/>
+          </a:p>
+        </p:txBody>
+      </p:sp>
+    </p:spTree>
+    <p:extLst>
+      <p:ext uri="{BB962C8B-B14F-4D97-AF65-F5344CB8AC3E}">
+        <p14:creationId xmlns:p14="http://schemas.microsoft.com/office/powerpoint/2010/main" val="2767224892"/>
+      </p:ext>
+    </p:extLst>
+  </p:cSld>
+  <p:clrMapOvr>
+    <a:masterClrMapping/>
+  </p:clrMapOvr>
+</p:notes>
+</file>
+
+<file path=ppt/notesSlides/notesSlide15.xml><?xml version="1.0" encoding="utf-8"?>
+<p:notes xmlns:a="http://schemas.openxmlformats.org/drawingml/2006/main" xmlns:r="http://schemas.openxmlformats.org/officeDocument/2006/relationships" xmlns:p="http://schemas.openxmlformats.org/presentationml/2006/main">
+  <p:cSld>
+    <p:spTree>
+      <p:nvGrpSpPr>
+        <p:cNvPr id="1" name=""/>
+        <p:cNvGrpSpPr/>
+        <p:nvPr/>
+      </p:nvGrpSpPr>
+      <p:grpSpPr>
+        <a:xfrm>
+          <a:off x="0" y="0"/>
+          <a:ext cx="0" cy="0"/>
+          <a:chOff x="0" y="0"/>
+          <a:chExt cx="0" cy="0"/>
+        </a:xfrm>
+      </p:grpSpPr>
+      <p:sp>
+        <p:nvSpPr>
+          <p:cNvPr id="2" name="Slide Image Placeholder 1"/>
+          <p:cNvSpPr>
+            <a:spLocks noGrp="1" noRot="1" noChangeAspect="1"/>
+          </p:cNvSpPr>
+          <p:nvPr>
+            <p:ph type="sldImg"/>
+          </p:nvPr>
+        </p:nvSpPr>
+        <p:spPr/>
+      </p:sp>
+      <p:sp>
+        <p:nvSpPr>
+          <p:cNvPr id="3" name="Notes Placeholder 2"/>
+          <p:cNvSpPr>
+            <a:spLocks noGrp="1"/>
+          </p:cNvSpPr>
+          <p:nvPr>
+            <p:ph type="body" idx="1"/>
+          </p:nvPr>
+        </p:nvSpPr>
+        <p:spPr/>
+        <p:txBody>
+          <a:bodyPr/>
+          <a:lstStyle/>
+          <a:p>
+            <a:pPr marL="0" marR="0" lvl="0" indent="0" algn="l" defTabSz="914400" rtl="0" eaLnBrk="1" fontAlgn="auto" latinLnBrk="0" hangingPunct="1">
+              <a:lnSpc>
+                <a:spcPct val="100000"/>
+              </a:lnSpc>
+              <a:spcBef>
+                <a:spcPts val="0"/>
+              </a:spcBef>
+              <a:spcAft>
+                <a:spcPts val="0"/>
+              </a:spcAft>
+              <a:buClrTx/>
+              <a:buSzTx/>
+              <a:buFontTx/>
+              <a:buNone/>
+              <a:tabLst/>
+              <a:defRPr/>
+            </a:pPr>
+            <a:r>
+              <a:rPr lang="en-US" dirty="0"/>
+              <a:t>(review Assemble-Act-Assess)</a:t>
+            </a:r>
+          </a:p>
+          <a:p>
+            <a:endParaRPr lang="en-US" dirty="0"/>
+          </a:p>
+          <a:p>
+            <a:pPr marL="0" marR="0" lvl="0" indent="0" algn="l" defTabSz="914400" rtl="0" eaLnBrk="1" fontAlgn="auto" latinLnBrk="0" hangingPunct="1">
+              <a:lnSpc>
+                <a:spcPct val="100000"/>
+              </a:lnSpc>
+              <a:spcBef>
+                <a:spcPts val="0"/>
+              </a:spcBef>
+              <a:spcAft>
+                <a:spcPts val="0"/>
+              </a:spcAft>
+              <a:buClrTx/>
+              <a:buSzTx/>
+              <a:buFontTx/>
+              <a:buNone/>
+              <a:tabLst/>
+              <a:defRPr/>
+            </a:pPr>
+            <a:r>
+              <a:rPr lang="en-US" dirty="0"/>
+              <a:t>Q: how will we test “</a:t>
+            </a:r>
+            <a:r>
+              <a:rPr lang="en-US" dirty="0" err="1"/>
+              <a:t>addStudent</a:t>
+            </a:r>
+            <a:r>
+              <a:rPr lang="en-US" dirty="0"/>
+              <a:t> should permit adding a student with the same name as an existing student"</a:t>
+            </a:r>
+          </a:p>
+        </p:txBody>
+      </p:sp>
+      <p:sp>
+        <p:nvSpPr>
+          <p:cNvPr id="4" name="Slide Number Placeholder 3"/>
+          <p:cNvSpPr>
+            <a:spLocks noGrp="1"/>
+          </p:cNvSpPr>
+          <p:nvPr>
+            <p:ph type="sldNum" sz="quarter" idx="5"/>
+          </p:nvPr>
+        </p:nvSpPr>
+        <p:spPr/>
+        <p:txBody>
+          <a:bodyPr/>
+          <a:lstStyle/>
+          <a:p>
+            <a:fld id="{07937F07-1250-4CCE-B198-1B2887014F41}" type="slidenum">
+              <a:rPr lang="en-US" smtClean="0"/>
+              <a:t>18</a:t>
+            </a:fld>
+            <a:endParaRPr lang="en-US"/>
+          </a:p>
+        </p:txBody>
+      </p:sp>
+    </p:spTree>
+    <p:extLst>
+      <p:ext uri="{BB962C8B-B14F-4D97-AF65-F5344CB8AC3E}">
+        <p14:creationId xmlns:p14="http://schemas.microsoft.com/office/powerpoint/2010/main" val="4142252247"/>
+      </p:ext>
+    </p:extLst>
+  </p:cSld>
+  <p:clrMapOvr>
+    <a:masterClrMapping/>
+  </p:clrMapOvr>
+</p:notes>
+</file>
+
+<file path=ppt/notesSlides/notesSlide16.xml><?xml version="1.0" encoding="utf-8"?>
 <p:notes xmlns:a="http://schemas.openxmlformats.org/drawingml/2006/main" xmlns:r="http://schemas.openxmlformats.org/officeDocument/2006/relationships" xmlns:p="http://schemas.openxmlformats.org/presentationml/2006/main">
   <p:cSld>
     <p:spTree>
@@ -1363,7 +1556,7 @@
           <a:p>
             <a:fld id="{07937F07-1250-4CCE-B198-1B2887014F41}" type="slidenum">
               <a:rPr lang="en-US" smtClean="0"/>
-              <a:t>21</a:t>
+              <a:t>19</a:t>
             </a:fld>
             <a:endParaRPr lang="en-US"/>
           </a:p>
@@ -1373,242 +1566,6 @@
     <p:extLst>
       <p:ext uri="{BB962C8B-B14F-4D97-AF65-F5344CB8AC3E}">
         <p14:creationId xmlns:p14="http://schemas.microsoft.com/office/powerpoint/2010/main" val="1722242688"/>
-      </p:ext>
-    </p:extLst>
-  </p:cSld>
-  <p:clrMapOvr>
-    <a:masterClrMapping/>
-  </p:clrMapOvr>
-</p:notes>
-</file>
-
-<file path=ppt/notesSlides/notesSlide15.xml><?xml version="1.0" encoding="utf-8"?>
-<p:notes xmlns:a="http://schemas.openxmlformats.org/drawingml/2006/main" xmlns:r="http://schemas.openxmlformats.org/officeDocument/2006/relationships" xmlns:p="http://schemas.openxmlformats.org/presentationml/2006/main">
-  <p:cSld>
-    <p:spTree>
-      <p:nvGrpSpPr>
-        <p:cNvPr id="1" name=""/>
-        <p:cNvGrpSpPr/>
-        <p:nvPr/>
-      </p:nvGrpSpPr>
-      <p:grpSpPr>
-        <a:xfrm>
-          <a:off x="0" y="0"/>
-          <a:ext cx="0" cy="0"/>
-          <a:chOff x="0" y="0"/>
-          <a:chExt cx="0" cy="0"/>
-        </a:xfrm>
-      </p:grpSpPr>
-      <p:sp>
-        <p:nvSpPr>
-          <p:cNvPr id="2" name="Slide Image Placeholder 1"/>
-          <p:cNvSpPr>
-            <a:spLocks noGrp="1" noRot="1" noChangeAspect="1"/>
-          </p:cNvSpPr>
-          <p:nvPr>
-            <p:ph type="sldImg"/>
-          </p:nvPr>
-        </p:nvSpPr>
-        <p:spPr/>
-      </p:sp>
-      <p:sp>
-        <p:nvSpPr>
-          <p:cNvPr id="3" name="Notes Placeholder 2"/>
-          <p:cNvSpPr>
-            <a:spLocks noGrp="1"/>
-          </p:cNvSpPr>
-          <p:nvPr>
-            <p:ph type="body" idx="1"/>
-          </p:nvPr>
-        </p:nvSpPr>
-        <p:spPr/>
-        <p:txBody>
-          <a:bodyPr/>
-          <a:lstStyle/>
-          <a:p>
-            <a:r>
-              <a:rPr lang="en-US" dirty="0"/>
-              <a:t>Sometimes you want to make sure that the system under test is in a particular state before you start the test.  </a:t>
-            </a:r>
-            <a:r>
-              <a:rPr lang="en-US" dirty="0" err="1"/>
-              <a:t>Vitest</a:t>
-            </a:r>
-            <a:r>
-              <a:rPr lang="en-US" dirty="0"/>
-              <a:t>, and most other frameworks, allow you to do that by writing a </a:t>
-            </a:r>
-            <a:r>
-              <a:rPr lang="en-US" b="1" dirty="0" err="1"/>
-              <a:t>beforeEach</a:t>
-            </a:r>
-            <a:r>
-              <a:rPr lang="en-US" b="0" dirty="0"/>
-              <a:t> block. </a:t>
-            </a:r>
-          </a:p>
-          <a:p>
-            <a:endParaRPr lang="en-US" b="0" dirty="0"/>
-          </a:p>
-          <a:p>
-            <a:r>
-              <a:rPr lang="en-US" b="0" dirty="0"/>
-              <a:t>Our tests do, in fact, make changes to the database, but we avoid this problem by throwing away the database every time and starting with a brand new one. In some settings, this would make the test too slow, in which case we can create a database once and reset its contents undo those changes in the </a:t>
-            </a:r>
-            <a:r>
-              <a:rPr lang="en-US" b="0" dirty="0" err="1"/>
-              <a:t>beforeEach</a:t>
-            </a:r>
-            <a:r>
-              <a:rPr lang="en-US" b="0" dirty="0"/>
-              <a:t> block.</a:t>
-            </a:r>
-          </a:p>
-          <a:p>
-            <a:endParaRPr lang="en-US" b="0" dirty="0"/>
-          </a:p>
-          <a:p>
-            <a:r>
-              <a:rPr lang="en-US" b="0" dirty="0"/>
-              <a:t>If our tests did other things, like connect to an external data source, then we'd need to disconnect at the end of each test; this can be done by an </a:t>
-            </a:r>
-            <a:r>
-              <a:rPr lang="en-US" b="1" dirty="0" err="1"/>
-              <a:t>afterEach</a:t>
-            </a:r>
-            <a:r>
-              <a:rPr lang="en-US" b="0" dirty="0"/>
-              <a:t> (or </a:t>
-            </a:r>
-            <a:r>
-              <a:rPr lang="en-US" b="1" dirty="0" err="1"/>
-              <a:t>afterAll</a:t>
-            </a:r>
-            <a:r>
-              <a:rPr lang="en-US" b="0" dirty="0"/>
-              <a:t> to do cleanup once, at the very end).</a:t>
-            </a:r>
-            <a:endParaRPr lang="en-US" dirty="0"/>
-          </a:p>
-          <a:p>
-            <a:endParaRPr lang="en-US" dirty="0"/>
-          </a:p>
-        </p:txBody>
-      </p:sp>
-      <p:sp>
-        <p:nvSpPr>
-          <p:cNvPr id="4" name="Slide Number Placeholder 3"/>
-          <p:cNvSpPr>
-            <a:spLocks noGrp="1"/>
-          </p:cNvSpPr>
-          <p:nvPr>
-            <p:ph type="sldNum" sz="quarter" idx="5"/>
-          </p:nvPr>
-        </p:nvSpPr>
-        <p:spPr/>
-        <p:txBody>
-          <a:bodyPr/>
-          <a:lstStyle/>
-          <a:p>
-            <a:fld id="{07937F07-1250-4CCE-B198-1B2887014F41}" type="slidenum">
-              <a:rPr lang="en-US" smtClean="0"/>
-              <a:t>23</a:t>
-            </a:fld>
-            <a:endParaRPr lang="en-US"/>
-          </a:p>
-        </p:txBody>
-      </p:sp>
-    </p:spTree>
-    <p:extLst>
-      <p:ext uri="{BB962C8B-B14F-4D97-AF65-F5344CB8AC3E}">
-        <p14:creationId xmlns:p14="http://schemas.microsoft.com/office/powerpoint/2010/main" val="3646213354"/>
-      </p:ext>
-    </p:extLst>
-  </p:cSld>
-  <p:clrMapOvr>
-    <a:masterClrMapping/>
-  </p:clrMapOvr>
-</p:notes>
-</file>
-
-<file path=ppt/notesSlides/notesSlide16.xml><?xml version="1.0" encoding="utf-8"?>
-<p:notes xmlns:a="http://schemas.openxmlformats.org/drawingml/2006/main" xmlns:r="http://schemas.openxmlformats.org/officeDocument/2006/relationships" xmlns:p="http://schemas.openxmlformats.org/presentationml/2006/main">
-  <p:cSld>
-    <p:spTree>
-      <p:nvGrpSpPr>
-        <p:cNvPr id="1" name=""/>
-        <p:cNvGrpSpPr/>
-        <p:nvPr/>
-      </p:nvGrpSpPr>
-      <p:grpSpPr>
-        <a:xfrm>
-          <a:off x="0" y="0"/>
-          <a:ext cx="0" cy="0"/>
-          <a:chOff x="0" y="0"/>
-          <a:chExt cx="0" cy="0"/>
-        </a:xfrm>
-      </p:grpSpPr>
-      <p:sp>
-        <p:nvSpPr>
-          <p:cNvPr id="2" name="Slide Image Placeholder 1"/>
-          <p:cNvSpPr>
-            <a:spLocks noGrp="1" noRot="1" noChangeAspect="1"/>
-          </p:cNvSpPr>
-          <p:nvPr>
-            <p:ph type="sldImg"/>
-          </p:nvPr>
-        </p:nvSpPr>
-        <p:spPr/>
-      </p:sp>
-      <p:sp>
-        <p:nvSpPr>
-          <p:cNvPr id="3" name="Notes Placeholder 2"/>
-          <p:cNvSpPr>
-            <a:spLocks noGrp="1"/>
-          </p:cNvSpPr>
-          <p:nvPr>
-            <p:ph type="body" idx="1"/>
-          </p:nvPr>
-        </p:nvSpPr>
-        <p:spPr/>
-        <p:txBody>
-          <a:bodyPr/>
-          <a:lstStyle/>
-          <a:p>
-            <a:r>
-              <a:rPr lang="en-US" dirty="0"/>
-              <a:t>We’ll discuss implementation next time!</a:t>
-            </a:r>
-          </a:p>
-        </p:txBody>
-      </p:sp>
-      <p:sp>
-        <p:nvSpPr>
-          <p:cNvPr id="4" name="Slide Number Placeholder 3"/>
-          <p:cNvSpPr>
-            <a:spLocks noGrp="1"/>
-          </p:cNvSpPr>
-          <p:nvPr>
-            <p:ph type="sldNum" sz="quarter" idx="5"/>
-          </p:nvPr>
-        </p:nvSpPr>
-        <p:spPr/>
-        <p:txBody>
-          <a:bodyPr/>
-          <a:lstStyle/>
-          <a:p>
-            <a:fld id="{07937F07-1250-4CCE-B198-1B2887014F41}" type="slidenum">
-              <a:rPr lang="en-US" smtClean="0"/>
-              <a:t>24</a:t>
-            </a:fld>
-            <a:endParaRPr lang="en-US"/>
-          </a:p>
-        </p:txBody>
-      </p:sp>
-    </p:spTree>
-    <p:extLst>
-      <p:ext uri="{BB962C8B-B14F-4D97-AF65-F5344CB8AC3E}">
-        <p14:creationId xmlns:p14="http://schemas.microsoft.com/office/powerpoint/2010/main" val="502671049"/>
       </p:ext>
     </p:extLst>
   </p:cSld>
@@ -1662,7 +1619,72 @@
           <a:bodyPr/>
           <a:lstStyle/>
           <a:p>
-            <a:endParaRPr lang="en-US"/>
+            <a:r>
+              <a:rPr lang="en-US" dirty="0"/>
+              <a:t>Sometimes you want to make sure that the system under test is in a particular state before you start the test.  </a:t>
+            </a:r>
+            <a:r>
+              <a:rPr lang="en-US" dirty="0" err="1"/>
+              <a:t>Vitest</a:t>
+            </a:r>
+            <a:r>
+              <a:rPr lang="en-US" dirty="0"/>
+              <a:t>, and most other frameworks, allow you to do that by writing a </a:t>
+            </a:r>
+            <a:r>
+              <a:rPr lang="en-US" b="1" dirty="0" err="1"/>
+              <a:t>beforeEach</a:t>
+            </a:r>
+            <a:r>
+              <a:rPr lang="en-US" b="0" dirty="0"/>
+              <a:t> block. </a:t>
+            </a:r>
+          </a:p>
+          <a:p>
+            <a:endParaRPr lang="en-US" b="0" dirty="0"/>
+          </a:p>
+          <a:p>
+            <a:r>
+              <a:rPr lang="en-US" b="0" dirty="0"/>
+              <a:t>Our tests do, in fact, make changes to the database, but we avoid this problem by throwing away the database every time and starting with a brand new one. In some settings, this would make the test too slow, in which case we can create a database once and reset its contents undo those changes in the </a:t>
+            </a:r>
+            <a:r>
+              <a:rPr lang="en-US" b="0" dirty="0" err="1"/>
+              <a:t>beforeEach</a:t>
+            </a:r>
+            <a:r>
+              <a:rPr lang="en-US" b="0" dirty="0"/>
+              <a:t> block.</a:t>
+            </a:r>
+          </a:p>
+          <a:p>
+            <a:endParaRPr lang="en-US" b="0" dirty="0"/>
+          </a:p>
+          <a:p>
+            <a:r>
+              <a:rPr lang="en-US" b="0" dirty="0"/>
+              <a:t>If our tests did other things, like connect to an external data source, then we'd need to disconnect at the end of each test; this can be done by an </a:t>
+            </a:r>
+            <a:r>
+              <a:rPr lang="en-US" b="1" dirty="0" err="1"/>
+              <a:t>afterEach</a:t>
+            </a:r>
+            <a:r>
+              <a:rPr lang="en-US" b="0" dirty="0"/>
+              <a:t> (or </a:t>
+            </a:r>
+            <a:r>
+              <a:rPr lang="en-US" b="1" dirty="0" err="1"/>
+              <a:t>afterAll</a:t>
+            </a:r>
+            <a:r>
+              <a:rPr lang="en-US" b="0" dirty="0"/>
+              <a:t> to do cleanup once, at the very end).</a:t>
+            </a:r>
+            <a:endParaRPr lang="en-US" dirty="0"/>
+          </a:p>
+          <a:p>
+            <a:endParaRPr lang="en-US" dirty="0"/>
           </a:p>
         </p:txBody>
       </p:sp>
@@ -1683,7 +1705,178 @@
           <a:p>
             <a:fld id="{07937F07-1250-4CCE-B198-1B2887014F41}" type="slidenum">
               <a:rPr lang="en-US" smtClean="0"/>
-              <a:t>25</a:t>
+              <a:t>21</a:t>
+            </a:fld>
+            <a:endParaRPr lang="en-US"/>
+          </a:p>
+        </p:txBody>
+      </p:sp>
+    </p:spTree>
+    <p:extLst>
+      <p:ext uri="{BB962C8B-B14F-4D97-AF65-F5344CB8AC3E}">
+        <p14:creationId xmlns:p14="http://schemas.microsoft.com/office/powerpoint/2010/main" val="3646213354"/>
+      </p:ext>
+    </p:extLst>
+  </p:cSld>
+  <p:clrMapOvr>
+    <a:masterClrMapping/>
+  </p:clrMapOvr>
+</p:notes>
+</file>
+
+<file path=ppt/notesSlides/notesSlide18.xml><?xml version="1.0" encoding="utf-8"?>
+<p:notes xmlns:a="http://schemas.openxmlformats.org/drawingml/2006/main" xmlns:r="http://schemas.openxmlformats.org/officeDocument/2006/relationships" xmlns:p="http://schemas.openxmlformats.org/presentationml/2006/main">
+  <p:cSld>
+    <p:spTree>
+      <p:nvGrpSpPr>
+        <p:cNvPr id="1" name=""/>
+        <p:cNvGrpSpPr/>
+        <p:nvPr/>
+      </p:nvGrpSpPr>
+      <p:grpSpPr>
+        <a:xfrm>
+          <a:off x="0" y="0"/>
+          <a:ext cx="0" cy="0"/>
+          <a:chOff x="0" y="0"/>
+          <a:chExt cx="0" cy="0"/>
+        </a:xfrm>
+      </p:grpSpPr>
+      <p:sp>
+        <p:nvSpPr>
+          <p:cNvPr id="2" name="Slide Image Placeholder 1"/>
+          <p:cNvSpPr>
+            <a:spLocks noGrp="1" noRot="1" noChangeAspect="1"/>
+          </p:cNvSpPr>
+          <p:nvPr>
+            <p:ph type="sldImg"/>
+          </p:nvPr>
+        </p:nvSpPr>
+        <p:spPr/>
+      </p:sp>
+      <p:sp>
+        <p:nvSpPr>
+          <p:cNvPr id="3" name="Notes Placeholder 2"/>
+          <p:cNvSpPr>
+            <a:spLocks noGrp="1"/>
+          </p:cNvSpPr>
+          <p:nvPr>
+            <p:ph type="body" idx="1"/>
+          </p:nvPr>
+        </p:nvSpPr>
+        <p:spPr/>
+        <p:txBody>
+          <a:bodyPr/>
+          <a:lstStyle/>
+          <a:p>
+            <a:r>
+              <a:rPr lang="en-US" dirty="0"/>
+              <a:t>We’ll discuss implementation next time!</a:t>
+            </a:r>
+          </a:p>
+        </p:txBody>
+      </p:sp>
+      <p:sp>
+        <p:nvSpPr>
+          <p:cNvPr id="4" name="Slide Number Placeholder 3"/>
+          <p:cNvSpPr>
+            <a:spLocks noGrp="1"/>
+          </p:cNvSpPr>
+          <p:nvPr>
+            <p:ph type="sldNum" sz="quarter" idx="5"/>
+          </p:nvPr>
+        </p:nvSpPr>
+        <p:spPr/>
+        <p:txBody>
+          <a:bodyPr/>
+          <a:lstStyle/>
+          <a:p>
+            <a:fld id="{07937F07-1250-4CCE-B198-1B2887014F41}" type="slidenum">
+              <a:rPr lang="en-US" smtClean="0"/>
+              <a:t>22</a:t>
+            </a:fld>
+            <a:endParaRPr lang="en-US"/>
+          </a:p>
+        </p:txBody>
+      </p:sp>
+    </p:spTree>
+    <p:extLst>
+      <p:ext uri="{BB962C8B-B14F-4D97-AF65-F5344CB8AC3E}">
+        <p14:creationId xmlns:p14="http://schemas.microsoft.com/office/powerpoint/2010/main" val="502671049"/>
+      </p:ext>
+    </p:extLst>
+  </p:cSld>
+  <p:clrMapOvr>
+    <a:masterClrMapping/>
+  </p:clrMapOvr>
+</p:notes>
+</file>
+
+<file path=ppt/notesSlides/notesSlide19.xml><?xml version="1.0" encoding="utf-8"?>
+<p:notes xmlns:a="http://schemas.openxmlformats.org/drawingml/2006/main" xmlns:r="http://schemas.openxmlformats.org/officeDocument/2006/relationships" xmlns:p="http://schemas.openxmlformats.org/presentationml/2006/main">
+  <p:cSld>
+    <p:spTree>
+      <p:nvGrpSpPr>
+        <p:cNvPr id="1" name=""/>
+        <p:cNvGrpSpPr/>
+        <p:nvPr/>
+      </p:nvGrpSpPr>
+      <p:grpSpPr>
+        <a:xfrm>
+          <a:off x="0" y="0"/>
+          <a:ext cx="0" cy="0"/>
+          <a:chOff x="0" y="0"/>
+          <a:chExt cx="0" cy="0"/>
+        </a:xfrm>
+      </p:grpSpPr>
+      <p:sp>
+        <p:nvSpPr>
+          <p:cNvPr id="2" name="Slide Image Placeholder 1"/>
+          <p:cNvSpPr>
+            <a:spLocks noGrp="1" noRot="1" noChangeAspect="1"/>
+          </p:cNvSpPr>
+          <p:nvPr>
+            <p:ph type="sldImg"/>
+          </p:nvPr>
+        </p:nvSpPr>
+        <p:spPr/>
+      </p:sp>
+      <p:sp>
+        <p:nvSpPr>
+          <p:cNvPr id="3" name="Notes Placeholder 2"/>
+          <p:cNvSpPr>
+            <a:spLocks noGrp="1"/>
+          </p:cNvSpPr>
+          <p:nvPr>
+            <p:ph type="body" idx="1"/>
+          </p:nvPr>
+        </p:nvSpPr>
+        <p:spPr/>
+        <p:txBody>
+          <a:bodyPr/>
+          <a:lstStyle/>
+          <a:p>
+            <a:endParaRPr lang="en-US" dirty="0"/>
+          </a:p>
+        </p:txBody>
+      </p:sp>
+      <p:sp>
+        <p:nvSpPr>
+          <p:cNvPr id="4" name="Slide Number Placeholder 3"/>
+          <p:cNvSpPr>
+            <a:spLocks noGrp="1"/>
+          </p:cNvSpPr>
+          <p:nvPr>
+            <p:ph type="sldNum" sz="quarter" idx="5"/>
+          </p:nvPr>
+        </p:nvSpPr>
+        <p:spPr/>
+        <p:txBody>
+          <a:bodyPr/>
+          <a:lstStyle/>
+          <a:p>
+            <a:fld id="{07937F07-1250-4CCE-B198-1B2887014F41}" type="slidenum">
+              <a:rPr lang="en-US" smtClean="0"/>
+              <a:t>23</a:t>
             </a:fld>
             <a:endParaRPr lang="en-US"/>
           </a:p>
@@ -2050,7 +2243,7 @@
           <a:bodyPr/>
           <a:lstStyle/>
           <a:p>
-            <a:endParaRPr lang="en-US"/>
+            <a:endParaRPr lang="en-US" dirty="0"/>
           </a:p>
         </p:txBody>
       </p:sp>
@@ -2585,15 +2778,33 @@
           <a:p>
             <a:r>
               <a:rPr lang="en-US" dirty="0"/>
-              <a:t>We can connect conditions of satisfaction with tests at almost any level, and it’s relatively common to write tests at service, controller, and web application layers. But easiest, for this gentle introduction, to write executable tests checking testable behaviors at the </a:t>
-            </a:r>
-            <a:r>
-              <a:rPr lang="en-US" b="1" dirty="0"/>
-              <a:t>service</a:t>
-            </a:r>
+              <a:t>In order to meet our conditions of satisfaction, the college administrator is going to need to be doing something like connecting to a secure web application with a password. Most large applications have many levels, and after a process of requirements gathering, prioritization, and design, you might have a plan for an application that looks like this. (We’re going to be returning to this view later! It’s also how the course project </a:t>
+            </a:r>
+            <a:r>
+              <a:rPr lang="en-US"/>
+              <a:t>is designed.)</a:t>
+            </a:r>
+            <a:endParaRPr lang="en-US" dirty="0"/>
+          </a:p>
+          <a:p>
+            <a:endParaRPr lang="en-US" dirty="0"/>
+          </a:p>
+          <a:p>
             <a:r>
               <a:rPr lang="en-US" dirty="0"/>
-              <a:t> later.</a:t>
+              <a:t>Right now, we’ll focus on conditions of satisfaction relevant to the </a:t>
+            </a:r>
+            <a:r>
+              <a:rPr lang="en-US" i="1" dirty="0"/>
+              <a:t>service layer abstraction</a:t>
+            </a:r>
+            <a:r>
+              <a:rPr lang="en-US" i="0" dirty="0"/>
+              <a:t>. Practically, that means we won’t be thinking about authentication, which generally happens at the controller level.</a:t>
+            </a:r>
+            <a:r>
+              <a:rPr lang="en-US" dirty="0"/>
+              <a:t> A condition of satisfaction might be able to lead to tests at multiple levels in an application.</a:t>
             </a:r>
           </a:p>
         </p:txBody>
@@ -2613,9 +2824,9 @@
           <a:bodyPr/>
           <a:lstStyle/>
           <a:p>
-            <a:fld id="{3927C2FE-14BE-B74D-96F0-2A5DC4BF0069}" type="slidenum">
+            <a:fld id="{07937F07-1250-4CCE-B198-1B2887014F41}" type="slidenum">
               <a:rPr lang="en-US" smtClean="0"/>
-              <a:t>10</a:t>
+              <a:t>9</a:t>
             </a:fld>
             <a:endParaRPr lang="en-US"/>
           </a:p>
@@ -2624,7 +2835,7 @@
     </p:spTree>
     <p:extLst>
       <p:ext uri="{BB962C8B-B14F-4D97-AF65-F5344CB8AC3E}">
-        <p14:creationId xmlns:p14="http://schemas.microsoft.com/office/powerpoint/2010/main" val="1673587858"/>
+        <p14:creationId xmlns:p14="http://schemas.microsoft.com/office/powerpoint/2010/main" val="1789845495"/>
       </p:ext>
     </p:extLst>
   </p:cSld>
@@ -2680,16 +2891,7 @@
           <a:p>
             <a:r>
               <a:rPr lang="en-US" dirty="0"/>
-              <a:t>Ideally, your conditions of satisfaction are specific enough that they can be linked to the behavior of individual functions.</a:t>
-            </a:r>
-          </a:p>
-          <a:p>
-            <a:endParaRPr lang="en-US" dirty="0"/>
-          </a:p>
-          <a:p>
-            <a:r>
-              <a:rPr lang="en-US" dirty="0"/>
-              <a:t>Often, turning testable behaviors into conditions of satisfaction leads to points where the user story or initial conditions of satisfaction weren’t clear enough. This can require negotiation within your team or with your users.</a:t>
+              <a:t>This is the first typescript we’re looking at in this class; it describes the service level abstraction for a very simple transcript database.</a:t>
             </a:r>
           </a:p>
         </p:txBody>
@@ -2711,7 +2913,7 @@
           <a:p>
             <a:fld id="{07937F07-1250-4CCE-B198-1B2887014F41}" type="slidenum">
               <a:rPr lang="en-US" smtClean="0"/>
-              <a:t>12</a:t>
+              <a:t>10</a:t>
             </a:fld>
             <a:endParaRPr lang="en-US"/>
           </a:p>
@@ -2720,7 +2922,7 @@
     </p:spTree>
     <p:extLst>
       <p:ext uri="{BB962C8B-B14F-4D97-AF65-F5344CB8AC3E}">
-        <p14:creationId xmlns:p14="http://schemas.microsoft.com/office/powerpoint/2010/main" val="1467661000"/>
+        <p14:creationId xmlns:p14="http://schemas.microsoft.com/office/powerpoint/2010/main" val="4139125663"/>
       </p:ext>
     </p:extLst>
   </p:cSld>
@@ -2884,7 +3086,7 @@
           <a:p>
             <a:fld id="{5D2A64DE-480B-420F-9649-4F8E696E08E0}" type="datetime1">
               <a:rPr lang="en-US" smtClean="0"/>
-              <a:t>12/26/25</a:t>
+              <a:t>12/29/25</a:t>
             </a:fld>
             <a:endParaRPr lang="en-US"/>
           </a:p>
@@ -3208,7 +3410,7 @@
           <a:p>
             <a:fld id="{EA476A42-A091-4468-A075-64A31BE59948}" type="datetime1">
               <a:rPr lang="en-US" smtClean="0"/>
-              <a:t>12/26/25</a:t>
+              <a:t>12/29/25</a:t>
             </a:fld>
             <a:endParaRPr lang="en-US"/>
           </a:p>
@@ -3406,7 +3608,7 @@
           <a:p>
             <a:fld id="{0D3616D0-8311-4107-9726-6B805E7D05BA}" type="datetime1">
               <a:rPr lang="en-US" smtClean="0"/>
-              <a:t>12/26/25</a:t>
+              <a:t>12/29/25</a:t>
             </a:fld>
             <a:endParaRPr lang="en-US"/>
           </a:p>
@@ -3614,7 +3816,7 @@
           <a:p>
             <a:fld id="{3BC2557A-5C88-417A-A763-5AC779462A5F}" type="datetime1">
               <a:rPr lang="en-US" smtClean="0"/>
-              <a:t>12/26/25</a:t>
+              <a:t>12/29/25</a:t>
             </a:fld>
             <a:endParaRPr lang="en-US"/>
           </a:p>
@@ -4036,7 +4238,7 @@
           <a:p>
             <a:fld id="{07C7BFD4-467E-4EDE-93EA-052F5B39A4E5}" type="datetime1">
               <a:rPr lang="en-US" smtClean="0"/>
-              <a:t>12/26/25</a:t>
+              <a:t>12/29/25</a:t>
             </a:fld>
             <a:endParaRPr lang="en-US"/>
           </a:p>
@@ -4286,7 +4488,7 @@
           <a:p>
             <a:fld id="{07C7BFD4-467E-4EDE-93EA-052F5B39A4E5}" type="datetime1">
               <a:rPr lang="en-US" smtClean="0"/>
-              <a:t>12/26/25</a:t>
+              <a:t>12/29/25</a:t>
             </a:fld>
             <a:endParaRPr lang="en-US"/>
           </a:p>
@@ -4468,7 +4670,7 @@
           <a:p>
             <a:fld id="{109E55A0-C911-4F03-82FC-7E5926047D46}" type="datetime1">
               <a:rPr lang="en-US" smtClean="0"/>
-              <a:t>12/26/25</a:t>
+              <a:t>12/29/25</a:t>
             </a:fld>
             <a:endParaRPr lang="en-US"/>
           </a:p>
@@ -4781,7 +4983,7 @@
           <a:p>
             <a:fld id="{A533CBE2-D5BE-47AC-ADC2-9CDFC1D0CF90}" type="datetime1">
               <a:rPr lang="en-US" smtClean="0"/>
-              <a:t>12/26/25</a:t>
+              <a:t>12/29/25</a:t>
             </a:fld>
             <a:endParaRPr lang="en-US"/>
           </a:p>
@@ -5082,7 +5284,7 @@
           <a:p>
             <a:fld id="{39B7EDB1-CE74-4951-85A2-0B01C2128E28}" type="datetime1">
               <a:rPr lang="en-US" smtClean="0"/>
-              <a:t>12/26/25</a:t>
+              <a:t>12/29/25</a:t>
             </a:fld>
             <a:endParaRPr lang="en-US"/>
           </a:p>
@@ -5530,7 +5732,7 @@
           <a:p>
             <a:fld id="{2BC7EB92-A5C2-4807-A9DC-9EDE6CBFB241}" type="datetime1">
               <a:rPr lang="en-US" smtClean="0"/>
-              <a:t>12/26/25</a:t>
+              <a:t>12/29/25</a:t>
             </a:fld>
             <a:endParaRPr lang="en-US"/>
           </a:p>
@@ -5643,7 +5845,7 @@
           <a:p>
             <a:fld id="{2B7B7EE0-7771-4CD5-9B2B-3550753A54A1}" type="datetime1">
               <a:rPr lang="en-US" smtClean="0"/>
-              <a:t>12/26/25</a:t>
+              <a:t>12/29/25</a:t>
             </a:fld>
             <a:endParaRPr lang="en-US"/>
           </a:p>
@@ -5954,7 +6156,7 @@
           <a:p>
             <a:fld id="{F8B318B3-0E87-4416-A9B8-D891968C2727}" type="datetime1">
               <a:rPr lang="en-US" smtClean="0"/>
-              <a:t>12/26/25</a:t>
+              <a:t>12/29/25</a:t>
             </a:fld>
             <a:endParaRPr lang="en-US"/>
           </a:p>
@@ -6195,7 +6397,7 @@
           <a:p>
             <a:fld id="{54D997E8-DDEE-43F1-8D9B-F8A1E11DE488}" type="datetime1">
               <a:rPr lang="en-US" smtClean="0"/>
-              <a:t>12/26/25</a:t>
+              <a:t>12/29/25</a:t>
             </a:fld>
             <a:endParaRPr lang="en-US"/>
           </a:p>
@@ -6875,784 +7077,6 @@
   <p:cSld>
     <p:spTree>
       <p:nvGrpSpPr>
-        <p:cNvPr id="1" name="">
-          <a:extLst>
-            <a:ext uri="{FF2B5EF4-FFF2-40B4-BE49-F238E27FC236}">
-              <a16:creationId xmlns:a16="http://schemas.microsoft.com/office/drawing/2014/main" id="{5A1EACA1-A09F-277B-02A0-6A94C20E95DF}"/>
-            </a:ext>
-          </a:extLst>
-        </p:cNvPr>
-        <p:cNvGrpSpPr/>
-        <p:nvPr/>
-      </p:nvGrpSpPr>
-      <p:grpSpPr>
-        <a:xfrm>
-          <a:off x="0" y="0"/>
-          <a:ext cx="0" cy="0"/>
-          <a:chOff x="0" y="0"/>
-          <a:chExt cx="0" cy="0"/>
-        </a:xfrm>
-      </p:grpSpPr>
-      <p:sp>
-        <p:nvSpPr>
-          <p:cNvPr id="17" name="Title 16">
-            <a:extLst>
-              <a:ext uri="{FF2B5EF4-FFF2-40B4-BE49-F238E27FC236}">
-                <a16:creationId xmlns:a16="http://schemas.microsoft.com/office/drawing/2014/main" id="{FEDF6700-C283-C045-A0B8-0E2D89E171C4}"/>
-              </a:ext>
-            </a:extLst>
-          </p:cNvPr>
-          <p:cNvSpPr>
-            <a:spLocks noGrp="1"/>
-          </p:cNvSpPr>
-          <p:nvPr>
-            <p:ph type="title"/>
-          </p:nvPr>
-        </p:nvSpPr>
-        <p:spPr>
-          <a:xfrm>
-            <a:off x="838200" y="18255"/>
-            <a:ext cx="10515600" cy="1325563"/>
-          </a:xfrm>
-        </p:spPr>
-        <p:txBody>
-          <a:bodyPr/>
-          <a:lstStyle/>
-          <a:p>
-            <a:r>
-              <a:rPr lang="en-US" err="1"/>
-              <a:t>CoS</a:t>
-            </a:r>
-            <a:r>
-              <a:rPr lang="en-US"/>
-              <a:t> are ultimately about the user</a:t>
-            </a:r>
-          </a:p>
-        </p:txBody>
-      </p:sp>
-      <p:sp>
-        <p:nvSpPr>
-          <p:cNvPr id="18" name="Content Placeholder 17">
-            <a:extLst>
-              <a:ext uri="{FF2B5EF4-FFF2-40B4-BE49-F238E27FC236}">
-                <a16:creationId xmlns:a16="http://schemas.microsoft.com/office/drawing/2014/main" id="{B7BCAE65-694B-6A12-6C4A-3ED711CDADAA}"/>
-              </a:ext>
-            </a:extLst>
-          </p:cNvPr>
-          <p:cNvSpPr>
-            <a:spLocks noGrp="1"/>
-          </p:cNvSpPr>
-          <p:nvPr>
-            <p:ph idx="1"/>
-          </p:nvPr>
-        </p:nvSpPr>
-        <p:spPr>
-          <a:xfrm>
-            <a:off x="838200" y="1500188"/>
-            <a:ext cx="7886700" cy="4351337"/>
-          </a:xfrm>
-        </p:spPr>
-        <p:txBody>
-          <a:bodyPr/>
-          <a:lstStyle/>
-          <a:p>
-            <a:pPr marL="0" indent="0">
-              <a:buNone/>
-            </a:pPr>
-            <a:r>
-              <a:rPr lang="en-US"/>
-              <a:t>We will build a secure web application backed by a persistent database that allows an authenticated administrator to add a new student to the database</a:t>
-            </a:r>
-          </a:p>
-          <a:p>
-            <a:endParaRPr lang="en-US"/>
-          </a:p>
-          <a:p>
-            <a:endParaRPr lang="en-US"/>
-          </a:p>
-          <a:p>
-            <a:endParaRPr lang="en-US"/>
-          </a:p>
-          <a:p>
-            <a:pPr marL="0" indent="0">
-              <a:buNone/>
-            </a:pPr>
-            <a:r>
-              <a:rPr lang="en-US"/>
-              <a:t>The </a:t>
-            </a:r>
-            <a:r>
-              <a:rPr lang="en-US" err="1"/>
-              <a:t>addStudent</a:t>
-            </a:r>
-            <a:r>
-              <a:rPr lang="en-US"/>
-              <a:t> service function should add a student to the database</a:t>
-            </a:r>
-          </a:p>
-          <a:p>
-            <a:endParaRPr lang="en-US"/>
-          </a:p>
-        </p:txBody>
-      </p:sp>
-      <p:sp>
-        <p:nvSpPr>
-          <p:cNvPr id="4" name="Slide Number Placeholder 3">
-            <a:extLst>
-              <a:ext uri="{FF2B5EF4-FFF2-40B4-BE49-F238E27FC236}">
-                <a16:creationId xmlns:a16="http://schemas.microsoft.com/office/drawing/2014/main" id="{1A1AD88C-AA42-3162-9A5B-04976F0EA137}"/>
-              </a:ext>
-            </a:extLst>
-          </p:cNvPr>
-          <p:cNvSpPr>
-            <a:spLocks noGrp="1"/>
-          </p:cNvSpPr>
-          <p:nvPr>
-            <p:ph type="sldNum" sz="quarter" idx="12"/>
-          </p:nvPr>
-        </p:nvSpPr>
-        <p:spPr>
-          <a:xfrm>
-            <a:off x="8610600" y="6356350"/>
-            <a:ext cx="2743200" cy="365125"/>
-          </a:xfrm>
-        </p:spPr>
-        <p:txBody>
-          <a:bodyPr/>
-          <a:lstStyle/>
-          <a:p>
-            <a:fld id="{20F37917-FD3A-4669-9018-DA04BCDD3D75}" type="slidenum">
-              <a:rPr lang="en-US" smtClean="0"/>
-              <a:t>10</a:t>
-            </a:fld>
-            <a:endParaRPr lang="en-US"/>
-          </a:p>
-        </p:txBody>
-      </p:sp>
-      <p:sp>
-        <p:nvSpPr>
-          <p:cNvPr id="7" name="Rectangle 6">
-            <a:extLst>
-              <a:ext uri="{FF2B5EF4-FFF2-40B4-BE49-F238E27FC236}">
-                <a16:creationId xmlns:a16="http://schemas.microsoft.com/office/drawing/2014/main" id="{39E6F9CF-31AE-797D-8D1C-3B0239CCD34E}"/>
-              </a:ext>
-            </a:extLst>
-          </p:cNvPr>
-          <p:cNvSpPr/>
-          <p:nvPr/>
-        </p:nvSpPr>
-        <p:spPr>
-          <a:xfrm>
-            <a:off x="8225117" y="3205182"/>
-            <a:ext cx="1264023" cy="914400"/>
-          </a:xfrm>
-          <a:prstGeom prst="rect">
-            <a:avLst/>
-          </a:prstGeom>
-          <a:solidFill>
-            <a:schemeClr val="accent2">
-              <a:lumMod val="20000"/>
-              <a:lumOff val="80000"/>
-              <a:alpha val="20000"/>
-            </a:schemeClr>
-          </a:solidFill>
-          <a:ln>
-            <a:solidFill>
-              <a:srgbClr val="0070C0">
-                <a:alpha val="20386"/>
-              </a:srgbClr>
-            </a:solidFill>
-          </a:ln>
-        </p:spPr>
-        <p:style>
-          <a:lnRef idx="2">
-            <a:schemeClr val="accent1">
-              <a:shade val="50000"/>
-            </a:schemeClr>
-          </a:lnRef>
-          <a:fillRef idx="1">
-            <a:schemeClr val="accent1"/>
-          </a:fillRef>
-          <a:effectRef idx="0">
-            <a:schemeClr val="accent1"/>
-          </a:effectRef>
-          <a:fontRef idx="minor">
-            <a:schemeClr val="lt1"/>
-          </a:fontRef>
-        </p:style>
-        <p:txBody>
-          <a:bodyPr rtlCol="0" anchor="ctr"/>
-          <a:lstStyle/>
-          <a:p>
-            <a:pPr algn="ctr"/>
-            <a:r>
-              <a:rPr lang="en-US">
-                <a:solidFill>
-                  <a:schemeClr val="bg2">
-                    <a:lumMod val="90000"/>
-                  </a:schemeClr>
-                </a:solidFill>
-              </a:rPr>
-              <a:t>Web Application</a:t>
-            </a:r>
-          </a:p>
-        </p:txBody>
-      </p:sp>
-      <p:sp>
-        <p:nvSpPr>
-          <p:cNvPr id="8" name="Left-Right Arrow 7">
-            <a:extLst>
-              <a:ext uri="{FF2B5EF4-FFF2-40B4-BE49-F238E27FC236}">
-                <a16:creationId xmlns:a16="http://schemas.microsoft.com/office/drawing/2014/main" id="{DAA07267-7A35-7E40-7B8A-F328AAC5A1B7}"/>
-              </a:ext>
-            </a:extLst>
-          </p:cNvPr>
-          <p:cNvSpPr/>
-          <p:nvPr/>
-        </p:nvSpPr>
-        <p:spPr>
-          <a:xfrm>
-            <a:off x="9628091" y="3279141"/>
-            <a:ext cx="1344707" cy="793376"/>
-          </a:xfrm>
-          <a:prstGeom prst="leftRightArrow">
-            <a:avLst/>
-          </a:prstGeom>
-          <a:solidFill>
-            <a:schemeClr val="accent2">
-              <a:lumMod val="20000"/>
-              <a:lumOff val="80000"/>
-              <a:alpha val="20000"/>
-            </a:schemeClr>
-          </a:solidFill>
-          <a:ln>
-            <a:solidFill>
-              <a:srgbClr val="0070C0">
-                <a:alpha val="20386"/>
-              </a:srgbClr>
-            </a:solidFill>
-          </a:ln>
-        </p:spPr>
-        <p:style>
-          <a:lnRef idx="2">
-            <a:schemeClr val="accent1">
-              <a:shade val="50000"/>
-            </a:schemeClr>
-          </a:lnRef>
-          <a:fillRef idx="1">
-            <a:schemeClr val="accent1"/>
-          </a:fillRef>
-          <a:effectRef idx="0">
-            <a:schemeClr val="accent1"/>
-          </a:effectRef>
-          <a:fontRef idx="minor">
-            <a:schemeClr val="lt1"/>
-          </a:fontRef>
-        </p:style>
-        <p:txBody>
-          <a:bodyPr rtlCol="0" anchor="ctr"/>
-          <a:lstStyle/>
-          <a:p>
-            <a:pPr algn="ctr"/>
-            <a:r>
-              <a:rPr lang="en-US">
-                <a:solidFill>
-                  <a:schemeClr val="bg2">
-                    <a:lumMod val="90000"/>
-                  </a:schemeClr>
-                </a:solidFill>
-              </a:rPr>
-              <a:t>browser</a:t>
-            </a:r>
-          </a:p>
-        </p:txBody>
-      </p:sp>
-      <p:sp>
-        <p:nvSpPr>
-          <p:cNvPr id="10" name="Rectangle 9">
-            <a:extLst>
-              <a:ext uri="{FF2B5EF4-FFF2-40B4-BE49-F238E27FC236}">
-                <a16:creationId xmlns:a16="http://schemas.microsoft.com/office/drawing/2014/main" id="{0AA6C9C8-1623-2E5B-81AF-779FCC58967D}"/>
-              </a:ext>
-            </a:extLst>
-          </p:cNvPr>
-          <p:cNvSpPr/>
-          <p:nvPr/>
-        </p:nvSpPr>
-        <p:spPr>
-          <a:xfrm>
-            <a:off x="11111749" y="3218629"/>
-            <a:ext cx="954745" cy="914400"/>
-          </a:xfrm>
-          <a:prstGeom prst="rect">
-            <a:avLst/>
-          </a:prstGeom>
-          <a:solidFill>
-            <a:schemeClr val="accent2">
-              <a:lumMod val="20000"/>
-              <a:lumOff val="80000"/>
-              <a:alpha val="20000"/>
-            </a:schemeClr>
-          </a:solidFill>
-          <a:ln>
-            <a:solidFill>
-              <a:srgbClr val="0070C0">
-                <a:alpha val="20386"/>
-              </a:srgbClr>
-            </a:solidFill>
-          </a:ln>
-        </p:spPr>
-        <p:style>
-          <a:lnRef idx="2">
-            <a:schemeClr val="accent1">
-              <a:shade val="50000"/>
-            </a:schemeClr>
-          </a:lnRef>
-          <a:fillRef idx="1">
-            <a:schemeClr val="accent1"/>
-          </a:fillRef>
-          <a:effectRef idx="0">
-            <a:schemeClr val="accent1"/>
-          </a:effectRef>
-          <a:fontRef idx="minor">
-            <a:schemeClr val="lt1"/>
-          </a:fontRef>
-        </p:style>
-        <p:txBody>
-          <a:bodyPr rtlCol="0" anchor="ctr"/>
-          <a:lstStyle/>
-          <a:p>
-            <a:pPr algn="ctr"/>
-            <a:r>
-              <a:rPr lang="en-US">
-                <a:solidFill>
-                  <a:schemeClr val="bg2">
-                    <a:lumMod val="90000"/>
-                  </a:schemeClr>
-                </a:solidFill>
-              </a:rPr>
-              <a:t>User</a:t>
-            </a:r>
-          </a:p>
-        </p:txBody>
-      </p:sp>
-      <p:sp>
-        <p:nvSpPr>
-          <p:cNvPr id="11" name="Left-Right Arrow 10">
-            <a:extLst>
-              <a:ext uri="{FF2B5EF4-FFF2-40B4-BE49-F238E27FC236}">
-                <a16:creationId xmlns:a16="http://schemas.microsoft.com/office/drawing/2014/main" id="{983A3068-C59F-25DE-5090-51E01D946E51}"/>
-              </a:ext>
-            </a:extLst>
-          </p:cNvPr>
-          <p:cNvSpPr/>
-          <p:nvPr/>
-        </p:nvSpPr>
-        <p:spPr>
-          <a:xfrm>
-            <a:off x="6741459" y="3265694"/>
-            <a:ext cx="1344707" cy="793376"/>
-          </a:xfrm>
-          <a:prstGeom prst="leftRightArrow">
-            <a:avLst/>
-          </a:prstGeom>
-          <a:solidFill>
-            <a:schemeClr val="accent2">
-              <a:lumMod val="20000"/>
-              <a:lumOff val="80000"/>
-              <a:alpha val="20000"/>
-            </a:schemeClr>
-          </a:solidFill>
-          <a:ln>
-            <a:solidFill>
-              <a:srgbClr val="0070C0">
-                <a:alpha val="20386"/>
-              </a:srgbClr>
-            </a:solidFill>
-          </a:ln>
-        </p:spPr>
-        <p:style>
-          <a:lnRef idx="2">
-            <a:schemeClr val="accent1">
-              <a:shade val="50000"/>
-            </a:schemeClr>
-          </a:lnRef>
-          <a:fillRef idx="1">
-            <a:schemeClr val="accent1"/>
-          </a:fillRef>
-          <a:effectRef idx="0">
-            <a:schemeClr val="accent1"/>
-          </a:effectRef>
-          <a:fontRef idx="minor">
-            <a:schemeClr val="lt1"/>
-          </a:fontRef>
-        </p:style>
-        <p:txBody>
-          <a:bodyPr rtlCol="0" anchor="ctr"/>
-          <a:lstStyle/>
-          <a:p>
-            <a:pPr algn="ctr"/>
-            <a:r>
-              <a:rPr lang="en-US">
-                <a:solidFill>
-                  <a:schemeClr val="bg2">
-                    <a:lumMod val="90000"/>
-                  </a:schemeClr>
-                </a:solidFill>
-              </a:rPr>
-              <a:t>internet</a:t>
-            </a:r>
-          </a:p>
-        </p:txBody>
-      </p:sp>
-      <p:sp>
-        <p:nvSpPr>
-          <p:cNvPr id="12" name="Rectangle 11">
-            <a:extLst>
-              <a:ext uri="{FF2B5EF4-FFF2-40B4-BE49-F238E27FC236}">
-                <a16:creationId xmlns:a16="http://schemas.microsoft.com/office/drawing/2014/main" id="{A669D640-8F74-F087-6757-D6C8D05A6F82}"/>
-              </a:ext>
-            </a:extLst>
-          </p:cNvPr>
-          <p:cNvSpPr/>
-          <p:nvPr/>
-        </p:nvSpPr>
-        <p:spPr>
-          <a:xfrm>
-            <a:off x="5338485" y="3205182"/>
-            <a:ext cx="1264023" cy="914400"/>
-          </a:xfrm>
-          <a:prstGeom prst="rect">
-            <a:avLst/>
-          </a:prstGeom>
-          <a:solidFill>
-            <a:schemeClr val="accent2">
-              <a:lumMod val="20000"/>
-              <a:lumOff val="80000"/>
-              <a:alpha val="20000"/>
-            </a:schemeClr>
-          </a:solidFill>
-          <a:ln>
-            <a:solidFill>
-              <a:srgbClr val="0070C0">
-                <a:alpha val="20386"/>
-              </a:srgbClr>
-            </a:solidFill>
-          </a:ln>
-        </p:spPr>
-        <p:style>
-          <a:lnRef idx="2">
-            <a:schemeClr val="accent1">
-              <a:shade val="50000"/>
-            </a:schemeClr>
-          </a:lnRef>
-          <a:fillRef idx="1">
-            <a:schemeClr val="accent1"/>
-          </a:fillRef>
-          <a:effectRef idx="0">
-            <a:schemeClr val="accent1"/>
-          </a:effectRef>
-          <a:fontRef idx="minor">
-            <a:schemeClr val="lt1"/>
-          </a:fontRef>
-        </p:style>
-        <p:txBody>
-          <a:bodyPr rtlCol="0" anchor="ctr"/>
-          <a:lstStyle/>
-          <a:p>
-            <a:pPr algn="ctr"/>
-            <a:r>
-              <a:rPr lang="en-US">
-                <a:solidFill>
-                  <a:schemeClr val="bg2">
-                    <a:lumMod val="90000"/>
-                  </a:schemeClr>
-                </a:solidFill>
-              </a:rPr>
-              <a:t>Controller</a:t>
-            </a:r>
-          </a:p>
-        </p:txBody>
-      </p:sp>
-      <p:sp>
-        <p:nvSpPr>
-          <p:cNvPr id="13" name="Left-Right Arrow 12">
-            <a:extLst>
-              <a:ext uri="{FF2B5EF4-FFF2-40B4-BE49-F238E27FC236}">
-                <a16:creationId xmlns:a16="http://schemas.microsoft.com/office/drawing/2014/main" id="{FA632119-4BBD-7F38-E7DC-E18CA4522192}"/>
-              </a:ext>
-            </a:extLst>
-          </p:cNvPr>
-          <p:cNvSpPr/>
-          <p:nvPr/>
-        </p:nvSpPr>
-        <p:spPr>
-          <a:xfrm>
-            <a:off x="4141694" y="3279141"/>
-            <a:ext cx="1057840" cy="793376"/>
-          </a:xfrm>
-          <a:prstGeom prst="leftRightArrow">
-            <a:avLst/>
-          </a:prstGeom>
-          <a:solidFill>
-            <a:schemeClr val="accent2">
-              <a:lumMod val="20000"/>
-              <a:lumOff val="80000"/>
-              <a:alpha val="20000"/>
-            </a:schemeClr>
-          </a:solidFill>
-          <a:ln>
-            <a:solidFill>
-              <a:srgbClr val="0070C0">
-                <a:alpha val="20386"/>
-              </a:srgbClr>
-            </a:solidFill>
-          </a:ln>
-        </p:spPr>
-        <p:style>
-          <a:lnRef idx="2">
-            <a:schemeClr val="accent1">
-              <a:shade val="50000"/>
-            </a:schemeClr>
-          </a:lnRef>
-          <a:fillRef idx="1">
-            <a:schemeClr val="accent1"/>
-          </a:fillRef>
-          <a:effectRef idx="0">
-            <a:schemeClr val="accent1"/>
-          </a:effectRef>
-          <a:fontRef idx="minor">
-            <a:schemeClr val="lt1"/>
-          </a:fontRef>
-        </p:style>
-        <p:txBody>
-          <a:bodyPr rtlCol="0" anchor="ctr"/>
-          <a:lstStyle/>
-          <a:p>
-            <a:pPr algn="ctr"/>
-            <a:r>
-              <a:rPr lang="en-US">
-                <a:solidFill>
-                  <a:schemeClr val="bg2">
-                    <a:lumMod val="90000"/>
-                  </a:schemeClr>
-                </a:solidFill>
-              </a:rPr>
-              <a:t>API</a:t>
-            </a:r>
-          </a:p>
-        </p:txBody>
-      </p:sp>
-      <p:sp>
-        <p:nvSpPr>
-          <p:cNvPr id="14" name="Rectangle 13">
-            <a:extLst>
-              <a:ext uri="{FF2B5EF4-FFF2-40B4-BE49-F238E27FC236}">
-                <a16:creationId xmlns:a16="http://schemas.microsoft.com/office/drawing/2014/main" id="{4AA2E9E5-3B60-1E17-428B-A4E8328B6A0F}"/>
-              </a:ext>
-            </a:extLst>
-          </p:cNvPr>
-          <p:cNvSpPr/>
-          <p:nvPr/>
-        </p:nvSpPr>
-        <p:spPr>
-          <a:xfrm>
-            <a:off x="2738720" y="3205182"/>
-            <a:ext cx="1264023" cy="914400"/>
-          </a:xfrm>
-          <a:prstGeom prst="rect">
-            <a:avLst/>
-          </a:prstGeom>
-          <a:solidFill>
-            <a:schemeClr val="accent2">
-              <a:lumMod val="20000"/>
-              <a:lumOff val="80000"/>
-            </a:schemeClr>
-          </a:solidFill>
-          <a:ln>
-            <a:solidFill>
-              <a:srgbClr val="0070C0"/>
-            </a:solidFill>
-          </a:ln>
-        </p:spPr>
-        <p:style>
-          <a:lnRef idx="2">
-            <a:schemeClr val="accent1">
-              <a:shade val="50000"/>
-            </a:schemeClr>
-          </a:lnRef>
-          <a:fillRef idx="1">
-            <a:schemeClr val="accent1"/>
-          </a:fillRef>
-          <a:effectRef idx="0">
-            <a:schemeClr val="accent1"/>
-          </a:effectRef>
-          <a:fontRef idx="minor">
-            <a:schemeClr val="lt1"/>
-          </a:fontRef>
-        </p:style>
-        <p:txBody>
-          <a:bodyPr rtlCol="0" anchor="ctr"/>
-          <a:lstStyle/>
-          <a:p>
-            <a:pPr algn="ctr"/>
-            <a:r>
-              <a:rPr lang="en-US">
-                <a:solidFill>
-                  <a:schemeClr val="tx1"/>
-                </a:solidFill>
-              </a:rPr>
-              <a:t>Service</a:t>
-            </a:r>
-          </a:p>
-        </p:txBody>
-      </p:sp>
-      <p:sp>
-        <p:nvSpPr>
-          <p:cNvPr id="16" name="Rectangle 15">
-            <a:extLst>
-              <a:ext uri="{FF2B5EF4-FFF2-40B4-BE49-F238E27FC236}">
-                <a16:creationId xmlns:a16="http://schemas.microsoft.com/office/drawing/2014/main" id="{8521B346-A6E3-0686-93CD-2D5703AE2E48}"/>
-              </a:ext>
-            </a:extLst>
-          </p:cNvPr>
-          <p:cNvSpPr/>
-          <p:nvPr/>
-        </p:nvSpPr>
-        <p:spPr>
-          <a:xfrm>
-            <a:off x="125506" y="3205182"/>
-            <a:ext cx="1264023" cy="914400"/>
-          </a:xfrm>
-          <a:prstGeom prst="rect">
-            <a:avLst/>
-          </a:prstGeom>
-          <a:solidFill>
-            <a:schemeClr val="accent2">
-              <a:lumMod val="20000"/>
-              <a:lumOff val="80000"/>
-            </a:schemeClr>
-          </a:solidFill>
-          <a:ln>
-            <a:solidFill>
-              <a:srgbClr val="0070C0"/>
-            </a:solidFill>
-          </a:ln>
-        </p:spPr>
-        <p:style>
-          <a:lnRef idx="2">
-            <a:schemeClr val="accent1">
-              <a:shade val="50000"/>
-            </a:schemeClr>
-          </a:lnRef>
-          <a:fillRef idx="1">
-            <a:schemeClr val="accent1"/>
-          </a:fillRef>
-          <a:effectRef idx="0">
-            <a:schemeClr val="accent1"/>
-          </a:effectRef>
-          <a:fontRef idx="minor">
-            <a:schemeClr val="lt1"/>
-          </a:fontRef>
-        </p:style>
-        <p:txBody>
-          <a:bodyPr rtlCol="0" anchor="ctr"/>
-          <a:lstStyle/>
-          <a:p>
-            <a:pPr algn="ctr"/>
-            <a:r>
-              <a:rPr lang="en-US">
-                <a:solidFill>
-                  <a:schemeClr val="tx1"/>
-                </a:solidFill>
-              </a:rPr>
-              <a:t>Database</a:t>
-            </a:r>
-          </a:p>
-        </p:txBody>
-      </p:sp>
-      <p:sp>
-        <p:nvSpPr>
-          <p:cNvPr id="19" name="Left-Right Arrow 18">
-            <a:extLst>
-              <a:ext uri="{FF2B5EF4-FFF2-40B4-BE49-F238E27FC236}">
-                <a16:creationId xmlns:a16="http://schemas.microsoft.com/office/drawing/2014/main" id="{A405CBCC-A842-4D1A-A016-BE13B684EF32}"/>
-              </a:ext>
-            </a:extLst>
-          </p:cNvPr>
-          <p:cNvSpPr/>
-          <p:nvPr/>
-        </p:nvSpPr>
-        <p:spPr>
-          <a:xfrm>
-            <a:off x="1541929" y="3265694"/>
-            <a:ext cx="1057840" cy="793376"/>
-          </a:xfrm>
-          <a:prstGeom prst="leftRightArrow">
-            <a:avLst/>
-          </a:prstGeom>
-          <a:solidFill>
-            <a:schemeClr val="accent2">
-              <a:lumMod val="20000"/>
-              <a:lumOff val="80000"/>
-            </a:schemeClr>
-          </a:solidFill>
-          <a:ln>
-            <a:solidFill>
-              <a:srgbClr val="0070C0"/>
-            </a:solidFill>
-          </a:ln>
-        </p:spPr>
-        <p:style>
-          <a:lnRef idx="2">
-            <a:schemeClr val="accent1">
-              <a:shade val="50000"/>
-            </a:schemeClr>
-          </a:lnRef>
-          <a:fillRef idx="1">
-            <a:schemeClr val="accent1"/>
-          </a:fillRef>
-          <a:effectRef idx="0">
-            <a:schemeClr val="accent1"/>
-          </a:effectRef>
-          <a:fontRef idx="minor">
-            <a:schemeClr val="lt1"/>
-          </a:fontRef>
-        </p:style>
-        <p:txBody>
-          <a:bodyPr rtlCol="0" anchor="ctr"/>
-          <a:lstStyle/>
-          <a:p>
-            <a:pPr algn="ctr"/>
-            <a:r>
-              <a:rPr lang="en-US">
-                <a:solidFill>
-                  <a:schemeClr val="tx1"/>
-                </a:solidFill>
-              </a:rPr>
-              <a:t>API</a:t>
-            </a:r>
-          </a:p>
-        </p:txBody>
-      </p:sp>
-    </p:spTree>
-    <p:extLst>
-      <p:ext uri="{BB962C8B-B14F-4D97-AF65-F5344CB8AC3E}">
-        <p14:creationId xmlns:p14="http://schemas.microsoft.com/office/powerpoint/2010/main" val="1227493447"/>
-      </p:ext>
-    </p:extLst>
-  </p:cSld>
-  <p:clrMapOvr>
-    <a:masterClrMapping/>
-  </p:clrMapOvr>
-</p:sld>
-</file>
-
-<file path=ppt/slides/slide11.xml><?xml version="1.0" encoding="utf-8"?>
-<p:sld xmlns:a="http://schemas.openxmlformats.org/drawingml/2006/main" xmlns:r="http://schemas.openxmlformats.org/officeDocument/2006/relationships" xmlns:p="http://schemas.openxmlformats.org/presentationml/2006/main">
-  <p:cSld>
-    <p:spTree>
-      <p:nvGrpSpPr>
         <p:cNvPr id="1" name=""/>
         <p:cNvGrpSpPr/>
         <p:nvPr/>
@@ -7693,7 +7117,7 @@
           <a:p>
             <a:fld id="{20F37917-FD3A-4669-9018-DA04BCDD3D75}" type="slidenum">
               <a:rPr lang="en-US" smtClean="0"/>
-              <a:t>11</a:t>
+              <a:t>10</a:t>
             </a:fld>
             <a:endParaRPr lang="en-US"/>
           </a:p>
@@ -7726,15 +7150,15 @@
           <a:lstStyle/>
           <a:p>
             <a:r>
-              <a:rPr lang="en-US"/>
+              <a:rPr lang="en-US" dirty="0"/>
               <a:t>Analyzing </a:t>
             </a:r>
             <a:r>
-              <a:rPr lang="en-US" err="1"/>
+              <a:rPr lang="en-US" dirty="0" err="1"/>
               <a:t>CoS</a:t>
             </a:r>
             <a:r>
-              <a:rPr lang="en-US"/>
+              <a:rPr lang="en-US" dirty="0"/>
               <a:t> to get testable behaviors</a:t>
             </a:r>
           </a:p>
@@ -7755,7 +7179,7 @@
         <p:spPr>
           <a:xfrm>
             <a:off x="744069" y="1555036"/>
-            <a:ext cx="10434919" cy="5051319"/>
+            <a:ext cx="10434919" cy="3721724"/>
           </a:xfrm>
           <a:prstGeom prst="rect">
             <a:avLst/>
@@ -7816,6 +7240,126 @@
               </a:rPr>
               <a:t> {</a:t>
             </a:r>
+            <a:r>
+              <a:rPr lang="en-US" b="0" dirty="0">
+                <a:solidFill>
+                  <a:srgbClr val="001080"/>
+                </a:solidFill>
+                <a:effectLst/>
+                <a:latin typeface="Menlo" panose="020B0609030804020204" pitchFamily="49" charset="0"/>
+              </a:rPr>
+              <a:t> </a:t>
+            </a:r>
+            <a:r>
+              <a:rPr lang="en-US" b="0" dirty="0" err="1">
+                <a:solidFill>
+                  <a:srgbClr val="001080"/>
+                </a:solidFill>
+                <a:effectLst/>
+                <a:latin typeface="Menlo" panose="020B0609030804020204" pitchFamily="49" charset="0"/>
+              </a:rPr>
+              <a:t>StudentID</a:t>
+            </a:r>
+            <a:r>
+              <a:rPr lang="en-US" b="0" dirty="0">
+                <a:solidFill>
+                  <a:srgbClr val="3B3B3B"/>
+                </a:solidFill>
+                <a:effectLst/>
+                <a:latin typeface="Menlo" panose="020B0609030804020204" pitchFamily="49" charset="0"/>
+              </a:rPr>
+              <a:t>,</a:t>
+            </a:r>
+            <a:r>
+              <a:rPr lang="en-US" b="0" dirty="0">
+                <a:solidFill>
+                  <a:srgbClr val="001080"/>
+                </a:solidFill>
+                <a:effectLst/>
+                <a:latin typeface="Menlo" panose="020B0609030804020204" pitchFamily="49" charset="0"/>
+              </a:rPr>
+              <a:t> Student</a:t>
+            </a:r>
+            <a:r>
+              <a:rPr lang="en-US" b="0" dirty="0">
+                <a:solidFill>
+                  <a:srgbClr val="3B3B3B"/>
+                </a:solidFill>
+                <a:effectLst/>
+                <a:latin typeface="Menlo" panose="020B0609030804020204" pitchFamily="49" charset="0"/>
+              </a:rPr>
+              <a:t>,</a:t>
+            </a:r>
+            <a:r>
+              <a:rPr lang="en-US" b="0" dirty="0">
+                <a:solidFill>
+                  <a:srgbClr val="001080"/>
+                </a:solidFill>
+                <a:effectLst/>
+                <a:latin typeface="Menlo" panose="020B0609030804020204" pitchFamily="49" charset="0"/>
+              </a:rPr>
+              <a:t> Course</a:t>
+            </a:r>
+            <a:r>
+              <a:rPr lang="en-US" b="0" dirty="0">
+                <a:solidFill>
+                  <a:srgbClr val="3B3B3B"/>
+                </a:solidFill>
+                <a:effectLst/>
+                <a:latin typeface="Menlo" panose="020B0609030804020204" pitchFamily="49" charset="0"/>
+              </a:rPr>
+              <a:t>,</a:t>
+            </a:r>
+            <a:r>
+              <a:rPr lang="en-US" b="0" dirty="0">
+                <a:solidFill>
+                  <a:srgbClr val="001080"/>
+                </a:solidFill>
+                <a:effectLst/>
+                <a:latin typeface="Menlo" panose="020B0609030804020204" pitchFamily="49" charset="0"/>
+              </a:rPr>
+              <a:t> </a:t>
+            </a:r>
+            <a:r>
+              <a:rPr lang="en-US" b="0" dirty="0" err="1">
+                <a:solidFill>
+                  <a:srgbClr val="001080"/>
+                </a:solidFill>
+                <a:effectLst/>
+                <a:latin typeface="Menlo" panose="020B0609030804020204" pitchFamily="49" charset="0"/>
+              </a:rPr>
+              <a:t>CourseGrade</a:t>
+            </a:r>
+            <a:r>
+              <a:rPr lang="en-US" b="0" dirty="0">
+                <a:solidFill>
+                  <a:srgbClr val="3B3B3B"/>
+                </a:solidFill>
+                <a:effectLst/>
+                <a:latin typeface="Menlo" panose="020B0609030804020204" pitchFamily="49" charset="0"/>
+              </a:rPr>
+              <a:t>,</a:t>
+            </a:r>
+            <a:r>
+              <a:rPr lang="en-US" b="0" dirty="0">
+                <a:solidFill>
+                  <a:srgbClr val="001080"/>
+                </a:solidFill>
+                <a:effectLst/>
+                <a:latin typeface="Menlo" panose="020B0609030804020204" pitchFamily="49" charset="0"/>
+              </a:rPr>
+              <a:t> Transcript</a:t>
+            </a:r>
+            <a:r>
+              <a:rPr lang="en-US" b="0" dirty="0">
+                <a:solidFill>
+                  <a:srgbClr val="3B3B3B"/>
+                </a:solidFill>
+                <a:effectLst/>
+                <a:latin typeface="Menlo" panose="020B0609030804020204" pitchFamily="49" charset="0"/>
+              </a:rPr>
+              <a:t> } </a:t>
+            </a:r>
           </a:p>
           <a:p>
             <a:pPr>
@@ -7827,32 +7371,62 @@
             <a:r>
               <a:rPr lang="en-US" b="0" dirty="0">
                 <a:solidFill>
-                  <a:srgbClr val="001080"/>
-                </a:solidFill>
-                <a:effectLst/>
-                <a:latin typeface="Menlo" panose="020B0609030804020204" pitchFamily="49" charset="0"/>
-              </a:rPr>
-              <a:t>  </a:t>
+                  <a:srgbClr val="AF00DB"/>
+                </a:solidFill>
+                <a:effectLst/>
+                <a:latin typeface="Menlo" panose="020B0609030804020204" pitchFamily="49" charset="0"/>
+              </a:rPr>
+              <a:t>from</a:t>
+            </a:r>
+            <a:r>
+              <a:rPr lang="en-US" b="0" dirty="0">
+                <a:solidFill>
+                  <a:srgbClr val="3B3B3B"/>
+                </a:solidFill>
+                <a:effectLst/>
+                <a:latin typeface="Menlo" panose="020B0609030804020204" pitchFamily="49" charset="0"/>
+              </a:rPr>
+              <a:t> </a:t>
+            </a:r>
+            <a:r>
+              <a:rPr lang="en-US" b="0" dirty="0">
+                <a:solidFill>
+                  <a:srgbClr val="A31515"/>
+                </a:solidFill>
+                <a:effectLst/>
+                <a:latin typeface="Menlo" panose="020B0609030804020204" pitchFamily="49" charset="0"/>
+              </a:rPr>
+              <a:t>'./</a:t>
             </a:r>
             <a:r>
               <a:rPr lang="en-US" b="0" dirty="0" err="1">
                 <a:solidFill>
-                  <a:srgbClr val="001080"/>
-                </a:solidFill>
-                <a:effectLst/>
-                <a:latin typeface="Menlo" panose="020B0609030804020204" pitchFamily="49" charset="0"/>
-              </a:rPr>
-              <a:t>StudentID</a:t>
-            </a:r>
-            <a:r>
-              <a:rPr lang="en-US" b="0" dirty="0">
-                <a:solidFill>
-                  <a:srgbClr val="3B3B3B"/>
-                </a:solidFill>
-                <a:effectLst/>
-                <a:latin typeface="Menlo" panose="020B0609030804020204" pitchFamily="49" charset="0"/>
-              </a:rPr>
-              <a:t>,</a:t>
+                  <a:srgbClr val="A31515"/>
+                </a:solidFill>
+                <a:effectLst/>
+                <a:latin typeface="Menlo" panose="020B0609030804020204" pitchFamily="49" charset="0"/>
+              </a:rPr>
+              <a:t>types.ts</a:t>
+            </a:r>
+            <a:r>
+              <a:rPr lang="en-US" b="0" dirty="0">
+                <a:solidFill>
+                  <a:srgbClr val="A31515"/>
+                </a:solidFill>
+                <a:effectLst/>
+                <a:latin typeface="Menlo" panose="020B0609030804020204" pitchFamily="49" charset="0"/>
+              </a:rPr>
+              <a:t>’</a:t>
+            </a:r>
+            <a:r>
+              <a:rPr lang="en-US" b="0" dirty="0">
+                <a:solidFill>
+                  <a:srgbClr val="3B3B3B"/>
+                </a:solidFill>
+                <a:effectLst/>
+                <a:latin typeface="Menlo" panose="020B0609030804020204" pitchFamily="49" charset="0"/>
+              </a:rPr>
+              <a:t>;</a:t>
             </a:r>
           </a:p>
           <a:p>
@@ -7862,198 +7436,13 @@
               </a:lnSpc>
               <a:buNone/>
             </a:pPr>
-            <a:r>
-              <a:rPr lang="en-US" b="0" dirty="0">
-                <a:solidFill>
-                  <a:srgbClr val="001080"/>
-                </a:solidFill>
-                <a:effectLst/>
-                <a:latin typeface="Menlo" panose="020B0609030804020204" pitchFamily="49" charset="0"/>
-              </a:rPr>
-              <a:t>  Student</a:t>
-            </a:r>
-            <a:r>
-              <a:rPr lang="en-US" b="0" dirty="0">
-                <a:solidFill>
-                  <a:srgbClr val="3B3B3B"/>
-                </a:solidFill>
-                <a:effectLst/>
-                <a:latin typeface="Menlo" panose="020B0609030804020204" pitchFamily="49" charset="0"/>
-              </a:rPr>
-              <a:t>,</a:t>
-            </a:r>
-          </a:p>
-          <a:p>
-            <a:pPr>
-              <a:lnSpc>
-                <a:spcPct val="120000"/>
-              </a:lnSpc>
-              <a:buNone/>
-            </a:pPr>
-            <a:r>
-              <a:rPr lang="en-US" b="0" dirty="0">
-                <a:solidFill>
-                  <a:srgbClr val="001080"/>
-                </a:solidFill>
-                <a:effectLst/>
-                <a:latin typeface="Menlo" panose="020B0609030804020204" pitchFamily="49" charset="0"/>
-              </a:rPr>
-              <a:t>  Course</a:t>
-            </a:r>
-            <a:r>
-              <a:rPr lang="en-US" b="0" dirty="0">
-                <a:solidFill>
-                  <a:srgbClr val="3B3B3B"/>
-                </a:solidFill>
-                <a:effectLst/>
-                <a:latin typeface="Menlo" panose="020B0609030804020204" pitchFamily="49" charset="0"/>
-              </a:rPr>
-              <a:t>,</a:t>
-            </a:r>
-          </a:p>
-          <a:p>
-            <a:pPr>
-              <a:lnSpc>
-                <a:spcPct val="120000"/>
-              </a:lnSpc>
-              <a:buNone/>
-            </a:pPr>
-            <a:r>
-              <a:rPr lang="en-US" b="0" dirty="0">
-                <a:solidFill>
-                  <a:srgbClr val="001080"/>
-                </a:solidFill>
-                <a:effectLst/>
-                <a:latin typeface="Menlo" panose="020B0609030804020204" pitchFamily="49" charset="0"/>
-              </a:rPr>
-              <a:t>  </a:t>
-            </a:r>
-            <a:r>
-              <a:rPr lang="en-US" b="0" dirty="0" err="1">
-                <a:solidFill>
-                  <a:srgbClr val="001080"/>
-                </a:solidFill>
-                <a:effectLst/>
-                <a:latin typeface="Menlo" panose="020B0609030804020204" pitchFamily="49" charset="0"/>
-              </a:rPr>
-              <a:t>CourseGrade</a:t>
-            </a:r>
-            <a:r>
-              <a:rPr lang="en-US" b="0" dirty="0">
-                <a:solidFill>
-                  <a:srgbClr val="3B3B3B"/>
-                </a:solidFill>
-                <a:effectLst/>
-                <a:latin typeface="Menlo" panose="020B0609030804020204" pitchFamily="49" charset="0"/>
-              </a:rPr>
-              <a:t>,</a:t>
-            </a:r>
-          </a:p>
-          <a:p>
-            <a:pPr>
-              <a:lnSpc>
-                <a:spcPct val="120000"/>
-              </a:lnSpc>
-              <a:buNone/>
-            </a:pPr>
-            <a:r>
-              <a:rPr lang="en-US" b="0" dirty="0">
-                <a:solidFill>
-                  <a:srgbClr val="001080"/>
-                </a:solidFill>
-                <a:effectLst/>
-                <a:latin typeface="Menlo" panose="020B0609030804020204" pitchFamily="49" charset="0"/>
-              </a:rPr>
-              <a:t>  Transcript</a:t>
-            </a:r>
-            <a:r>
-              <a:rPr lang="en-US" b="0" dirty="0">
-                <a:solidFill>
-                  <a:srgbClr val="3B3B3B"/>
-                </a:solidFill>
-                <a:effectLst/>
-                <a:latin typeface="Menlo" panose="020B0609030804020204" pitchFamily="49" charset="0"/>
-              </a:rPr>
-              <a:t>,</a:t>
-            </a:r>
-          </a:p>
-          <a:p>
-            <a:pPr>
-              <a:lnSpc>
-                <a:spcPct val="120000"/>
-              </a:lnSpc>
-              <a:buNone/>
-            </a:pPr>
-            <a:r>
-              <a:rPr lang="en-US" b="0" dirty="0">
-                <a:solidFill>
-                  <a:srgbClr val="3B3B3B"/>
-                </a:solidFill>
-                <a:effectLst/>
-                <a:latin typeface="Menlo" panose="020B0609030804020204" pitchFamily="49" charset="0"/>
-              </a:rPr>
-              <a:t>} </a:t>
-            </a:r>
-            <a:r>
-              <a:rPr lang="en-US" b="0" dirty="0">
-                <a:solidFill>
-                  <a:srgbClr val="AF00DB"/>
-                </a:solidFill>
-                <a:effectLst/>
-                <a:latin typeface="Menlo" panose="020B0609030804020204" pitchFamily="49" charset="0"/>
-              </a:rPr>
-              <a:t>from</a:t>
-            </a:r>
-            <a:r>
-              <a:rPr lang="en-US" b="0" dirty="0">
-                <a:solidFill>
-                  <a:srgbClr val="3B3B3B"/>
-                </a:solidFill>
-                <a:effectLst/>
-                <a:latin typeface="Menlo" panose="020B0609030804020204" pitchFamily="49" charset="0"/>
-              </a:rPr>
-              <a:t> </a:t>
-            </a:r>
-            <a:r>
-              <a:rPr lang="en-US" b="0" dirty="0">
-                <a:solidFill>
-                  <a:srgbClr val="A31515"/>
-                </a:solidFill>
-                <a:effectLst/>
-                <a:latin typeface="Menlo" panose="020B0609030804020204" pitchFamily="49" charset="0"/>
-              </a:rPr>
-              <a:t>'./</a:t>
-            </a:r>
-            <a:r>
-              <a:rPr lang="en-US" b="0" dirty="0" err="1">
-                <a:solidFill>
-                  <a:srgbClr val="A31515"/>
-                </a:solidFill>
-                <a:effectLst/>
-                <a:latin typeface="Menlo" panose="020B0609030804020204" pitchFamily="49" charset="0"/>
-              </a:rPr>
-              <a:t>types.ts</a:t>
-            </a:r>
-            <a:r>
-              <a:rPr lang="en-US" b="0" dirty="0">
-                <a:solidFill>
-                  <a:srgbClr val="A31515"/>
-                </a:solidFill>
-                <a:effectLst/>
-                <a:latin typeface="Menlo" panose="020B0609030804020204" pitchFamily="49" charset="0"/>
-              </a:rPr>
-              <a:t>'</a:t>
-            </a:r>
-            <a:r>
-              <a:rPr lang="en-US" b="0" dirty="0">
-                <a:solidFill>
-                  <a:srgbClr val="3B3B3B"/>
-                </a:solidFill>
-                <a:effectLst/>
-                <a:latin typeface="Menlo" panose="020B0609030804020204" pitchFamily="49" charset="0"/>
-              </a:rPr>
-              <a:t>;</a:t>
-            </a:r>
+            <a:endParaRPr lang="en-US" b="0" dirty="0">
+              <a:solidFill>
+                <a:srgbClr val="3B3B3B"/>
+              </a:solidFill>
+              <a:effectLst/>
+              <a:latin typeface="Menlo" panose="020B0609030804020204" pitchFamily="49" charset="0"/>
+            </a:endParaRPr>
           </a:p>
           <a:p>
             <a:pPr>
@@ -9090,7 +8479,7 @@
 </p:sld>
 </file>
 
-<file path=ppt/slides/slide12.xml><?xml version="1.0" encoding="utf-8"?>
+<file path=ppt/slides/slide11.xml><?xml version="1.0" encoding="utf-8"?>
 <p:sld xmlns:a="http://schemas.openxmlformats.org/drawingml/2006/main" xmlns:r="http://schemas.openxmlformats.org/officeDocument/2006/relationships" xmlns:p="http://schemas.openxmlformats.org/presentationml/2006/main">
   <p:cSld>
     <p:spTree>
@@ -9136,7 +8525,7 @@
             <a:fld id="{20F37917-FD3A-4669-9018-DA04BCDD3D75}" type="slidenum">
               <a:rPr lang="en-US" smtClean="0"/>
               <a:pPr/>
-              <a:t>12</a:t>
+              <a:t>11</a:t>
             </a:fld>
             <a:endParaRPr lang="en-US"/>
           </a:p>
@@ -9381,24 +8770,24 @@
               <a:buNone/>
             </a:pPr>
             <a:r>
-              <a:rPr lang="en-US" err="1"/>
+              <a:rPr lang="en-US" dirty="0" err="1"/>
               <a:t>CoS</a:t>
             </a:r>
             <a:r>
-              <a:rPr lang="en-US"/>
-              <a:t>: The user can…</a:t>
+              <a:rPr lang="en-US" dirty="0"/>
+              <a:t>: The college administrator can…</a:t>
             </a:r>
           </a:p>
           <a:p>
             <a:pPr lvl="1"/>
             <a:r>
-              <a:rPr lang="en-US"/>
+              <a:rPr lang="en-US" dirty="0"/>
               <a:t>…add a new student to the database</a:t>
             </a:r>
             <a:br>
-              <a:rPr lang="en-US"/>
+              <a:rPr lang="en-US" dirty="0"/>
             </a:br>
-            <a:endParaRPr lang="en-US">
+            <a:endParaRPr lang="en-US" dirty="0">
               <a:solidFill>
                 <a:schemeClr val="bg1"/>
               </a:solidFill>
@@ -9407,13 +8796,13 @@
           <a:p>
             <a:pPr lvl="1"/>
             <a:br>
-              <a:rPr lang="en-US">
+              <a:rPr lang="en-US" dirty="0">
                 <a:solidFill>
                   <a:schemeClr val="bg1"/>
                 </a:solidFill>
               </a:rPr>
             </a:br>
-            <a:endParaRPr lang="en-US">
+            <a:endParaRPr lang="en-US" dirty="0">
               <a:solidFill>
                 <a:schemeClr val="bg1"/>
               </a:solidFill>
@@ -9422,18 +8811,18 @@
           <a:p>
             <a:pPr lvl="1"/>
             <a:r>
-              <a:rPr lang="en-US"/>
+              <a:rPr lang="en-US" dirty="0"/>
               <a:t>…add a new student with the same name as an existing student</a:t>
             </a:r>
             <a:br>
-              <a:rPr lang="en-US"/>
+              <a:rPr lang="en-US" dirty="0"/>
             </a:br>
-            <a:endParaRPr lang="en-US"/>
+            <a:endParaRPr lang="en-US" dirty="0"/>
           </a:p>
           <a:p>
             <a:pPr lvl="1"/>
             <a:r>
-              <a:rPr lang="en-US"/>
+              <a:rPr lang="en-US" dirty="0"/>
               <a:t>…retrieve the transcript for a student</a:t>
             </a:r>
           </a:p>
@@ -9441,7 +8830,7 @@
             <a:pPr marL="0" indent="0">
               <a:buNone/>
             </a:pPr>
-            <a:endParaRPr lang="en-US"/>
+            <a:endParaRPr lang="en-US" dirty="0"/>
           </a:p>
         </p:txBody>
       </p:sp>
@@ -9719,7 +9108,7 @@
 </p:sld>
 </file>
 
-<file path=ppt/slides/slide13.xml><?xml version="1.0" encoding="utf-8"?>
+<file path=ppt/slides/slide12.xml><?xml version="1.0" encoding="utf-8"?>
 <p:sld xmlns:a="http://schemas.openxmlformats.org/drawingml/2006/main" xmlns:r="http://schemas.openxmlformats.org/officeDocument/2006/relationships" xmlns:p="http://schemas.openxmlformats.org/presentationml/2006/main">
   <p:cSld>
     <p:spTree>
@@ -9771,7 +9160,7 @@
             <a:fld id="{20F37917-FD3A-4669-9018-DA04BCDD3D75}" type="slidenum">
               <a:rPr lang="en-US" smtClean="0"/>
               <a:pPr/>
-              <a:t>13</a:t>
+              <a:t>12</a:t>
             </a:fld>
             <a:endParaRPr lang="en-US"/>
           </a:p>
@@ -9884,7 +9273,7 @@
         <p:spPr>
           <a:xfrm>
             <a:off x="744069" y="1555036"/>
-            <a:ext cx="10434919" cy="5051319"/>
+            <a:ext cx="10434919" cy="3721724"/>
           </a:xfrm>
           <a:prstGeom prst="rect">
             <a:avLst/>
@@ -9926,24 +9315,130 @@
               <a:buNone/>
             </a:pPr>
             <a:r>
-              <a:rPr lang="en-US" b="0" dirty="0">
+              <a:rPr lang="en-US" dirty="0">
                 <a:solidFill>
                   <a:srgbClr val="AF00DB"/>
                 </a:solidFill>
-                <a:effectLst/>
                 <a:latin typeface="Menlo" panose="020B0609030804020204" pitchFamily="49" charset="0"/>
               </a:rPr>
               <a:t>import</a:t>
             </a:r>
             <a:r>
-              <a:rPr lang="en-US" b="0" dirty="0">
-                <a:solidFill>
-                  <a:srgbClr val="3B3B3B"/>
-                </a:solidFill>
-                <a:effectLst/>
+              <a:rPr lang="en-US" dirty="0">
+                <a:solidFill>
+                  <a:srgbClr val="3B3B3B"/>
+                </a:solidFill>
                 <a:latin typeface="Menlo" panose="020B0609030804020204" pitchFamily="49" charset="0"/>
               </a:rPr>
               <a:t> {</a:t>
+            </a:r>
+            <a:r>
+              <a:rPr lang="en-US" dirty="0">
+                <a:solidFill>
+                  <a:srgbClr val="001080"/>
+                </a:solidFill>
+                <a:latin typeface="Menlo" panose="020B0609030804020204" pitchFamily="49" charset="0"/>
+              </a:rPr>
+              <a:t> </a:t>
+            </a:r>
+            <a:r>
+              <a:rPr lang="en-US" dirty="0" err="1">
+                <a:solidFill>
+                  <a:srgbClr val="001080"/>
+                </a:solidFill>
+                <a:latin typeface="Menlo" panose="020B0609030804020204" pitchFamily="49" charset="0"/>
+              </a:rPr>
+              <a:t>StudentID</a:t>
+            </a:r>
+            <a:r>
+              <a:rPr lang="en-US" dirty="0">
+                <a:solidFill>
+                  <a:srgbClr val="3B3B3B"/>
+                </a:solidFill>
+                <a:latin typeface="Menlo" panose="020B0609030804020204" pitchFamily="49" charset="0"/>
+              </a:rPr>
+              <a:t>,</a:t>
+            </a:r>
+            <a:r>
+              <a:rPr lang="en-US" dirty="0">
+                <a:solidFill>
+                  <a:srgbClr val="001080"/>
+                </a:solidFill>
+                <a:latin typeface="Menlo" panose="020B0609030804020204" pitchFamily="49" charset="0"/>
+              </a:rPr>
+              <a:t> Student</a:t>
+            </a:r>
+            <a:r>
+              <a:rPr lang="en-US" dirty="0">
+                <a:solidFill>
+                  <a:srgbClr val="3B3B3B"/>
+                </a:solidFill>
+                <a:latin typeface="Menlo" panose="020B0609030804020204" pitchFamily="49" charset="0"/>
+              </a:rPr>
+              <a:t>,</a:t>
+            </a:r>
+            <a:r>
+              <a:rPr lang="en-US" dirty="0">
+                <a:solidFill>
+                  <a:srgbClr val="001080"/>
+                </a:solidFill>
+                <a:latin typeface="Menlo" panose="020B0609030804020204" pitchFamily="49" charset="0"/>
+              </a:rPr>
+              <a:t> Course</a:t>
+            </a:r>
+            <a:r>
+              <a:rPr lang="en-US" dirty="0">
+                <a:solidFill>
+                  <a:srgbClr val="3B3B3B"/>
+                </a:solidFill>
+                <a:latin typeface="Menlo" panose="020B0609030804020204" pitchFamily="49" charset="0"/>
+              </a:rPr>
+              <a:t>,</a:t>
+            </a:r>
+            <a:r>
+              <a:rPr lang="en-US" dirty="0">
+                <a:solidFill>
+                  <a:srgbClr val="001080"/>
+                </a:solidFill>
+                <a:latin typeface="Menlo" panose="020B0609030804020204" pitchFamily="49" charset="0"/>
+              </a:rPr>
+              <a:t> </a:t>
+            </a:r>
+            <a:r>
+              <a:rPr lang="en-US" dirty="0" err="1">
+                <a:solidFill>
+                  <a:srgbClr val="001080"/>
+                </a:solidFill>
+                <a:latin typeface="Menlo" panose="020B0609030804020204" pitchFamily="49" charset="0"/>
+              </a:rPr>
+              <a:t>CourseGrade</a:t>
+            </a:r>
+            <a:r>
+              <a:rPr lang="en-US" dirty="0">
+                <a:solidFill>
+                  <a:srgbClr val="3B3B3B"/>
+                </a:solidFill>
+                <a:latin typeface="Menlo" panose="020B0609030804020204" pitchFamily="49" charset="0"/>
+              </a:rPr>
+              <a:t>,</a:t>
+            </a:r>
+            <a:r>
+              <a:rPr lang="en-US" dirty="0">
+                <a:solidFill>
+                  <a:srgbClr val="001080"/>
+                </a:solidFill>
+                <a:latin typeface="Menlo" panose="020B0609030804020204" pitchFamily="49" charset="0"/>
+              </a:rPr>
+              <a:t> Transcript</a:t>
+            </a:r>
+            <a:r>
+              <a:rPr lang="en-US" dirty="0">
+                <a:solidFill>
+                  <a:srgbClr val="3B3B3B"/>
+                </a:solidFill>
+                <a:latin typeface="Menlo" panose="020B0609030804020204" pitchFamily="49" charset="0"/>
+              </a:rPr>
+              <a:t> } </a:t>
             </a:r>
           </a:p>
           <a:p>
@@ -9954,34 +9449,58 @@
               <a:buNone/>
             </a:pPr>
             <a:r>
-              <a:rPr lang="en-US" b="0" dirty="0">
-                <a:solidFill>
-                  <a:srgbClr val="001080"/>
-                </a:solidFill>
-                <a:effectLst/>
-                <a:latin typeface="Menlo" panose="020B0609030804020204" pitchFamily="49" charset="0"/>
-              </a:rPr>
-              <a:t>  </a:t>
-            </a:r>
-            <a:r>
-              <a:rPr lang="en-US" b="0" dirty="0" err="1">
-                <a:solidFill>
-                  <a:srgbClr val="001080"/>
-                </a:solidFill>
-                <a:effectLst/>
-                <a:latin typeface="Menlo" panose="020B0609030804020204" pitchFamily="49" charset="0"/>
-              </a:rPr>
-              <a:t>StudentID</a:t>
-            </a:r>
-            <a:r>
-              <a:rPr lang="en-US" b="0" dirty="0">
-                <a:solidFill>
-                  <a:srgbClr val="3B3B3B"/>
-                </a:solidFill>
-                <a:effectLst/>
-                <a:latin typeface="Menlo" panose="020B0609030804020204" pitchFamily="49" charset="0"/>
-              </a:rPr>
-              <a:t>,</a:t>
+              <a:rPr lang="en-US" dirty="0">
+                <a:solidFill>
+                  <a:srgbClr val="AF00DB"/>
+                </a:solidFill>
+                <a:latin typeface="Menlo" panose="020B0609030804020204" pitchFamily="49" charset="0"/>
+              </a:rPr>
+              <a:t>from</a:t>
+            </a:r>
+            <a:r>
+              <a:rPr lang="en-US" dirty="0">
+                <a:solidFill>
+                  <a:srgbClr val="3B3B3B"/>
+                </a:solidFill>
+                <a:latin typeface="Menlo" panose="020B0609030804020204" pitchFamily="49" charset="0"/>
+              </a:rPr>
+              <a:t> </a:t>
+            </a:r>
+            <a:r>
+              <a:rPr lang="en-US" dirty="0">
+                <a:solidFill>
+                  <a:srgbClr val="A31515"/>
+                </a:solidFill>
+                <a:latin typeface="Menlo" panose="020B0609030804020204" pitchFamily="49" charset="0"/>
+              </a:rPr>
+              <a:t>'./</a:t>
+            </a:r>
+            <a:r>
+              <a:rPr lang="en-US" dirty="0" err="1">
+                <a:solidFill>
+                  <a:srgbClr val="A31515"/>
+                </a:solidFill>
+                <a:latin typeface="Menlo" panose="020B0609030804020204" pitchFamily="49" charset="0"/>
+              </a:rPr>
+              <a:t>types.ts</a:t>
+            </a:r>
+            <a:r>
+              <a:rPr lang="en-US" dirty="0">
+                <a:solidFill>
+                  <a:srgbClr val="A31515"/>
+                </a:solidFill>
+                <a:latin typeface="Menlo" panose="020B0609030804020204" pitchFamily="49" charset="0"/>
+              </a:rPr>
+              <a:t>’</a:t>
+            </a:r>
+            <a:r>
+              <a:rPr lang="en-US" dirty="0">
+                <a:solidFill>
+                  <a:srgbClr val="3B3B3B"/>
+                </a:solidFill>
+                <a:latin typeface="Menlo" panose="020B0609030804020204" pitchFamily="49" charset="0"/>
+              </a:rPr>
+              <a:t>;</a:t>
             </a:r>
           </a:p>
           <a:p>
@@ -9991,198 +9510,13 @@
               </a:lnSpc>
               <a:buNone/>
             </a:pPr>
-            <a:r>
-              <a:rPr lang="en-US" b="0" dirty="0">
-                <a:solidFill>
-                  <a:srgbClr val="001080"/>
-                </a:solidFill>
-                <a:effectLst/>
-                <a:latin typeface="Menlo" panose="020B0609030804020204" pitchFamily="49" charset="0"/>
-              </a:rPr>
-              <a:t>  Student</a:t>
-            </a:r>
-            <a:r>
-              <a:rPr lang="en-US" b="0" dirty="0">
-                <a:solidFill>
-                  <a:srgbClr val="3B3B3B"/>
-                </a:solidFill>
-                <a:effectLst/>
-                <a:latin typeface="Menlo" panose="020B0609030804020204" pitchFamily="49" charset="0"/>
-              </a:rPr>
-              <a:t>,</a:t>
-            </a:r>
-          </a:p>
-          <a:p>
-            <a:pPr>
-              <a:lnSpc>
-                <a:spcPct val="120000"/>
-              </a:lnSpc>
-              <a:buNone/>
-            </a:pPr>
-            <a:r>
-              <a:rPr lang="en-US" b="0" dirty="0">
-                <a:solidFill>
-                  <a:srgbClr val="001080"/>
-                </a:solidFill>
-                <a:effectLst/>
-                <a:latin typeface="Menlo" panose="020B0609030804020204" pitchFamily="49" charset="0"/>
-              </a:rPr>
-              <a:t>  Course</a:t>
-            </a:r>
-            <a:r>
-              <a:rPr lang="en-US" b="0" dirty="0">
-                <a:solidFill>
-                  <a:srgbClr val="3B3B3B"/>
-                </a:solidFill>
-                <a:effectLst/>
-                <a:latin typeface="Menlo" panose="020B0609030804020204" pitchFamily="49" charset="0"/>
-              </a:rPr>
-              <a:t>,</a:t>
-            </a:r>
-          </a:p>
-          <a:p>
-            <a:pPr>
-              <a:lnSpc>
-                <a:spcPct val="120000"/>
-              </a:lnSpc>
-              <a:buNone/>
-            </a:pPr>
-            <a:r>
-              <a:rPr lang="en-US" b="0" dirty="0">
-                <a:solidFill>
-                  <a:srgbClr val="001080"/>
-                </a:solidFill>
-                <a:effectLst/>
-                <a:latin typeface="Menlo" panose="020B0609030804020204" pitchFamily="49" charset="0"/>
-              </a:rPr>
-              <a:t>  </a:t>
-            </a:r>
-            <a:r>
-              <a:rPr lang="en-US" b="0" dirty="0" err="1">
-                <a:solidFill>
-                  <a:srgbClr val="001080"/>
-                </a:solidFill>
-                <a:effectLst/>
-                <a:latin typeface="Menlo" panose="020B0609030804020204" pitchFamily="49" charset="0"/>
-              </a:rPr>
-              <a:t>CourseGrade</a:t>
-            </a:r>
-            <a:r>
-              <a:rPr lang="en-US" b="0" dirty="0">
-                <a:solidFill>
-                  <a:srgbClr val="3B3B3B"/>
-                </a:solidFill>
-                <a:effectLst/>
-                <a:latin typeface="Menlo" panose="020B0609030804020204" pitchFamily="49" charset="0"/>
-              </a:rPr>
-              <a:t>,</a:t>
-            </a:r>
-          </a:p>
-          <a:p>
-            <a:pPr>
-              <a:lnSpc>
-                <a:spcPct val="120000"/>
-              </a:lnSpc>
-              <a:buNone/>
-            </a:pPr>
-            <a:r>
-              <a:rPr lang="en-US" b="0" dirty="0">
-                <a:solidFill>
-                  <a:srgbClr val="001080"/>
-                </a:solidFill>
-                <a:effectLst/>
-                <a:latin typeface="Menlo" panose="020B0609030804020204" pitchFamily="49" charset="0"/>
-              </a:rPr>
-              <a:t>  Transcript</a:t>
-            </a:r>
-            <a:r>
-              <a:rPr lang="en-US" b="0" dirty="0">
-                <a:solidFill>
-                  <a:srgbClr val="3B3B3B"/>
-                </a:solidFill>
-                <a:effectLst/>
-                <a:latin typeface="Menlo" panose="020B0609030804020204" pitchFamily="49" charset="0"/>
-              </a:rPr>
-              <a:t>,</a:t>
-            </a:r>
-          </a:p>
-          <a:p>
-            <a:pPr>
-              <a:lnSpc>
-                <a:spcPct val="120000"/>
-              </a:lnSpc>
-              <a:buNone/>
-            </a:pPr>
-            <a:r>
-              <a:rPr lang="en-US" b="0" dirty="0">
-                <a:solidFill>
-                  <a:srgbClr val="3B3B3B"/>
-                </a:solidFill>
-                <a:effectLst/>
-                <a:latin typeface="Menlo" panose="020B0609030804020204" pitchFamily="49" charset="0"/>
-              </a:rPr>
-              <a:t>} </a:t>
-            </a:r>
-            <a:r>
-              <a:rPr lang="en-US" b="0" dirty="0">
-                <a:solidFill>
-                  <a:srgbClr val="AF00DB"/>
-                </a:solidFill>
-                <a:effectLst/>
-                <a:latin typeface="Menlo" panose="020B0609030804020204" pitchFamily="49" charset="0"/>
-              </a:rPr>
-              <a:t>from</a:t>
-            </a:r>
-            <a:r>
-              <a:rPr lang="en-US" b="0" dirty="0">
-                <a:solidFill>
-                  <a:srgbClr val="3B3B3B"/>
-                </a:solidFill>
-                <a:effectLst/>
-                <a:latin typeface="Menlo" panose="020B0609030804020204" pitchFamily="49" charset="0"/>
-              </a:rPr>
-              <a:t> </a:t>
-            </a:r>
-            <a:r>
-              <a:rPr lang="en-US" b="0" dirty="0">
-                <a:solidFill>
-                  <a:srgbClr val="A31515"/>
-                </a:solidFill>
-                <a:effectLst/>
-                <a:latin typeface="Menlo" panose="020B0609030804020204" pitchFamily="49" charset="0"/>
-              </a:rPr>
-              <a:t>'./</a:t>
-            </a:r>
-            <a:r>
-              <a:rPr lang="en-US" b="0" dirty="0" err="1">
-                <a:solidFill>
-                  <a:srgbClr val="A31515"/>
-                </a:solidFill>
-                <a:effectLst/>
-                <a:latin typeface="Menlo" panose="020B0609030804020204" pitchFamily="49" charset="0"/>
-              </a:rPr>
-              <a:t>types.ts</a:t>
-            </a:r>
-            <a:r>
-              <a:rPr lang="en-US" b="0" dirty="0">
-                <a:solidFill>
-                  <a:srgbClr val="A31515"/>
-                </a:solidFill>
-                <a:effectLst/>
-                <a:latin typeface="Menlo" panose="020B0609030804020204" pitchFamily="49" charset="0"/>
-              </a:rPr>
-              <a:t>'</a:t>
-            </a:r>
-            <a:r>
-              <a:rPr lang="en-US" b="0" dirty="0">
-                <a:solidFill>
-                  <a:srgbClr val="3B3B3B"/>
-                </a:solidFill>
-                <a:effectLst/>
-                <a:latin typeface="Menlo" panose="020B0609030804020204" pitchFamily="49" charset="0"/>
-              </a:rPr>
-              <a:t>;</a:t>
-            </a:r>
+            <a:endParaRPr lang="en-US" b="0" dirty="0">
+              <a:solidFill>
+                <a:srgbClr val="AF00DB"/>
+              </a:solidFill>
+              <a:effectLst/>
+              <a:latin typeface="Menlo" panose="020B0609030804020204" pitchFamily="49" charset="0"/>
+            </a:endParaRPr>
           </a:p>
           <a:p>
             <a:pPr>
@@ -11244,7 +10578,7 @@
 </p:sld>
 </file>
 
-<file path=ppt/slides/slide14.xml><?xml version="1.0" encoding="utf-8"?>
+<file path=ppt/slides/slide13.xml><?xml version="1.0" encoding="utf-8"?>
 <p:sld xmlns:a="http://schemas.openxmlformats.org/drawingml/2006/main" xmlns:r="http://schemas.openxmlformats.org/officeDocument/2006/relationships" xmlns:p="http://schemas.openxmlformats.org/presentationml/2006/main">
   <p:cSld>
     <p:spTree>
@@ -11295,7 +10629,7 @@
           <a:p>
             <a:fld id="{20F37917-FD3A-4669-9018-DA04BCDD3D75}" type="slidenum">
               <a:rPr lang="en-US" smtClean="0"/>
-              <a:t>14</a:t>
+              <a:t>13</a:t>
             </a:fld>
             <a:endParaRPr lang="en-US"/>
           </a:p>
@@ -11328,8 +10662,24 @@
           <a:lstStyle/>
           <a:p>
             <a:r>
-              <a:rPr lang="en-US"/>
-              <a:t>The tiniest introduction to Vitest</a:t>
+              <a:rPr lang="en-US" dirty="0" err="1">
+                <a:solidFill>
+                  <a:srgbClr val="FF0000"/>
+                </a:solidFill>
+              </a:rPr>
+              <a:t>types.ts</a:t>
+            </a:r>
+            <a:r>
+              <a:rPr lang="en-US" dirty="0">
+                <a:solidFill>
+                  <a:srgbClr val="FF0000"/>
+                </a:solidFill>
+              </a:rPr>
+              <a:t> </a:t>
+            </a:r>
+            <a:r>
+              <a:rPr lang="en-US" dirty="0"/>
+              <a:t>used to explain interface</a:t>
             </a:r>
           </a:p>
         </p:txBody>
@@ -12348,7 +11698,7 @@
 </p:sld>
 </file>
 
-<file path=ppt/slides/slide15.xml><?xml version="1.0" encoding="utf-8"?>
+<file path=ppt/slides/slide14.xml><?xml version="1.0" encoding="utf-8"?>
 <p:sld xmlns:a="http://schemas.openxmlformats.org/drawingml/2006/main" xmlns:r="http://schemas.openxmlformats.org/officeDocument/2006/relationships" xmlns:p="http://schemas.openxmlformats.org/presentationml/2006/main">
   <p:cSld>
     <p:spTree>
@@ -12400,7 +11750,7 @@
             <a:fld id="{20F37917-FD3A-4669-9018-DA04BCDD3D75}" type="slidenum">
               <a:rPr lang="en-US" smtClean="0"/>
               <a:pPr/>
-              <a:t>15</a:t>
+              <a:t>14</a:t>
             </a:fld>
             <a:endParaRPr lang="en-US"/>
           </a:p>
@@ -12433,8 +11783,8 @@
           <a:lstStyle/>
           <a:p>
             <a:r>
-              <a:rPr lang="en-US"/>
-              <a:t>The tiniest introduction to Vitest</a:t>
+              <a:rPr lang="en-US" dirty="0"/>
+              <a:t>Now we can start writing tests</a:t>
             </a:r>
           </a:p>
         </p:txBody>
@@ -13945,6 +13295,65 @@
           </a:p>
         </p:txBody>
       </p:sp>
+      <p:sp>
+        <p:nvSpPr>
+          <p:cNvPr id="5" name="TextBox 4">
+            <a:extLst>
+              <a:ext uri="{FF2B5EF4-FFF2-40B4-BE49-F238E27FC236}">
+                <a16:creationId xmlns:a16="http://schemas.microsoft.com/office/drawing/2014/main" id="{0E5E2408-5919-913C-0642-027A8483122E}"/>
+              </a:ext>
+            </a:extLst>
+          </p:cNvPr>
+          <p:cNvSpPr txBox="1"/>
+          <p:nvPr/>
+        </p:nvSpPr>
+        <p:spPr>
+          <a:xfrm>
+            <a:off x="6763871" y="793376"/>
+            <a:ext cx="0" cy="0"/>
+          </a:xfrm>
+          <a:prstGeom prst="rect">
+            <a:avLst/>
+          </a:prstGeom>
+          <a:noFill/>
+          <a:ln>
+            <a:noFill/>
+          </a:ln>
+        </p:spPr>
+        <p:style>
+          <a:lnRef idx="2">
+            <a:schemeClr val="accent1">
+              <a:shade val="50000"/>
+            </a:schemeClr>
+          </a:lnRef>
+          <a:fillRef idx="1">
+            <a:schemeClr val="accent1"/>
+          </a:fillRef>
+          <a:effectRef idx="0">
+            <a:schemeClr val="accent1"/>
+          </a:effectRef>
+          <a:fontRef idx="minor">
+            <a:schemeClr val="lt1"/>
+          </a:fontRef>
+        </p:style>
+        <p:txBody>
+          <a:bodyPr rot="0" spcFirstLastPara="0" vertOverflow="overflow" horzOverflow="overflow" vert="horz" wrap="none" lIns="91440" tIns="45720" rIns="91440" bIns="45720" numCol="1" spcCol="0" rtlCol="0" fromWordArt="0" anchor="ctr" anchorCtr="0" forceAA="0" compatLnSpc="1">
+            <a:prstTxWarp prst="textNoShape">
+              <a:avLst/>
+            </a:prstTxWarp>
+            <a:noAutofit/>
+          </a:bodyPr>
+          <a:lstStyle/>
+          <a:p>
+            <a:pPr algn="l"/>
+            <a:endParaRPr lang="en-US" dirty="0">
+              <a:solidFill>
+                <a:schemeClr val="tx1"/>
+              </a:solidFill>
+            </a:endParaRPr>
+          </a:p>
+        </p:txBody>
+      </p:sp>
     </p:spTree>
     <p:extLst>
       <p:ext uri="{BB962C8B-B14F-4D97-AF65-F5344CB8AC3E}">
@@ -13958,7 +13367,7 @@
 </p:sld>
 </file>
 
-<file path=ppt/slides/slide16.xml><?xml version="1.0" encoding="utf-8"?>
+<file path=ppt/slides/slide15.xml><?xml version="1.0" encoding="utf-8"?>
 <p:sld xmlns:a="http://schemas.openxmlformats.org/drawingml/2006/main" xmlns:r="http://schemas.openxmlformats.org/officeDocument/2006/relationships" xmlns:p="http://schemas.openxmlformats.org/presentationml/2006/main">
   <p:cSld>
     <p:spTree>
@@ -13998,7 +13407,7 @@
           <a:p>
             <a:fld id="{20F37917-FD3A-4669-9018-DA04BCDD3D75}" type="slidenum">
               <a:rPr lang="en-US" smtClean="0"/>
-              <a:t>16</a:t>
+              <a:t>15</a:t>
             </a:fld>
             <a:endParaRPr lang="en-US"/>
           </a:p>
@@ -14026,8 +13435,8 @@
           <a:lstStyle/>
           <a:p>
             <a:r>
-              <a:rPr lang="en-US"/>
-              <a:t>The tiniest introduction to Vitest</a:t>
+              <a:rPr lang="en-US" dirty="0"/>
+              <a:t>Running tests on the command line</a:t>
             </a:r>
           </a:p>
         </p:txBody>
@@ -15235,7 +14644,7 @@
 </p:sld>
 </file>
 
-<file path=ppt/slides/slide17.xml><?xml version="1.0" encoding="utf-8"?>
+<file path=ppt/slides/slide16.xml><?xml version="1.0" encoding="utf-8"?>
 <p:sld xmlns:a="http://schemas.openxmlformats.org/drawingml/2006/main" xmlns:r="http://schemas.openxmlformats.org/officeDocument/2006/relationships" xmlns:p="http://schemas.openxmlformats.org/presentationml/2006/main">
   <p:cSld>
     <p:spTree>
@@ -15287,7 +14696,7 @@
             <a:fld id="{20F37917-FD3A-4669-9018-DA04BCDD3D75}" type="slidenum">
               <a:rPr lang="en-US" smtClean="0"/>
               <a:pPr/>
-              <a:t>17</a:t>
+              <a:t>16</a:t>
             </a:fld>
             <a:endParaRPr lang="en-US"/>
           </a:p>
@@ -15320,16 +14729,8 @@
           <a:lstStyle/>
           <a:p>
             <a:r>
-              <a:rPr lang="en-US"/>
-              <a:t>Turning testable behaviors into </a:t>
-            </a:r>
-            <a:r>
-              <a:rPr lang="en-US" err="1"/>
-              <a:t>Vitest</a:t>
-            </a:r>
-            <a:r>
-              <a:rPr lang="en-US"/>
-              <a:t> tests</a:t>
+              <a:rPr lang="en-US" dirty="0"/>
+              <a:t>Tests from testable behaviors</a:t>
             </a:r>
           </a:p>
         </p:txBody>
@@ -16859,7 +16260,7 @@
 </p:sld>
 </file>
 
-<file path=ppt/slides/slide18.xml><?xml version="1.0" encoding="utf-8"?>
+<file path=ppt/slides/slide17.xml><?xml version="1.0" encoding="utf-8"?>
 <p:sld xmlns:a="http://schemas.openxmlformats.org/drawingml/2006/main" xmlns:r="http://schemas.openxmlformats.org/officeDocument/2006/relationships" xmlns:p="http://schemas.openxmlformats.org/presentationml/2006/main">
   <p:cSld>
     <p:spTree>
@@ -16911,7 +16312,7 @@
             <a:fld id="{20F37917-FD3A-4669-9018-DA04BCDD3D75}" type="slidenum">
               <a:rPr lang="en-US" smtClean="0"/>
               <a:pPr/>
-              <a:t>18</a:t>
+              <a:t>17</a:t>
             </a:fld>
             <a:endParaRPr lang="en-US"/>
           </a:p>
@@ -16944,16 +16345,8 @@
           <a:lstStyle/>
           <a:p>
             <a:r>
-              <a:rPr lang="en-US"/>
-              <a:t>Turning testable behaviors into </a:t>
-            </a:r>
-            <a:r>
-              <a:rPr lang="en-US" err="1"/>
-              <a:t>Vitest</a:t>
-            </a:r>
-            <a:r>
-              <a:rPr lang="en-US"/>
-              <a:t> tests</a:t>
+              <a:rPr lang="en-US" dirty="0"/>
+              <a:t>Assemble/Act/Assess</a:t>
             </a:r>
           </a:p>
         </p:txBody>
@@ -18429,7 +17822,7 @@
 </p:sld>
 </file>
 
-<file path=ppt/slides/slide19.xml><?xml version="1.0" encoding="utf-8"?>
+<file path=ppt/slides/slide18.xml><?xml version="1.0" encoding="utf-8"?>
 <p:sld xmlns:a="http://schemas.openxmlformats.org/drawingml/2006/main" xmlns:r="http://schemas.openxmlformats.org/officeDocument/2006/relationships" xmlns:p="http://schemas.openxmlformats.org/presentationml/2006/main">
   <p:cSld>
     <p:spTree>
@@ -18481,7 +17874,7 @@
             <a:fld id="{20F37917-FD3A-4669-9018-DA04BCDD3D75}" type="slidenum">
               <a:rPr lang="en-US" smtClean="0"/>
               <a:pPr/>
-              <a:t>19</a:t>
+              <a:t>18</a:t>
             </a:fld>
             <a:endParaRPr lang="en-US"/>
           </a:p>
@@ -18514,15 +17907,15 @@
           <a:lstStyle/>
           <a:p>
             <a:r>
-              <a:rPr lang="en-US"/>
+              <a:rPr lang="en-US" dirty="0"/>
               <a:t>Turning testable behaviors into </a:t>
             </a:r>
             <a:r>
-              <a:rPr lang="en-US" err="1"/>
+              <a:rPr lang="en-US" dirty="0" err="1"/>
               <a:t>Vitest</a:t>
             </a:r>
             <a:r>
-              <a:rPr lang="en-US"/>
+              <a:rPr lang="en-US" dirty="0"/>
               <a:t> tests</a:t>
             </a:r>
           </a:p>
@@ -19562,917 +18955,7 @@
 </p:sld>
 </file>
 
-<file path=ppt/slides/slide2.xml><?xml version="1.0" encoding="utf-8"?>
-<p:sld xmlns:a="http://schemas.openxmlformats.org/drawingml/2006/main" xmlns:r="http://schemas.openxmlformats.org/officeDocument/2006/relationships" xmlns:p="http://schemas.openxmlformats.org/presentationml/2006/main">
-  <p:cSld>
-    <p:spTree>
-      <p:nvGrpSpPr>
-        <p:cNvPr id="1" name=""/>
-        <p:cNvGrpSpPr/>
-        <p:nvPr/>
-      </p:nvGrpSpPr>
-      <p:grpSpPr>
-        <a:xfrm>
-          <a:off x="0" y="0"/>
-          <a:ext cx="0" cy="0"/>
-          <a:chOff x="0" y="0"/>
-          <a:chExt cx="0" cy="0"/>
-        </a:xfrm>
-      </p:grpSpPr>
-      <p:sp>
-        <p:nvSpPr>
-          <p:cNvPr id="2" name="Title 1">
-            <a:extLst>
-              <a:ext uri="{FF2B5EF4-FFF2-40B4-BE49-F238E27FC236}">
-                <a16:creationId xmlns:a16="http://schemas.microsoft.com/office/drawing/2014/main" id="{E743D407-5B53-49A7-9907-E801EA7FFD8E}"/>
-              </a:ext>
-            </a:extLst>
-          </p:cNvPr>
-          <p:cNvSpPr>
-            <a:spLocks noGrp="1"/>
-          </p:cNvSpPr>
-          <p:nvPr>
-            <p:ph type="title"/>
-          </p:nvPr>
-        </p:nvSpPr>
-        <p:spPr/>
-        <p:txBody>
-          <a:bodyPr/>
-          <a:lstStyle/>
-          <a:p>
-            <a:r>
-              <a:rPr lang="en-US" dirty="0"/>
-              <a:t>Learning Goals for this Lesson</a:t>
-            </a:r>
-          </a:p>
-        </p:txBody>
-      </p:sp>
-      <p:sp>
-        <p:nvSpPr>
-          <p:cNvPr id="3" name="Content Placeholder 2">
-            <a:extLst>
-              <a:ext uri="{FF2B5EF4-FFF2-40B4-BE49-F238E27FC236}">
-                <a16:creationId xmlns:a16="http://schemas.microsoft.com/office/drawing/2014/main" id="{AC300E2B-BFD0-4090-AFC5-FE82683F997F}"/>
-              </a:ext>
-            </a:extLst>
-          </p:cNvPr>
-          <p:cNvSpPr>
-            <a:spLocks noGrp="1"/>
-          </p:cNvSpPr>
-          <p:nvPr>
-            <p:ph idx="1"/>
-          </p:nvPr>
-        </p:nvSpPr>
-        <p:spPr>
-          <a:xfrm>
-            <a:off x="838200" y="1500159"/>
-            <a:ext cx="7887346" cy="4752359"/>
-          </a:xfrm>
-        </p:spPr>
-        <p:txBody>
-          <a:bodyPr>
-            <a:normAutofit/>
-          </a:bodyPr>
-          <a:lstStyle/>
-          <a:p>
-            <a:r>
-              <a:rPr lang="en-US" dirty="0"/>
-              <a:t>At the end of this lesson, you should be prepared to </a:t>
-            </a:r>
-          </a:p>
-          <a:p>
-            <a:pPr lvl="1"/>
-            <a:r>
-              <a:rPr lang="en-US" dirty="0"/>
-              <a:t>Explain the basics of Test-Driven Development</a:t>
-            </a:r>
-          </a:p>
-          <a:p>
-            <a:pPr lvl="1"/>
-            <a:r>
-              <a:rPr lang="en-US" dirty="0"/>
-              <a:t>Explain the connection between conditions of satisfaction and testable behaviors</a:t>
-            </a:r>
-          </a:p>
-          <a:p>
-            <a:pPr lvl="1"/>
-            <a:r>
-              <a:rPr lang="en-US" dirty="0"/>
-              <a:t>Begin developing simple applications using TypeScript and </a:t>
-            </a:r>
-            <a:r>
-              <a:rPr lang="en-US" dirty="0" err="1"/>
-              <a:t>Vitest</a:t>
-            </a:r>
-            <a:endParaRPr lang="en-US" dirty="0"/>
-          </a:p>
-          <a:p>
-            <a:pPr lvl="1"/>
-            <a:endParaRPr lang="en-US" dirty="0"/>
-          </a:p>
-        </p:txBody>
-      </p:sp>
-      <p:sp>
-        <p:nvSpPr>
-          <p:cNvPr id="4" name="Slide Number Placeholder 3">
-            <a:extLst>
-              <a:ext uri="{FF2B5EF4-FFF2-40B4-BE49-F238E27FC236}">
-                <a16:creationId xmlns:a16="http://schemas.microsoft.com/office/drawing/2014/main" id="{B7BF3F82-6F96-41E0-9C15-23CE00076176}"/>
-              </a:ext>
-            </a:extLst>
-          </p:cNvPr>
-          <p:cNvSpPr>
-            <a:spLocks noGrp="1"/>
-          </p:cNvSpPr>
-          <p:nvPr>
-            <p:ph type="sldNum" sz="quarter" idx="12"/>
-          </p:nvPr>
-        </p:nvSpPr>
-        <p:spPr/>
-        <p:txBody>
-          <a:bodyPr/>
-          <a:lstStyle/>
-          <a:p>
-            <a:fld id="{20F37917-FD3A-4669-9018-DA04BCDD3D75}" type="slidenum">
-              <a:rPr lang="en-US" smtClean="0"/>
-              <a:t>2</a:t>
-            </a:fld>
-            <a:endParaRPr lang="en-US"/>
-          </a:p>
-        </p:txBody>
-      </p:sp>
-    </p:spTree>
-    <p:extLst>
-      <p:ext uri="{BB962C8B-B14F-4D97-AF65-F5344CB8AC3E}">
-        <p14:creationId xmlns:p14="http://schemas.microsoft.com/office/powerpoint/2010/main" val="3019279322"/>
-      </p:ext>
-    </p:extLst>
-  </p:cSld>
-  <p:clrMapOvr>
-    <a:masterClrMapping/>
-  </p:clrMapOvr>
-</p:sld>
-</file>
-
-<file path=ppt/slides/slide20.xml><?xml version="1.0" encoding="utf-8"?>
-<p:sld xmlns:a="http://schemas.openxmlformats.org/drawingml/2006/main" xmlns:r="http://schemas.openxmlformats.org/officeDocument/2006/relationships" xmlns:p="http://schemas.openxmlformats.org/presentationml/2006/main">
-  <p:cSld>
-    <p:spTree>
-      <p:nvGrpSpPr>
-        <p:cNvPr id="1" name="">
-          <a:extLst>
-            <a:ext uri="{FF2B5EF4-FFF2-40B4-BE49-F238E27FC236}">
-              <a16:creationId xmlns:a16="http://schemas.microsoft.com/office/drawing/2014/main" id="{5907A9CB-D4E5-3428-E8C6-F320EB6E41CB}"/>
-            </a:ext>
-          </a:extLst>
-        </p:cNvPr>
-        <p:cNvGrpSpPr/>
-        <p:nvPr/>
-      </p:nvGrpSpPr>
-      <p:grpSpPr>
-        <a:xfrm>
-          <a:off x="0" y="0"/>
-          <a:ext cx="0" cy="0"/>
-          <a:chOff x="0" y="0"/>
-          <a:chExt cx="0" cy="0"/>
-        </a:xfrm>
-      </p:grpSpPr>
-      <p:sp>
-        <p:nvSpPr>
-          <p:cNvPr id="3" name="Slide Number Placeholder 2">
-            <a:extLst>
-              <a:ext uri="{FF2B5EF4-FFF2-40B4-BE49-F238E27FC236}">
-                <a16:creationId xmlns:a16="http://schemas.microsoft.com/office/drawing/2014/main" id="{32032A9C-7FE0-542E-D328-1DA19D34993F}"/>
-              </a:ext>
-            </a:extLst>
-          </p:cNvPr>
-          <p:cNvSpPr>
-            <a:spLocks noGrp="1"/>
-          </p:cNvSpPr>
-          <p:nvPr>
-            <p:ph type="sldNum" sz="quarter" idx="12"/>
-          </p:nvPr>
-        </p:nvSpPr>
-        <p:spPr>
-          <a:xfrm>
-            <a:off x="8610600" y="6356350"/>
-            <a:ext cx="2743200" cy="365125"/>
-          </a:xfrm>
-        </p:spPr>
-        <p:txBody>
-          <a:bodyPr/>
-          <a:lstStyle/>
-          <a:p>
-            <a:fld id="{20F37917-FD3A-4669-9018-DA04BCDD3D75}" type="slidenum">
-              <a:rPr lang="en-US" smtClean="0"/>
-              <a:pPr/>
-              <a:t>20</a:t>
-            </a:fld>
-            <a:endParaRPr lang="en-US"/>
-          </a:p>
-        </p:txBody>
-      </p:sp>
-      <p:sp>
-        <p:nvSpPr>
-          <p:cNvPr id="2" name="Title 1">
-            <a:extLst>
-              <a:ext uri="{FF2B5EF4-FFF2-40B4-BE49-F238E27FC236}">
-                <a16:creationId xmlns:a16="http://schemas.microsoft.com/office/drawing/2014/main" id="{09145ACD-D6E4-774F-523F-2678FC0960C8}"/>
-              </a:ext>
-            </a:extLst>
-          </p:cNvPr>
-          <p:cNvSpPr>
-            <a:spLocks noGrp="1"/>
-          </p:cNvSpPr>
-          <p:nvPr>
-            <p:ph type="title"/>
-          </p:nvPr>
-        </p:nvSpPr>
-        <p:spPr>
-          <a:xfrm>
-            <a:off x="838200" y="18255"/>
-            <a:ext cx="10515600" cy="1325563"/>
-          </a:xfrm>
-        </p:spPr>
-        <p:txBody>
-          <a:bodyPr/>
-          <a:lstStyle/>
-          <a:p>
-            <a:r>
-              <a:rPr lang="en-US"/>
-              <a:t>Turning testable behaviors into </a:t>
-            </a:r>
-            <a:r>
-              <a:rPr lang="en-US" err="1"/>
-              <a:t>Vitest</a:t>
-            </a:r>
-            <a:r>
-              <a:rPr lang="en-US"/>
-              <a:t> tests</a:t>
-            </a:r>
-          </a:p>
-        </p:txBody>
-      </p:sp>
-      <p:sp>
-        <p:nvSpPr>
-          <p:cNvPr id="4" name="TextBox 3">
-            <a:extLst>
-              <a:ext uri="{FF2B5EF4-FFF2-40B4-BE49-F238E27FC236}">
-                <a16:creationId xmlns:a16="http://schemas.microsoft.com/office/drawing/2014/main" id="{AA9B8750-ED62-4345-DF6D-792748ADE401}"/>
-              </a:ext>
-            </a:extLst>
-          </p:cNvPr>
-          <p:cNvSpPr txBox="1"/>
-          <p:nvPr/>
-        </p:nvSpPr>
-        <p:spPr>
-          <a:xfrm>
-            <a:off x="744068" y="1555036"/>
-            <a:ext cx="11834794" cy="2205155"/>
-          </a:xfrm>
-          <a:prstGeom prst="rect">
-            <a:avLst/>
-          </a:prstGeom>
-          <a:noFill/>
-          <a:ln w="12700" cap="flat" cmpd="sng" algn="ctr">
-            <a:noFill/>
-            <a:prstDash val="solid"/>
-            <a:miter lim="800000"/>
-          </a:ln>
-          <a:effectLst/>
-        </p:spPr>
-        <p:style>
-          <a:lnRef idx="2">
-            <a:schemeClr val="accent1">
-              <a:shade val="50000"/>
-            </a:schemeClr>
-          </a:lnRef>
-          <a:fillRef idx="1">
-            <a:schemeClr val="accent1"/>
-          </a:fillRef>
-          <a:effectRef idx="0">
-            <a:schemeClr val="accent1"/>
-          </a:effectRef>
-          <a:fontRef idx="minor">
-            <a:schemeClr val="lt1"/>
-          </a:fontRef>
-        </p:style>
-        <p:txBody>
-          <a:bodyPr wrap="square">
-            <a:spAutoFit/>
-          </a:bodyPr>
-          <a:lstStyle/>
-          <a:p>
-            <a:pPr>
-              <a:lnSpc>
-                <a:spcPct val="110000"/>
-              </a:lnSpc>
-              <a:buNone/>
-            </a:pPr>
-            <a:r>
-              <a:rPr lang="en-US" b="0" dirty="0">
-                <a:solidFill>
-                  <a:srgbClr val="795E26"/>
-                </a:solidFill>
-                <a:effectLst/>
-                <a:latin typeface="Menlo" panose="020B0609030804020204" pitchFamily="49" charset="0"/>
-              </a:rPr>
-              <a:t>describe</a:t>
-            </a:r>
-            <a:r>
-              <a:rPr lang="en-US" b="0" dirty="0">
-                <a:solidFill>
-                  <a:srgbClr val="3B3B3B"/>
-                </a:solidFill>
-                <a:effectLst/>
-                <a:latin typeface="Menlo" panose="020B0609030804020204" pitchFamily="49" charset="0"/>
-              </a:rPr>
-              <a:t>(</a:t>
-            </a:r>
-            <a:r>
-              <a:rPr lang="en-US" b="0" dirty="0">
-                <a:solidFill>
-                  <a:srgbClr val="A31515"/>
-                </a:solidFill>
-                <a:effectLst/>
-                <a:latin typeface="Menlo" panose="020B0609030804020204" pitchFamily="49" charset="0"/>
-              </a:rPr>
-              <a:t>'</a:t>
-            </a:r>
-            <a:r>
-              <a:rPr lang="en-US" b="0" dirty="0" err="1">
-                <a:solidFill>
-                  <a:srgbClr val="A31515"/>
-                </a:solidFill>
-                <a:effectLst/>
-                <a:latin typeface="Menlo" panose="020B0609030804020204" pitchFamily="49" charset="0"/>
-              </a:rPr>
-              <a:t>addStudent</a:t>
-            </a:r>
-            <a:r>
-              <a:rPr lang="en-US" b="0" dirty="0">
-                <a:solidFill>
-                  <a:srgbClr val="A31515"/>
-                </a:solidFill>
-                <a:effectLst/>
-                <a:latin typeface="Menlo" panose="020B0609030804020204" pitchFamily="49" charset="0"/>
-              </a:rPr>
-              <a:t>'</a:t>
-            </a:r>
-            <a:r>
-              <a:rPr lang="en-US" b="0" dirty="0">
-                <a:solidFill>
-                  <a:srgbClr val="3B3B3B"/>
-                </a:solidFill>
-                <a:effectLst/>
-                <a:latin typeface="Menlo" panose="020B0609030804020204" pitchFamily="49" charset="0"/>
-              </a:rPr>
-              <a:t>, () </a:t>
-            </a:r>
-            <a:r>
-              <a:rPr lang="en-US" b="0" dirty="0">
-                <a:solidFill>
-                  <a:srgbClr val="0000FF"/>
-                </a:solidFill>
-                <a:effectLst/>
-                <a:latin typeface="Menlo" panose="020B0609030804020204" pitchFamily="49" charset="0"/>
-              </a:rPr>
-              <a:t>=&gt;</a:t>
-            </a:r>
-            <a:r>
-              <a:rPr lang="en-US" b="0" dirty="0">
-                <a:solidFill>
-                  <a:srgbClr val="3B3B3B"/>
-                </a:solidFill>
-                <a:effectLst/>
-                <a:latin typeface="Menlo" panose="020B0609030804020204" pitchFamily="49" charset="0"/>
-              </a:rPr>
-              <a:t> {</a:t>
-            </a:r>
-          </a:p>
-          <a:p>
-            <a:pPr>
-              <a:lnSpc>
-                <a:spcPct val="110000"/>
-              </a:lnSpc>
-              <a:buNone/>
-            </a:pPr>
-            <a:r>
-              <a:rPr lang="en-US" b="0" dirty="0">
-                <a:solidFill>
-                  <a:srgbClr val="795E26"/>
-                </a:solidFill>
-                <a:effectLst/>
-                <a:latin typeface="Menlo" panose="020B0609030804020204" pitchFamily="49" charset="0"/>
-              </a:rPr>
-              <a:t>  it</a:t>
-            </a:r>
-            <a:r>
-              <a:rPr lang="en-US" b="0" dirty="0">
-                <a:solidFill>
-                  <a:srgbClr val="3B3B3B"/>
-                </a:solidFill>
-                <a:effectLst/>
-                <a:latin typeface="Menlo" panose="020B0609030804020204" pitchFamily="49" charset="0"/>
-              </a:rPr>
-              <a:t>(</a:t>
-            </a:r>
-            <a:r>
-              <a:rPr lang="en-US" b="0" dirty="0">
-                <a:solidFill>
-                  <a:srgbClr val="A31515"/>
-                </a:solidFill>
-                <a:effectLst/>
-                <a:latin typeface="Menlo" panose="020B0609030804020204" pitchFamily="49" charset="0"/>
-              </a:rPr>
-              <a:t>'should permit adding a student w/ same name as an existing student’</a:t>
-            </a:r>
-            <a:r>
-              <a:rPr lang="en-US" b="0" dirty="0">
-                <a:solidFill>
-                  <a:srgbClr val="3B3B3B"/>
-                </a:solidFill>
-                <a:effectLst/>
-                <a:latin typeface="Menlo" panose="020B0609030804020204" pitchFamily="49" charset="0"/>
-              </a:rPr>
-              <a:t>, () </a:t>
-            </a:r>
-            <a:r>
-              <a:rPr lang="en-US" b="0" dirty="0">
-                <a:solidFill>
-                  <a:srgbClr val="0000FF"/>
-                </a:solidFill>
-                <a:effectLst/>
-                <a:latin typeface="Menlo" panose="020B0609030804020204" pitchFamily="49" charset="0"/>
-              </a:rPr>
-              <a:t>=&gt;</a:t>
-            </a:r>
-            <a:r>
-              <a:rPr lang="en-US" b="0" dirty="0">
-                <a:solidFill>
-                  <a:srgbClr val="3B3B3B"/>
-                </a:solidFill>
-                <a:effectLst/>
-                <a:latin typeface="Menlo" panose="020B0609030804020204" pitchFamily="49" charset="0"/>
-              </a:rPr>
-              <a:t> {</a:t>
-            </a:r>
-          </a:p>
-          <a:p>
-            <a:pPr>
-              <a:lnSpc>
-                <a:spcPct val="110000"/>
-              </a:lnSpc>
-              <a:buNone/>
-            </a:pPr>
-            <a:r>
-              <a:rPr lang="en-US" b="0" dirty="0">
-                <a:solidFill>
-                  <a:srgbClr val="0000FF"/>
-                </a:solidFill>
-                <a:effectLst/>
-                <a:latin typeface="Menlo" panose="020B0609030804020204" pitchFamily="49" charset="0"/>
-              </a:rPr>
-              <a:t>    const</a:t>
-            </a:r>
-            <a:r>
-              <a:rPr lang="en-US" b="0" dirty="0">
-                <a:solidFill>
-                  <a:srgbClr val="3B3B3B"/>
-                </a:solidFill>
-                <a:effectLst/>
-                <a:latin typeface="Menlo" panose="020B0609030804020204" pitchFamily="49" charset="0"/>
-              </a:rPr>
-              <a:t> </a:t>
-            </a:r>
-            <a:r>
-              <a:rPr lang="en-US" b="0" dirty="0">
-                <a:solidFill>
-                  <a:srgbClr val="0070C1"/>
-                </a:solidFill>
-                <a:effectLst/>
-                <a:latin typeface="Menlo" panose="020B0609030804020204" pitchFamily="49" charset="0"/>
-              </a:rPr>
-              <a:t>id1</a:t>
-            </a:r>
-            <a:r>
-              <a:rPr lang="en-US" b="0" dirty="0">
-                <a:solidFill>
-                  <a:srgbClr val="3B3B3B"/>
-                </a:solidFill>
-                <a:effectLst/>
-                <a:latin typeface="Menlo" panose="020B0609030804020204" pitchFamily="49" charset="0"/>
-              </a:rPr>
-              <a:t> </a:t>
-            </a:r>
-            <a:r>
-              <a:rPr lang="en-US" b="0" dirty="0">
-                <a:solidFill>
-                  <a:srgbClr val="000000"/>
-                </a:solidFill>
-                <a:effectLst/>
-                <a:latin typeface="Menlo" panose="020B0609030804020204" pitchFamily="49" charset="0"/>
-              </a:rPr>
-              <a:t>=</a:t>
-            </a:r>
-            <a:r>
-              <a:rPr lang="en-US" b="0" dirty="0">
-                <a:solidFill>
-                  <a:srgbClr val="3B3B3B"/>
-                </a:solidFill>
-                <a:effectLst/>
-                <a:latin typeface="Menlo" panose="020B0609030804020204" pitchFamily="49" charset="0"/>
-              </a:rPr>
-              <a:t> </a:t>
-            </a:r>
-            <a:r>
-              <a:rPr lang="en-US" b="0" dirty="0" err="1">
-                <a:solidFill>
-                  <a:srgbClr val="001080"/>
-                </a:solidFill>
-                <a:effectLst/>
-                <a:latin typeface="Menlo" panose="020B0609030804020204" pitchFamily="49" charset="0"/>
-              </a:rPr>
-              <a:t>db</a:t>
-            </a:r>
-            <a:r>
-              <a:rPr lang="en-US" b="0" dirty="0" err="1">
-                <a:solidFill>
-                  <a:srgbClr val="3B3B3B"/>
-                </a:solidFill>
-                <a:effectLst/>
-                <a:latin typeface="Menlo" panose="020B0609030804020204" pitchFamily="49" charset="0"/>
-              </a:rPr>
-              <a:t>.</a:t>
-            </a:r>
-            <a:r>
-              <a:rPr lang="en-US" b="0" dirty="0" err="1">
-                <a:solidFill>
-                  <a:srgbClr val="795E26"/>
-                </a:solidFill>
-                <a:effectLst/>
-                <a:latin typeface="Menlo" panose="020B0609030804020204" pitchFamily="49" charset="0"/>
-              </a:rPr>
-              <a:t>addStudent</a:t>
-            </a:r>
-            <a:r>
-              <a:rPr lang="en-US" b="0" dirty="0">
-                <a:solidFill>
-                  <a:srgbClr val="3B3B3B"/>
-                </a:solidFill>
-                <a:effectLst/>
-                <a:latin typeface="Menlo" panose="020B0609030804020204" pitchFamily="49" charset="0"/>
-              </a:rPr>
-              <a:t>(</a:t>
-            </a:r>
-            <a:r>
-              <a:rPr lang="en-US" b="0" dirty="0">
-                <a:solidFill>
-                  <a:srgbClr val="A31515"/>
-                </a:solidFill>
-                <a:effectLst/>
-                <a:latin typeface="Menlo" panose="020B0609030804020204" pitchFamily="49" charset="0"/>
-              </a:rPr>
-              <a:t>'</a:t>
-            </a:r>
-            <a:r>
-              <a:rPr lang="en-US" b="0" dirty="0" err="1">
-                <a:solidFill>
-                  <a:srgbClr val="A31515"/>
-                </a:solidFill>
-                <a:effectLst/>
-                <a:latin typeface="Menlo" panose="020B0609030804020204" pitchFamily="49" charset="0"/>
-              </a:rPr>
-              <a:t>blair</a:t>
-            </a:r>
-            <a:r>
-              <a:rPr lang="en-US" b="0" dirty="0">
-                <a:solidFill>
-                  <a:srgbClr val="A31515"/>
-                </a:solidFill>
-                <a:effectLst/>
-                <a:latin typeface="Menlo" panose="020B0609030804020204" pitchFamily="49" charset="0"/>
-              </a:rPr>
-              <a:t>’</a:t>
-            </a:r>
-            <a:r>
-              <a:rPr lang="en-US" b="0" dirty="0">
-                <a:solidFill>
-                  <a:srgbClr val="3B3B3B"/>
-                </a:solidFill>
-                <a:effectLst/>
-                <a:latin typeface="Menlo" panose="020B0609030804020204" pitchFamily="49" charset="0"/>
-              </a:rPr>
-              <a:t>);</a:t>
-            </a:r>
-          </a:p>
-          <a:p>
-            <a:pPr>
-              <a:lnSpc>
-                <a:spcPct val="110000"/>
-              </a:lnSpc>
-              <a:buNone/>
-            </a:pPr>
-            <a:r>
-              <a:rPr lang="en-US" b="0" dirty="0">
-                <a:solidFill>
-                  <a:srgbClr val="0000FF"/>
-                </a:solidFill>
-                <a:effectLst/>
-                <a:latin typeface="Menlo" panose="020B0609030804020204" pitchFamily="49" charset="0"/>
-              </a:rPr>
-              <a:t>    const</a:t>
-            </a:r>
-            <a:r>
-              <a:rPr lang="en-US" b="0" dirty="0">
-                <a:solidFill>
-                  <a:srgbClr val="3B3B3B"/>
-                </a:solidFill>
-                <a:effectLst/>
-                <a:latin typeface="Menlo" panose="020B0609030804020204" pitchFamily="49" charset="0"/>
-              </a:rPr>
-              <a:t> </a:t>
-            </a:r>
-            <a:r>
-              <a:rPr lang="en-US" b="0" dirty="0">
-                <a:solidFill>
-                  <a:srgbClr val="0070C1"/>
-                </a:solidFill>
-                <a:effectLst/>
-                <a:latin typeface="Menlo" panose="020B0609030804020204" pitchFamily="49" charset="0"/>
-              </a:rPr>
-              <a:t>id2</a:t>
-            </a:r>
-            <a:r>
-              <a:rPr lang="en-US" b="0" dirty="0">
-                <a:solidFill>
-                  <a:srgbClr val="3B3B3B"/>
-                </a:solidFill>
-                <a:effectLst/>
-                <a:latin typeface="Menlo" panose="020B0609030804020204" pitchFamily="49" charset="0"/>
-              </a:rPr>
-              <a:t> </a:t>
-            </a:r>
-            <a:r>
-              <a:rPr lang="en-US" b="0" dirty="0">
-                <a:solidFill>
-                  <a:srgbClr val="000000"/>
-                </a:solidFill>
-                <a:effectLst/>
-                <a:latin typeface="Menlo" panose="020B0609030804020204" pitchFamily="49" charset="0"/>
-              </a:rPr>
-              <a:t>=</a:t>
-            </a:r>
-            <a:r>
-              <a:rPr lang="en-US" b="0" dirty="0">
-                <a:solidFill>
-                  <a:srgbClr val="3B3B3B"/>
-                </a:solidFill>
-                <a:effectLst/>
-                <a:latin typeface="Menlo" panose="020B0609030804020204" pitchFamily="49" charset="0"/>
-              </a:rPr>
-              <a:t> </a:t>
-            </a:r>
-            <a:r>
-              <a:rPr lang="en-US" b="0" dirty="0" err="1">
-                <a:solidFill>
-                  <a:srgbClr val="001080"/>
-                </a:solidFill>
-                <a:effectLst/>
-                <a:latin typeface="Menlo" panose="020B0609030804020204" pitchFamily="49" charset="0"/>
-              </a:rPr>
-              <a:t>db</a:t>
-            </a:r>
-            <a:r>
-              <a:rPr lang="en-US" b="0" dirty="0" err="1">
-                <a:solidFill>
-                  <a:srgbClr val="3B3B3B"/>
-                </a:solidFill>
-                <a:effectLst/>
-                <a:latin typeface="Menlo" panose="020B0609030804020204" pitchFamily="49" charset="0"/>
-              </a:rPr>
-              <a:t>.</a:t>
-            </a:r>
-            <a:r>
-              <a:rPr lang="en-US" b="0" dirty="0" err="1">
-                <a:solidFill>
-                  <a:srgbClr val="795E26"/>
-                </a:solidFill>
-                <a:effectLst/>
-                <a:latin typeface="Menlo" panose="020B0609030804020204" pitchFamily="49" charset="0"/>
-              </a:rPr>
-              <a:t>addStudent</a:t>
-            </a:r>
-            <a:r>
-              <a:rPr lang="en-US" b="0" dirty="0">
-                <a:solidFill>
-                  <a:srgbClr val="3B3B3B"/>
-                </a:solidFill>
-                <a:effectLst/>
-                <a:latin typeface="Menlo" panose="020B0609030804020204" pitchFamily="49" charset="0"/>
-              </a:rPr>
-              <a:t>(</a:t>
-            </a:r>
-            <a:r>
-              <a:rPr lang="en-US" b="0" dirty="0">
-                <a:solidFill>
-                  <a:srgbClr val="A31515"/>
-                </a:solidFill>
-                <a:effectLst/>
-                <a:latin typeface="Menlo" panose="020B0609030804020204" pitchFamily="49" charset="0"/>
-              </a:rPr>
-              <a:t>'</a:t>
-            </a:r>
-            <a:r>
-              <a:rPr lang="en-US" b="0" dirty="0" err="1">
-                <a:solidFill>
-                  <a:srgbClr val="A31515"/>
-                </a:solidFill>
-                <a:effectLst/>
-                <a:latin typeface="Menlo" panose="020B0609030804020204" pitchFamily="49" charset="0"/>
-              </a:rPr>
-              <a:t>blair</a:t>
-            </a:r>
-            <a:r>
-              <a:rPr lang="en-US" b="0" dirty="0">
-                <a:solidFill>
-                  <a:srgbClr val="A31515"/>
-                </a:solidFill>
-                <a:effectLst/>
-                <a:latin typeface="Menlo" panose="020B0609030804020204" pitchFamily="49" charset="0"/>
-              </a:rPr>
-              <a:t>’</a:t>
-            </a:r>
-            <a:r>
-              <a:rPr lang="en-US" b="0" dirty="0">
-                <a:solidFill>
-                  <a:srgbClr val="3B3B3B"/>
-                </a:solidFill>
-                <a:effectLst/>
-                <a:latin typeface="Menlo" panose="020B0609030804020204" pitchFamily="49" charset="0"/>
-              </a:rPr>
-              <a:t>);</a:t>
-            </a:r>
-          </a:p>
-          <a:p>
-            <a:pPr>
-              <a:lnSpc>
-                <a:spcPct val="110000"/>
-              </a:lnSpc>
-              <a:buNone/>
-            </a:pPr>
-            <a:r>
-              <a:rPr lang="en-US" b="0" dirty="0">
-                <a:solidFill>
-                  <a:srgbClr val="795E26"/>
-                </a:solidFill>
-                <a:effectLst/>
-                <a:latin typeface="Menlo" panose="020B0609030804020204" pitchFamily="49" charset="0"/>
-              </a:rPr>
-              <a:t>    expect</a:t>
-            </a:r>
-            <a:r>
-              <a:rPr lang="en-US" b="0" dirty="0">
-                <a:solidFill>
-                  <a:srgbClr val="3B3B3B"/>
-                </a:solidFill>
-                <a:effectLst/>
-                <a:latin typeface="Menlo" panose="020B0609030804020204" pitchFamily="49" charset="0"/>
-              </a:rPr>
-              <a:t>(</a:t>
-            </a:r>
-            <a:r>
-              <a:rPr lang="en-US" b="0" dirty="0">
-                <a:solidFill>
-                  <a:srgbClr val="0070C1"/>
-                </a:solidFill>
-                <a:effectLst/>
-                <a:latin typeface="Menlo" panose="020B0609030804020204" pitchFamily="49" charset="0"/>
-              </a:rPr>
-              <a:t>id1</a:t>
-            </a:r>
-            <a:r>
-              <a:rPr lang="en-US" b="0" dirty="0">
-                <a:solidFill>
-                  <a:srgbClr val="3B3B3B"/>
-                </a:solidFill>
-                <a:effectLst/>
-                <a:latin typeface="Menlo" panose="020B0609030804020204" pitchFamily="49" charset="0"/>
-              </a:rPr>
-              <a:t>).</a:t>
-            </a:r>
-            <a:r>
-              <a:rPr lang="en-US" b="0" dirty="0" err="1">
-                <a:solidFill>
-                  <a:srgbClr val="001080"/>
-                </a:solidFill>
-                <a:effectLst/>
-                <a:latin typeface="Menlo" panose="020B0609030804020204" pitchFamily="49" charset="0"/>
-              </a:rPr>
-              <a:t>not</a:t>
-            </a:r>
-            <a:r>
-              <a:rPr lang="en-US" b="0" dirty="0" err="1">
-                <a:solidFill>
-                  <a:srgbClr val="3B3B3B"/>
-                </a:solidFill>
-                <a:effectLst/>
-                <a:latin typeface="Menlo" panose="020B0609030804020204" pitchFamily="49" charset="0"/>
-              </a:rPr>
-              <a:t>.</a:t>
-            </a:r>
-            <a:r>
-              <a:rPr lang="en-US" b="0" dirty="0" err="1">
-                <a:solidFill>
-                  <a:srgbClr val="795E26"/>
-                </a:solidFill>
-                <a:effectLst/>
-                <a:latin typeface="Menlo" panose="020B0609030804020204" pitchFamily="49" charset="0"/>
-              </a:rPr>
-              <a:t>toEqual</a:t>
-            </a:r>
-            <a:r>
-              <a:rPr lang="en-US" b="0" dirty="0">
-                <a:solidFill>
-                  <a:srgbClr val="3B3B3B"/>
-                </a:solidFill>
-                <a:effectLst/>
-                <a:latin typeface="Menlo" panose="020B0609030804020204" pitchFamily="49" charset="0"/>
-              </a:rPr>
-              <a:t>(</a:t>
-            </a:r>
-            <a:r>
-              <a:rPr lang="en-US" b="0" dirty="0">
-                <a:solidFill>
-                  <a:srgbClr val="0070C1"/>
-                </a:solidFill>
-                <a:effectLst/>
-                <a:latin typeface="Menlo" panose="020B0609030804020204" pitchFamily="49" charset="0"/>
-              </a:rPr>
-              <a:t>id2</a:t>
-            </a:r>
-            <a:r>
-              <a:rPr lang="en-US" b="0" dirty="0">
-                <a:solidFill>
-                  <a:srgbClr val="3B3B3B"/>
-                </a:solidFill>
-                <a:effectLst/>
-                <a:latin typeface="Menlo" panose="020B0609030804020204" pitchFamily="49" charset="0"/>
-              </a:rPr>
-              <a:t>);</a:t>
-            </a:r>
-          </a:p>
-          <a:p>
-            <a:pPr>
-              <a:lnSpc>
-                <a:spcPct val="110000"/>
-              </a:lnSpc>
-            </a:pPr>
-            <a:r>
-              <a:rPr lang="en-US" b="0" dirty="0">
-                <a:solidFill>
-                  <a:srgbClr val="3B3B3B"/>
-                </a:solidFill>
-                <a:effectLst/>
-                <a:latin typeface="Menlo" panose="020B0609030804020204" pitchFamily="49" charset="0"/>
-              </a:rPr>
-              <a:t>  });</a:t>
-            </a:r>
-          </a:p>
-          <a:p>
-            <a:pPr>
-              <a:lnSpc>
-                <a:spcPct val="110000"/>
-              </a:lnSpc>
-              <a:buNone/>
-            </a:pPr>
-            <a:r>
-              <a:rPr lang="en-US" b="0" dirty="0">
-                <a:solidFill>
-                  <a:srgbClr val="3B3B3B"/>
-                </a:solidFill>
-                <a:effectLst/>
-                <a:latin typeface="Menlo" panose="020B0609030804020204" pitchFamily="49" charset="0"/>
-              </a:rPr>
-              <a:t>});</a:t>
-            </a:r>
-          </a:p>
-        </p:txBody>
-      </p:sp>
-    </p:spTree>
-    <p:extLst>
-      <p:ext uri="{BB962C8B-B14F-4D97-AF65-F5344CB8AC3E}">
-        <p14:creationId xmlns:p14="http://schemas.microsoft.com/office/powerpoint/2010/main" val="1013568965"/>
-      </p:ext>
-    </p:extLst>
-  </p:cSld>
-  <p:clrMapOvr>
-    <a:masterClrMapping/>
-  </p:clrMapOvr>
-</p:sld>
-</file>
-
-<file path=ppt/slides/slide21.xml><?xml version="1.0" encoding="utf-8"?>
+<file path=ppt/slides/slide19.xml><?xml version="1.0" encoding="utf-8"?>
 <p:sld xmlns:a="http://schemas.openxmlformats.org/drawingml/2006/main" xmlns:r="http://schemas.openxmlformats.org/officeDocument/2006/relationships" xmlns:p="http://schemas.openxmlformats.org/presentationml/2006/main">
   <p:cSld>
     <p:spTree>
@@ -20524,7 +19007,7 @@
             <a:fld id="{20F37917-FD3A-4669-9018-DA04BCDD3D75}" type="slidenum">
               <a:rPr lang="en-US" smtClean="0"/>
               <a:pPr/>
-              <a:t>21</a:t>
+              <a:t>19</a:t>
             </a:fld>
             <a:endParaRPr lang="en-US"/>
           </a:p>
@@ -21230,7 +19713,159 @@
 </p:sld>
 </file>
 
-<file path=ppt/slides/slide22.xml><?xml version="1.0" encoding="utf-8"?>
+<file path=ppt/slides/slide2.xml><?xml version="1.0" encoding="utf-8"?>
+<p:sld xmlns:a="http://schemas.openxmlformats.org/drawingml/2006/main" xmlns:r="http://schemas.openxmlformats.org/officeDocument/2006/relationships" xmlns:p="http://schemas.openxmlformats.org/presentationml/2006/main">
+  <p:cSld>
+    <p:spTree>
+      <p:nvGrpSpPr>
+        <p:cNvPr id="1" name=""/>
+        <p:cNvGrpSpPr/>
+        <p:nvPr/>
+      </p:nvGrpSpPr>
+      <p:grpSpPr>
+        <a:xfrm>
+          <a:off x="0" y="0"/>
+          <a:ext cx="0" cy="0"/>
+          <a:chOff x="0" y="0"/>
+          <a:chExt cx="0" cy="0"/>
+        </a:xfrm>
+      </p:grpSpPr>
+      <p:sp>
+        <p:nvSpPr>
+          <p:cNvPr id="2" name="Title 1">
+            <a:extLst>
+              <a:ext uri="{FF2B5EF4-FFF2-40B4-BE49-F238E27FC236}">
+                <a16:creationId xmlns:a16="http://schemas.microsoft.com/office/drawing/2014/main" id="{E743D407-5B53-49A7-9907-E801EA7FFD8E}"/>
+              </a:ext>
+            </a:extLst>
+          </p:cNvPr>
+          <p:cNvSpPr>
+            <a:spLocks noGrp="1"/>
+          </p:cNvSpPr>
+          <p:nvPr>
+            <p:ph type="title"/>
+          </p:nvPr>
+        </p:nvSpPr>
+        <p:spPr/>
+        <p:txBody>
+          <a:bodyPr/>
+          <a:lstStyle/>
+          <a:p>
+            <a:r>
+              <a:rPr lang="en-US" dirty="0"/>
+              <a:t>Learning Goals for this Lesson</a:t>
+            </a:r>
+          </a:p>
+        </p:txBody>
+      </p:sp>
+      <p:sp>
+        <p:nvSpPr>
+          <p:cNvPr id="3" name="Content Placeholder 2">
+            <a:extLst>
+              <a:ext uri="{FF2B5EF4-FFF2-40B4-BE49-F238E27FC236}">
+                <a16:creationId xmlns:a16="http://schemas.microsoft.com/office/drawing/2014/main" id="{AC300E2B-BFD0-4090-AFC5-FE82683F997F}"/>
+              </a:ext>
+            </a:extLst>
+          </p:cNvPr>
+          <p:cNvSpPr>
+            <a:spLocks noGrp="1"/>
+          </p:cNvSpPr>
+          <p:nvPr>
+            <p:ph idx="1"/>
+          </p:nvPr>
+        </p:nvSpPr>
+        <p:spPr>
+          <a:xfrm>
+            <a:off x="838200" y="1500159"/>
+            <a:ext cx="7887346" cy="4752359"/>
+          </a:xfrm>
+        </p:spPr>
+        <p:txBody>
+          <a:bodyPr>
+            <a:normAutofit/>
+          </a:bodyPr>
+          <a:lstStyle/>
+          <a:p>
+            <a:r>
+              <a:rPr lang="en-US" dirty="0"/>
+              <a:t>At the end of this lesson, you should be prepared to </a:t>
+            </a:r>
+          </a:p>
+          <a:p>
+            <a:pPr lvl="1"/>
+            <a:r>
+              <a:rPr lang="en-US" dirty="0"/>
+              <a:t>Explain the basics of Test-Driven Development</a:t>
+            </a:r>
+          </a:p>
+          <a:p>
+            <a:pPr lvl="1"/>
+            <a:r>
+              <a:rPr lang="en-US" dirty="0"/>
+              <a:t>Explain the connection between conditions of satisfaction and testable behaviors</a:t>
+            </a:r>
+          </a:p>
+          <a:p>
+            <a:pPr lvl="1"/>
+            <a:r>
+              <a:rPr lang="en-US" dirty="0"/>
+              <a:t>Begin developing simple applications using TypeScript and </a:t>
+            </a:r>
+            <a:r>
+              <a:rPr lang="en-US" dirty="0" err="1"/>
+              <a:t>Vitest</a:t>
+            </a:r>
+            <a:endParaRPr lang="en-US" dirty="0"/>
+          </a:p>
+          <a:p>
+            <a:pPr lvl="1"/>
+            <a:endParaRPr lang="en-US" dirty="0"/>
+          </a:p>
+        </p:txBody>
+      </p:sp>
+      <p:sp>
+        <p:nvSpPr>
+          <p:cNvPr id="4" name="Slide Number Placeholder 3">
+            <a:extLst>
+              <a:ext uri="{FF2B5EF4-FFF2-40B4-BE49-F238E27FC236}">
+                <a16:creationId xmlns:a16="http://schemas.microsoft.com/office/drawing/2014/main" id="{B7BF3F82-6F96-41E0-9C15-23CE00076176}"/>
+              </a:ext>
+            </a:extLst>
+          </p:cNvPr>
+          <p:cNvSpPr>
+            <a:spLocks noGrp="1"/>
+          </p:cNvSpPr>
+          <p:nvPr>
+            <p:ph type="sldNum" sz="quarter" idx="12"/>
+          </p:nvPr>
+        </p:nvSpPr>
+        <p:spPr/>
+        <p:txBody>
+          <a:bodyPr/>
+          <a:lstStyle/>
+          <a:p>
+            <a:fld id="{20F37917-FD3A-4669-9018-DA04BCDD3D75}" type="slidenum">
+              <a:rPr lang="en-US" smtClean="0"/>
+              <a:t>2</a:t>
+            </a:fld>
+            <a:endParaRPr lang="en-US"/>
+          </a:p>
+        </p:txBody>
+      </p:sp>
+    </p:spTree>
+    <p:extLst>
+      <p:ext uri="{BB962C8B-B14F-4D97-AF65-F5344CB8AC3E}">
+        <p14:creationId xmlns:p14="http://schemas.microsoft.com/office/powerpoint/2010/main" val="3019279322"/>
+      </p:ext>
+    </p:extLst>
+  </p:cSld>
+  <p:clrMapOvr>
+    <a:masterClrMapping/>
+  </p:clrMapOvr>
+</p:sld>
+</file>
+
+<file path=ppt/slides/slide20.xml><?xml version="1.0" encoding="utf-8"?>
 <p:sld xmlns:a="http://schemas.openxmlformats.org/drawingml/2006/main" xmlns:r="http://schemas.openxmlformats.org/officeDocument/2006/relationships" xmlns:p="http://schemas.openxmlformats.org/presentationml/2006/main">
   <p:cSld>
     <p:spTree>
@@ -21282,7 +19917,7 @@
             <a:fld id="{20F37917-FD3A-4669-9018-DA04BCDD3D75}" type="slidenum">
               <a:rPr lang="en-US" smtClean="0"/>
               <a:pPr/>
-              <a:t>22</a:t>
+              <a:t>20</a:t>
             </a:fld>
             <a:endParaRPr lang="en-US"/>
           </a:p>
@@ -21344,7 +19979,7 @@
         <p:spPr>
           <a:xfrm>
             <a:off x="744068" y="1555036"/>
-            <a:ext cx="11834794" cy="4552015"/>
+            <a:ext cx="11834794" cy="5161413"/>
           </a:xfrm>
           <a:prstGeom prst="rect">
             <a:avLst/>
@@ -21385,6 +20020,34 @@
               </a:lnSpc>
               <a:buNone/>
             </a:pPr>
+            <a:endParaRPr lang="en-US" dirty="0">
+              <a:solidFill>
+                <a:srgbClr val="795E26"/>
+              </a:solidFill>
+              <a:latin typeface="Menlo" panose="020B0609030804020204" pitchFamily="49" charset="0"/>
+            </a:endParaRPr>
+          </a:p>
+          <a:p>
+            <a:pPr>
+              <a:lnSpc>
+                <a:spcPct val="110000"/>
+              </a:lnSpc>
+              <a:buNone/>
+            </a:pPr>
+            <a:endParaRPr lang="en-US" dirty="0">
+              <a:solidFill>
+                <a:srgbClr val="795E26"/>
+              </a:solidFill>
+              <a:latin typeface="Menlo" panose="020B0609030804020204" pitchFamily="49" charset="0"/>
+            </a:endParaRPr>
+          </a:p>
+          <a:p>
+            <a:pPr>
+              <a:lnSpc>
+                <a:spcPct val="110000"/>
+              </a:lnSpc>
+              <a:buNone/>
+            </a:pPr>
             <a:r>
               <a:rPr lang="en-US" dirty="0">
                 <a:solidFill>
@@ -22020,7 +20683,7 @@
 </p:sld>
 </file>
 
-<file path=ppt/slides/slide23.xml><?xml version="1.0" encoding="utf-8"?>
+<file path=ppt/slides/slide21.xml><?xml version="1.0" encoding="utf-8"?>
 <p:sld xmlns:a="http://schemas.openxmlformats.org/drawingml/2006/main" xmlns:r="http://schemas.openxmlformats.org/officeDocument/2006/relationships" xmlns:p="http://schemas.openxmlformats.org/presentationml/2006/main">
   <p:cSld>
     <p:spTree>
@@ -22523,7 +21186,7 @@
           <a:p>
             <a:fld id="{20F37917-FD3A-4669-9018-DA04BCDD3D75}" type="slidenum">
               <a:rPr lang="en-US" smtClean="0"/>
-              <a:t>23</a:t>
+              <a:t>21</a:t>
             </a:fld>
             <a:endParaRPr lang="en-US"/>
           </a:p>
@@ -23660,7 +22323,7 @@
 </p:sld>
 </file>
 
-<file path=ppt/slides/slide24.xml><?xml version="1.0" encoding="utf-8"?>
+<file path=ppt/slides/slide22.xml><?xml version="1.0" encoding="utf-8"?>
 <p:sld xmlns:a="http://schemas.openxmlformats.org/drawingml/2006/main" xmlns:r="http://schemas.openxmlformats.org/officeDocument/2006/relationships" xmlns:p="http://schemas.openxmlformats.org/presentationml/2006/main">
   <p:cSld>
     <p:spTree>
@@ -23797,7 +22460,7 @@
             <a:fld id="{20F37917-FD3A-4669-9018-DA04BCDD3D75}" type="slidenum">
               <a:rPr lang="en-US" smtClean="0"/>
               <a:pPr/>
-              <a:t>24</a:t>
+              <a:t>22</a:t>
             </a:fld>
             <a:endParaRPr lang="en-US"/>
           </a:p>
@@ -24641,7 +23304,7 @@
 </p:sld>
 </file>
 
-<file path=ppt/slides/slide25.xml><?xml version="1.0" encoding="utf-8"?>
+<file path=ppt/slides/slide23.xml><?xml version="1.0" encoding="utf-8"?>
 <p:sld xmlns:a="http://schemas.openxmlformats.org/drawingml/2006/main" xmlns:r="http://schemas.openxmlformats.org/officeDocument/2006/relationships" xmlns:p="http://schemas.openxmlformats.org/presentationml/2006/main">
   <p:cSld>
     <p:spTree>
@@ -24658,6 +23321,67 @@
           <a:chExt cx="0" cy="0"/>
         </a:xfrm>
       </p:grpSpPr>
+      <p:sp>
+        <p:nvSpPr>
+          <p:cNvPr id="8" name="Rectangle 7">
+            <a:extLst>
+              <a:ext uri="{FF2B5EF4-FFF2-40B4-BE49-F238E27FC236}">
+                <a16:creationId xmlns:a16="http://schemas.microsoft.com/office/drawing/2014/main" id="{7A791031-BA3D-EBE8-7CD5-FBCD72D24023}"/>
+              </a:ext>
+            </a:extLst>
+          </p:cNvPr>
+          <p:cNvSpPr/>
+          <p:nvPr/>
+        </p:nvSpPr>
+        <p:spPr>
+          <a:xfrm>
+            <a:off x="313765" y="1665288"/>
+            <a:ext cx="11438964" cy="2022655"/>
+          </a:xfrm>
+          <a:prstGeom prst="rect">
+            <a:avLst/>
+          </a:prstGeom>
+          <a:solidFill>
+            <a:schemeClr val="accent2">
+              <a:lumMod val="20000"/>
+              <a:lumOff val="80000"/>
+            </a:schemeClr>
+          </a:solidFill>
+          <a:ln>
+            <a:solidFill>
+              <a:srgbClr val="0070C0"/>
+            </a:solidFill>
+          </a:ln>
+        </p:spPr>
+        <p:style>
+          <a:lnRef idx="2">
+            <a:schemeClr val="accent1">
+              <a:shade val="50000"/>
+            </a:schemeClr>
+          </a:lnRef>
+          <a:fillRef idx="1">
+            <a:schemeClr val="accent1"/>
+          </a:fillRef>
+          <a:effectRef idx="0">
+            <a:schemeClr val="accent1"/>
+          </a:effectRef>
+          <a:fontRef idx="minor">
+            <a:schemeClr val="lt1"/>
+          </a:fontRef>
+        </p:style>
+        <p:txBody>
+          <a:bodyPr rtlCol="0" anchor="ctr"/>
+          <a:lstStyle/>
+          <a:p>
+            <a:pPr algn="l"/>
+            <a:endParaRPr lang="en-US" dirty="0">
+              <a:solidFill>
+                <a:schemeClr val="tx1"/>
+              </a:solidFill>
+            </a:endParaRPr>
+          </a:p>
+        </p:txBody>
+      </p:sp>
       <p:sp>
         <p:nvSpPr>
           <p:cNvPr id="2" name="Title 1">
@@ -24680,8 +23404,16 @@
           <a:lstStyle/>
           <a:p>
             <a:r>
-              <a:rPr lang="en-US"/>
-              <a:t>Review</a:t>
+              <a:rPr lang="en-US" dirty="0"/>
+              <a:t>Review: </a:t>
+            </a:r>
+            <a:r>
+              <a:rPr lang="en-US" dirty="0" err="1"/>
+              <a:t>CoS</a:t>
+            </a:r>
+            <a:r>
+              <a:rPr lang="en-US" dirty="0"/>
+              <a:t> to testable behaviors to TDD</a:t>
             </a:r>
           </a:p>
         </p:txBody>
@@ -24704,8 +23436,8 @@
         </p:nvSpPr>
         <p:spPr>
           <a:xfrm>
-            <a:off x="838200" y="1500159"/>
-            <a:ext cx="8429368" cy="5221315"/>
+            <a:off x="838200" y="4155141"/>
+            <a:ext cx="8429368" cy="2566333"/>
           </a:xfrm>
         </p:spPr>
         <p:txBody>
@@ -24782,9 +23514,518 @@
           <a:p>
             <a:fld id="{20F37917-FD3A-4669-9018-DA04BCDD3D75}" type="slidenum">
               <a:rPr lang="en-US" smtClean="0"/>
-              <a:t>25</a:t>
+              <a:t>23</a:t>
             </a:fld>
             <a:endParaRPr lang="en-US"/>
+          </a:p>
+        </p:txBody>
+      </p:sp>
+      <p:sp>
+        <p:nvSpPr>
+          <p:cNvPr id="5" name="Content Placeholder 2">
+            <a:extLst>
+              <a:ext uri="{FF2B5EF4-FFF2-40B4-BE49-F238E27FC236}">
+                <a16:creationId xmlns:a16="http://schemas.microsoft.com/office/drawing/2014/main" id="{ED25EF93-E31D-BF97-CD4C-B6E354FFAA0F}"/>
+              </a:ext>
+            </a:extLst>
+          </p:cNvPr>
+          <p:cNvSpPr txBox="1">
+            <a:spLocks/>
+          </p:cNvSpPr>
+          <p:nvPr/>
+        </p:nvSpPr>
+        <p:spPr>
+          <a:xfrm>
+            <a:off x="313765" y="1665288"/>
+            <a:ext cx="5782235" cy="2022655"/>
+          </a:xfrm>
+          <a:prstGeom prst="rect">
+            <a:avLst/>
+          </a:prstGeom>
+        </p:spPr>
+        <p:txBody>
+          <a:bodyPr vert="horz" lIns="91440" tIns="45720" rIns="91440" bIns="45720" rtlCol="0">
+            <a:normAutofit/>
+          </a:bodyPr>
+          <a:lstStyle>
+            <a:lvl1pPr marL="228600" indent="-228600" algn="l" defTabSz="914400" rtl="0" eaLnBrk="1" latinLnBrk="0" hangingPunct="1">
+              <a:lnSpc>
+                <a:spcPct val="90000"/>
+              </a:lnSpc>
+              <a:spcBef>
+                <a:spcPts val="1000"/>
+              </a:spcBef>
+              <a:buFont typeface="Arial" panose="020B0604020202020204" pitchFamily="34" charset="0"/>
+              <a:buChar char="•"/>
+              <a:defRPr sz="2800" kern="1200">
+                <a:solidFill>
+                  <a:schemeClr val="tx1"/>
+                </a:solidFill>
+                <a:latin typeface="+mn-lt"/>
+                <a:ea typeface="+mn-ea"/>
+                <a:cs typeface="+mn-cs"/>
+              </a:defRPr>
+            </a:lvl1pPr>
+            <a:lvl2pPr marL="685800" indent="-228600" algn="l" defTabSz="914400" rtl="0" eaLnBrk="1" latinLnBrk="0" hangingPunct="1">
+              <a:lnSpc>
+                <a:spcPct val="90000"/>
+              </a:lnSpc>
+              <a:spcBef>
+                <a:spcPts val="500"/>
+              </a:spcBef>
+              <a:buFont typeface="Arial" panose="020B0604020202020204" pitchFamily="34" charset="0"/>
+              <a:buChar char="•"/>
+              <a:defRPr sz="2400" kern="1200">
+                <a:solidFill>
+                  <a:schemeClr val="tx1"/>
+                </a:solidFill>
+                <a:latin typeface="+mn-lt"/>
+                <a:ea typeface="+mn-ea"/>
+                <a:cs typeface="+mn-cs"/>
+              </a:defRPr>
+            </a:lvl2pPr>
+            <a:lvl3pPr marL="1143000" indent="-228600" algn="l" defTabSz="914400" rtl="0" eaLnBrk="1" latinLnBrk="0" hangingPunct="1">
+              <a:lnSpc>
+                <a:spcPct val="90000"/>
+              </a:lnSpc>
+              <a:spcBef>
+                <a:spcPts val="500"/>
+              </a:spcBef>
+              <a:buFont typeface="Arial" panose="020B0604020202020204" pitchFamily="34" charset="0"/>
+              <a:buChar char="•"/>
+              <a:defRPr sz="2000" kern="1200">
+                <a:solidFill>
+                  <a:schemeClr val="tx1"/>
+                </a:solidFill>
+                <a:latin typeface="+mn-lt"/>
+                <a:ea typeface="+mn-ea"/>
+                <a:cs typeface="+mn-cs"/>
+              </a:defRPr>
+            </a:lvl3pPr>
+            <a:lvl4pPr marL="1600200" indent="-228600" algn="l" defTabSz="914400" rtl="0" eaLnBrk="1" latinLnBrk="0" hangingPunct="1">
+              <a:lnSpc>
+                <a:spcPct val="90000"/>
+              </a:lnSpc>
+              <a:spcBef>
+                <a:spcPts val="500"/>
+              </a:spcBef>
+              <a:buFont typeface="Arial" panose="020B0604020202020204" pitchFamily="34" charset="0"/>
+              <a:buChar char="•"/>
+              <a:defRPr sz="1800" kern="1200">
+                <a:solidFill>
+                  <a:schemeClr val="tx1"/>
+                </a:solidFill>
+                <a:latin typeface="+mn-lt"/>
+                <a:ea typeface="+mn-ea"/>
+                <a:cs typeface="+mn-cs"/>
+              </a:defRPr>
+            </a:lvl4pPr>
+            <a:lvl5pPr marL="2057400" indent="-228600" algn="l" defTabSz="914400" rtl="0" eaLnBrk="1" latinLnBrk="0" hangingPunct="1">
+              <a:lnSpc>
+                <a:spcPct val="90000"/>
+              </a:lnSpc>
+              <a:spcBef>
+                <a:spcPts val="500"/>
+              </a:spcBef>
+              <a:buFont typeface="Arial" panose="020B0604020202020204" pitchFamily="34" charset="0"/>
+              <a:buChar char="•"/>
+              <a:defRPr sz="1800" kern="1200">
+                <a:solidFill>
+                  <a:schemeClr val="tx1"/>
+                </a:solidFill>
+                <a:latin typeface="+mn-lt"/>
+                <a:ea typeface="+mn-ea"/>
+                <a:cs typeface="+mn-cs"/>
+              </a:defRPr>
+            </a:lvl5pPr>
+            <a:lvl6pPr marL="2514600" indent="-228600" algn="l" defTabSz="914400" rtl="0" eaLnBrk="1" latinLnBrk="0" hangingPunct="1">
+              <a:lnSpc>
+                <a:spcPct val="90000"/>
+              </a:lnSpc>
+              <a:spcBef>
+                <a:spcPts val="500"/>
+              </a:spcBef>
+              <a:buFont typeface="Arial" panose="020B0604020202020204" pitchFamily="34" charset="0"/>
+              <a:buChar char="•"/>
+              <a:defRPr sz="1800" kern="1200">
+                <a:solidFill>
+                  <a:schemeClr val="tx1"/>
+                </a:solidFill>
+                <a:latin typeface="+mn-lt"/>
+                <a:ea typeface="+mn-ea"/>
+                <a:cs typeface="+mn-cs"/>
+              </a:defRPr>
+            </a:lvl6pPr>
+            <a:lvl7pPr marL="2971800" indent="-228600" algn="l" defTabSz="914400" rtl="0" eaLnBrk="1" latinLnBrk="0" hangingPunct="1">
+              <a:lnSpc>
+                <a:spcPct val="90000"/>
+              </a:lnSpc>
+              <a:spcBef>
+                <a:spcPts val="500"/>
+              </a:spcBef>
+              <a:buFont typeface="Arial" panose="020B0604020202020204" pitchFamily="34" charset="0"/>
+              <a:buChar char="•"/>
+              <a:defRPr sz="1800" kern="1200">
+                <a:solidFill>
+                  <a:schemeClr val="tx1"/>
+                </a:solidFill>
+                <a:latin typeface="+mn-lt"/>
+                <a:ea typeface="+mn-ea"/>
+                <a:cs typeface="+mn-cs"/>
+              </a:defRPr>
+            </a:lvl7pPr>
+            <a:lvl8pPr marL="3429000" indent="-228600" algn="l" defTabSz="914400" rtl="0" eaLnBrk="1" latinLnBrk="0" hangingPunct="1">
+              <a:lnSpc>
+                <a:spcPct val="90000"/>
+              </a:lnSpc>
+              <a:spcBef>
+                <a:spcPts val="500"/>
+              </a:spcBef>
+              <a:buFont typeface="Arial" panose="020B0604020202020204" pitchFamily="34" charset="0"/>
+              <a:buChar char="•"/>
+              <a:defRPr sz="1800" kern="1200">
+                <a:solidFill>
+                  <a:schemeClr val="tx1"/>
+                </a:solidFill>
+                <a:latin typeface="+mn-lt"/>
+                <a:ea typeface="+mn-ea"/>
+                <a:cs typeface="+mn-cs"/>
+              </a:defRPr>
+            </a:lvl8pPr>
+            <a:lvl9pPr marL="3886200" indent="-228600" algn="l" defTabSz="914400" rtl="0" eaLnBrk="1" latinLnBrk="0" hangingPunct="1">
+              <a:lnSpc>
+                <a:spcPct val="90000"/>
+              </a:lnSpc>
+              <a:spcBef>
+                <a:spcPts val="500"/>
+              </a:spcBef>
+              <a:buFont typeface="Arial" panose="020B0604020202020204" pitchFamily="34" charset="0"/>
+              <a:buChar char="•"/>
+              <a:defRPr sz="1800" kern="1200">
+                <a:solidFill>
+                  <a:schemeClr val="tx1"/>
+                </a:solidFill>
+                <a:latin typeface="+mn-lt"/>
+                <a:ea typeface="+mn-ea"/>
+                <a:cs typeface="+mn-cs"/>
+              </a:defRPr>
+            </a:lvl9pPr>
+          </a:lstStyle>
+          <a:p>
+            <a:pPr marL="0" indent="0">
+              <a:buNone/>
+            </a:pPr>
+            <a:r>
+              <a:rPr lang="en-US" dirty="0" err="1"/>
+              <a:t>CoS</a:t>
+            </a:r>
+            <a:r>
+              <a:rPr lang="en-US" dirty="0"/>
+              <a:t>: The college administrator can…</a:t>
+            </a:r>
+          </a:p>
+          <a:p>
+            <a:pPr lvl="1"/>
+            <a:r>
+              <a:rPr lang="en-US" dirty="0"/>
+              <a:t>…add a new student to the database</a:t>
+            </a:r>
+            <a:br>
+              <a:rPr lang="en-US" dirty="0"/>
+            </a:br>
+            <a:endParaRPr lang="en-US" dirty="0">
+              <a:solidFill>
+                <a:schemeClr val="bg1"/>
+              </a:solidFill>
+            </a:endParaRPr>
+          </a:p>
+          <a:p>
+            <a:pPr lvl="1"/>
+            <a:endParaRPr lang="en-US" dirty="0"/>
+          </a:p>
+        </p:txBody>
+      </p:sp>
+      <p:sp>
+        <p:nvSpPr>
+          <p:cNvPr id="6" name="Content Placeholder 2">
+            <a:extLst>
+              <a:ext uri="{FF2B5EF4-FFF2-40B4-BE49-F238E27FC236}">
+                <a16:creationId xmlns:a16="http://schemas.microsoft.com/office/drawing/2014/main" id="{2B7E7856-FFA9-4A23-A3E0-530E7F7B6573}"/>
+              </a:ext>
+            </a:extLst>
+          </p:cNvPr>
+          <p:cNvSpPr txBox="1">
+            <a:spLocks/>
+          </p:cNvSpPr>
+          <p:nvPr/>
+        </p:nvSpPr>
+        <p:spPr>
+          <a:xfrm>
+            <a:off x="5834427" y="1665288"/>
+            <a:ext cx="5782235" cy="2180571"/>
+          </a:xfrm>
+          <a:prstGeom prst="rect">
+            <a:avLst/>
+          </a:prstGeom>
+        </p:spPr>
+        <p:txBody>
+          <a:bodyPr vert="horz" lIns="91440" tIns="45720" rIns="91440" bIns="45720" rtlCol="0">
+            <a:normAutofit/>
+          </a:bodyPr>
+          <a:lstStyle>
+            <a:lvl1pPr marL="228600" indent="-228600" algn="l" defTabSz="914400" rtl="0" eaLnBrk="1" latinLnBrk="0" hangingPunct="1">
+              <a:lnSpc>
+                <a:spcPct val="90000"/>
+              </a:lnSpc>
+              <a:spcBef>
+                <a:spcPts val="1000"/>
+              </a:spcBef>
+              <a:buFont typeface="Arial" panose="020B0604020202020204" pitchFamily="34" charset="0"/>
+              <a:buChar char="•"/>
+              <a:defRPr sz="2800" kern="1200">
+                <a:solidFill>
+                  <a:schemeClr val="tx1"/>
+                </a:solidFill>
+                <a:latin typeface="+mn-lt"/>
+                <a:ea typeface="+mn-ea"/>
+                <a:cs typeface="+mn-cs"/>
+              </a:defRPr>
+            </a:lvl1pPr>
+            <a:lvl2pPr marL="685800" indent="-228600" algn="l" defTabSz="914400" rtl="0" eaLnBrk="1" latinLnBrk="0" hangingPunct="1">
+              <a:lnSpc>
+                <a:spcPct val="90000"/>
+              </a:lnSpc>
+              <a:spcBef>
+                <a:spcPts val="500"/>
+              </a:spcBef>
+              <a:buFont typeface="Arial" panose="020B0604020202020204" pitchFamily="34" charset="0"/>
+              <a:buChar char="•"/>
+              <a:defRPr sz="2400" kern="1200">
+                <a:solidFill>
+                  <a:schemeClr val="tx1"/>
+                </a:solidFill>
+                <a:latin typeface="+mn-lt"/>
+                <a:ea typeface="+mn-ea"/>
+                <a:cs typeface="+mn-cs"/>
+              </a:defRPr>
+            </a:lvl2pPr>
+            <a:lvl3pPr marL="1143000" indent="-228600" algn="l" defTabSz="914400" rtl="0" eaLnBrk="1" latinLnBrk="0" hangingPunct="1">
+              <a:lnSpc>
+                <a:spcPct val="90000"/>
+              </a:lnSpc>
+              <a:spcBef>
+                <a:spcPts val="500"/>
+              </a:spcBef>
+              <a:buFont typeface="Arial" panose="020B0604020202020204" pitchFamily="34" charset="0"/>
+              <a:buChar char="•"/>
+              <a:defRPr sz="2000" kern="1200">
+                <a:solidFill>
+                  <a:schemeClr val="tx1"/>
+                </a:solidFill>
+                <a:latin typeface="+mn-lt"/>
+                <a:ea typeface="+mn-ea"/>
+                <a:cs typeface="+mn-cs"/>
+              </a:defRPr>
+            </a:lvl3pPr>
+            <a:lvl4pPr marL="1600200" indent="-228600" algn="l" defTabSz="914400" rtl="0" eaLnBrk="1" latinLnBrk="0" hangingPunct="1">
+              <a:lnSpc>
+                <a:spcPct val="90000"/>
+              </a:lnSpc>
+              <a:spcBef>
+                <a:spcPts val="500"/>
+              </a:spcBef>
+              <a:buFont typeface="Arial" panose="020B0604020202020204" pitchFamily="34" charset="0"/>
+              <a:buChar char="•"/>
+              <a:defRPr sz="1800" kern="1200">
+                <a:solidFill>
+                  <a:schemeClr val="tx1"/>
+                </a:solidFill>
+                <a:latin typeface="+mn-lt"/>
+                <a:ea typeface="+mn-ea"/>
+                <a:cs typeface="+mn-cs"/>
+              </a:defRPr>
+            </a:lvl4pPr>
+            <a:lvl5pPr marL="2057400" indent="-228600" algn="l" defTabSz="914400" rtl="0" eaLnBrk="1" latinLnBrk="0" hangingPunct="1">
+              <a:lnSpc>
+                <a:spcPct val="90000"/>
+              </a:lnSpc>
+              <a:spcBef>
+                <a:spcPts val="500"/>
+              </a:spcBef>
+              <a:buFont typeface="Arial" panose="020B0604020202020204" pitchFamily="34" charset="0"/>
+              <a:buChar char="•"/>
+              <a:defRPr sz="1800" kern="1200">
+                <a:solidFill>
+                  <a:schemeClr val="tx1"/>
+                </a:solidFill>
+                <a:latin typeface="+mn-lt"/>
+                <a:ea typeface="+mn-ea"/>
+                <a:cs typeface="+mn-cs"/>
+              </a:defRPr>
+            </a:lvl5pPr>
+            <a:lvl6pPr marL="2514600" indent="-228600" algn="l" defTabSz="914400" rtl="0" eaLnBrk="1" latinLnBrk="0" hangingPunct="1">
+              <a:lnSpc>
+                <a:spcPct val="90000"/>
+              </a:lnSpc>
+              <a:spcBef>
+                <a:spcPts val="500"/>
+              </a:spcBef>
+              <a:buFont typeface="Arial" panose="020B0604020202020204" pitchFamily="34" charset="0"/>
+              <a:buChar char="•"/>
+              <a:defRPr sz="1800" kern="1200">
+                <a:solidFill>
+                  <a:schemeClr val="tx1"/>
+                </a:solidFill>
+                <a:latin typeface="+mn-lt"/>
+                <a:ea typeface="+mn-ea"/>
+                <a:cs typeface="+mn-cs"/>
+              </a:defRPr>
+            </a:lvl6pPr>
+            <a:lvl7pPr marL="2971800" indent="-228600" algn="l" defTabSz="914400" rtl="0" eaLnBrk="1" latinLnBrk="0" hangingPunct="1">
+              <a:lnSpc>
+                <a:spcPct val="90000"/>
+              </a:lnSpc>
+              <a:spcBef>
+                <a:spcPts val="500"/>
+              </a:spcBef>
+              <a:buFont typeface="Arial" panose="020B0604020202020204" pitchFamily="34" charset="0"/>
+              <a:buChar char="•"/>
+              <a:defRPr sz="1800" kern="1200">
+                <a:solidFill>
+                  <a:schemeClr val="tx1"/>
+                </a:solidFill>
+                <a:latin typeface="+mn-lt"/>
+                <a:ea typeface="+mn-ea"/>
+                <a:cs typeface="+mn-cs"/>
+              </a:defRPr>
+            </a:lvl7pPr>
+            <a:lvl8pPr marL="3429000" indent="-228600" algn="l" defTabSz="914400" rtl="0" eaLnBrk="1" latinLnBrk="0" hangingPunct="1">
+              <a:lnSpc>
+                <a:spcPct val="90000"/>
+              </a:lnSpc>
+              <a:spcBef>
+                <a:spcPts val="500"/>
+              </a:spcBef>
+              <a:buFont typeface="Arial" panose="020B0604020202020204" pitchFamily="34" charset="0"/>
+              <a:buChar char="•"/>
+              <a:defRPr sz="1800" kern="1200">
+                <a:solidFill>
+                  <a:schemeClr val="tx1"/>
+                </a:solidFill>
+                <a:latin typeface="+mn-lt"/>
+                <a:ea typeface="+mn-ea"/>
+                <a:cs typeface="+mn-cs"/>
+              </a:defRPr>
+            </a:lvl8pPr>
+            <a:lvl9pPr marL="3886200" indent="-228600" algn="l" defTabSz="914400" rtl="0" eaLnBrk="1" latinLnBrk="0" hangingPunct="1">
+              <a:lnSpc>
+                <a:spcPct val="90000"/>
+              </a:lnSpc>
+              <a:spcBef>
+                <a:spcPts val="500"/>
+              </a:spcBef>
+              <a:buFont typeface="Arial" panose="020B0604020202020204" pitchFamily="34" charset="0"/>
+              <a:buChar char="•"/>
+              <a:defRPr sz="1800" kern="1200">
+                <a:solidFill>
+                  <a:schemeClr val="tx1"/>
+                </a:solidFill>
+                <a:latin typeface="+mn-lt"/>
+                <a:ea typeface="+mn-ea"/>
+                <a:cs typeface="+mn-cs"/>
+              </a:defRPr>
+            </a:lvl9pPr>
+          </a:lstStyle>
+          <a:p>
+            <a:pPr marL="0" indent="0">
+              <a:buNone/>
+            </a:pPr>
+            <a:r>
+              <a:rPr lang="en-US" dirty="0"/>
+              <a:t>Testable behaviors:</a:t>
+            </a:r>
+          </a:p>
+          <a:p>
+            <a:pPr lvl="1"/>
+            <a:r>
+              <a:rPr lang="en-US" dirty="0" err="1"/>
+              <a:t>addStudent</a:t>
+            </a:r>
+            <a:r>
+              <a:rPr lang="en-US" dirty="0"/>
+              <a:t> should add a student to the database and return their ID</a:t>
+            </a:r>
+          </a:p>
+          <a:p>
+            <a:pPr lvl="1"/>
+            <a:r>
+              <a:rPr lang="en-US" dirty="0" err="1"/>
+              <a:t>addStudent</a:t>
+            </a:r>
+            <a:r>
+              <a:rPr lang="en-US" dirty="0"/>
+              <a:t> should return an ID distinct from any ID in the database</a:t>
+            </a:r>
+            <a:endParaRPr lang="en-US" i="1" dirty="0"/>
+          </a:p>
+        </p:txBody>
+      </p:sp>
+      <p:sp>
+        <p:nvSpPr>
+          <p:cNvPr id="7" name="TextBox 6">
+            <a:extLst>
+              <a:ext uri="{FF2B5EF4-FFF2-40B4-BE49-F238E27FC236}">
+                <a16:creationId xmlns:a16="http://schemas.microsoft.com/office/drawing/2014/main" id="{83F499D7-2037-7DEA-76DD-DFA79044BE0F}"/>
+              </a:ext>
+            </a:extLst>
+          </p:cNvPr>
+          <p:cNvSpPr txBox="1"/>
+          <p:nvPr/>
+        </p:nvSpPr>
+        <p:spPr>
+          <a:xfrm>
+            <a:off x="215153" y="1546412"/>
+            <a:ext cx="11537576" cy="2141531"/>
+          </a:xfrm>
+          <a:prstGeom prst="rect">
+            <a:avLst/>
+          </a:prstGeom>
+          <a:noFill/>
+          <a:ln>
+            <a:noFill/>
+          </a:ln>
+        </p:spPr>
+        <p:style>
+          <a:lnRef idx="2">
+            <a:schemeClr val="accent1">
+              <a:shade val="50000"/>
+            </a:schemeClr>
+          </a:lnRef>
+          <a:fillRef idx="1">
+            <a:schemeClr val="accent1"/>
+          </a:fillRef>
+          <a:effectRef idx="0">
+            <a:schemeClr val="accent1"/>
+          </a:effectRef>
+          <a:fontRef idx="minor">
+            <a:schemeClr val="lt1"/>
+          </a:fontRef>
+        </p:style>
+        <p:txBody>
+          <a:bodyPr rot="0" spcFirstLastPara="0" vertOverflow="overflow" horzOverflow="overflow" vert="horz" wrap="square" lIns="91440" tIns="45720" rIns="91440" bIns="45720" numCol="1" spcCol="0" rtlCol="0" fromWordArt="0" anchor="ctr" anchorCtr="0" forceAA="0" compatLnSpc="1">
+            <a:prstTxWarp prst="textNoShape">
+              <a:avLst/>
+            </a:prstTxWarp>
+            <a:noAutofit/>
+          </a:bodyPr>
+          <a:lstStyle/>
+          <a:p>
+            <a:pPr algn="l"/>
+            <a:endParaRPr lang="en-US" dirty="0">
+              <a:solidFill>
+                <a:schemeClr val="tx1"/>
+              </a:solidFill>
+            </a:endParaRPr>
           </a:p>
         </p:txBody>
       </p:sp>
@@ -27722,65 +26963,79 @@
         </p:nvSpPr>
         <p:spPr>
           <a:xfrm>
-            <a:off x="838200" y="1500188"/>
-            <a:ext cx="7886700" cy="4351337"/>
+            <a:off x="838199" y="1500188"/>
+            <a:ext cx="8857129" cy="4351337"/>
           </a:xfrm>
         </p:spPr>
         <p:txBody>
           <a:bodyPr>
-            <a:normAutofit lnSpcReduction="10000"/>
+            <a:normAutofit/>
           </a:bodyPr>
           <a:lstStyle/>
           <a:p>
             <a:r>
-              <a:rPr lang="en-US"/>
-              <a:t>We will build a secure web application backed by a persistent database that allows an authenticated administrator to:</a:t>
+              <a:rPr lang="en-US" dirty="0"/>
+              <a:t>The college administrator can…</a:t>
             </a:r>
           </a:p>
           <a:p>
             <a:pPr lvl="1"/>
             <a:r>
-              <a:rPr lang="en-US"/>
+              <a:rPr lang="en-US" dirty="0"/>
+              <a:t>Access a persistent database of student records</a:t>
+            </a:r>
+          </a:p>
+          <a:p>
+            <a:pPr lvl="1"/>
+            <a:r>
+              <a:rPr lang="en-US" dirty="0"/>
+              <a:t>Prevent unauthorized people from accessing or modifying the database</a:t>
+            </a:r>
+          </a:p>
+          <a:p>
+            <a:pPr lvl="1"/>
+            <a:r>
+              <a:rPr lang="en-US" dirty="0"/>
               <a:t>Add a new student to the database</a:t>
             </a:r>
           </a:p>
           <a:p>
             <a:pPr lvl="1"/>
             <a:r>
-              <a:rPr lang="en-US"/>
+              <a:rPr lang="en-US" dirty="0"/>
               <a:t>Add a new student with the same name as an existing student.</a:t>
             </a:r>
           </a:p>
           <a:p>
             <a:pPr lvl="1"/>
             <a:r>
-              <a:rPr lang="en-US"/>
+              <a:rPr lang="en-US" dirty="0"/>
               <a:t>Retrieve the transcript for a student</a:t>
             </a:r>
           </a:p>
           <a:p>
             <a:pPr lvl="1"/>
             <a:r>
-              <a:rPr lang="en-US"/>
+              <a:rPr lang="en-US" dirty="0"/>
               <a:t>Delete a student from the database</a:t>
             </a:r>
           </a:p>
           <a:p>
             <a:pPr lvl="1"/>
             <a:r>
-              <a:rPr lang="en-US"/>
+              <a:rPr lang="en-US" dirty="0"/>
               <a:t>Add a new grade for an existing student</a:t>
             </a:r>
           </a:p>
           <a:p>
             <a:pPr lvl="1"/>
             <a:r>
-              <a:rPr lang="en-US"/>
+              <a:rPr lang="en-US" dirty="0"/>
               <a:t>Find out the grade that a student got in a course that they took</a:t>
             </a:r>
           </a:p>
           <a:p>
-            <a:endParaRPr lang="en-US"/>
+            <a:endParaRPr lang="en-US" dirty="0"/>
           </a:p>
         </p:txBody>
       </p:sp>
@@ -29040,12 +28295,16 @@
           <a:lstStyle/>
           <a:p>
             <a:r>
-              <a:rPr lang="en-US" err="1"/>
+              <a:rPr lang="en-US" dirty="0"/>
+              <a:t>Analyzing </a:t>
+            </a:r>
+            <a:r>
+              <a:rPr lang="en-US" dirty="0" err="1"/>
               <a:t>CoS</a:t>
             </a:r>
             <a:r>
-              <a:rPr lang="en-US"/>
-              <a:t> are ultimately about the user</a:t>
+              <a:rPr lang="en-US" dirty="0"/>
+              <a:t> to get testable behaviors</a:t>
             </a:r>
           </a:p>
         </p:txBody>
@@ -29068,8 +28327,8 @@
         </p:nvSpPr>
         <p:spPr>
           <a:xfrm>
-            <a:off x="838200" y="1500188"/>
-            <a:ext cx="7886700" cy="4351337"/>
+            <a:off x="838200" y="1500189"/>
+            <a:ext cx="7886700" cy="1128926"/>
           </a:xfrm>
         </p:spPr>
         <p:txBody>
@@ -29080,12 +28339,12 @@
               <a:buNone/>
             </a:pPr>
             <a:r>
-              <a:rPr lang="en-US"/>
-              <a:t>We will build a secure web application backed by a persistent database that allows an authenticated administrator to add a new student to the database</a:t>
-            </a:r>
-          </a:p>
-          <a:p>
-            <a:endParaRPr lang="en-US"/>
+              <a:rPr lang="en-US" dirty="0"/>
+              <a:t>A user story is about a person in a specific role, who will need to access a complex application</a:t>
+            </a:r>
+          </a:p>
+          <a:p>
+            <a:endParaRPr lang="en-US" dirty="0"/>
           </a:p>
         </p:txBody>
       </p:sp>
@@ -29696,6 +28955,321 @@
               </a:rPr>
               <a:t>API</a:t>
             </a:r>
+          </a:p>
+        </p:txBody>
+      </p:sp>
+      <p:sp>
+        <p:nvSpPr>
+          <p:cNvPr id="2" name="TextBox 1">
+            <a:extLst>
+              <a:ext uri="{FF2B5EF4-FFF2-40B4-BE49-F238E27FC236}">
+                <a16:creationId xmlns:a16="http://schemas.microsoft.com/office/drawing/2014/main" id="{2B95460E-29BC-A413-B6CC-C5D3D332CAD2}"/>
+              </a:ext>
+            </a:extLst>
+          </p:cNvPr>
+          <p:cNvSpPr txBox="1"/>
+          <p:nvPr/>
+        </p:nvSpPr>
+        <p:spPr>
+          <a:xfrm>
+            <a:off x="2075935" y="778476"/>
+            <a:ext cx="0" cy="0"/>
+          </a:xfrm>
+          <a:prstGeom prst="rect">
+            <a:avLst/>
+          </a:prstGeom>
+          <a:noFill/>
+          <a:ln>
+            <a:noFill/>
+          </a:ln>
+        </p:spPr>
+        <p:style>
+          <a:lnRef idx="2">
+            <a:schemeClr val="accent1">
+              <a:shade val="50000"/>
+            </a:schemeClr>
+          </a:lnRef>
+          <a:fillRef idx="1">
+            <a:schemeClr val="accent1"/>
+          </a:fillRef>
+          <a:effectRef idx="0">
+            <a:schemeClr val="accent1"/>
+          </a:effectRef>
+          <a:fontRef idx="minor">
+            <a:schemeClr val="lt1"/>
+          </a:fontRef>
+        </p:style>
+        <p:txBody>
+          <a:bodyPr rot="0" spcFirstLastPara="0" vertOverflow="overflow" horzOverflow="overflow" vert="horz" wrap="none" lIns="91440" tIns="45720" rIns="91440" bIns="45720" numCol="1" spcCol="0" rtlCol="0" fromWordArt="0" anchor="ctr" anchorCtr="0" forceAA="0" compatLnSpc="1">
+            <a:prstTxWarp prst="textNoShape">
+              <a:avLst/>
+            </a:prstTxWarp>
+            <a:noAutofit/>
+          </a:bodyPr>
+          <a:lstStyle/>
+          <a:p>
+            <a:pPr algn="l"/>
+            <a:endParaRPr lang="en-US" dirty="0">
+              <a:solidFill>
+                <a:schemeClr val="tx1"/>
+              </a:solidFill>
+            </a:endParaRPr>
+          </a:p>
+        </p:txBody>
+      </p:sp>
+      <p:sp>
+        <p:nvSpPr>
+          <p:cNvPr id="5" name="Left Brace 4">
+            <a:extLst>
+              <a:ext uri="{FF2B5EF4-FFF2-40B4-BE49-F238E27FC236}">
+                <a16:creationId xmlns:a16="http://schemas.microsoft.com/office/drawing/2014/main" id="{AE46A944-6579-9B73-8430-D723475690AC}"/>
+              </a:ext>
+            </a:extLst>
+          </p:cNvPr>
+          <p:cNvSpPr/>
+          <p:nvPr/>
+        </p:nvSpPr>
+        <p:spPr>
+          <a:xfrm rot="16200000">
+            <a:off x="4404064" y="3966517"/>
+            <a:ext cx="533100" cy="1057840"/>
+          </a:xfrm>
+          <a:prstGeom prst="leftBrace">
+            <a:avLst/>
+          </a:prstGeom>
+          <a:ln w="12700">
+            <a:solidFill>
+              <a:schemeClr val="tx1"/>
+            </a:solidFill>
+            <a:tailEnd type="none" w="lg" len="lg"/>
+          </a:ln>
+        </p:spPr>
+        <p:style>
+          <a:lnRef idx="1">
+            <a:schemeClr val="accent1"/>
+          </a:lnRef>
+          <a:fillRef idx="0">
+            <a:schemeClr val="accent1"/>
+          </a:fillRef>
+          <a:effectRef idx="0">
+            <a:schemeClr val="accent1"/>
+          </a:effectRef>
+          <a:fontRef idx="minor">
+            <a:schemeClr val="tx1"/>
+          </a:fontRef>
+        </p:style>
+        <p:txBody>
+          <a:bodyPr rtlCol="0" anchor="ctr"/>
+          <a:lstStyle/>
+          <a:p>
+            <a:pPr algn="ctr"/>
+            <a:endParaRPr lang="en-US" dirty="0"/>
+          </a:p>
+        </p:txBody>
+      </p:sp>
+      <p:sp>
+        <p:nvSpPr>
+          <p:cNvPr id="6" name="Content Placeholder 17">
+            <a:extLst>
+              <a:ext uri="{FF2B5EF4-FFF2-40B4-BE49-F238E27FC236}">
+                <a16:creationId xmlns:a16="http://schemas.microsoft.com/office/drawing/2014/main" id="{28A7A9F3-B907-3844-5DB2-5C97B53D72A2}"/>
+              </a:ext>
+            </a:extLst>
+          </p:cNvPr>
+          <p:cNvSpPr txBox="1">
+            <a:spLocks/>
+          </p:cNvSpPr>
+          <p:nvPr/>
+        </p:nvSpPr>
+        <p:spPr>
+          <a:xfrm>
+            <a:off x="2152650" y="4793348"/>
+            <a:ext cx="7886700" cy="1128926"/>
+          </a:xfrm>
+          <a:prstGeom prst="rect">
+            <a:avLst/>
+          </a:prstGeom>
+        </p:spPr>
+        <p:txBody>
+          <a:bodyPr vert="horz" lIns="91440" tIns="45720" rIns="91440" bIns="45720" rtlCol="0">
+            <a:normAutofit/>
+          </a:bodyPr>
+          <a:lstStyle>
+            <a:lvl1pPr marL="228600" indent="-228600" algn="l" defTabSz="914400" rtl="0" eaLnBrk="1" latinLnBrk="0" hangingPunct="1">
+              <a:lnSpc>
+                <a:spcPct val="100000"/>
+              </a:lnSpc>
+              <a:spcBef>
+                <a:spcPts val="1000"/>
+              </a:spcBef>
+              <a:buFont typeface="Arial" panose="020B0604020202020204" pitchFamily="34" charset="0"/>
+              <a:buChar char="•"/>
+              <a:defRPr sz="2800" kern="1200">
+                <a:solidFill>
+                  <a:schemeClr val="tx1"/>
+                </a:solidFill>
+                <a:latin typeface="+mn-lt"/>
+                <a:ea typeface="+mn-ea"/>
+                <a:cs typeface="+mn-cs"/>
+              </a:defRPr>
+            </a:lvl1pPr>
+            <a:lvl2pPr marL="685800" indent="-228600" algn="l" defTabSz="914400" rtl="0" eaLnBrk="1" latinLnBrk="0" hangingPunct="1">
+              <a:lnSpc>
+                <a:spcPct val="100000"/>
+              </a:lnSpc>
+              <a:spcBef>
+                <a:spcPts val="500"/>
+              </a:spcBef>
+              <a:buFont typeface="Arial" panose="020B0604020202020204" pitchFamily="34" charset="0"/>
+              <a:buChar char="•"/>
+              <a:defRPr sz="2400" kern="1200">
+                <a:solidFill>
+                  <a:schemeClr val="tx1"/>
+                </a:solidFill>
+                <a:latin typeface="+mn-lt"/>
+                <a:ea typeface="+mn-ea"/>
+                <a:cs typeface="+mn-cs"/>
+              </a:defRPr>
+            </a:lvl2pPr>
+            <a:lvl3pPr marL="1143000" indent="-228600" algn="l" defTabSz="914400" rtl="0" eaLnBrk="1" latinLnBrk="0" hangingPunct="1">
+              <a:lnSpc>
+                <a:spcPct val="100000"/>
+              </a:lnSpc>
+              <a:spcBef>
+                <a:spcPts val="500"/>
+              </a:spcBef>
+              <a:buFont typeface="Arial" panose="020B0604020202020204" pitchFamily="34" charset="0"/>
+              <a:buChar char="•"/>
+              <a:defRPr sz="2000" kern="1200">
+                <a:solidFill>
+                  <a:schemeClr val="tx1"/>
+                </a:solidFill>
+                <a:latin typeface="+mn-lt"/>
+                <a:ea typeface="+mn-ea"/>
+                <a:cs typeface="+mn-cs"/>
+              </a:defRPr>
+            </a:lvl3pPr>
+            <a:lvl4pPr marL="1600200" indent="-228600" algn="l" defTabSz="914400" rtl="0" eaLnBrk="1" latinLnBrk="0" hangingPunct="1">
+              <a:lnSpc>
+                <a:spcPct val="100000"/>
+              </a:lnSpc>
+              <a:spcBef>
+                <a:spcPts val="500"/>
+              </a:spcBef>
+              <a:buFont typeface="Arial" panose="020B0604020202020204" pitchFamily="34" charset="0"/>
+              <a:buChar char="•"/>
+              <a:defRPr sz="1800" kern="1200">
+                <a:solidFill>
+                  <a:schemeClr val="tx1"/>
+                </a:solidFill>
+                <a:latin typeface="+mn-lt"/>
+                <a:ea typeface="+mn-ea"/>
+                <a:cs typeface="+mn-cs"/>
+              </a:defRPr>
+            </a:lvl4pPr>
+            <a:lvl5pPr marL="2057400" indent="-228600" algn="l" defTabSz="914400" rtl="0" eaLnBrk="1" latinLnBrk="0" hangingPunct="1">
+              <a:lnSpc>
+                <a:spcPct val="100000"/>
+              </a:lnSpc>
+              <a:spcBef>
+                <a:spcPts val="500"/>
+              </a:spcBef>
+              <a:buFont typeface="Arial" panose="020B0604020202020204" pitchFamily="34" charset="0"/>
+              <a:buChar char="•"/>
+              <a:defRPr sz="1800" kern="1200">
+                <a:solidFill>
+                  <a:schemeClr val="tx1"/>
+                </a:solidFill>
+                <a:latin typeface="+mn-lt"/>
+                <a:ea typeface="+mn-ea"/>
+                <a:cs typeface="+mn-cs"/>
+              </a:defRPr>
+            </a:lvl5pPr>
+            <a:lvl6pPr marL="2514600" indent="-228600" algn="l" defTabSz="914400" rtl="0" eaLnBrk="1" latinLnBrk="0" hangingPunct="1">
+              <a:lnSpc>
+                <a:spcPct val="90000"/>
+              </a:lnSpc>
+              <a:spcBef>
+                <a:spcPts val="500"/>
+              </a:spcBef>
+              <a:buFont typeface="Arial" panose="020B0604020202020204" pitchFamily="34" charset="0"/>
+              <a:buChar char="•"/>
+              <a:defRPr sz="1800" kern="1200">
+                <a:solidFill>
+                  <a:schemeClr val="tx1"/>
+                </a:solidFill>
+                <a:latin typeface="+mn-lt"/>
+                <a:ea typeface="+mn-ea"/>
+                <a:cs typeface="+mn-cs"/>
+              </a:defRPr>
+            </a:lvl6pPr>
+            <a:lvl7pPr marL="2971800" indent="-228600" algn="l" defTabSz="914400" rtl="0" eaLnBrk="1" latinLnBrk="0" hangingPunct="1">
+              <a:lnSpc>
+                <a:spcPct val="90000"/>
+              </a:lnSpc>
+              <a:spcBef>
+                <a:spcPts val="500"/>
+              </a:spcBef>
+              <a:buFont typeface="Arial" panose="020B0604020202020204" pitchFamily="34" charset="0"/>
+              <a:buChar char="•"/>
+              <a:defRPr sz="1800" kern="1200">
+                <a:solidFill>
+                  <a:schemeClr val="tx1"/>
+                </a:solidFill>
+                <a:latin typeface="+mn-lt"/>
+                <a:ea typeface="+mn-ea"/>
+                <a:cs typeface="+mn-cs"/>
+              </a:defRPr>
+            </a:lvl7pPr>
+            <a:lvl8pPr marL="3429000" indent="-228600" algn="l" defTabSz="914400" rtl="0" eaLnBrk="1" latinLnBrk="0" hangingPunct="1">
+              <a:lnSpc>
+                <a:spcPct val="90000"/>
+              </a:lnSpc>
+              <a:spcBef>
+                <a:spcPts val="500"/>
+              </a:spcBef>
+              <a:buFont typeface="Arial" panose="020B0604020202020204" pitchFamily="34" charset="0"/>
+              <a:buChar char="•"/>
+              <a:defRPr sz="1800" kern="1200">
+                <a:solidFill>
+                  <a:schemeClr val="tx1"/>
+                </a:solidFill>
+                <a:latin typeface="+mn-lt"/>
+                <a:ea typeface="+mn-ea"/>
+                <a:cs typeface="+mn-cs"/>
+              </a:defRPr>
+            </a:lvl8pPr>
+            <a:lvl9pPr marL="3886200" indent="-228600" algn="l" defTabSz="914400" rtl="0" eaLnBrk="1" latinLnBrk="0" hangingPunct="1">
+              <a:lnSpc>
+                <a:spcPct val="90000"/>
+              </a:lnSpc>
+              <a:spcBef>
+                <a:spcPts val="500"/>
+              </a:spcBef>
+              <a:buFont typeface="Arial" panose="020B0604020202020204" pitchFamily="34" charset="0"/>
+              <a:buChar char="•"/>
+              <a:defRPr sz="1800" kern="1200">
+                <a:solidFill>
+                  <a:schemeClr val="tx1"/>
+                </a:solidFill>
+                <a:latin typeface="+mn-lt"/>
+                <a:ea typeface="+mn-ea"/>
+                <a:cs typeface="+mn-cs"/>
+              </a:defRPr>
+            </a:lvl9pPr>
+          </a:lstStyle>
+          <a:p>
+            <a:pPr marL="0" indent="0">
+              <a:buFont typeface="Arial" panose="020B0604020202020204" pitchFamily="34" charset="0"/>
+              <a:buNone/>
+            </a:pPr>
+            <a:r>
+              <a:rPr lang="en-US" dirty="0"/>
+              <a:t>We test specific parts of the application, still thinking about the user story and conditions of satisfaction</a:t>
+            </a:r>
+          </a:p>
+          <a:p>
+            <a:endParaRPr lang="en-US" dirty="0"/>
           </a:p>
         </p:txBody>
       </p:sp>

--- a/Slides/Module 02.2 Test-Driven Development.pptx
+++ b/Slides/Module 02.2 Test-Driven Development.pptx
@@ -179,9 +179,6 @@
             <p14:sldId id="577"/>
           </p14:sldIdLst>
         </p14:section>
-        <p14:section name="Default Section" id="{8798EF7B-FA91-3F42-BBDB-C5DCFDEAEC07}">
-          <p14:sldIdLst/>
-        </p14:section>
       </p14:sectionLst>
     </p:ext>
     <p:ext uri="{EFAFB233-063F-42B5-8137-9DF3F51BA10A}">
@@ -276,7 +273,7 @@
           <a:p>
             <a:fld id="{7C7E5181-6CF5-45F7-A87A-E0E0B1FD7549}" type="datetimeFigureOut">
               <a:rPr lang="en-US" smtClean="0"/>
-              <a:t>1/3/26</a:t>
+              <a:t>1/5/2026</a:t>
             </a:fld>
             <a:endParaRPr lang="en-US"/>
           </a:p>
@@ -3086,7 +3083,7 @@
           <a:p>
             <a:fld id="{5D2A64DE-480B-420F-9649-4F8E696E08E0}" type="datetime1">
               <a:rPr lang="en-US" smtClean="0"/>
-              <a:t>1/3/26</a:t>
+              <a:t>1/5/2026</a:t>
             </a:fld>
             <a:endParaRPr lang="en-US"/>
           </a:p>
@@ -3410,7 +3407,7 @@
           <a:p>
             <a:fld id="{EA476A42-A091-4468-A075-64A31BE59948}" type="datetime1">
               <a:rPr lang="en-US" smtClean="0"/>
-              <a:t>1/3/26</a:t>
+              <a:t>1/5/2026</a:t>
             </a:fld>
             <a:endParaRPr lang="en-US"/>
           </a:p>
@@ -3608,7 +3605,7 @@
           <a:p>
             <a:fld id="{0D3616D0-8311-4107-9726-6B805E7D05BA}" type="datetime1">
               <a:rPr lang="en-US" smtClean="0"/>
-              <a:t>1/3/26</a:t>
+              <a:t>1/5/2026</a:t>
             </a:fld>
             <a:endParaRPr lang="en-US"/>
           </a:p>
@@ -3816,7 +3813,7 @@
           <a:p>
             <a:fld id="{3BC2557A-5C88-417A-A763-5AC779462A5F}" type="datetime1">
               <a:rPr lang="en-US" smtClean="0"/>
-              <a:t>1/3/26</a:t>
+              <a:t>1/5/2026</a:t>
             </a:fld>
             <a:endParaRPr lang="en-US"/>
           </a:p>
@@ -4238,7 +4235,7 @@
           <a:p>
             <a:fld id="{07C7BFD4-467E-4EDE-93EA-052F5B39A4E5}" type="datetime1">
               <a:rPr lang="en-US" smtClean="0"/>
-              <a:t>1/3/26</a:t>
+              <a:t>1/5/2026</a:t>
             </a:fld>
             <a:endParaRPr lang="en-US"/>
           </a:p>
@@ -4488,7 +4485,7 @@
           <a:p>
             <a:fld id="{07C7BFD4-467E-4EDE-93EA-052F5B39A4E5}" type="datetime1">
               <a:rPr lang="en-US" smtClean="0"/>
-              <a:t>1/3/26</a:t>
+              <a:t>1/5/2026</a:t>
             </a:fld>
             <a:endParaRPr lang="en-US"/>
           </a:p>
@@ -4670,7 +4667,7 @@
           <a:p>
             <a:fld id="{109E55A0-C911-4F03-82FC-7E5926047D46}" type="datetime1">
               <a:rPr lang="en-US" smtClean="0"/>
-              <a:t>1/3/26</a:t>
+              <a:t>1/5/2026</a:t>
             </a:fld>
             <a:endParaRPr lang="en-US"/>
           </a:p>
@@ -4983,7 +4980,7 @@
           <a:p>
             <a:fld id="{A533CBE2-D5BE-47AC-ADC2-9CDFC1D0CF90}" type="datetime1">
               <a:rPr lang="en-US" smtClean="0"/>
-              <a:t>1/3/26</a:t>
+              <a:t>1/5/2026</a:t>
             </a:fld>
             <a:endParaRPr lang="en-US"/>
           </a:p>
@@ -5284,7 +5281,7 @@
           <a:p>
             <a:fld id="{39B7EDB1-CE74-4951-85A2-0B01C2128E28}" type="datetime1">
               <a:rPr lang="en-US" smtClean="0"/>
-              <a:t>1/3/26</a:t>
+              <a:t>1/5/2026</a:t>
             </a:fld>
             <a:endParaRPr lang="en-US"/>
           </a:p>
@@ -5732,7 +5729,7 @@
           <a:p>
             <a:fld id="{2BC7EB92-A5C2-4807-A9DC-9EDE6CBFB241}" type="datetime1">
               <a:rPr lang="en-US" smtClean="0"/>
-              <a:t>1/3/26</a:t>
+              <a:t>1/5/2026</a:t>
             </a:fld>
             <a:endParaRPr lang="en-US"/>
           </a:p>
@@ -5845,7 +5842,7 @@
           <a:p>
             <a:fld id="{2B7B7EE0-7771-4CD5-9B2B-3550753A54A1}" type="datetime1">
               <a:rPr lang="en-US" smtClean="0"/>
-              <a:t>1/3/26</a:t>
+              <a:t>1/5/2026</a:t>
             </a:fld>
             <a:endParaRPr lang="en-US"/>
           </a:p>
@@ -6156,7 +6153,7 @@
           <a:p>
             <a:fld id="{F8B318B3-0E87-4416-A9B8-D891968C2727}" type="datetime1">
               <a:rPr lang="en-US" smtClean="0"/>
-              <a:t>1/3/26</a:t>
+              <a:t>1/5/2026</a:t>
             </a:fld>
             <a:endParaRPr lang="en-US"/>
           </a:p>
@@ -6397,7 +6394,7 @@
           <a:p>
             <a:fld id="{54D997E8-DDEE-43F1-8D9B-F8A1E11DE488}" type="datetime1">
               <a:rPr lang="en-US" smtClean="0"/>
-              <a:t>1/3/26</a:t>
+              <a:t>1/5/2026</a:t>
             </a:fld>
             <a:endParaRPr lang="en-US"/>
           </a:p>
@@ -7141,19 +7138,21 @@
           </a:xfrm>
         </p:spPr>
         <p:txBody>
-          <a:bodyPr/>
+          <a:bodyPr>
+            <a:normAutofit/>
+          </a:bodyPr>
           <a:lstStyle/>
           <a:p>
             <a:r>
-              <a:rPr lang="en-US" dirty="0"/>
+              <a:rPr lang="en-US" sz="3600" dirty="0"/>
               <a:t>Analyzing </a:t>
             </a:r>
             <a:r>
-              <a:rPr lang="en-US" dirty="0" err="1"/>
+              <a:rPr lang="en-US" sz="3600" dirty="0" err="1"/>
               <a:t>CoS</a:t>
             </a:r>
             <a:r>
-              <a:rPr lang="en-US" dirty="0"/>
+              <a:rPr lang="en-US" sz="3600" dirty="0"/>
               <a:t> to get testable behaviors</a:t>
             </a:r>
           </a:p>
@@ -8672,15 +8671,15 @@
           <a:lstStyle/>
           <a:p>
             <a:r>
-              <a:rPr lang="en-US"/>
+              <a:rPr lang="en-US" sz="3600" dirty="0"/>
               <a:t>Analyzing </a:t>
             </a:r>
             <a:r>
-              <a:rPr lang="en-US" err="1"/>
+              <a:rPr lang="en-US" sz="3600" dirty="0" err="1"/>
               <a:t>CoS</a:t>
             </a:r>
             <a:r>
-              <a:rPr lang="en-US"/>
+              <a:rPr lang="en-US" sz="3600" dirty="0"/>
               <a:t> to get testable behaviors</a:t>
             </a:r>
           </a:p>
@@ -9301,13 +9300,20 @@
           </a:xfrm>
         </p:spPr>
         <p:txBody>
-          <a:bodyPr/>
+          <a:bodyPr>
+            <a:normAutofit/>
+          </a:bodyPr>
           <a:lstStyle/>
           <a:p>
             <a:r>
-              <a:rPr lang="en-US"/>
-              <a:t>The tiniest introduction to Vitest</a:t>
-            </a:r>
+              <a:rPr lang="en-US" sz="3600" dirty="0"/>
+              <a:t>The tiniest introduction to </a:t>
+            </a:r>
+            <a:r>
+              <a:rPr lang="en-US" sz="3600" dirty="0" err="1"/>
+              <a:t>Vitest</a:t>
+            </a:r>
+            <a:endParaRPr lang="en-US" sz="3600" dirty="0"/>
           </a:p>
         </p:txBody>
       </p:sp>
@@ -10890,11 +10896,13 @@
           </a:xfrm>
         </p:spPr>
         <p:txBody>
-          <a:bodyPr/>
+          <a:bodyPr>
+            <a:normAutofit/>
+          </a:bodyPr>
           <a:lstStyle/>
           <a:p>
             <a:r>
-              <a:rPr lang="en-US" dirty="0" err="1">
+              <a:rPr lang="en-US" sz="3600" dirty="0" err="1">
                 <a:solidFill>
                   <a:srgbClr val="FF0000"/>
                 </a:solidFill>
@@ -10902,7 +10910,7 @@
               <a:t>types.ts</a:t>
             </a:r>
             <a:r>
-              <a:rPr lang="en-US" dirty="0">
+              <a:rPr lang="en-US" sz="3600" dirty="0">
                 <a:solidFill>
                   <a:srgbClr val="FF0000"/>
                 </a:solidFill>
@@ -10910,7 +10918,7 @@
               <a:t> </a:t>
             </a:r>
             <a:r>
-              <a:rPr lang="en-US" dirty="0"/>
+              <a:rPr lang="en-US" sz="3600" dirty="0"/>
               <a:t>used to explain interface</a:t>
             </a:r>
           </a:p>
@@ -12101,11 +12109,13 @@
           </a:xfrm>
         </p:spPr>
         <p:txBody>
-          <a:bodyPr/>
+          <a:bodyPr>
+            <a:normAutofit/>
+          </a:bodyPr>
           <a:lstStyle/>
           <a:p>
             <a:r>
-              <a:rPr lang="en-US" dirty="0"/>
+              <a:rPr lang="en-US" sz="3600" dirty="0"/>
               <a:t>Now we can start writing tests</a:t>
             </a:r>
           </a:p>
@@ -13889,11 +13899,13 @@
         </p:nvSpPr>
         <p:spPr/>
         <p:txBody>
-          <a:bodyPr/>
+          <a:bodyPr>
+            <a:normAutofit/>
+          </a:bodyPr>
           <a:lstStyle/>
           <a:p>
             <a:r>
-              <a:rPr lang="en-US" dirty="0"/>
+              <a:rPr lang="en-US" sz="3600" dirty="0"/>
               <a:t>Running tests on the command line</a:t>
             </a:r>
           </a:p>
@@ -15291,11 +15303,13 @@
           </a:xfrm>
         </p:spPr>
         <p:txBody>
-          <a:bodyPr/>
+          <a:bodyPr>
+            <a:normAutofit/>
+          </a:bodyPr>
           <a:lstStyle/>
           <a:p>
             <a:r>
-              <a:rPr lang="en-US" dirty="0"/>
+              <a:rPr lang="en-US" sz="3600" dirty="0"/>
               <a:t>Tests from testable behaviors</a:t>
             </a:r>
           </a:p>
@@ -17020,11 +17034,13 @@
           </a:xfrm>
         </p:spPr>
         <p:txBody>
-          <a:bodyPr/>
+          <a:bodyPr>
+            <a:normAutofit/>
+          </a:bodyPr>
           <a:lstStyle/>
           <a:p>
             <a:r>
-              <a:rPr lang="en-US" dirty="0"/>
+              <a:rPr lang="en-US" sz="3600" dirty="0"/>
               <a:t>Assemble/Act/Assess</a:t>
             </a:r>
           </a:p>
@@ -18645,11 +18661,13 @@
           </a:xfrm>
         </p:spPr>
         <p:txBody>
-          <a:bodyPr/>
+          <a:bodyPr>
+            <a:normAutofit/>
+          </a:bodyPr>
           <a:lstStyle/>
           <a:p>
             <a:r>
-              <a:rPr lang="en-US" dirty="0"/>
+              <a:rPr lang="en-US" sz="3600" dirty="0"/>
               <a:t>Tests from testable behaviors</a:t>
             </a:r>
           </a:p>
@@ -19859,11 +19877,13 @@
           </a:xfrm>
         </p:spPr>
         <p:txBody>
-          <a:bodyPr/>
+          <a:bodyPr>
+            <a:normAutofit/>
+          </a:bodyPr>
           <a:lstStyle/>
           <a:p>
             <a:r>
-              <a:rPr lang="en-US" dirty="0"/>
+              <a:rPr lang="en-US" sz="3600" dirty="0"/>
               <a:t>Tests from testable behaviors</a:t>
             </a:r>
           </a:p>
@@ -20815,11 +20835,13 @@
           </a:xfrm>
         </p:spPr>
         <p:txBody>
-          <a:bodyPr/>
+          <a:bodyPr>
+            <a:normAutofit/>
+          </a:bodyPr>
           <a:lstStyle/>
           <a:p>
             <a:r>
-              <a:rPr lang="en-US" dirty="0"/>
+              <a:rPr lang="en-US" sz="3600" dirty="0"/>
               <a:t>Tests from testable behaviors</a:t>
             </a:r>
           </a:p>
@@ -23273,15 +23295,15 @@
           <a:lstStyle/>
           <a:p>
             <a:r>
-              <a:rPr lang="en-US"/>
+              <a:rPr lang="en-US" dirty="0"/>
               <a:t>…now TDD lets us implement </a:t>
             </a:r>
             <a:r>
-              <a:rPr lang="en-US" err="1"/>
+              <a:rPr lang="en-US" dirty="0" err="1"/>
               <a:t>addStudent</a:t>
             </a:r>
             <a:r>
-              <a:rPr lang="en-US"/>
+              <a:rPr lang="en-US" dirty="0"/>
               <a:t>!</a:t>
             </a:r>
           </a:p>
@@ -25162,8 +25184,8 @@
           <a:lstStyle/>
           <a:p>
             <a:r>
-              <a:rPr lang="en-US" dirty="0"/>
-              <a:t>Part 3: Test-Driven Development</a:t>
+              <a:rPr lang="en-US" sz="3600" dirty="0"/>
+              <a:t>Test-Driven Development</a:t>
             </a:r>
           </a:p>
         </p:txBody>

--- a/Slides/Module 02.2 Test-Driven Development.pptx
+++ b/Slides/Module 02.2 Test-Driven Development.pptx
@@ -18,24 +18,24 @@
     <p:sldId id="593" r:id="rId9"/>
     <p:sldId id="552" r:id="rId10"/>
     <p:sldId id="553" r:id="rId11"/>
-    <p:sldId id="596" r:id="rId12"/>
+    <p:sldId id="603" r:id="rId12"/>
     <p:sldId id="559" r:id="rId13"/>
-    <p:sldId id="565" r:id="rId14"/>
+    <p:sldId id="604" r:id="rId14"/>
     <p:sldId id="598" r:id="rId15"/>
-    <p:sldId id="568" r:id="rId16"/>
+    <p:sldId id="605" r:id="rId16"/>
     <p:sldId id="570" r:id="rId17"/>
-    <p:sldId id="571" r:id="rId18"/>
+    <p:sldId id="607" r:id="rId18"/>
     <p:sldId id="572" r:id="rId19"/>
     <p:sldId id="573" r:id="rId20"/>
-    <p:sldId id="538" r:id="rId21"/>
-    <p:sldId id="539" r:id="rId22"/>
+    <p:sldId id="574" r:id="rId21"/>
+    <p:sldId id="602" r:id="rId22"/>
     <p:sldId id="540" r:id="rId23"/>
     <p:sldId id="541" r:id="rId24"/>
     <p:sldId id="563" r:id="rId25"/>
     <p:sldId id="544" r:id="rId26"/>
-    <p:sldId id="577" r:id="rId27"/>
-    <p:sldId id="549" r:id="rId28"/>
-    <p:sldId id="599" r:id="rId29"/>
+    <p:sldId id="549" r:id="rId27"/>
+    <p:sldId id="606" r:id="rId28"/>
+    <p:sldId id="577" r:id="rId29"/>
   </p:sldIdLst>
   <p:sldSz cx="12192000" cy="6858000"/>
   <p:notesSz cx="6858000" cy="9144000"/>
@@ -169,28 +169,25 @@
             <p14:sldId id="593"/>
             <p14:sldId id="552"/>
             <p14:sldId id="553"/>
-            <p14:sldId id="596"/>
+            <p14:sldId id="603"/>
             <p14:sldId id="559"/>
-            <p14:sldId id="565"/>
+            <p14:sldId id="604"/>
             <p14:sldId id="598"/>
-            <p14:sldId id="568"/>
+            <p14:sldId id="605"/>
             <p14:sldId id="570"/>
-            <p14:sldId id="571"/>
+            <p14:sldId id="607"/>
             <p14:sldId id="572"/>
             <p14:sldId id="573"/>
-            <p14:sldId id="538"/>
-            <p14:sldId id="539"/>
+            <p14:sldId id="574"/>
+            <p14:sldId id="602"/>
             <p14:sldId id="540"/>
             <p14:sldId id="541"/>
             <p14:sldId id="563"/>
             <p14:sldId id="544"/>
+            <p14:sldId id="549"/>
+            <p14:sldId id="606"/>
             <p14:sldId id="577"/>
-            <p14:sldId id="549"/>
-            <p14:sldId id="599"/>
           </p14:sldIdLst>
-        </p14:section>
-        <p14:section name="Default Section" id="{8798EF7B-FA91-3F42-BBDB-C5DCFDEAEC07}">
-          <p14:sldIdLst/>
         </p14:section>
       </p14:sectionLst>
     </p:ext>
@@ -286,7 +283,7 @@
           <a:p>
             <a:fld id="{7C7E5181-6CF5-45F7-A87A-E0E0B1FD7549}" type="datetimeFigureOut">
               <a:rPr lang="en-US" smtClean="0"/>
-              <a:t>1/4/2026</a:t>
+              <a:t>1/5/2026</a:t>
             </a:fld>
             <a:endParaRPr lang="en-US"/>
           </a:p>
@@ -994,7 +991,7 @@
           <a:p>
             <a:r>
               <a:rPr lang="en-US" dirty="0"/>
-              <a:t>Often, turning testable behaviors into conditions of satisfaction leads to points where the user story or initial conditions of satisfaction weren’t clear enough. This can require negotiation within your team or with your users.  (Even our decision of writing the testable behaviors at the service level is something that would have to be negotiated with the client).</a:t>
+              <a:t>Often, turning testable behaviors into conditions of satisfaction leads to points where the user story or initial conditions of satisfaction weren’t clear enough. This can require negotiation within your team or with your users.</a:t>
             </a:r>
           </a:p>
         </p:txBody>
@@ -1468,7 +1465,17 @@
                 <a:effectLst/>
                 <a:latin typeface="Calibri" panose="020F0502020204030204" pitchFamily="34" charset="0"/>
               </a:rPr>
-              <a:t>nameToIds</a:t>
+              <a:t>nameToIDs</a:t>
+            </a:r>
+            <a:r>
+              <a:rPr lang="en-US" b="1" i="0" dirty="0">
+                <a:solidFill>
+                  <a:srgbClr val="5C5962"/>
+                </a:solidFill>
+                <a:effectLst/>
+                <a:latin typeface="Calibri" panose="020F0502020204030204" pitchFamily="34" charset="0"/>
+              </a:rPr>
+              <a:t> </a:t>
             </a:r>
             <a:r>
               <a:rPr lang="en-US" b="0" i="0" dirty="0">
@@ -1478,7 +1485,7 @@
                 <a:effectLst/>
                 <a:latin typeface="Calibri" panose="020F0502020204030204" pitchFamily="34" charset="0"/>
               </a:rPr>
-              <a:t> cooperate (or conspire) together to produce the desired behavior.</a:t>
+              <a:t>cooperate (or conspire) together to produce the desired behavior.</a:t>
             </a:r>
           </a:p>
           <a:p>
@@ -1578,10 +1585,73 @@
           <a:bodyPr/>
           <a:lstStyle/>
           <a:p>
+            <a:pPr marL="0" marR="0" lvl="0" indent="0" algn="l" defTabSz="914400" rtl="0" eaLnBrk="1" fontAlgn="auto" latinLnBrk="0" hangingPunct="1">
+              <a:lnSpc>
+                <a:spcPct val="100000"/>
+              </a:lnSpc>
+              <a:spcBef>
+                <a:spcPts val="0"/>
+              </a:spcBef>
+              <a:spcAft>
+                <a:spcPts val="0"/>
+              </a:spcAft>
+              <a:buClrTx/>
+              <a:buSzTx/>
+              <a:buFontTx/>
+              <a:buNone/>
+              <a:tabLst/>
+              <a:defRPr/>
+            </a:pPr>
             <a:r>
               <a:rPr lang="en-US" dirty="0"/>
               <a:t>(review Assemble-Act-Assess)</a:t>
             </a:r>
+          </a:p>
+          <a:p>
+            <a:pPr marL="0" marR="0" lvl="0" indent="0" algn="l" defTabSz="914400" rtl="0" eaLnBrk="1" fontAlgn="auto" latinLnBrk="0" hangingPunct="1">
+              <a:lnSpc>
+                <a:spcPct val="100000"/>
+              </a:lnSpc>
+              <a:spcBef>
+                <a:spcPts val="0"/>
+              </a:spcBef>
+              <a:spcAft>
+                <a:spcPts val="0"/>
+              </a:spcAft>
+              <a:buClrTx/>
+              <a:buSzTx/>
+              <a:buFontTx/>
+              <a:buNone/>
+              <a:tabLst/>
+              <a:defRPr/>
+            </a:pPr>
+            <a:endParaRPr lang="en-US" dirty="0"/>
+          </a:p>
+          <a:p>
+            <a:pPr marL="0" marR="0" lvl="0" indent="0" algn="l" defTabSz="914400" rtl="0" eaLnBrk="1" fontAlgn="auto" latinLnBrk="0" hangingPunct="1">
+              <a:lnSpc>
+                <a:spcPct val="100000"/>
+              </a:lnSpc>
+              <a:spcBef>
+                <a:spcPts val="0"/>
+              </a:spcBef>
+              <a:spcAft>
+                <a:spcPts val="0"/>
+              </a:spcAft>
+              <a:buClrTx/>
+              <a:buSzTx/>
+              <a:buFontTx/>
+              <a:buNone/>
+              <a:tabLst/>
+              <a:defRPr/>
+            </a:pPr>
+            <a:r>
+              <a:rPr lang="en-US" dirty="0"/>
+              <a:t>Question: Does this test actually test that the new Id is distinct from any ID in the database?  A: no, but it gives some confidence.  Q: how could we make a test that would give us more confidence than this one? A: maybe try adding many new students; at each step check to see that we haven't reused the ids.  (Maybe mention Property-Based Testing:  you can in principle write a test that does this programmatically!  Probably you don't want to do this except for critical properties.  Do you think this property is important enough to do this?)</a:t>
+            </a:r>
+          </a:p>
+          <a:p>
+            <a:endParaRPr lang="en-US" dirty="0"/>
           </a:p>
         </p:txBody>
       </p:sp>
@@ -1600,78 +1670,18 @@
           <a:bodyPr/>
           <a:lstStyle/>
           <a:p>
-            <a:pPr marL="0" marR="0" lvl="0" indent="0" algn="r" defTabSz="914400" rtl="0" eaLnBrk="1" fontAlgn="auto" latinLnBrk="0" hangingPunct="1">
-              <a:lnSpc>
-                <a:spcPct val="100000"/>
-              </a:lnSpc>
-              <a:spcBef>
-                <a:spcPts val="0"/>
-              </a:spcBef>
-              <a:spcAft>
-                <a:spcPts val="0"/>
-              </a:spcAft>
-              <a:buClrTx/>
-              <a:buSzTx/>
-              <a:buFontTx/>
-              <a:buNone/>
-              <a:tabLst/>
-              <a:defRPr/>
-            </a:pPr>
             <a:fld id="{07937F07-1250-4CCE-B198-1B2887014F41}" type="slidenum">
-              <a:rPr kumimoji="0" lang="en-US" sz="1200" b="0" i="0" u="none" strike="noStrike" kern="1200" cap="none" spc="0" normalizeH="0" baseline="0" noProof="0" smtClean="0">
-                <a:ln>
-                  <a:noFill/>
-                </a:ln>
-                <a:solidFill>
-                  <a:prstClr val="black"/>
-                </a:solidFill>
-                <a:effectLst/>
-                <a:uLnTx/>
-                <a:uFillTx/>
-                <a:latin typeface="Calibri" panose="020F0502020204030204"/>
-                <a:ea typeface="+mn-ea"/>
-                <a:cs typeface="+mn-cs"/>
-              </a:rPr>
-              <a:pPr marL="0" marR="0" lvl="0" indent="0" algn="r" defTabSz="914400" rtl="0" eaLnBrk="1" fontAlgn="auto" latinLnBrk="0" hangingPunct="1">
-                <a:lnSpc>
-                  <a:spcPct val="100000"/>
-                </a:lnSpc>
-                <a:spcBef>
-                  <a:spcPts val="0"/>
-                </a:spcBef>
-                <a:spcAft>
-                  <a:spcPts val="0"/>
-                </a:spcAft>
-                <a:buClrTx/>
-                <a:buSzTx/>
-                <a:buFontTx/>
-                <a:buNone/>
-                <a:tabLst/>
-                <a:defRPr/>
-              </a:pPr>
+              <a:rPr lang="en-US" smtClean="0"/>
               <a:t>20</a:t>
             </a:fld>
-            <a:endParaRPr kumimoji="0" lang="en-US" sz="1200" b="0" i="0" u="none" strike="noStrike" kern="1200" cap="none" spc="0" normalizeH="0" baseline="0" noProof="0">
-              <a:ln>
-                <a:noFill/>
-              </a:ln>
-              <a:solidFill>
-                <a:prstClr val="black"/>
-              </a:solidFill>
-              <a:effectLst/>
-              <a:uLnTx/>
-              <a:uFillTx/>
-              <a:latin typeface="Calibri" panose="020F0502020204030204"/>
-              <a:ea typeface="+mn-ea"/>
-              <a:cs typeface="+mn-cs"/>
-            </a:endParaRPr>
+            <a:endParaRPr lang="en-US"/>
           </a:p>
         </p:txBody>
       </p:sp>
     </p:spTree>
     <p:extLst>
       <p:ext uri="{BB962C8B-B14F-4D97-AF65-F5344CB8AC3E}">
-        <p14:creationId xmlns:p14="http://schemas.microsoft.com/office/powerpoint/2010/main" val="3071706086"/>
+        <p14:creationId xmlns:p14="http://schemas.microsoft.com/office/powerpoint/2010/main" val="4142252247"/>
       </p:ext>
     </p:extLst>
   </p:cSld>
@@ -1686,7 +1696,13 @@
   <p:cSld>
     <p:spTree>
       <p:nvGrpSpPr>
-        <p:cNvPr id="1" name=""/>
+        <p:cNvPr id="1" name="">
+          <a:extLst>
+            <a:ext uri="{FF2B5EF4-FFF2-40B4-BE49-F238E27FC236}">
+              <a16:creationId xmlns:a16="http://schemas.microsoft.com/office/drawing/2014/main" id="{19DD55D9-585D-200E-A12E-75C1E192E194}"/>
+            </a:ext>
+          </a:extLst>
+        </p:cNvPr>
         <p:cNvGrpSpPr/>
         <p:nvPr/>
       </p:nvGrpSpPr>
@@ -1700,7 +1716,13 @@
       </p:grpSpPr>
       <p:sp>
         <p:nvSpPr>
-          <p:cNvPr id="2" name="Slide Image Placeholder 1"/>
+          <p:cNvPr id="2" name="Slide Image Placeholder 1">
+            <a:extLst>
+              <a:ext uri="{FF2B5EF4-FFF2-40B4-BE49-F238E27FC236}">
+                <a16:creationId xmlns:a16="http://schemas.microsoft.com/office/drawing/2014/main" id="{919DC6DE-A9E1-57EB-E463-726F248066C8}"/>
+              </a:ext>
+            </a:extLst>
+          </p:cNvPr>
           <p:cNvSpPr>
             <a:spLocks noGrp="1" noRot="1" noChangeAspect="1"/>
           </p:cNvSpPr>
@@ -1712,7 +1734,13 @@
       </p:sp>
       <p:sp>
         <p:nvSpPr>
-          <p:cNvPr id="3" name="Notes Placeholder 2"/>
+          <p:cNvPr id="3" name="Notes Placeholder 2">
+            <a:extLst>
+              <a:ext uri="{FF2B5EF4-FFF2-40B4-BE49-F238E27FC236}">
+                <a16:creationId xmlns:a16="http://schemas.microsoft.com/office/drawing/2014/main" id="{70239D23-1985-0CE8-E315-9B52783742F2}"/>
+              </a:ext>
+            </a:extLst>
+          </p:cNvPr>
           <p:cNvSpPr>
             <a:spLocks noGrp="1"/>
           </p:cNvSpPr>
@@ -1725,13 +1753,22 @@
           <a:bodyPr/>
           <a:lstStyle/>
           <a:p>
-            <a:endParaRPr lang="en-US" dirty="0"/>
+            <a:r>
+              <a:rPr lang="en-US" dirty="0"/>
+              <a:t>We’re actually testing a more specific behavior here than even the testable behavior spec asked for — we’re checking that the two students are mapped to different IDs, which is practically necessary for adding two students with the same name.</a:t>
+            </a:r>
           </a:p>
         </p:txBody>
       </p:sp>
       <p:sp>
         <p:nvSpPr>
-          <p:cNvPr id="4" name="Slide Number Placeholder 3"/>
+          <p:cNvPr id="4" name="Slide Number Placeholder 3">
+            <a:extLst>
+              <a:ext uri="{FF2B5EF4-FFF2-40B4-BE49-F238E27FC236}">
+                <a16:creationId xmlns:a16="http://schemas.microsoft.com/office/drawing/2014/main" id="{46CED3C9-EB5D-EF3A-3DB5-902B4DD9F8BA}"/>
+              </a:ext>
+            </a:extLst>
+          </p:cNvPr>
           <p:cNvSpPr>
             <a:spLocks noGrp="1"/>
           </p:cNvSpPr>
@@ -1755,7 +1792,7 @@
     </p:spTree>
     <p:extLst>
       <p:ext uri="{BB962C8B-B14F-4D97-AF65-F5344CB8AC3E}">
-        <p14:creationId xmlns:p14="http://schemas.microsoft.com/office/powerpoint/2010/main" val="2751672726"/>
+        <p14:creationId xmlns:p14="http://schemas.microsoft.com/office/powerpoint/2010/main" val="1722242688"/>
       </p:ext>
     </p:extLst>
   </p:cSld>
@@ -2078,7 +2115,7 @@
           <a:p>
             <a:r>
               <a:rPr lang="en-US" dirty="0"/>
-              <a:t>Probably the Transcript Service interface should have been in a separate file.</a:t>
+              <a:t>Prof. Wand says: I would have put the interface in a separate file.</a:t>
             </a:r>
           </a:p>
         </p:txBody>
@@ -2310,6 +2347,71 @@
           <a:bodyPr/>
           <a:lstStyle/>
           <a:p>
+            <a:r>
+              <a:rPr lang="en-US" dirty="0"/>
+              <a:t>Sometimes you want to make sure that the system under test is in a particular state before you start the test.  </a:t>
+            </a:r>
+            <a:r>
+              <a:rPr lang="en-US" dirty="0" err="1"/>
+              <a:t>Vitest</a:t>
+            </a:r>
+            <a:r>
+              <a:rPr lang="en-US" dirty="0"/>
+              <a:t>, and most other frameworks, allow you to do that by writing a </a:t>
+            </a:r>
+            <a:r>
+              <a:rPr lang="en-US" b="1" dirty="0" err="1"/>
+              <a:t>beforeEach</a:t>
+            </a:r>
+            <a:r>
+              <a:rPr lang="en-US" b="0" dirty="0"/>
+              <a:t> block. </a:t>
+            </a:r>
+          </a:p>
+          <a:p>
+            <a:endParaRPr lang="en-US" b="0" dirty="0"/>
+          </a:p>
+          <a:p>
+            <a:r>
+              <a:rPr lang="en-US" b="0" dirty="0"/>
+              <a:t>Our tests do, in fact, make changes to the database, but we avoid this problem by throwing away the database every time and starting with a brand new one. In some settings, this would make the test too slow, in which case we can create a database once and reset its contents undo those changes in the </a:t>
+            </a:r>
+            <a:r>
+              <a:rPr lang="en-US" b="0" dirty="0" err="1"/>
+              <a:t>beforeEach</a:t>
+            </a:r>
+            <a:r>
+              <a:rPr lang="en-US" b="0" dirty="0"/>
+              <a:t> block.</a:t>
+            </a:r>
+          </a:p>
+          <a:p>
+            <a:endParaRPr lang="en-US" b="0" dirty="0"/>
+          </a:p>
+          <a:p>
+            <a:r>
+              <a:rPr lang="en-US" b="0" dirty="0"/>
+              <a:t>If our tests did other things, like connect to an external data source, then we'd need to disconnect at the end of each test; this can be done by an </a:t>
+            </a:r>
+            <a:r>
+              <a:rPr lang="en-US" b="1" dirty="0" err="1"/>
+              <a:t>afterEach</a:t>
+            </a:r>
+            <a:r>
+              <a:rPr lang="en-US" b="0" dirty="0"/>
+              <a:t> (or </a:t>
+            </a:r>
+            <a:r>
+              <a:rPr lang="en-US" b="1" dirty="0" err="1"/>
+              <a:t>afterAll</a:t>
+            </a:r>
+            <a:r>
+              <a:rPr lang="en-US" b="0" dirty="0"/>
+              <a:t> to do cleanup once, at the very end).</a:t>
+            </a:r>
+            <a:endParaRPr lang="en-US" dirty="0"/>
+          </a:p>
+          <a:p>
             <a:endParaRPr lang="en-US" dirty="0"/>
           </a:p>
         </p:txBody>
@@ -2340,7 +2442,7 @@
     </p:spTree>
     <p:extLst>
       <p:ext uri="{BB962C8B-B14F-4D97-AF65-F5344CB8AC3E}">
-        <p14:creationId xmlns:p14="http://schemas.microsoft.com/office/powerpoint/2010/main" val="999585535"/>
+        <p14:creationId xmlns:p14="http://schemas.microsoft.com/office/powerpoint/2010/main" val="3646213354"/>
       </p:ext>
     </p:extLst>
   </p:cSld>
@@ -2394,71 +2496,6 @@
           <a:bodyPr/>
           <a:lstStyle/>
           <a:p>
-            <a:r>
-              <a:rPr lang="en-US" dirty="0"/>
-              <a:t>Sometimes you want to make sure that the system under test is in a particular state before you start the test.  </a:t>
-            </a:r>
-            <a:r>
-              <a:rPr lang="en-US" dirty="0" err="1"/>
-              <a:t>Vitest</a:t>
-            </a:r>
-            <a:r>
-              <a:rPr lang="en-US" dirty="0"/>
-              <a:t>, and most other frameworks, allow you to do that by writing a </a:t>
-            </a:r>
-            <a:r>
-              <a:rPr lang="en-US" b="1" dirty="0" err="1"/>
-              <a:t>beforeEach</a:t>
-            </a:r>
-            <a:r>
-              <a:rPr lang="en-US" b="0" dirty="0"/>
-              <a:t> block. </a:t>
-            </a:r>
-          </a:p>
-          <a:p>
-            <a:endParaRPr lang="en-US" b="0" dirty="0"/>
-          </a:p>
-          <a:p>
-            <a:r>
-              <a:rPr lang="en-US" b="0" dirty="0"/>
-              <a:t>Our tests do, in fact, make changes to the database, but we avoid this problem by throwing away the database every time and starting with a brand new one. In some settings, this would make the test too slow, in which case we can create a database once and reset its contents undo those changes in the </a:t>
-            </a:r>
-            <a:r>
-              <a:rPr lang="en-US" b="0" dirty="0" err="1"/>
-              <a:t>beforeEach</a:t>
-            </a:r>
-            <a:r>
-              <a:rPr lang="en-US" b="0" dirty="0"/>
-              <a:t> block.</a:t>
-            </a:r>
-          </a:p>
-          <a:p>
-            <a:endParaRPr lang="en-US" b="0" dirty="0"/>
-          </a:p>
-          <a:p>
-            <a:r>
-              <a:rPr lang="en-US" b="0" dirty="0"/>
-              <a:t>If our tests did other things, like connect to an external data source, then we'd need to disconnect at the end of each test; this can be done by an </a:t>
-            </a:r>
-            <a:r>
-              <a:rPr lang="en-US" b="1" dirty="0" err="1"/>
-              <a:t>afterEach</a:t>
-            </a:r>
-            <a:r>
-              <a:rPr lang="en-US" b="0" dirty="0"/>
-              <a:t> (or </a:t>
-            </a:r>
-            <a:r>
-              <a:rPr lang="en-US" b="1" dirty="0" err="1"/>
-              <a:t>afterAll</a:t>
-            </a:r>
-            <a:r>
-              <a:rPr lang="en-US" b="0" dirty="0"/>
-              <a:t> to do cleanup once, at the very end).</a:t>
-            </a:r>
-            <a:endParaRPr lang="en-US" dirty="0"/>
-          </a:p>
-          <a:p>
             <a:endParaRPr lang="en-US" dirty="0"/>
           </a:p>
         </p:txBody>
@@ -2489,7 +2526,7 @@
     </p:spTree>
     <p:extLst>
       <p:ext uri="{BB962C8B-B14F-4D97-AF65-F5344CB8AC3E}">
-        <p14:creationId xmlns:p14="http://schemas.microsoft.com/office/powerpoint/2010/main" val="3646213354"/>
+        <p14:creationId xmlns:p14="http://schemas.microsoft.com/office/powerpoint/2010/main" val="502671049"/>
       </p:ext>
     </p:extLst>
   </p:cSld>
@@ -2573,7 +2610,7 @@
     </p:spTree>
     <p:extLst>
       <p:ext uri="{BB962C8B-B14F-4D97-AF65-F5344CB8AC3E}">
-        <p14:creationId xmlns:p14="http://schemas.microsoft.com/office/powerpoint/2010/main" val="502671049"/>
+        <p14:creationId xmlns:p14="http://schemas.microsoft.com/office/powerpoint/2010/main" val="999585535"/>
       </p:ext>
     </p:extLst>
   </p:cSld>
@@ -3685,7 +3722,7 @@
           <a:p>
             <a:fld id="{5D2A64DE-480B-420F-9649-4F8E696E08E0}" type="datetime1">
               <a:rPr lang="en-US" smtClean="0"/>
-              <a:t>1/4/2026</a:t>
+              <a:t>1/5/2026</a:t>
             </a:fld>
             <a:endParaRPr lang="en-US"/>
           </a:p>
@@ -4009,7 +4046,7 @@
           <a:p>
             <a:fld id="{EA476A42-A091-4468-A075-64A31BE59948}" type="datetime1">
               <a:rPr lang="en-US" smtClean="0"/>
-              <a:t>1/4/2026</a:t>
+              <a:t>1/5/2026</a:t>
             </a:fld>
             <a:endParaRPr lang="en-US"/>
           </a:p>
@@ -4207,7 +4244,7 @@
           <a:p>
             <a:fld id="{0D3616D0-8311-4107-9726-6B805E7D05BA}" type="datetime1">
               <a:rPr lang="en-US" smtClean="0"/>
-              <a:t>1/4/2026</a:t>
+              <a:t>1/5/2026</a:t>
             </a:fld>
             <a:endParaRPr lang="en-US"/>
           </a:p>
@@ -4415,7 +4452,7 @@
           <a:p>
             <a:fld id="{3BC2557A-5C88-417A-A763-5AC779462A5F}" type="datetime1">
               <a:rPr lang="en-US" smtClean="0"/>
-              <a:t>1/4/2026</a:t>
+              <a:t>1/5/2026</a:t>
             </a:fld>
             <a:endParaRPr lang="en-US"/>
           </a:p>
@@ -4837,7 +4874,7 @@
           <a:p>
             <a:fld id="{07C7BFD4-467E-4EDE-93EA-052F5B39A4E5}" type="datetime1">
               <a:rPr lang="en-US" smtClean="0"/>
-              <a:t>1/4/2026</a:t>
+              <a:t>1/5/2026</a:t>
             </a:fld>
             <a:endParaRPr lang="en-US"/>
           </a:p>
@@ -5087,7 +5124,7 @@
           <a:p>
             <a:fld id="{07C7BFD4-467E-4EDE-93EA-052F5B39A4E5}" type="datetime1">
               <a:rPr lang="en-US" smtClean="0"/>
-              <a:t>1/4/2026</a:t>
+              <a:t>1/5/2026</a:t>
             </a:fld>
             <a:endParaRPr lang="en-US"/>
           </a:p>
@@ -5269,7 +5306,7 @@
           <a:p>
             <a:fld id="{109E55A0-C911-4F03-82FC-7E5926047D46}" type="datetime1">
               <a:rPr lang="en-US" smtClean="0"/>
-              <a:t>1/4/2026</a:t>
+              <a:t>1/5/2026</a:t>
             </a:fld>
             <a:endParaRPr lang="en-US"/>
           </a:p>
@@ -5582,7 +5619,7 @@
           <a:p>
             <a:fld id="{A533CBE2-D5BE-47AC-ADC2-9CDFC1D0CF90}" type="datetime1">
               <a:rPr lang="en-US" smtClean="0"/>
-              <a:t>1/4/2026</a:t>
+              <a:t>1/5/2026</a:t>
             </a:fld>
             <a:endParaRPr lang="en-US"/>
           </a:p>
@@ -5883,7 +5920,7 @@
           <a:p>
             <a:fld id="{39B7EDB1-CE74-4951-85A2-0B01C2128E28}" type="datetime1">
               <a:rPr lang="en-US" smtClean="0"/>
-              <a:t>1/4/2026</a:t>
+              <a:t>1/5/2026</a:t>
             </a:fld>
             <a:endParaRPr lang="en-US"/>
           </a:p>
@@ -6331,7 +6368,7 @@
           <a:p>
             <a:fld id="{2BC7EB92-A5C2-4807-A9DC-9EDE6CBFB241}" type="datetime1">
               <a:rPr lang="en-US" smtClean="0"/>
-              <a:t>1/4/2026</a:t>
+              <a:t>1/5/2026</a:t>
             </a:fld>
             <a:endParaRPr lang="en-US"/>
           </a:p>
@@ -6444,7 +6481,7 @@
           <a:p>
             <a:fld id="{2B7B7EE0-7771-4CD5-9B2B-3550753A54A1}" type="datetime1">
               <a:rPr lang="en-US" smtClean="0"/>
-              <a:t>1/4/2026</a:t>
+              <a:t>1/5/2026</a:t>
             </a:fld>
             <a:endParaRPr lang="en-US"/>
           </a:p>
@@ -6755,7 +6792,7 @@
           <a:p>
             <a:fld id="{F8B318B3-0E87-4416-A9B8-D891968C2727}" type="datetime1">
               <a:rPr lang="en-US" smtClean="0"/>
-              <a:t>1/4/2026</a:t>
+              <a:t>1/5/2026</a:t>
             </a:fld>
             <a:endParaRPr lang="en-US"/>
           </a:p>
@@ -6996,7 +7033,7 @@
           <a:p>
             <a:fld id="{54D997E8-DDEE-43F1-8D9B-F8A1E11DE488}" type="datetime1">
               <a:rPr lang="en-US" smtClean="0"/>
-              <a:t>1/4/2026</a:t>
+              <a:t>1/5/2026</a:t>
             </a:fld>
             <a:endParaRPr lang="en-US"/>
           </a:p>
@@ -8921,7 +8958,7 @@
     </p:spTree>
     <p:extLst>
       <p:ext uri="{BB962C8B-B14F-4D97-AF65-F5344CB8AC3E}">
-        <p14:creationId xmlns:p14="http://schemas.microsoft.com/office/powerpoint/2010/main" val="4034172356"/>
+        <p14:creationId xmlns:p14="http://schemas.microsoft.com/office/powerpoint/2010/main" val="3298158337"/>
       </p:ext>
     </p:extLst>
   </p:cSld>
@@ -9257,11 +9294,13 @@
           </a:xfrm>
         </p:spPr>
         <p:txBody>
-          <a:bodyPr/>
+          <a:bodyPr>
+            <a:normAutofit/>
+          </a:bodyPr>
           <a:lstStyle/>
           <a:p>
             <a:r>
-              <a:rPr lang="en-US" dirty="0"/>
+              <a:rPr lang="en-US" sz="3600" dirty="0"/>
               <a:t>Now we can design the interface we are going to test.</a:t>
             </a:r>
           </a:p>
@@ -10774,7 +10813,7 @@
     </p:spTree>
     <p:extLst>
       <p:ext uri="{BB962C8B-B14F-4D97-AF65-F5344CB8AC3E}">
-        <p14:creationId xmlns:p14="http://schemas.microsoft.com/office/powerpoint/2010/main" val="4260265564"/>
+        <p14:creationId xmlns:p14="http://schemas.microsoft.com/office/powerpoint/2010/main" val="4087837788"/>
       </p:ext>
     </p:extLst>
   </p:cSld>
@@ -10865,15 +10904,15 @@
           <a:lstStyle/>
           <a:p>
             <a:r>
-              <a:rPr lang="en-US" dirty="0"/>
+              <a:rPr lang="en-US" sz="3600" dirty="0"/>
               <a:t>Analyzing </a:t>
             </a:r>
             <a:r>
-              <a:rPr lang="en-US" dirty="0" err="1"/>
+              <a:rPr lang="en-US" sz="3600" dirty="0" err="1"/>
               <a:t>CoS</a:t>
             </a:r>
             <a:r>
-              <a:rPr lang="en-US" dirty="0"/>
+              <a:rPr lang="en-US" sz="3600" dirty="0"/>
               <a:t> to get testable behaviors</a:t>
             </a:r>
           </a:p>
@@ -11494,12 +11533,12 @@
         </p:spPr>
         <p:txBody>
           <a:bodyPr>
-            <a:normAutofit fontScale="90000"/>
+            <a:normAutofit/>
           </a:bodyPr>
           <a:lstStyle/>
           <a:p>
             <a:r>
-              <a:rPr lang="en-US" dirty="0"/>
+              <a:rPr lang="en-US" sz="3600" dirty="0"/>
               <a:t>To run the tests, we'll need to design the data in a little more detail</a:t>
             </a:r>
           </a:p>
@@ -11520,7 +11559,7 @@
         <p:spPr>
           <a:xfrm>
             <a:off x="372034" y="1679425"/>
-            <a:ext cx="11819966" cy="3935052"/>
+            <a:ext cx="11819966" cy="3726341"/>
           </a:xfrm>
           <a:prstGeom prst="rect">
             <a:avLst/>
@@ -12611,27 +12650,14 @@
                 <a:spcPct val="110000"/>
               </a:lnSpc>
             </a:pPr>
-            <a:br>
-              <a:rPr lang="en-US" b="0" dirty="0">
-                <a:solidFill>
-                  <a:srgbClr val="3B3B3B"/>
-                </a:solidFill>
-                <a:effectLst/>
-                <a:latin typeface="Consolas" panose="020B0609020204030204" pitchFamily="49" charset="0"/>
-                <a:cs typeface="Consolas" panose="020B0609020204030204" pitchFamily="49" charset="0"/>
-              </a:rPr>
-            </a:br>
-            <a:r>
-              <a:rPr lang="en-US" b="0" dirty="0">
-                <a:solidFill>
-                  <a:srgbClr val="3B3B3B"/>
-                </a:solidFill>
-                <a:effectLst/>
-                <a:latin typeface="Consolas" panose="020B0609020204030204" pitchFamily="49" charset="0"/>
-                <a:cs typeface="Consolas" panose="020B0609020204030204" pitchFamily="49" charset="0"/>
-              </a:rPr>
-              <a:t>   </a:t>
-            </a:r>
+            <a:endParaRPr lang="en-US" sz="2400" b="0" dirty="0">
+              <a:solidFill>
+                <a:srgbClr val="3B3B3B"/>
+              </a:solidFill>
+              <a:effectLst/>
+              <a:latin typeface="Consolas" panose="020B0609020204030204" pitchFamily="49" charset="0"/>
+              <a:cs typeface="Consolas" panose="020B0609020204030204" pitchFamily="49" charset="0"/>
+            </a:endParaRPr>
           </a:p>
         </p:txBody>
       </p:sp>
@@ -12723,7 +12749,7 @@
     </p:spTree>
     <p:extLst>
       <p:ext uri="{BB962C8B-B14F-4D97-AF65-F5344CB8AC3E}">
-        <p14:creationId xmlns:p14="http://schemas.microsoft.com/office/powerpoint/2010/main" val="3937375901"/>
+        <p14:creationId xmlns:p14="http://schemas.microsoft.com/office/powerpoint/2010/main" val="2366229002"/>
       </p:ext>
     </p:extLst>
   </p:cSld>
@@ -12814,18 +12840,20 @@
           </a:xfrm>
         </p:spPr>
         <p:txBody>
-          <a:bodyPr/>
+          <a:bodyPr>
+            <a:normAutofit/>
+          </a:bodyPr>
           <a:lstStyle/>
           <a:p>
             <a:r>
-              <a:rPr lang="en-US" dirty="0"/>
-              <a:t>A tiny example of </a:t>
-            </a:r>
-            <a:r>
-              <a:rPr lang="en-US" dirty="0" err="1"/>
-              <a:t>vitest</a:t>
-            </a:r>
-            <a:endParaRPr lang="en-US" dirty="0"/>
+              <a:rPr lang="en-US" sz="3600" dirty="0"/>
+              <a:t>The tiniest introduction to </a:t>
+            </a:r>
+            <a:r>
+              <a:rPr lang="en-US" sz="3600" dirty="0" err="1"/>
+              <a:t>Vitest</a:t>
+            </a:r>
+            <a:endParaRPr lang="en-US" sz="3600" dirty="0"/>
           </a:p>
         </p:txBody>
       </p:sp>
@@ -14523,91 +14551,6 @@
           <a:p>
             <a:pPr algn="l"/>
             <a:endParaRPr lang="en-US" dirty="0">
-              <a:solidFill>
-                <a:schemeClr val="tx1"/>
-              </a:solidFill>
-            </a:endParaRPr>
-          </a:p>
-        </p:txBody>
-      </p:sp>
-      <p:sp>
-        <p:nvSpPr>
-          <p:cNvPr id="6" name="Rectangle: Rounded Corners 5">
-            <a:extLst>
-              <a:ext uri="{FF2B5EF4-FFF2-40B4-BE49-F238E27FC236}">
-                <a16:creationId xmlns:a16="http://schemas.microsoft.com/office/drawing/2014/main" id="{651A2A2D-7087-D2BE-8614-2BA8E7E41BCF}"/>
-              </a:ext>
-            </a:extLst>
-          </p:cNvPr>
-          <p:cNvSpPr/>
-          <p:nvPr/>
-        </p:nvSpPr>
-        <p:spPr>
-          <a:xfrm>
-            <a:off x="7991061" y="323608"/>
-            <a:ext cx="3485322" cy="768626"/>
-          </a:xfrm>
-          <a:prstGeom prst="roundRect">
-            <a:avLst/>
-          </a:prstGeom>
-          <a:solidFill>
-            <a:schemeClr val="accent6">
-              <a:lumMod val="20000"/>
-              <a:lumOff val="80000"/>
-            </a:schemeClr>
-          </a:solidFill>
-          <a:ln>
-            <a:solidFill>
-              <a:srgbClr val="0070C0"/>
-            </a:solidFill>
-          </a:ln>
-        </p:spPr>
-        <p:style>
-          <a:lnRef idx="2">
-            <a:schemeClr val="accent1">
-              <a:shade val="50000"/>
-            </a:schemeClr>
-          </a:lnRef>
-          <a:fillRef idx="1">
-            <a:schemeClr val="accent1"/>
-          </a:fillRef>
-          <a:effectRef idx="0">
-            <a:schemeClr val="accent1"/>
-          </a:effectRef>
-          <a:fontRef idx="minor">
-            <a:schemeClr val="lt1"/>
-          </a:fontRef>
-        </p:style>
-        <p:txBody>
-          <a:bodyPr rtlCol="0" anchor="ctr"/>
-          <a:lstStyle/>
-          <a:p>
-            <a:pPr algn="ctr"/>
-            <a:r>
-              <a:rPr lang="en-US" sz="2400" dirty="0" err="1">
-                <a:solidFill>
-                  <a:schemeClr val="tx1"/>
-                </a:solidFill>
-              </a:rPr>
-              <a:t>src</a:t>
-            </a:r>
-            <a:r>
-              <a:rPr lang="en-US" sz="2400" dirty="0">
-                <a:solidFill>
-                  <a:schemeClr val="tx1"/>
-                </a:solidFill>
-              </a:rPr>
-              <a:t>/</a:t>
-            </a:r>
-            <a:r>
-              <a:rPr lang="en-US" sz="2400" dirty="0" err="1">
-                <a:solidFill>
-                  <a:schemeClr val="tx1"/>
-                </a:solidFill>
-              </a:rPr>
-              <a:t>types.spec.ts</a:t>
-            </a:r>
-            <a:endParaRPr lang="en-US" sz="2400" dirty="0">
               <a:solidFill>
                 <a:schemeClr val="tx1"/>
               </a:solidFill>
@@ -16083,7 +16026,7 @@
     </p:spTree>
     <p:extLst>
       <p:ext uri="{BB962C8B-B14F-4D97-AF65-F5344CB8AC3E}">
-        <p14:creationId xmlns:p14="http://schemas.microsoft.com/office/powerpoint/2010/main" val="128134724"/>
+        <p14:creationId xmlns:p14="http://schemas.microsoft.com/office/powerpoint/2010/main" val="2390055607"/>
       </p:ext>
     </p:extLst>
   </p:cSld>
@@ -16174,11 +16117,13 @@
           </a:xfrm>
         </p:spPr>
         <p:txBody>
-          <a:bodyPr/>
+          <a:bodyPr>
+            <a:normAutofit/>
+          </a:bodyPr>
           <a:lstStyle/>
           <a:p>
             <a:r>
-              <a:rPr lang="en-US" dirty="0"/>
+              <a:rPr lang="en-US" sz="3600" dirty="0"/>
               <a:t>Now we can start writing tests</a:t>
             </a:r>
           </a:p>
@@ -17903,18 +17848,20 @@
           </a:xfrm>
         </p:spPr>
         <p:txBody>
-          <a:bodyPr/>
+          <a:bodyPr>
+            <a:normAutofit/>
+          </a:bodyPr>
           <a:lstStyle/>
           <a:p>
             <a:r>
-              <a:rPr lang="en-US" dirty="0"/>
-              <a:t>Most tests are in AAA form:</a:t>
+              <a:rPr lang="en-US" sz="3600" dirty="0"/>
+              <a:t>Most tests are written in AAA Pattern:</a:t>
             </a:r>
             <a:br>
-              <a:rPr lang="en-US" dirty="0"/>
+              <a:rPr lang="en-US" sz="3600" dirty="0"/>
             </a:br>
             <a:r>
-              <a:rPr lang="en-US" dirty="0"/>
+              <a:rPr lang="en-US" sz="3600" dirty="0"/>
               <a:t>Assemble/Act/Assess</a:t>
             </a:r>
           </a:p>
@@ -19611,7 +19558,13 @@
   <p:cSld>
     <p:spTree>
       <p:nvGrpSpPr>
-        <p:cNvPr id="1" name=""/>
+        <p:cNvPr id="1" name="">
+          <a:extLst>
+            <a:ext uri="{FF2B5EF4-FFF2-40B4-BE49-F238E27FC236}">
+              <a16:creationId xmlns:a16="http://schemas.microsoft.com/office/drawing/2014/main" id="{1D1ED3ED-EB28-C90D-F454-85BBD3F8B498}"/>
+            </a:ext>
+          </a:extLst>
+        </p:cNvPr>
         <p:cNvGrpSpPr/>
         <p:nvPr/>
       </p:nvGrpSpPr>
@@ -19625,10 +19578,80 @@
       </p:grpSpPr>
       <p:sp>
         <p:nvSpPr>
-          <p:cNvPr id="6" name="TextBox 5">
+          <p:cNvPr id="3" name="Slide Number Placeholder 2">
             <a:extLst>
               <a:ext uri="{FF2B5EF4-FFF2-40B4-BE49-F238E27FC236}">
-                <a16:creationId xmlns:a16="http://schemas.microsoft.com/office/drawing/2014/main" id="{2A600A8A-2D5E-81D5-CDA2-0F8D32C7F64C}"/>
+                <a16:creationId xmlns:a16="http://schemas.microsoft.com/office/drawing/2014/main" id="{B186BEA1-3FE5-822E-8442-D5BE3D693547}"/>
+              </a:ext>
+            </a:extLst>
+          </p:cNvPr>
+          <p:cNvSpPr>
+            <a:spLocks noGrp="1"/>
+          </p:cNvSpPr>
+          <p:nvPr>
+            <p:ph type="sldNum" sz="quarter" idx="12"/>
+          </p:nvPr>
+        </p:nvSpPr>
+        <p:spPr>
+          <a:xfrm>
+            <a:off x="8610600" y="6356350"/>
+            <a:ext cx="2743200" cy="365125"/>
+          </a:xfrm>
+        </p:spPr>
+        <p:txBody>
+          <a:bodyPr/>
+          <a:lstStyle/>
+          <a:p>
+            <a:fld id="{20F37917-FD3A-4669-9018-DA04BCDD3D75}" type="slidenum">
+              <a:rPr lang="en-US" smtClean="0"/>
+              <a:pPr/>
+              <a:t>20</a:t>
+            </a:fld>
+            <a:endParaRPr lang="en-US"/>
+          </a:p>
+        </p:txBody>
+      </p:sp>
+      <p:sp>
+        <p:nvSpPr>
+          <p:cNvPr id="2" name="Title 1">
+            <a:extLst>
+              <a:ext uri="{FF2B5EF4-FFF2-40B4-BE49-F238E27FC236}">
+                <a16:creationId xmlns:a16="http://schemas.microsoft.com/office/drawing/2014/main" id="{28BAB9EE-A165-8787-43BA-A5D4F5AAA894}"/>
+              </a:ext>
+            </a:extLst>
+          </p:cNvPr>
+          <p:cNvSpPr>
+            <a:spLocks noGrp="1"/>
+          </p:cNvSpPr>
+          <p:nvPr>
+            <p:ph type="title"/>
+          </p:nvPr>
+        </p:nvSpPr>
+        <p:spPr>
+          <a:xfrm>
+            <a:off x="838200" y="18255"/>
+            <a:ext cx="10515600" cy="1325563"/>
+          </a:xfrm>
+        </p:spPr>
+        <p:txBody>
+          <a:bodyPr>
+            <a:normAutofit/>
+          </a:bodyPr>
+          <a:lstStyle/>
+          <a:p>
+            <a:r>
+              <a:rPr lang="en-US" sz="3600" dirty="0"/>
+              <a:t>Turn each testable behavior into one or more tests</a:t>
+            </a:r>
+          </a:p>
+        </p:txBody>
+      </p:sp>
+      <p:sp>
+        <p:nvSpPr>
+          <p:cNvPr id="4" name="TextBox 3">
+            <a:extLst>
+              <a:ext uri="{FF2B5EF4-FFF2-40B4-BE49-F238E27FC236}">
+                <a16:creationId xmlns:a16="http://schemas.microsoft.com/office/drawing/2014/main" id="{F610B0FB-ADBF-4939-C2F7-A320A490E1F4}"/>
               </a:ext>
             </a:extLst>
           </p:cNvPr>
@@ -19637,8 +19660,8 @@
         </p:nvSpPr>
         <p:spPr>
           <a:xfrm>
-            <a:off x="896811" y="1631794"/>
-            <a:ext cx="11134322" cy="4708981"/>
+            <a:off x="744069" y="1555036"/>
+            <a:ext cx="10308244" cy="4913076"/>
           </a:xfrm>
           <a:prstGeom prst="rect">
             <a:avLst/>
@@ -19673,1846 +19696,1070 @@
           </a:bodyPr>
           <a:lstStyle/>
           <a:p>
-            <a:pPr marL="0" marR="0" lvl="0" indent="0" algn="l" defTabSz="914400" rtl="0" eaLnBrk="1" fontAlgn="auto" latinLnBrk="0" hangingPunct="1">
+            <a:pPr>
               <a:lnSpc>
-                <a:spcPct val="100000"/>
+                <a:spcPct val="110000"/>
               </a:lnSpc>
-              <a:spcBef>
-                <a:spcPts val="0"/>
-              </a:spcBef>
-              <a:spcAft>
-                <a:spcPts val="0"/>
-              </a:spcAft>
-              <a:buClrTx/>
-              <a:buSzTx/>
-              <a:buFontTx/>
               <a:buNone/>
-              <a:tabLst/>
-              <a:defRPr/>
             </a:pPr>
             <a:r>
-              <a:rPr kumimoji="0" lang="en-US" sz="2400" b="0" i="0" u="none" strike="noStrike" kern="1200" cap="none" spc="0" normalizeH="0" baseline="0" noProof="0" dirty="0">
-                <a:ln>
-                  <a:noFill/>
-                </a:ln>
+              <a:rPr lang="en-US" sz="2200" b="0" dirty="0">
                 <a:solidFill>
                   <a:srgbClr val="795E26"/>
                 </a:solidFill>
                 <a:effectLst/>
-                <a:uLnTx/>
-                <a:uFillTx/>
-                <a:latin typeface="Consolas" panose="020B0609020204030204" pitchFamily="49" charset="0"/>
-                <a:ea typeface="+mn-ea"/>
-                <a:cs typeface="+mn-cs"/>
-              </a:rPr>
-              <a:t>test</a:t>
-            </a:r>
-            <a:r>
-              <a:rPr kumimoji="0" lang="en-US" sz="2400" b="0" i="0" u="none" strike="noStrike" kern="1200" cap="none" spc="0" normalizeH="0" baseline="0" noProof="0" dirty="0">
-                <a:ln>
-                  <a:noFill/>
-                </a:ln>
-                <a:solidFill>
-                  <a:srgbClr val="000000"/>
-                </a:solidFill>
-                <a:effectLst/>
-                <a:uLnTx/>
-                <a:uFillTx/>
-                <a:latin typeface="Consolas" panose="020B0609020204030204" pitchFamily="49" charset="0"/>
-                <a:ea typeface="+mn-ea"/>
-                <a:cs typeface="+mn-cs"/>
+                <a:latin typeface="Consolas" panose="020B0609020204030204" pitchFamily="49" charset="0"/>
+                <a:cs typeface="Consolas" panose="020B0609020204030204" pitchFamily="49" charset="0"/>
+              </a:rPr>
+              <a:t>describe</a:t>
+            </a:r>
+            <a:r>
+              <a:rPr lang="en-US" sz="2200" b="0" dirty="0">
+                <a:solidFill>
+                  <a:srgbClr val="3B3B3B"/>
+                </a:solidFill>
+                <a:effectLst/>
+                <a:latin typeface="Consolas" panose="020B0609020204030204" pitchFamily="49" charset="0"/>
+                <a:cs typeface="Consolas" panose="020B0609020204030204" pitchFamily="49" charset="0"/>
               </a:rPr>
               <a:t>(</a:t>
             </a:r>
             <a:r>
-              <a:rPr kumimoji="0" lang="en-US" sz="2400" b="0" i="0" u="none" strike="noStrike" kern="1200" cap="none" spc="0" normalizeH="0" baseline="0" noProof="0" dirty="0">
-                <a:ln>
-                  <a:noFill/>
-                </a:ln>
+              <a:rPr lang="en-US" sz="2200" b="0" dirty="0">
                 <a:solidFill>
                   <a:srgbClr val="A31515"/>
                 </a:solidFill>
                 <a:effectLst/>
-                <a:uLnTx/>
-                <a:uFillTx/>
-                <a:latin typeface="Consolas" panose="020B0609020204030204" pitchFamily="49" charset="0"/>
-                <a:ea typeface="+mn-ea"/>
-                <a:cs typeface="+mn-cs"/>
+                <a:latin typeface="Consolas" panose="020B0609020204030204" pitchFamily="49" charset="0"/>
+                <a:cs typeface="Consolas" panose="020B0609020204030204" pitchFamily="49" charset="0"/>
               </a:rPr>
               <a:t>'</a:t>
             </a:r>
             <a:r>
-              <a:rPr kumimoji="0" lang="en-US" sz="2400" b="0" i="0" u="none" strike="noStrike" kern="1200" cap="none" spc="0" normalizeH="0" baseline="0" noProof="0" dirty="0" err="1">
-                <a:ln>
-                  <a:noFill/>
-                </a:ln>
+              <a:rPr lang="en-US" sz="2200" b="0" dirty="0" err="1">
                 <a:solidFill>
                   <a:srgbClr val="A31515"/>
                 </a:solidFill>
                 <a:effectLst/>
-                <a:uLnTx/>
-                <a:uFillTx/>
-                <a:latin typeface="Consolas" panose="020B0609020204030204" pitchFamily="49" charset="0"/>
-                <a:ea typeface="+mn-ea"/>
-                <a:cs typeface="+mn-cs"/>
+                <a:latin typeface="Consolas" panose="020B0609020204030204" pitchFamily="49" charset="0"/>
+                <a:cs typeface="Consolas" panose="020B0609020204030204" pitchFamily="49" charset="0"/>
               </a:rPr>
               <a:t>addStudent</a:t>
             </a:r>
             <a:r>
-              <a:rPr kumimoji="0" lang="en-US" sz="2400" b="0" i="0" u="none" strike="noStrike" kern="1200" cap="none" spc="0" normalizeH="0" baseline="0" noProof="0" dirty="0">
-                <a:ln>
-                  <a:noFill/>
-                </a:ln>
+              <a:rPr lang="en-US" sz="2200" b="0" dirty="0">
                 <a:solidFill>
                   <a:srgbClr val="A31515"/>
                 </a:solidFill>
                 <a:effectLst/>
-                <a:uLnTx/>
-                <a:uFillTx/>
-                <a:latin typeface="Consolas" panose="020B0609020204030204" pitchFamily="49" charset="0"/>
-                <a:ea typeface="+mn-ea"/>
-                <a:cs typeface="+mn-cs"/>
-              </a:rPr>
-              <a:t> should return a unique ID for the new student'</a:t>
-            </a:r>
-            <a:r>
-              <a:rPr kumimoji="0" lang="en-US" sz="2400" b="0" i="0" u="none" strike="noStrike" kern="1200" cap="none" spc="0" normalizeH="0" baseline="0" noProof="0" dirty="0">
-                <a:ln>
-                  <a:noFill/>
-                </a:ln>
-                <a:solidFill>
-                  <a:srgbClr val="000000"/>
-                </a:solidFill>
-                <a:effectLst/>
-                <a:uLnTx/>
-                <a:uFillTx/>
-                <a:latin typeface="Consolas" panose="020B0609020204030204" pitchFamily="49" charset="0"/>
-                <a:ea typeface="+mn-ea"/>
-                <a:cs typeface="+mn-cs"/>
-              </a:rPr>
-              <a:t>,</a:t>
-            </a:r>
-          </a:p>
-          <a:p>
-            <a:pPr marL="0" marR="0" lvl="0" indent="0" algn="l" defTabSz="914400" rtl="0" eaLnBrk="1" fontAlgn="auto" latinLnBrk="0" hangingPunct="1">
+                <a:latin typeface="Consolas" panose="020B0609020204030204" pitchFamily="49" charset="0"/>
+                <a:cs typeface="Consolas" panose="020B0609020204030204" pitchFamily="49" charset="0"/>
+              </a:rPr>
+              <a:t>'</a:t>
+            </a:r>
+            <a:r>
+              <a:rPr lang="en-US" sz="2200" b="0" dirty="0">
+                <a:solidFill>
+                  <a:srgbClr val="3B3B3B"/>
+                </a:solidFill>
+                <a:effectLst/>
+                <a:latin typeface="Consolas" panose="020B0609020204030204" pitchFamily="49" charset="0"/>
+                <a:cs typeface="Consolas" panose="020B0609020204030204" pitchFamily="49" charset="0"/>
+              </a:rPr>
+              <a:t>, () </a:t>
+            </a:r>
+            <a:r>
+              <a:rPr lang="en-US" sz="2200" b="0" dirty="0">
+                <a:solidFill>
+                  <a:srgbClr val="0000FF"/>
+                </a:solidFill>
+                <a:effectLst/>
+                <a:latin typeface="Consolas" panose="020B0609020204030204" pitchFamily="49" charset="0"/>
+                <a:cs typeface="Consolas" panose="020B0609020204030204" pitchFamily="49" charset="0"/>
+              </a:rPr>
+              <a:t>=&gt;</a:t>
+            </a:r>
+            <a:r>
+              <a:rPr lang="en-US" sz="2200" b="0" dirty="0">
+                <a:solidFill>
+                  <a:srgbClr val="3B3B3B"/>
+                </a:solidFill>
+                <a:effectLst/>
+                <a:latin typeface="Consolas" panose="020B0609020204030204" pitchFamily="49" charset="0"/>
+                <a:cs typeface="Consolas" panose="020B0609020204030204" pitchFamily="49" charset="0"/>
+              </a:rPr>
+              <a:t> {</a:t>
+            </a:r>
+          </a:p>
+          <a:p>
+            <a:pPr>
               <a:lnSpc>
-                <a:spcPct val="100000"/>
+                <a:spcPct val="110000"/>
               </a:lnSpc>
-              <a:spcBef>
-                <a:spcPts val="0"/>
-              </a:spcBef>
-              <a:spcAft>
-                <a:spcPts val="0"/>
-              </a:spcAft>
-              <a:buClrTx/>
-              <a:buSzTx/>
-              <a:buFontTx/>
-              <a:buNone/>
-              <a:tabLst/>
-              <a:defRPr/>
             </a:pPr>
             <a:r>
-              <a:rPr kumimoji="0" lang="en-US" sz="2400" b="0" i="0" u="none" strike="noStrike" kern="1200" cap="none" spc="0" normalizeH="0" baseline="0" noProof="0" dirty="0">
-                <a:ln>
-                  <a:noFill/>
-                </a:ln>
-                <a:solidFill>
-                  <a:srgbClr val="000000"/>
-                </a:solidFill>
-                <a:effectLst/>
-                <a:uLnTx/>
-                <a:uFillTx/>
-                <a:latin typeface="Consolas" panose="020B0609020204030204" pitchFamily="49" charset="0"/>
-                <a:ea typeface="+mn-ea"/>
-                <a:cs typeface="+mn-cs"/>
-              </a:rPr>
-              <a:t>    () </a:t>
-            </a:r>
-            <a:r>
-              <a:rPr kumimoji="0" lang="en-US" sz="2400" b="0" i="0" u="none" strike="noStrike" kern="1200" cap="none" spc="0" normalizeH="0" baseline="0" noProof="0" dirty="0">
-                <a:ln>
-                  <a:noFill/>
-                </a:ln>
+              <a:rPr lang="en-US" sz="2200" b="0" dirty="0">
+                <a:solidFill>
+                  <a:srgbClr val="795E26"/>
+                </a:solidFill>
+                <a:effectLst/>
+                <a:latin typeface="Consolas" panose="020B0609020204030204" pitchFamily="49" charset="0"/>
+                <a:cs typeface="Consolas" panose="020B0609020204030204" pitchFamily="49" charset="0"/>
+              </a:rPr>
+              <a:t>  it</a:t>
+            </a:r>
+            <a:r>
+              <a:rPr lang="en-US" sz="2200" b="0" dirty="0">
+                <a:solidFill>
+                  <a:srgbClr val="3B3B3B"/>
+                </a:solidFill>
+                <a:effectLst/>
+                <a:latin typeface="Consolas" panose="020B0609020204030204" pitchFamily="49" charset="0"/>
+                <a:cs typeface="Consolas" panose="020B0609020204030204" pitchFamily="49" charset="0"/>
+              </a:rPr>
+              <a:t>(</a:t>
+            </a:r>
+            <a:r>
+              <a:rPr lang="en-US" sz="2200" b="0" dirty="0">
+                <a:solidFill>
+                  <a:srgbClr val="A31515"/>
+                </a:solidFill>
+                <a:effectLst/>
+                <a:latin typeface="Consolas" panose="020B0609020204030204" pitchFamily="49" charset="0"/>
+                <a:cs typeface="Consolas" panose="020B0609020204030204" pitchFamily="49" charset="0"/>
+              </a:rPr>
+              <a:t>‘should return an ID distinct from any ID in the database'</a:t>
+            </a:r>
+            <a:r>
+              <a:rPr lang="en-US" sz="2200" b="0" dirty="0">
+                <a:solidFill>
+                  <a:srgbClr val="3B3B3B"/>
+                </a:solidFill>
+                <a:effectLst/>
+                <a:latin typeface="Consolas" panose="020B0609020204030204" pitchFamily="49" charset="0"/>
+                <a:cs typeface="Consolas" panose="020B0609020204030204" pitchFamily="49" charset="0"/>
+              </a:rPr>
+              <a:t>, () </a:t>
+            </a:r>
+            <a:r>
+              <a:rPr lang="en-US" sz="2200" b="0" dirty="0">
                 <a:solidFill>
                   <a:srgbClr val="0000FF"/>
                 </a:solidFill>
                 <a:effectLst/>
-                <a:uLnTx/>
-                <a:uFillTx/>
-                <a:latin typeface="Consolas" panose="020B0609020204030204" pitchFamily="49" charset="0"/>
-                <a:ea typeface="+mn-ea"/>
-                <a:cs typeface="+mn-cs"/>
+                <a:latin typeface="Consolas" panose="020B0609020204030204" pitchFamily="49" charset="0"/>
+                <a:cs typeface="Consolas" panose="020B0609020204030204" pitchFamily="49" charset="0"/>
               </a:rPr>
               <a:t>=&gt;</a:t>
             </a:r>
             <a:r>
-              <a:rPr kumimoji="0" lang="en-US" sz="2400" b="0" i="0" u="none" strike="noStrike" kern="1200" cap="none" spc="0" normalizeH="0" baseline="0" noProof="0" dirty="0">
-                <a:ln>
-                  <a:noFill/>
-                </a:ln>
-                <a:solidFill>
-                  <a:srgbClr val="000000"/>
-                </a:solidFill>
-                <a:effectLst/>
-                <a:uLnTx/>
-                <a:uFillTx/>
-                <a:latin typeface="Consolas" panose="020B0609020204030204" pitchFamily="49" charset="0"/>
-                <a:ea typeface="+mn-ea"/>
-                <a:cs typeface="+mn-cs"/>
+              <a:rPr lang="en-US" sz="2200" b="0" dirty="0">
+                <a:solidFill>
+                  <a:srgbClr val="3B3B3B"/>
+                </a:solidFill>
+                <a:effectLst/>
+                <a:latin typeface="Consolas" panose="020B0609020204030204" pitchFamily="49" charset="0"/>
+                <a:cs typeface="Consolas" panose="020B0609020204030204" pitchFamily="49" charset="0"/>
               </a:rPr>
               <a:t> {</a:t>
             </a:r>
-          </a:p>
-          <a:p>
-            <a:pPr marL="0" marR="0" lvl="0" indent="0" algn="l" defTabSz="914400" rtl="0" eaLnBrk="1" fontAlgn="auto" latinLnBrk="0" hangingPunct="1">
-              <a:lnSpc>
-                <a:spcPct val="100000"/>
-              </a:lnSpc>
-              <a:spcBef>
-                <a:spcPts val="0"/>
-              </a:spcBef>
-              <a:spcAft>
-                <a:spcPts val="0"/>
-              </a:spcAft>
-              <a:buClrTx/>
-              <a:buSzTx/>
-              <a:buFontTx/>
-              <a:buNone/>
-              <a:tabLst/>
-              <a:defRPr/>
-            </a:pPr>
-            <a:r>
-              <a:rPr kumimoji="0" lang="en-US" sz="2400" b="0" i="0" u="none" strike="noStrike" kern="1200" cap="none" spc="0" normalizeH="0" baseline="0" noProof="0" dirty="0">
-                <a:ln>
-                  <a:noFill/>
-                </a:ln>
-                <a:solidFill>
-                  <a:srgbClr val="000000"/>
-                </a:solidFill>
-                <a:effectLst/>
-                <a:uLnTx/>
-                <a:uFillTx/>
-                <a:latin typeface="Consolas" panose="020B0609020204030204" pitchFamily="49" charset="0"/>
-                <a:ea typeface="+mn-ea"/>
-                <a:cs typeface="+mn-cs"/>
-              </a:rPr>
-              <a:t>      </a:t>
-            </a:r>
-            <a:r>
-              <a:rPr kumimoji="0" lang="en-US" sz="2400" b="0" i="0" u="none" strike="noStrike" kern="1200" cap="none" spc="0" normalizeH="0" baseline="0" noProof="0" dirty="0">
-                <a:ln>
-                  <a:noFill/>
-                </a:ln>
-                <a:solidFill>
-                  <a:srgbClr val="008000"/>
-                </a:solidFill>
-                <a:effectLst/>
-                <a:uLnTx/>
-                <a:uFillTx/>
-                <a:latin typeface="Consolas" panose="020B0609020204030204" pitchFamily="49" charset="0"/>
-                <a:ea typeface="+mn-ea"/>
-                <a:cs typeface="+mn-cs"/>
-              </a:rPr>
-              <a:t>// we'll add 3 students and check to see that their IDs</a:t>
-            </a:r>
-            <a:endParaRPr kumimoji="0" lang="en-US" sz="2400" b="0" i="0" u="none" strike="noStrike" kern="1200" cap="none" spc="0" normalizeH="0" baseline="0" noProof="0" dirty="0">
-              <a:ln>
-                <a:noFill/>
-              </a:ln>
+            <a:endParaRPr lang="en-US" sz="2200" b="0" dirty="0">
               <a:solidFill>
-                <a:srgbClr val="000000"/>
+                <a:srgbClr val="795E26"/>
               </a:solidFill>
               <a:effectLst/>
-              <a:uLnTx/>
-              <a:uFillTx/>
               <a:latin typeface="Consolas" panose="020B0609020204030204" pitchFamily="49" charset="0"/>
-              <a:ea typeface="+mn-ea"/>
-              <a:cs typeface="+mn-cs"/>
+              <a:cs typeface="Consolas" panose="020B0609020204030204" pitchFamily="49" charset="0"/>
             </a:endParaRPr>
           </a:p>
           <a:p>
-            <a:pPr marL="0" marR="0" lvl="0" indent="0" algn="l" defTabSz="914400" rtl="0" eaLnBrk="1" fontAlgn="auto" latinLnBrk="0" hangingPunct="1">
+            <a:pPr>
               <a:lnSpc>
-                <a:spcPct val="100000"/>
+                <a:spcPct val="110000"/>
               </a:lnSpc>
-              <a:spcBef>
-                <a:spcPts val="0"/>
-              </a:spcBef>
-              <a:spcAft>
-                <a:spcPts val="0"/>
-              </a:spcAft>
-              <a:buClrTx/>
-              <a:buSzTx/>
-              <a:buFontTx/>
               <a:buNone/>
-              <a:tabLst/>
-              <a:defRPr/>
             </a:pPr>
             <a:r>
-              <a:rPr kumimoji="0" lang="en-US" sz="2400" b="0" i="0" u="none" strike="noStrike" kern="1200" cap="none" spc="0" normalizeH="0" baseline="0" noProof="0" dirty="0">
-                <a:ln>
-                  <a:noFill/>
-                </a:ln>
-                <a:solidFill>
-                  <a:srgbClr val="000000"/>
-                </a:solidFill>
-                <a:effectLst/>
-                <a:uLnTx/>
-                <a:uFillTx/>
-                <a:latin typeface="Consolas" panose="020B0609020204030204" pitchFamily="49" charset="0"/>
-                <a:ea typeface="+mn-ea"/>
-                <a:cs typeface="+mn-cs"/>
-              </a:rPr>
-              <a:t>      </a:t>
-            </a:r>
-            <a:r>
-              <a:rPr kumimoji="0" lang="en-US" sz="2400" b="0" i="0" u="none" strike="noStrike" kern="1200" cap="none" spc="0" normalizeH="0" baseline="0" noProof="0" dirty="0">
-                <a:ln>
-                  <a:noFill/>
-                </a:ln>
+              <a:rPr lang="en-US" sz="2200" b="0" dirty="0">
                 <a:solidFill>
                   <a:srgbClr val="008000"/>
                 </a:solidFill>
                 <a:effectLst/>
-                <a:uLnTx/>
-                <a:uFillTx/>
-                <a:latin typeface="Consolas" panose="020B0609020204030204" pitchFamily="49" charset="0"/>
-                <a:ea typeface="+mn-ea"/>
-                <a:cs typeface="+mn-cs"/>
-              </a:rPr>
-              <a:t>// are all different.</a:t>
-            </a:r>
-            <a:endParaRPr kumimoji="0" lang="en-US" sz="2400" b="0" i="0" u="none" strike="noStrike" kern="1200" cap="none" spc="0" normalizeH="0" baseline="0" noProof="0" dirty="0">
-              <a:ln>
-                <a:noFill/>
-              </a:ln>
+                <a:latin typeface="Consolas" panose="020B0609020204030204" pitchFamily="49" charset="0"/>
+                <a:cs typeface="Consolas" panose="020B0609020204030204" pitchFamily="49" charset="0"/>
+              </a:rPr>
+              <a:t>    // we'll add 3 students and check to see that their IDs are all different.</a:t>
+            </a:r>
+            <a:endParaRPr lang="en-US" sz="2200" b="0" dirty="0">
               <a:solidFill>
-                <a:srgbClr val="000000"/>
+                <a:srgbClr val="3B3B3B"/>
               </a:solidFill>
               <a:effectLst/>
-              <a:uLnTx/>
-              <a:uFillTx/>
               <a:latin typeface="Consolas" panose="020B0609020204030204" pitchFamily="49" charset="0"/>
-              <a:ea typeface="+mn-ea"/>
-              <a:cs typeface="+mn-cs"/>
+              <a:cs typeface="Consolas" panose="020B0609020204030204" pitchFamily="49" charset="0"/>
             </a:endParaRPr>
           </a:p>
           <a:p>
-            <a:pPr marL="0" marR="0" lvl="0" indent="0" algn="l" defTabSz="914400" rtl="0" eaLnBrk="1" fontAlgn="auto" latinLnBrk="0" hangingPunct="1">
+            <a:pPr>
               <a:lnSpc>
-                <a:spcPct val="100000"/>
+                <a:spcPct val="110000"/>
               </a:lnSpc>
-              <a:spcBef>
-                <a:spcPts val="0"/>
-              </a:spcBef>
-              <a:spcAft>
-                <a:spcPts val="0"/>
-              </a:spcAft>
-              <a:buClrTx/>
-              <a:buSzTx/>
-              <a:buFontTx/>
               <a:buNone/>
-              <a:tabLst/>
-              <a:defRPr/>
             </a:pPr>
             <a:r>
-              <a:rPr kumimoji="0" lang="en-US" sz="2400" b="0" i="0" u="none" strike="noStrike" kern="1200" cap="none" spc="0" normalizeH="0" baseline="0" noProof="0" dirty="0">
-                <a:ln>
-                  <a:noFill/>
-                </a:ln>
+              <a:rPr lang="en-US" sz="2200" b="0" dirty="0">
+                <a:solidFill>
+                  <a:srgbClr val="0000FF"/>
+                </a:solidFill>
+                <a:effectLst/>
+                <a:latin typeface="Consolas" panose="020B0609020204030204" pitchFamily="49" charset="0"/>
+                <a:cs typeface="Consolas" panose="020B0609020204030204" pitchFamily="49" charset="0"/>
+              </a:rPr>
+              <a:t>    const</a:t>
+            </a:r>
+            <a:r>
+              <a:rPr lang="en-US" sz="2200" b="0" dirty="0">
+                <a:solidFill>
+                  <a:srgbClr val="3B3B3B"/>
+                </a:solidFill>
+                <a:effectLst/>
+                <a:latin typeface="Consolas" panose="020B0609020204030204" pitchFamily="49" charset="0"/>
+                <a:cs typeface="Consolas" panose="020B0609020204030204" pitchFamily="49" charset="0"/>
+              </a:rPr>
+              <a:t> </a:t>
+            </a:r>
+            <a:r>
+              <a:rPr lang="en-US" sz="2200" b="0" dirty="0">
+                <a:solidFill>
+                  <a:srgbClr val="0070C1"/>
+                </a:solidFill>
+                <a:effectLst/>
+                <a:latin typeface="Consolas" panose="020B0609020204030204" pitchFamily="49" charset="0"/>
+                <a:cs typeface="Consolas" panose="020B0609020204030204" pitchFamily="49" charset="0"/>
+              </a:rPr>
+              <a:t>id1</a:t>
+            </a:r>
+            <a:r>
+              <a:rPr lang="en-US" sz="2200" b="0" dirty="0">
+                <a:solidFill>
+                  <a:srgbClr val="3B3B3B"/>
+                </a:solidFill>
+                <a:effectLst/>
+                <a:latin typeface="Consolas" panose="020B0609020204030204" pitchFamily="49" charset="0"/>
+                <a:cs typeface="Consolas" panose="020B0609020204030204" pitchFamily="49" charset="0"/>
+              </a:rPr>
+              <a:t> </a:t>
+            </a:r>
+            <a:r>
+              <a:rPr lang="en-US" sz="2200" b="0" dirty="0">
                 <a:solidFill>
                   <a:srgbClr val="000000"/>
                 </a:solidFill>
                 <a:effectLst/>
-                <a:uLnTx/>
-                <a:uFillTx/>
-                <a:latin typeface="Consolas" panose="020B0609020204030204" pitchFamily="49" charset="0"/>
-                <a:ea typeface="+mn-ea"/>
-                <a:cs typeface="+mn-cs"/>
-              </a:rPr>
-              <a:t>      </a:t>
-            </a:r>
-            <a:r>
-              <a:rPr kumimoji="0" lang="en-US" sz="2400" b="0" i="0" u="none" strike="noStrike" kern="1200" cap="none" spc="0" normalizeH="0" baseline="0" noProof="0" dirty="0">
-                <a:ln>
-                  <a:noFill/>
-                </a:ln>
+                <a:latin typeface="Consolas" panose="020B0609020204030204" pitchFamily="49" charset="0"/>
+                <a:cs typeface="Consolas" panose="020B0609020204030204" pitchFamily="49" charset="0"/>
+              </a:rPr>
+              <a:t>=</a:t>
+            </a:r>
+            <a:r>
+              <a:rPr lang="en-US" sz="2200" b="0" dirty="0">
+                <a:solidFill>
+                  <a:srgbClr val="3B3B3B"/>
+                </a:solidFill>
+                <a:effectLst/>
+                <a:latin typeface="Consolas" panose="020B0609020204030204" pitchFamily="49" charset="0"/>
+                <a:cs typeface="Consolas" panose="020B0609020204030204" pitchFamily="49" charset="0"/>
+              </a:rPr>
+              <a:t> </a:t>
+            </a:r>
+            <a:r>
+              <a:rPr lang="en-US" sz="2200" b="0" dirty="0" err="1">
+                <a:solidFill>
+                  <a:srgbClr val="001080"/>
+                </a:solidFill>
+                <a:effectLst/>
+                <a:latin typeface="Consolas" panose="020B0609020204030204" pitchFamily="49" charset="0"/>
+                <a:cs typeface="Consolas" panose="020B0609020204030204" pitchFamily="49" charset="0"/>
+              </a:rPr>
+              <a:t>db</a:t>
+            </a:r>
+            <a:r>
+              <a:rPr lang="en-US" sz="2200" b="0" dirty="0" err="1">
+                <a:solidFill>
+                  <a:srgbClr val="3B3B3B"/>
+                </a:solidFill>
+                <a:effectLst/>
+                <a:latin typeface="Consolas" panose="020B0609020204030204" pitchFamily="49" charset="0"/>
+                <a:cs typeface="Consolas" panose="020B0609020204030204" pitchFamily="49" charset="0"/>
+              </a:rPr>
+              <a:t>.</a:t>
+            </a:r>
+            <a:r>
+              <a:rPr lang="en-US" sz="2200" b="0" dirty="0" err="1">
+                <a:solidFill>
+                  <a:srgbClr val="795E26"/>
+                </a:solidFill>
+                <a:effectLst/>
+                <a:latin typeface="Consolas" panose="020B0609020204030204" pitchFamily="49" charset="0"/>
+                <a:cs typeface="Consolas" panose="020B0609020204030204" pitchFamily="49" charset="0"/>
+              </a:rPr>
+              <a:t>addStudent</a:t>
+            </a:r>
+            <a:r>
+              <a:rPr lang="en-US" sz="2200" b="0" dirty="0">
+                <a:solidFill>
+                  <a:srgbClr val="3B3B3B"/>
+                </a:solidFill>
+                <a:effectLst/>
+                <a:latin typeface="Consolas" panose="020B0609020204030204" pitchFamily="49" charset="0"/>
+                <a:cs typeface="Consolas" panose="020B0609020204030204" pitchFamily="49" charset="0"/>
+              </a:rPr>
+              <a:t>(</a:t>
+            </a:r>
+            <a:r>
+              <a:rPr lang="en-US" sz="2200" b="0" dirty="0">
+                <a:solidFill>
+                  <a:srgbClr val="A31515"/>
+                </a:solidFill>
+                <a:effectLst/>
+                <a:latin typeface="Consolas" panose="020B0609020204030204" pitchFamily="49" charset="0"/>
+                <a:cs typeface="Consolas" panose="020B0609020204030204" pitchFamily="49" charset="0"/>
+              </a:rPr>
+              <a:t>'</a:t>
+            </a:r>
+            <a:r>
+              <a:rPr lang="en-US" sz="2200" b="0" dirty="0" err="1">
+                <a:solidFill>
+                  <a:srgbClr val="A31515"/>
+                </a:solidFill>
+                <a:effectLst/>
+                <a:latin typeface="Consolas" panose="020B0609020204030204" pitchFamily="49" charset="0"/>
+                <a:cs typeface="Consolas" panose="020B0609020204030204" pitchFamily="49" charset="0"/>
+              </a:rPr>
+              <a:t>blair</a:t>
+            </a:r>
+            <a:r>
+              <a:rPr lang="en-US" sz="2200" b="0" dirty="0">
+                <a:solidFill>
+                  <a:srgbClr val="A31515"/>
+                </a:solidFill>
+                <a:effectLst/>
+                <a:latin typeface="Consolas" panose="020B0609020204030204" pitchFamily="49" charset="0"/>
+                <a:cs typeface="Consolas" panose="020B0609020204030204" pitchFamily="49" charset="0"/>
+              </a:rPr>
+              <a:t>’</a:t>
+            </a:r>
+            <a:r>
+              <a:rPr lang="en-US" sz="2200" b="0" dirty="0">
+                <a:solidFill>
+                  <a:srgbClr val="3B3B3B"/>
+                </a:solidFill>
+                <a:effectLst/>
+                <a:latin typeface="Consolas" panose="020B0609020204030204" pitchFamily="49" charset="0"/>
+                <a:cs typeface="Consolas" panose="020B0609020204030204" pitchFamily="49" charset="0"/>
+              </a:rPr>
+              <a:t>);</a:t>
+            </a:r>
+          </a:p>
+          <a:p>
+            <a:pPr>
+              <a:lnSpc>
+                <a:spcPct val="110000"/>
+              </a:lnSpc>
+              <a:buNone/>
+            </a:pPr>
+            <a:r>
+              <a:rPr lang="en-US" sz="2200" b="0" dirty="0">
                 <a:solidFill>
                   <a:srgbClr val="0000FF"/>
                 </a:solidFill>
                 <a:effectLst/>
-                <a:uLnTx/>
-                <a:uFillTx/>
-                <a:latin typeface="Consolas" panose="020B0609020204030204" pitchFamily="49" charset="0"/>
-                <a:ea typeface="+mn-ea"/>
-                <a:cs typeface="+mn-cs"/>
-              </a:rPr>
-              <a:t>const</a:t>
-            </a:r>
-            <a:r>
-              <a:rPr kumimoji="0" lang="en-US" sz="2400" b="0" i="0" u="none" strike="noStrike" kern="1200" cap="none" spc="0" normalizeH="0" baseline="0" noProof="0" dirty="0">
-                <a:ln>
-                  <a:noFill/>
-                </a:ln>
+                <a:latin typeface="Consolas" panose="020B0609020204030204" pitchFamily="49" charset="0"/>
+                <a:cs typeface="Consolas" panose="020B0609020204030204" pitchFamily="49" charset="0"/>
+              </a:rPr>
+              <a:t>    const</a:t>
+            </a:r>
+            <a:r>
+              <a:rPr lang="en-US" sz="2200" b="0" dirty="0">
+                <a:solidFill>
+                  <a:srgbClr val="3B3B3B"/>
+                </a:solidFill>
+                <a:effectLst/>
+                <a:latin typeface="Consolas" panose="020B0609020204030204" pitchFamily="49" charset="0"/>
+                <a:cs typeface="Consolas" panose="020B0609020204030204" pitchFamily="49" charset="0"/>
+              </a:rPr>
+              <a:t> </a:t>
+            </a:r>
+            <a:r>
+              <a:rPr lang="en-US" sz="2200" b="0" dirty="0">
+                <a:solidFill>
+                  <a:srgbClr val="0070C1"/>
+                </a:solidFill>
+                <a:effectLst/>
+                <a:latin typeface="Consolas" panose="020B0609020204030204" pitchFamily="49" charset="0"/>
+                <a:cs typeface="Consolas" panose="020B0609020204030204" pitchFamily="49" charset="0"/>
+              </a:rPr>
+              <a:t>id2</a:t>
+            </a:r>
+            <a:r>
+              <a:rPr lang="en-US" sz="2200" b="0" dirty="0">
+                <a:solidFill>
+                  <a:srgbClr val="3B3B3B"/>
+                </a:solidFill>
+                <a:effectLst/>
+                <a:latin typeface="Consolas" panose="020B0609020204030204" pitchFamily="49" charset="0"/>
+                <a:cs typeface="Consolas" panose="020B0609020204030204" pitchFamily="49" charset="0"/>
+              </a:rPr>
+              <a:t> </a:t>
+            </a:r>
+            <a:r>
+              <a:rPr lang="en-US" sz="2200" b="0" dirty="0">
                 <a:solidFill>
                   <a:srgbClr val="000000"/>
                 </a:solidFill>
                 <a:effectLst/>
-                <a:uLnTx/>
-                <a:uFillTx/>
-                <a:latin typeface="Consolas" panose="020B0609020204030204" pitchFamily="49" charset="0"/>
-                <a:ea typeface="+mn-ea"/>
-                <a:cs typeface="+mn-cs"/>
+                <a:latin typeface="Consolas" panose="020B0609020204030204" pitchFamily="49" charset="0"/>
+                <a:cs typeface="Consolas" panose="020B0609020204030204" pitchFamily="49" charset="0"/>
+              </a:rPr>
+              <a:t>=</a:t>
+            </a:r>
+            <a:r>
+              <a:rPr lang="en-US" sz="2200" b="0" dirty="0">
+                <a:solidFill>
+                  <a:srgbClr val="3B3B3B"/>
+                </a:solidFill>
+                <a:effectLst/>
+                <a:latin typeface="Consolas" panose="020B0609020204030204" pitchFamily="49" charset="0"/>
+                <a:cs typeface="Consolas" panose="020B0609020204030204" pitchFamily="49" charset="0"/>
               </a:rPr>
               <a:t> </a:t>
             </a:r>
             <a:r>
-              <a:rPr kumimoji="0" lang="en-US" sz="2400" b="0" i="0" u="none" strike="noStrike" kern="1200" cap="none" spc="0" normalizeH="0" baseline="0" noProof="0" dirty="0">
-                <a:ln>
-                  <a:noFill/>
-                </a:ln>
+              <a:rPr lang="en-US" sz="2200" b="0" dirty="0" err="1">
+                <a:solidFill>
+                  <a:srgbClr val="001080"/>
+                </a:solidFill>
+                <a:effectLst/>
+                <a:latin typeface="Consolas" panose="020B0609020204030204" pitchFamily="49" charset="0"/>
+                <a:cs typeface="Consolas" panose="020B0609020204030204" pitchFamily="49" charset="0"/>
+              </a:rPr>
+              <a:t>db</a:t>
+            </a:r>
+            <a:r>
+              <a:rPr lang="en-US" sz="2200" b="0" dirty="0" err="1">
+                <a:solidFill>
+                  <a:srgbClr val="3B3B3B"/>
+                </a:solidFill>
+                <a:effectLst/>
+                <a:latin typeface="Consolas" panose="020B0609020204030204" pitchFamily="49" charset="0"/>
+                <a:cs typeface="Consolas" panose="020B0609020204030204" pitchFamily="49" charset="0"/>
+              </a:rPr>
+              <a:t>.</a:t>
+            </a:r>
+            <a:r>
+              <a:rPr lang="en-US" sz="2200" b="0" dirty="0" err="1">
+                <a:solidFill>
+                  <a:srgbClr val="795E26"/>
+                </a:solidFill>
+                <a:effectLst/>
+                <a:latin typeface="Consolas" panose="020B0609020204030204" pitchFamily="49" charset="0"/>
+                <a:cs typeface="Consolas" panose="020B0609020204030204" pitchFamily="49" charset="0"/>
+              </a:rPr>
+              <a:t>addStudent</a:t>
+            </a:r>
+            <a:r>
+              <a:rPr lang="en-US" sz="2200" b="0" dirty="0">
+                <a:solidFill>
+                  <a:srgbClr val="3B3B3B"/>
+                </a:solidFill>
+                <a:effectLst/>
+                <a:latin typeface="Consolas" panose="020B0609020204030204" pitchFamily="49" charset="0"/>
+                <a:cs typeface="Consolas" panose="020B0609020204030204" pitchFamily="49" charset="0"/>
+              </a:rPr>
+              <a:t>(</a:t>
+            </a:r>
+            <a:r>
+              <a:rPr lang="en-US" sz="2200" b="0" dirty="0">
+                <a:solidFill>
+                  <a:srgbClr val="A31515"/>
+                </a:solidFill>
+                <a:effectLst/>
+                <a:latin typeface="Consolas" panose="020B0609020204030204" pitchFamily="49" charset="0"/>
+                <a:cs typeface="Consolas" panose="020B0609020204030204" pitchFamily="49" charset="0"/>
+              </a:rPr>
+              <a:t>'</a:t>
+            </a:r>
+            <a:r>
+              <a:rPr lang="en-US" sz="2200" b="0" dirty="0" err="1">
+                <a:solidFill>
+                  <a:srgbClr val="A31515"/>
+                </a:solidFill>
+                <a:effectLst/>
+                <a:latin typeface="Consolas" panose="020B0609020204030204" pitchFamily="49" charset="0"/>
+                <a:cs typeface="Consolas" panose="020B0609020204030204" pitchFamily="49" charset="0"/>
+              </a:rPr>
+              <a:t>corey</a:t>
+            </a:r>
+            <a:r>
+              <a:rPr lang="en-US" sz="2200" b="0" dirty="0">
+                <a:solidFill>
+                  <a:srgbClr val="A31515"/>
+                </a:solidFill>
+                <a:effectLst/>
+                <a:latin typeface="Consolas" panose="020B0609020204030204" pitchFamily="49" charset="0"/>
+                <a:cs typeface="Consolas" panose="020B0609020204030204" pitchFamily="49" charset="0"/>
+              </a:rPr>
+              <a:t>’</a:t>
+            </a:r>
+            <a:r>
+              <a:rPr lang="en-US" sz="2200" b="0" dirty="0">
+                <a:solidFill>
+                  <a:srgbClr val="3B3B3B"/>
+                </a:solidFill>
+                <a:effectLst/>
+                <a:latin typeface="Consolas" panose="020B0609020204030204" pitchFamily="49" charset="0"/>
+                <a:cs typeface="Consolas" panose="020B0609020204030204" pitchFamily="49" charset="0"/>
+              </a:rPr>
+              <a:t>);</a:t>
+            </a:r>
+          </a:p>
+          <a:p>
+            <a:pPr>
+              <a:lnSpc>
+                <a:spcPct val="110000"/>
+              </a:lnSpc>
+              <a:buNone/>
+            </a:pPr>
+            <a:r>
+              <a:rPr lang="en-US" sz="2200" b="0" dirty="0">
+                <a:solidFill>
+                  <a:srgbClr val="0000FF"/>
+                </a:solidFill>
+                <a:effectLst/>
+                <a:latin typeface="Consolas" panose="020B0609020204030204" pitchFamily="49" charset="0"/>
+                <a:cs typeface="Consolas" panose="020B0609020204030204" pitchFamily="49" charset="0"/>
+              </a:rPr>
+              <a:t>    const</a:t>
+            </a:r>
+            <a:r>
+              <a:rPr lang="en-US" sz="2200" b="0" dirty="0">
+                <a:solidFill>
+                  <a:srgbClr val="3B3B3B"/>
+                </a:solidFill>
+                <a:effectLst/>
+                <a:latin typeface="Consolas" panose="020B0609020204030204" pitchFamily="49" charset="0"/>
+                <a:cs typeface="Consolas" panose="020B0609020204030204" pitchFamily="49" charset="0"/>
+              </a:rPr>
+              <a:t> </a:t>
+            </a:r>
+            <a:r>
+              <a:rPr lang="en-US" sz="2200" b="0" dirty="0">
                 <a:solidFill>
                   <a:srgbClr val="0070C1"/>
                 </a:solidFill>
                 <a:effectLst/>
-                <a:uLnTx/>
-                <a:uFillTx/>
-                <a:latin typeface="Consolas" panose="020B0609020204030204" pitchFamily="49" charset="0"/>
-                <a:ea typeface="+mn-ea"/>
-                <a:cs typeface="+mn-cs"/>
+                <a:latin typeface="Consolas" panose="020B0609020204030204" pitchFamily="49" charset="0"/>
+                <a:cs typeface="Consolas" panose="020B0609020204030204" pitchFamily="49" charset="0"/>
+              </a:rPr>
+              <a:t>id3</a:t>
+            </a:r>
+            <a:r>
+              <a:rPr lang="en-US" sz="2200" b="0" dirty="0">
+                <a:solidFill>
+                  <a:srgbClr val="3B3B3B"/>
+                </a:solidFill>
+                <a:effectLst/>
+                <a:latin typeface="Consolas" panose="020B0609020204030204" pitchFamily="49" charset="0"/>
+                <a:cs typeface="Consolas" panose="020B0609020204030204" pitchFamily="49" charset="0"/>
+              </a:rPr>
+              <a:t> </a:t>
+            </a:r>
+            <a:r>
+              <a:rPr lang="en-US" sz="2200" b="0" dirty="0">
+                <a:solidFill>
+                  <a:srgbClr val="000000"/>
+                </a:solidFill>
+                <a:effectLst/>
+                <a:latin typeface="Consolas" panose="020B0609020204030204" pitchFamily="49" charset="0"/>
+                <a:cs typeface="Consolas" panose="020B0609020204030204" pitchFamily="49" charset="0"/>
+              </a:rPr>
+              <a:t>=</a:t>
+            </a:r>
+            <a:r>
+              <a:rPr lang="en-US" sz="2200" b="0" dirty="0">
+                <a:solidFill>
+                  <a:srgbClr val="3B3B3B"/>
+                </a:solidFill>
+                <a:effectLst/>
+                <a:latin typeface="Consolas" panose="020B0609020204030204" pitchFamily="49" charset="0"/>
+                <a:cs typeface="Consolas" panose="020B0609020204030204" pitchFamily="49" charset="0"/>
+              </a:rPr>
+              <a:t> </a:t>
+            </a:r>
+            <a:r>
+              <a:rPr lang="en-US" sz="2200" b="0" dirty="0" err="1">
+                <a:solidFill>
+                  <a:srgbClr val="001080"/>
+                </a:solidFill>
+                <a:effectLst/>
+                <a:latin typeface="Consolas" panose="020B0609020204030204" pitchFamily="49" charset="0"/>
+                <a:cs typeface="Consolas" panose="020B0609020204030204" pitchFamily="49" charset="0"/>
+              </a:rPr>
+              <a:t>db</a:t>
+            </a:r>
+            <a:r>
+              <a:rPr lang="en-US" sz="2200" b="0" dirty="0" err="1">
+                <a:solidFill>
+                  <a:srgbClr val="3B3B3B"/>
+                </a:solidFill>
+                <a:effectLst/>
+                <a:latin typeface="Consolas" panose="020B0609020204030204" pitchFamily="49" charset="0"/>
+                <a:cs typeface="Consolas" panose="020B0609020204030204" pitchFamily="49" charset="0"/>
+              </a:rPr>
+              <a:t>.</a:t>
+            </a:r>
+            <a:r>
+              <a:rPr lang="en-US" sz="2200" b="0" dirty="0" err="1">
+                <a:solidFill>
+                  <a:srgbClr val="795E26"/>
+                </a:solidFill>
+                <a:effectLst/>
+                <a:latin typeface="Consolas" panose="020B0609020204030204" pitchFamily="49" charset="0"/>
+                <a:cs typeface="Consolas" panose="020B0609020204030204" pitchFamily="49" charset="0"/>
+              </a:rPr>
+              <a:t>addStudent</a:t>
+            </a:r>
+            <a:r>
+              <a:rPr lang="en-US" sz="2200" b="0" dirty="0">
+                <a:solidFill>
+                  <a:srgbClr val="3B3B3B"/>
+                </a:solidFill>
+                <a:effectLst/>
+                <a:latin typeface="Consolas" panose="020B0609020204030204" pitchFamily="49" charset="0"/>
+                <a:cs typeface="Consolas" panose="020B0609020204030204" pitchFamily="49" charset="0"/>
+              </a:rPr>
+              <a:t>(</a:t>
+            </a:r>
+            <a:r>
+              <a:rPr lang="en-US" sz="2200" b="0" dirty="0">
+                <a:solidFill>
+                  <a:srgbClr val="A31515"/>
+                </a:solidFill>
+                <a:effectLst/>
+                <a:latin typeface="Consolas" panose="020B0609020204030204" pitchFamily="49" charset="0"/>
+                <a:cs typeface="Consolas" panose="020B0609020204030204" pitchFamily="49" charset="0"/>
+              </a:rPr>
+              <a:t>'del’</a:t>
+            </a:r>
+            <a:r>
+              <a:rPr lang="en-US" sz="2200" b="0" dirty="0">
+                <a:solidFill>
+                  <a:srgbClr val="3B3B3B"/>
+                </a:solidFill>
+                <a:effectLst/>
+                <a:latin typeface="Consolas" panose="020B0609020204030204" pitchFamily="49" charset="0"/>
+                <a:cs typeface="Consolas" panose="020B0609020204030204" pitchFamily="49" charset="0"/>
+              </a:rPr>
+              <a:t>);</a:t>
+            </a:r>
+          </a:p>
+          <a:p>
+            <a:pPr>
+              <a:lnSpc>
+                <a:spcPct val="110000"/>
+              </a:lnSpc>
+              <a:buNone/>
+            </a:pPr>
+            <a:r>
+              <a:rPr lang="en-US" sz="2200" b="0" dirty="0">
+                <a:solidFill>
+                  <a:srgbClr val="795E26"/>
+                </a:solidFill>
+                <a:effectLst/>
+                <a:latin typeface="Consolas" panose="020B0609020204030204" pitchFamily="49" charset="0"/>
+                <a:cs typeface="Consolas" panose="020B0609020204030204" pitchFamily="49" charset="0"/>
+              </a:rPr>
+              <a:t>    expect</a:t>
+            </a:r>
+            <a:r>
+              <a:rPr lang="en-US" sz="2200" b="0" dirty="0">
+                <a:solidFill>
+                  <a:srgbClr val="3B3B3B"/>
+                </a:solidFill>
+                <a:effectLst/>
+                <a:latin typeface="Consolas" panose="020B0609020204030204" pitchFamily="49" charset="0"/>
+                <a:cs typeface="Consolas" panose="020B0609020204030204" pitchFamily="49" charset="0"/>
+              </a:rPr>
+              <a:t>(</a:t>
+            </a:r>
+            <a:r>
+              <a:rPr lang="en-US" sz="2200" b="0" dirty="0">
+                <a:solidFill>
+                  <a:srgbClr val="0070C1"/>
+                </a:solidFill>
+                <a:effectLst/>
+                <a:latin typeface="Consolas" panose="020B0609020204030204" pitchFamily="49" charset="0"/>
+                <a:cs typeface="Consolas" panose="020B0609020204030204" pitchFamily="49" charset="0"/>
               </a:rPr>
               <a:t>id1</a:t>
             </a:r>
             <a:r>
-              <a:rPr kumimoji="0" lang="en-US" sz="2400" b="0" i="0" u="none" strike="noStrike" kern="1200" cap="none" spc="0" normalizeH="0" baseline="0" noProof="0" dirty="0">
-                <a:ln>
-                  <a:noFill/>
-                </a:ln>
-                <a:solidFill>
-                  <a:srgbClr val="000000"/>
-                </a:solidFill>
-                <a:effectLst/>
-                <a:uLnTx/>
-                <a:uFillTx/>
-                <a:latin typeface="Consolas" panose="020B0609020204030204" pitchFamily="49" charset="0"/>
-                <a:ea typeface="+mn-ea"/>
-                <a:cs typeface="+mn-cs"/>
-              </a:rPr>
-              <a:t> = </a:t>
-            </a:r>
-            <a:r>
-              <a:rPr kumimoji="0" lang="en-US" sz="2400" b="0" i="0" u="none" strike="noStrike" kern="1200" cap="none" spc="0" normalizeH="0" baseline="0" noProof="0" dirty="0" err="1">
-                <a:ln>
-                  <a:noFill/>
-                </a:ln>
+              <a:rPr lang="en-US" sz="2200" b="0" dirty="0">
+                <a:solidFill>
+                  <a:srgbClr val="3B3B3B"/>
+                </a:solidFill>
+                <a:effectLst/>
+                <a:latin typeface="Consolas" panose="020B0609020204030204" pitchFamily="49" charset="0"/>
+                <a:cs typeface="Consolas" panose="020B0609020204030204" pitchFamily="49" charset="0"/>
+              </a:rPr>
+              <a:t>).</a:t>
+            </a:r>
+            <a:r>
+              <a:rPr lang="en-US" sz="2200" b="0" dirty="0" err="1">
                 <a:solidFill>
                   <a:srgbClr val="001080"/>
                 </a:solidFill>
                 <a:effectLst/>
-                <a:uLnTx/>
-                <a:uFillTx/>
-                <a:latin typeface="Consolas" panose="020B0609020204030204" pitchFamily="49" charset="0"/>
-                <a:ea typeface="+mn-ea"/>
-                <a:cs typeface="+mn-cs"/>
-              </a:rPr>
-              <a:t>db</a:t>
-            </a:r>
-            <a:r>
-              <a:rPr kumimoji="0" lang="en-US" sz="2400" b="0" i="0" u="none" strike="noStrike" kern="1200" cap="none" spc="0" normalizeH="0" baseline="0" noProof="0" dirty="0" err="1">
-                <a:ln>
-                  <a:noFill/>
-                </a:ln>
-                <a:solidFill>
-                  <a:srgbClr val="000000"/>
-                </a:solidFill>
-                <a:effectLst/>
-                <a:uLnTx/>
-                <a:uFillTx/>
-                <a:latin typeface="Consolas" panose="020B0609020204030204" pitchFamily="49" charset="0"/>
-                <a:ea typeface="+mn-ea"/>
-                <a:cs typeface="+mn-cs"/>
+                <a:latin typeface="Consolas" panose="020B0609020204030204" pitchFamily="49" charset="0"/>
+                <a:cs typeface="Consolas" panose="020B0609020204030204" pitchFamily="49" charset="0"/>
+              </a:rPr>
+              <a:t>not</a:t>
+            </a:r>
+            <a:r>
+              <a:rPr lang="en-US" sz="2200" b="0" dirty="0" err="1">
+                <a:solidFill>
+                  <a:srgbClr val="3B3B3B"/>
+                </a:solidFill>
+                <a:effectLst/>
+                <a:latin typeface="Consolas" panose="020B0609020204030204" pitchFamily="49" charset="0"/>
+                <a:cs typeface="Consolas" panose="020B0609020204030204" pitchFamily="49" charset="0"/>
               </a:rPr>
               <a:t>.</a:t>
             </a:r>
             <a:r>
-              <a:rPr kumimoji="0" lang="en-US" sz="2400" b="0" i="0" u="none" strike="noStrike" kern="1200" cap="none" spc="0" normalizeH="0" baseline="0" noProof="0" dirty="0" err="1">
-                <a:ln>
-                  <a:noFill/>
-                </a:ln>
+              <a:rPr lang="en-US" sz="2200" b="0" dirty="0" err="1">
                 <a:solidFill>
                   <a:srgbClr val="795E26"/>
                 </a:solidFill>
                 <a:effectLst/>
-                <a:uLnTx/>
-                <a:uFillTx/>
-                <a:latin typeface="Consolas" panose="020B0609020204030204" pitchFamily="49" charset="0"/>
-                <a:ea typeface="+mn-ea"/>
-                <a:cs typeface="+mn-cs"/>
-              </a:rPr>
-              <a:t>addStudent</a:t>
-            </a:r>
-            <a:r>
-              <a:rPr kumimoji="0" lang="en-US" sz="2400" b="0" i="0" u="none" strike="noStrike" kern="1200" cap="none" spc="0" normalizeH="0" baseline="0" noProof="0" dirty="0">
-                <a:ln>
-                  <a:noFill/>
-                </a:ln>
-                <a:solidFill>
-                  <a:srgbClr val="000000"/>
-                </a:solidFill>
-                <a:effectLst/>
-                <a:uLnTx/>
-                <a:uFillTx/>
-                <a:latin typeface="Consolas" panose="020B0609020204030204" pitchFamily="49" charset="0"/>
-                <a:ea typeface="+mn-ea"/>
-                <a:cs typeface="+mn-cs"/>
+                <a:latin typeface="Consolas" panose="020B0609020204030204" pitchFamily="49" charset="0"/>
+                <a:cs typeface="Consolas" panose="020B0609020204030204" pitchFamily="49" charset="0"/>
+              </a:rPr>
+              <a:t>toEqual</a:t>
+            </a:r>
+            <a:r>
+              <a:rPr lang="en-US" sz="2200" b="0" dirty="0">
+                <a:solidFill>
+                  <a:srgbClr val="3B3B3B"/>
+                </a:solidFill>
+                <a:effectLst/>
+                <a:latin typeface="Consolas" panose="020B0609020204030204" pitchFamily="49" charset="0"/>
+                <a:cs typeface="Consolas" panose="020B0609020204030204" pitchFamily="49" charset="0"/>
               </a:rPr>
               <a:t>(</a:t>
             </a:r>
             <a:r>
-              <a:rPr kumimoji="0" lang="en-US" sz="2400" b="0" i="0" u="none" strike="noStrike" kern="1200" cap="none" spc="0" normalizeH="0" baseline="0" noProof="0" dirty="0">
-                <a:ln>
-                  <a:noFill/>
-                </a:ln>
-                <a:solidFill>
-                  <a:srgbClr val="A31515"/>
-                </a:solidFill>
-                <a:effectLst/>
-                <a:uLnTx/>
-                <a:uFillTx/>
-                <a:latin typeface="Consolas" panose="020B0609020204030204" pitchFamily="49" charset="0"/>
-                <a:ea typeface="+mn-ea"/>
-                <a:cs typeface="+mn-cs"/>
-              </a:rPr>
-              <a:t>'</a:t>
-            </a:r>
-            <a:r>
-              <a:rPr kumimoji="0" lang="en-US" sz="2400" b="0" i="0" u="none" strike="noStrike" kern="1200" cap="none" spc="0" normalizeH="0" baseline="0" noProof="0" dirty="0" err="1">
-                <a:ln>
-                  <a:noFill/>
-                </a:ln>
-                <a:solidFill>
-                  <a:srgbClr val="A31515"/>
-                </a:solidFill>
-                <a:effectLst/>
-                <a:uLnTx/>
-                <a:uFillTx/>
-                <a:latin typeface="Consolas" panose="020B0609020204030204" pitchFamily="49" charset="0"/>
-                <a:ea typeface="+mn-ea"/>
-                <a:cs typeface="+mn-cs"/>
-              </a:rPr>
-              <a:t>blair</a:t>
-            </a:r>
-            <a:r>
-              <a:rPr kumimoji="0" lang="en-US" sz="2400" b="0" i="0" u="none" strike="noStrike" kern="1200" cap="none" spc="0" normalizeH="0" baseline="0" noProof="0" dirty="0">
-                <a:ln>
-                  <a:noFill/>
-                </a:ln>
-                <a:solidFill>
-                  <a:srgbClr val="A31515"/>
-                </a:solidFill>
-                <a:effectLst/>
-                <a:uLnTx/>
-                <a:uFillTx/>
-                <a:latin typeface="Consolas" panose="020B0609020204030204" pitchFamily="49" charset="0"/>
-                <a:ea typeface="+mn-ea"/>
-                <a:cs typeface="+mn-cs"/>
-              </a:rPr>
-              <a:t>'</a:t>
-            </a:r>
-            <a:r>
-              <a:rPr kumimoji="0" lang="en-US" sz="2400" b="0" i="0" u="none" strike="noStrike" kern="1200" cap="none" spc="0" normalizeH="0" baseline="0" noProof="0" dirty="0">
-                <a:ln>
-                  <a:noFill/>
-                </a:ln>
-                <a:solidFill>
-                  <a:srgbClr val="000000"/>
-                </a:solidFill>
-                <a:effectLst/>
-                <a:uLnTx/>
-                <a:uFillTx/>
-                <a:latin typeface="Consolas" panose="020B0609020204030204" pitchFamily="49" charset="0"/>
-                <a:ea typeface="+mn-ea"/>
-                <a:cs typeface="+mn-cs"/>
+              <a:rPr lang="en-US" sz="2200" b="0" dirty="0">
+                <a:solidFill>
+                  <a:srgbClr val="0070C1"/>
+                </a:solidFill>
+                <a:effectLst/>
+                <a:latin typeface="Consolas" panose="020B0609020204030204" pitchFamily="49" charset="0"/>
+                <a:cs typeface="Consolas" panose="020B0609020204030204" pitchFamily="49" charset="0"/>
+              </a:rPr>
+              <a:t>id2</a:t>
+            </a:r>
+            <a:r>
+              <a:rPr lang="en-US" sz="2200" b="0" dirty="0">
+                <a:solidFill>
+                  <a:srgbClr val="3B3B3B"/>
+                </a:solidFill>
+                <a:effectLst/>
+                <a:latin typeface="Consolas" panose="020B0609020204030204" pitchFamily="49" charset="0"/>
+                <a:cs typeface="Consolas" panose="020B0609020204030204" pitchFamily="49" charset="0"/>
               </a:rPr>
               <a:t>);</a:t>
             </a:r>
           </a:p>
           <a:p>
-            <a:pPr marL="0" marR="0" lvl="0" indent="0" algn="l" defTabSz="914400" rtl="0" eaLnBrk="1" fontAlgn="auto" latinLnBrk="0" hangingPunct="1">
+            <a:pPr>
               <a:lnSpc>
-                <a:spcPct val="100000"/>
+                <a:spcPct val="110000"/>
               </a:lnSpc>
-              <a:spcBef>
-                <a:spcPts val="0"/>
-              </a:spcBef>
-              <a:spcAft>
-                <a:spcPts val="0"/>
-              </a:spcAft>
-              <a:buClrTx/>
-              <a:buSzTx/>
-              <a:buFontTx/>
               <a:buNone/>
-              <a:tabLst/>
-              <a:defRPr/>
             </a:pPr>
             <a:r>
-              <a:rPr kumimoji="0" lang="en-US" sz="2400" b="0" i="0" u="none" strike="noStrike" kern="1200" cap="none" spc="0" normalizeH="0" baseline="0" noProof="0" dirty="0">
-                <a:ln>
-                  <a:noFill/>
-                </a:ln>
-                <a:solidFill>
-                  <a:srgbClr val="000000"/>
-                </a:solidFill>
-                <a:effectLst/>
-                <a:uLnTx/>
-                <a:uFillTx/>
-                <a:latin typeface="Consolas" panose="020B0609020204030204" pitchFamily="49" charset="0"/>
-                <a:ea typeface="+mn-ea"/>
-                <a:cs typeface="+mn-cs"/>
-              </a:rPr>
-              <a:t>      </a:t>
-            </a:r>
-            <a:r>
-              <a:rPr kumimoji="0" lang="en-US" sz="2400" b="0" i="0" u="none" strike="noStrike" kern="1200" cap="none" spc="0" normalizeH="0" baseline="0" noProof="0" dirty="0">
-                <a:ln>
-                  <a:noFill/>
-                </a:ln>
-                <a:solidFill>
-                  <a:srgbClr val="0000FF"/>
-                </a:solidFill>
-                <a:effectLst/>
-                <a:uLnTx/>
-                <a:uFillTx/>
-                <a:latin typeface="Consolas" panose="020B0609020204030204" pitchFamily="49" charset="0"/>
-                <a:ea typeface="+mn-ea"/>
-                <a:cs typeface="+mn-cs"/>
-              </a:rPr>
-              <a:t>const</a:t>
-            </a:r>
-            <a:r>
-              <a:rPr kumimoji="0" lang="en-US" sz="2400" b="0" i="0" u="none" strike="noStrike" kern="1200" cap="none" spc="0" normalizeH="0" baseline="0" noProof="0" dirty="0">
-                <a:ln>
-                  <a:noFill/>
-                </a:ln>
-                <a:solidFill>
-                  <a:srgbClr val="000000"/>
-                </a:solidFill>
-                <a:effectLst/>
-                <a:uLnTx/>
-                <a:uFillTx/>
-                <a:latin typeface="Consolas" panose="020B0609020204030204" pitchFamily="49" charset="0"/>
-                <a:ea typeface="+mn-ea"/>
-                <a:cs typeface="+mn-cs"/>
-              </a:rPr>
-              <a:t> </a:t>
-            </a:r>
-            <a:r>
-              <a:rPr kumimoji="0" lang="en-US" sz="2400" b="0" i="0" u="none" strike="noStrike" kern="1200" cap="none" spc="0" normalizeH="0" baseline="0" noProof="0" dirty="0">
-                <a:ln>
-                  <a:noFill/>
-                </a:ln>
+              <a:rPr lang="en-US" sz="2200" b="0" dirty="0">
+                <a:solidFill>
+                  <a:srgbClr val="795E26"/>
+                </a:solidFill>
+                <a:effectLst/>
+                <a:latin typeface="Consolas" panose="020B0609020204030204" pitchFamily="49" charset="0"/>
+                <a:cs typeface="Consolas" panose="020B0609020204030204" pitchFamily="49" charset="0"/>
+              </a:rPr>
+              <a:t>    expect</a:t>
+            </a:r>
+            <a:r>
+              <a:rPr lang="en-US" sz="2200" b="0" dirty="0">
+                <a:solidFill>
+                  <a:srgbClr val="3B3B3B"/>
+                </a:solidFill>
+                <a:effectLst/>
+                <a:latin typeface="Consolas" panose="020B0609020204030204" pitchFamily="49" charset="0"/>
+                <a:cs typeface="Consolas" panose="020B0609020204030204" pitchFamily="49" charset="0"/>
+              </a:rPr>
+              <a:t>(</a:t>
+            </a:r>
+            <a:r>
+              <a:rPr lang="en-US" sz="2200" b="0" dirty="0">
                 <a:solidFill>
                   <a:srgbClr val="0070C1"/>
                 </a:solidFill>
                 <a:effectLst/>
-                <a:uLnTx/>
-                <a:uFillTx/>
-                <a:latin typeface="Consolas" panose="020B0609020204030204" pitchFamily="49" charset="0"/>
-                <a:ea typeface="+mn-ea"/>
-                <a:cs typeface="+mn-cs"/>
+                <a:latin typeface="Consolas" panose="020B0609020204030204" pitchFamily="49" charset="0"/>
+                <a:cs typeface="Consolas" panose="020B0609020204030204" pitchFamily="49" charset="0"/>
+              </a:rPr>
+              <a:t>id1</a:t>
+            </a:r>
+            <a:r>
+              <a:rPr lang="en-US" sz="2200" b="0" dirty="0">
+                <a:solidFill>
+                  <a:srgbClr val="3B3B3B"/>
+                </a:solidFill>
+                <a:effectLst/>
+                <a:latin typeface="Consolas" panose="020B0609020204030204" pitchFamily="49" charset="0"/>
+                <a:cs typeface="Consolas" panose="020B0609020204030204" pitchFamily="49" charset="0"/>
+              </a:rPr>
+              <a:t>).</a:t>
+            </a:r>
+            <a:r>
+              <a:rPr lang="en-US" sz="2200" b="0" dirty="0" err="1">
+                <a:solidFill>
+                  <a:srgbClr val="001080"/>
+                </a:solidFill>
+                <a:effectLst/>
+                <a:latin typeface="Consolas" panose="020B0609020204030204" pitchFamily="49" charset="0"/>
+                <a:cs typeface="Consolas" panose="020B0609020204030204" pitchFamily="49" charset="0"/>
+              </a:rPr>
+              <a:t>not</a:t>
+            </a:r>
+            <a:r>
+              <a:rPr lang="en-US" sz="2200" b="0" dirty="0" err="1">
+                <a:solidFill>
+                  <a:srgbClr val="3B3B3B"/>
+                </a:solidFill>
+                <a:effectLst/>
+                <a:latin typeface="Consolas" panose="020B0609020204030204" pitchFamily="49" charset="0"/>
+                <a:cs typeface="Consolas" panose="020B0609020204030204" pitchFamily="49" charset="0"/>
+              </a:rPr>
+              <a:t>.</a:t>
+            </a:r>
+            <a:r>
+              <a:rPr lang="en-US" sz="2200" b="0" dirty="0" err="1">
+                <a:solidFill>
+                  <a:srgbClr val="795E26"/>
+                </a:solidFill>
+                <a:effectLst/>
+                <a:latin typeface="Consolas" panose="020B0609020204030204" pitchFamily="49" charset="0"/>
+                <a:cs typeface="Consolas" panose="020B0609020204030204" pitchFamily="49" charset="0"/>
+              </a:rPr>
+              <a:t>toEqual</a:t>
+            </a:r>
+            <a:r>
+              <a:rPr lang="en-US" sz="2200" b="0" dirty="0">
+                <a:solidFill>
+                  <a:srgbClr val="3B3B3B"/>
+                </a:solidFill>
+                <a:effectLst/>
+                <a:latin typeface="Consolas" panose="020B0609020204030204" pitchFamily="49" charset="0"/>
+                <a:cs typeface="Consolas" panose="020B0609020204030204" pitchFamily="49" charset="0"/>
+              </a:rPr>
+              <a:t>(</a:t>
+            </a:r>
+            <a:r>
+              <a:rPr lang="en-US" sz="2200" b="0" dirty="0">
+                <a:solidFill>
+                  <a:srgbClr val="0070C1"/>
+                </a:solidFill>
+                <a:effectLst/>
+                <a:latin typeface="Consolas" panose="020B0609020204030204" pitchFamily="49" charset="0"/>
+                <a:cs typeface="Consolas" panose="020B0609020204030204" pitchFamily="49" charset="0"/>
+              </a:rPr>
+              <a:t>id3</a:t>
+            </a:r>
+            <a:r>
+              <a:rPr lang="en-US" sz="2200" b="0" dirty="0">
+                <a:solidFill>
+                  <a:srgbClr val="3B3B3B"/>
+                </a:solidFill>
+                <a:effectLst/>
+                <a:latin typeface="Consolas" panose="020B0609020204030204" pitchFamily="49" charset="0"/>
+                <a:cs typeface="Consolas" panose="020B0609020204030204" pitchFamily="49" charset="0"/>
+              </a:rPr>
+              <a:t>);</a:t>
+            </a:r>
+          </a:p>
+          <a:p>
+            <a:pPr>
+              <a:lnSpc>
+                <a:spcPct val="110000"/>
+              </a:lnSpc>
+            </a:pPr>
+            <a:r>
+              <a:rPr lang="en-US" sz="2200" b="0" dirty="0">
+                <a:solidFill>
+                  <a:srgbClr val="795E26"/>
+                </a:solidFill>
+                <a:effectLst/>
+                <a:latin typeface="Consolas" panose="020B0609020204030204" pitchFamily="49" charset="0"/>
+                <a:cs typeface="Consolas" panose="020B0609020204030204" pitchFamily="49" charset="0"/>
+              </a:rPr>
+              <a:t>    expect</a:t>
+            </a:r>
+            <a:r>
+              <a:rPr lang="en-US" sz="2200" b="0" dirty="0">
+                <a:solidFill>
+                  <a:srgbClr val="3B3B3B"/>
+                </a:solidFill>
+                <a:effectLst/>
+                <a:latin typeface="Consolas" panose="020B0609020204030204" pitchFamily="49" charset="0"/>
+                <a:cs typeface="Consolas" panose="020B0609020204030204" pitchFamily="49" charset="0"/>
+              </a:rPr>
+              <a:t>(</a:t>
+            </a:r>
+            <a:r>
+              <a:rPr lang="en-US" sz="2200" b="0" dirty="0">
+                <a:solidFill>
+                  <a:srgbClr val="0070C1"/>
+                </a:solidFill>
+                <a:effectLst/>
+                <a:latin typeface="Consolas" panose="020B0609020204030204" pitchFamily="49" charset="0"/>
+                <a:cs typeface="Consolas" panose="020B0609020204030204" pitchFamily="49" charset="0"/>
               </a:rPr>
               <a:t>id2</a:t>
             </a:r>
             <a:r>
-              <a:rPr kumimoji="0" lang="en-US" sz="2400" b="0" i="0" u="none" strike="noStrike" kern="1200" cap="none" spc="0" normalizeH="0" baseline="0" noProof="0" dirty="0">
-                <a:ln>
-                  <a:noFill/>
-                </a:ln>
-                <a:solidFill>
-                  <a:srgbClr val="000000"/>
-                </a:solidFill>
-                <a:effectLst/>
-                <a:uLnTx/>
-                <a:uFillTx/>
-                <a:latin typeface="Consolas" panose="020B0609020204030204" pitchFamily="49" charset="0"/>
-                <a:ea typeface="+mn-ea"/>
-                <a:cs typeface="+mn-cs"/>
-              </a:rPr>
-              <a:t> = </a:t>
-            </a:r>
-            <a:r>
-              <a:rPr kumimoji="0" lang="en-US" sz="2400" b="0" i="0" u="none" strike="noStrike" kern="1200" cap="none" spc="0" normalizeH="0" baseline="0" noProof="0" dirty="0" err="1">
-                <a:ln>
-                  <a:noFill/>
-                </a:ln>
+              <a:rPr lang="en-US" sz="2200" b="0" dirty="0">
+                <a:solidFill>
+                  <a:srgbClr val="3B3B3B"/>
+                </a:solidFill>
+                <a:effectLst/>
+                <a:latin typeface="Consolas" panose="020B0609020204030204" pitchFamily="49" charset="0"/>
+                <a:cs typeface="Consolas" panose="020B0609020204030204" pitchFamily="49" charset="0"/>
+              </a:rPr>
+              <a:t>).</a:t>
+            </a:r>
+            <a:r>
+              <a:rPr lang="en-US" sz="2200" b="0" dirty="0" err="1">
                 <a:solidFill>
                   <a:srgbClr val="001080"/>
                 </a:solidFill>
                 <a:effectLst/>
-                <a:uLnTx/>
-                <a:uFillTx/>
-                <a:latin typeface="Consolas" panose="020B0609020204030204" pitchFamily="49" charset="0"/>
-                <a:ea typeface="+mn-ea"/>
-                <a:cs typeface="+mn-cs"/>
-              </a:rPr>
-              <a:t>db</a:t>
-            </a:r>
-            <a:r>
-              <a:rPr kumimoji="0" lang="en-US" sz="2400" b="0" i="0" u="none" strike="noStrike" kern="1200" cap="none" spc="0" normalizeH="0" baseline="0" noProof="0" dirty="0" err="1">
-                <a:ln>
-                  <a:noFill/>
-                </a:ln>
-                <a:solidFill>
-                  <a:srgbClr val="000000"/>
-                </a:solidFill>
-                <a:effectLst/>
-                <a:uLnTx/>
-                <a:uFillTx/>
-                <a:latin typeface="Consolas" panose="020B0609020204030204" pitchFamily="49" charset="0"/>
-                <a:ea typeface="+mn-ea"/>
-                <a:cs typeface="+mn-cs"/>
+                <a:latin typeface="Consolas" panose="020B0609020204030204" pitchFamily="49" charset="0"/>
+                <a:cs typeface="Consolas" panose="020B0609020204030204" pitchFamily="49" charset="0"/>
+              </a:rPr>
+              <a:t>not</a:t>
+            </a:r>
+            <a:r>
+              <a:rPr lang="en-US" sz="2200" b="0" dirty="0" err="1">
+                <a:solidFill>
+                  <a:srgbClr val="3B3B3B"/>
+                </a:solidFill>
+                <a:effectLst/>
+                <a:latin typeface="Consolas" panose="020B0609020204030204" pitchFamily="49" charset="0"/>
+                <a:cs typeface="Consolas" panose="020B0609020204030204" pitchFamily="49" charset="0"/>
               </a:rPr>
               <a:t>.</a:t>
             </a:r>
             <a:r>
-              <a:rPr kumimoji="0" lang="en-US" sz="2400" b="0" i="0" u="none" strike="noStrike" kern="1200" cap="none" spc="0" normalizeH="0" baseline="0" noProof="0" dirty="0" err="1">
-                <a:ln>
-                  <a:noFill/>
-                </a:ln>
+              <a:rPr lang="en-US" sz="2200" b="0" dirty="0" err="1">
                 <a:solidFill>
                   <a:srgbClr val="795E26"/>
                 </a:solidFill>
                 <a:effectLst/>
-                <a:uLnTx/>
-                <a:uFillTx/>
-                <a:latin typeface="Consolas" panose="020B0609020204030204" pitchFamily="49" charset="0"/>
-                <a:ea typeface="+mn-ea"/>
-                <a:cs typeface="+mn-cs"/>
-              </a:rPr>
-              <a:t>addStudent</a:t>
-            </a:r>
-            <a:r>
-              <a:rPr kumimoji="0" lang="en-US" sz="2400" b="0" i="0" u="none" strike="noStrike" kern="1200" cap="none" spc="0" normalizeH="0" baseline="0" noProof="0" dirty="0">
-                <a:ln>
-                  <a:noFill/>
-                </a:ln>
-                <a:solidFill>
-                  <a:srgbClr val="000000"/>
-                </a:solidFill>
-                <a:effectLst/>
-                <a:uLnTx/>
-                <a:uFillTx/>
-                <a:latin typeface="Consolas" panose="020B0609020204030204" pitchFamily="49" charset="0"/>
-                <a:ea typeface="+mn-ea"/>
-                <a:cs typeface="+mn-cs"/>
+                <a:latin typeface="Consolas" panose="020B0609020204030204" pitchFamily="49" charset="0"/>
+                <a:cs typeface="Consolas" panose="020B0609020204030204" pitchFamily="49" charset="0"/>
+              </a:rPr>
+              <a:t>toEqual</a:t>
+            </a:r>
+            <a:r>
+              <a:rPr lang="en-US" sz="2200" b="0" dirty="0">
+                <a:solidFill>
+                  <a:srgbClr val="3B3B3B"/>
+                </a:solidFill>
+                <a:effectLst/>
+                <a:latin typeface="Consolas" panose="020B0609020204030204" pitchFamily="49" charset="0"/>
+                <a:cs typeface="Consolas" panose="020B0609020204030204" pitchFamily="49" charset="0"/>
               </a:rPr>
               <a:t>(</a:t>
             </a:r>
             <a:r>
-              <a:rPr kumimoji="0" lang="en-US" sz="2400" b="0" i="0" u="none" strike="noStrike" kern="1200" cap="none" spc="0" normalizeH="0" baseline="0" noProof="0" dirty="0">
-                <a:ln>
-                  <a:noFill/>
-                </a:ln>
-                <a:solidFill>
-                  <a:srgbClr val="A31515"/>
-                </a:solidFill>
-                <a:effectLst/>
-                <a:uLnTx/>
-                <a:uFillTx/>
-                <a:latin typeface="Consolas" panose="020B0609020204030204" pitchFamily="49" charset="0"/>
-                <a:ea typeface="+mn-ea"/>
-                <a:cs typeface="+mn-cs"/>
-              </a:rPr>
-              <a:t>'</a:t>
-            </a:r>
-            <a:r>
-              <a:rPr kumimoji="0" lang="en-US" sz="2400" b="0" i="0" u="none" strike="noStrike" kern="1200" cap="none" spc="0" normalizeH="0" baseline="0" noProof="0" dirty="0" err="1">
-                <a:ln>
-                  <a:noFill/>
-                </a:ln>
-                <a:solidFill>
-                  <a:srgbClr val="A31515"/>
-                </a:solidFill>
-                <a:effectLst/>
-                <a:uLnTx/>
-                <a:uFillTx/>
-                <a:latin typeface="Consolas" panose="020B0609020204030204" pitchFamily="49" charset="0"/>
-                <a:ea typeface="+mn-ea"/>
-                <a:cs typeface="+mn-cs"/>
-              </a:rPr>
-              <a:t>corey</a:t>
-            </a:r>
-            <a:r>
-              <a:rPr kumimoji="0" lang="en-US" sz="2400" b="0" i="0" u="none" strike="noStrike" kern="1200" cap="none" spc="0" normalizeH="0" baseline="0" noProof="0" dirty="0">
-                <a:ln>
-                  <a:noFill/>
-                </a:ln>
-                <a:solidFill>
-                  <a:srgbClr val="A31515"/>
-                </a:solidFill>
-                <a:effectLst/>
-                <a:uLnTx/>
-                <a:uFillTx/>
-                <a:latin typeface="Consolas" panose="020B0609020204030204" pitchFamily="49" charset="0"/>
-                <a:ea typeface="+mn-ea"/>
-                <a:cs typeface="+mn-cs"/>
-              </a:rPr>
-              <a:t>'</a:t>
-            </a:r>
-            <a:r>
-              <a:rPr kumimoji="0" lang="en-US" sz="2400" b="0" i="0" u="none" strike="noStrike" kern="1200" cap="none" spc="0" normalizeH="0" baseline="0" noProof="0" dirty="0">
-                <a:ln>
-                  <a:noFill/>
-                </a:ln>
-                <a:solidFill>
-                  <a:srgbClr val="000000"/>
-                </a:solidFill>
-                <a:effectLst/>
-                <a:uLnTx/>
-                <a:uFillTx/>
-                <a:latin typeface="Consolas" panose="020B0609020204030204" pitchFamily="49" charset="0"/>
-                <a:ea typeface="+mn-ea"/>
-                <a:cs typeface="+mn-cs"/>
+              <a:rPr lang="en-US" sz="2200" b="0" dirty="0">
+                <a:solidFill>
+                  <a:srgbClr val="0070C1"/>
+                </a:solidFill>
+                <a:effectLst/>
+                <a:latin typeface="Consolas" panose="020B0609020204030204" pitchFamily="49" charset="0"/>
+                <a:cs typeface="Consolas" panose="020B0609020204030204" pitchFamily="49" charset="0"/>
+              </a:rPr>
+              <a:t>id3</a:t>
+            </a:r>
+            <a:r>
+              <a:rPr lang="en-US" sz="2200" b="0" dirty="0">
+                <a:solidFill>
+                  <a:srgbClr val="3B3B3B"/>
+                </a:solidFill>
+                <a:effectLst/>
+                <a:latin typeface="Consolas" panose="020B0609020204030204" pitchFamily="49" charset="0"/>
+                <a:cs typeface="Consolas" panose="020B0609020204030204" pitchFamily="49" charset="0"/>
               </a:rPr>
               <a:t>);</a:t>
             </a:r>
           </a:p>
           <a:p>
-            <a:pPr marL="0" marR="0" lvl="0" indent="0" algn="l" defTabSz="914400" rtl="0" eaLnBrk="1" fontAlgn="auto" latinLnBrk="0" hangingPunct="1">
+            <a:pPr>
               <a:lnSpc>
-                <a:spcPct val="100000"/>
+                <a:spcPct val="110000"/>
               </a:lnSpc>
-              <a:spcBef>
-                <a:spcPts val="0"/>
-              </a:spcBef>
-              <a:spcAft>
-                <a:spcPts val="0"/>
-              </a:spcAft>
-              <a:buClrTx/>
-              <a:buSzTx/>
-              <a:buFontTx/>
               <a:buNone/>
-              <a:tabLst/>
-              <a:defRPr/>
             </a:pPr>
             <a:r>
-              <a:rPr kumimoji="0" lang="en-US" sz="2400" b="0" i="0" u="none" strike="noStrike" kern="1200" cap="none" spc="0" normalizeH="0" baseline="0" noProof="0" dirty="0">
-                <a:ln>
-                  <a:noFill/>
-                </a:ln>
-                <a:solidFill>
-                  <a:srgbClr val="000000"/>
-                </a:solidFill>
-                <a:effectLst/>
-                <a:uLnTx/>
-                <a:uFillTx/>
-                <a:latin typeface="Consolas" panose="020B0609020204030204" pitchFamily="49" charset="0"/>
-                <a:ea typeface="+mn-ea"/>
-                <a:cs typeface="+mn-cs"/>
-              </a:rPr>
-              <a:t>      </a:t>
-            </a:r>
-            <a:r>
-              <a:rPr kumimoji="0" lang="en-US" sz="2400" b="0" i="0" u="none" strike="noStrike" kern="1200" cap="none" spc="0" normalizeH="0" baseline="0" noProof="0" dirty="0">
-                <a:ln>
-                  <a:noFill/>
-                </a:ln>
-                <a:solidFill>
-                  <a:srgbClr val="0000FF"/>
-                </a:solidFill>
-                <a:effectLst/>
-                <a:uLnTx/>
-                <a:uFillTx/>
-                <a:latin typeface="Consolas" panose="020B0609020204030204" pitchFamily="49" charset="0"/>
-                <a:ea typeface="+mn-ea"/>
-                <a:cs typeface="+mn-cs"/>
-              </a:rPr>
-              <a:t>const</a:t>
-            </a:r>
-            <a:r>
-              <a:rPr kumimoji="0" lang="en-US" sz="2400" b="0" i="0" u="none" strike="noStrike" kern="1200" cap="none" spc="0" normalizeH="0" baseline="0" noProof="0" dirty="0">
-                <a:ln>
-                  <a:noFill/>
-                </a:ln>
-                <a:solidFill>
-                  <a:srgbClr val="000000"/>
-                </a:solidFill>
-                <a:effectLst/>
-                <a:uLnTx/>
-                <a:uFillTx/>
-                <a:latin typeface="Consolas" panose="020B0609020204030204" pitchFamily="49" charset="0"/>
-                <a:ea typeface="+mn-ea"/>
-                <a:cs typeface="+mn-cs"/>
-              </a:rPr>
-              <a:t> </a:t>
-            </a:r>
-            <a:r>
-              <a:rPr kumimoji="0" lang="en-US" sz="2400" b="0" i="0" u="none" strike="noStrike" kern="1200" cap="none" spc="0" normalizeH="0" baseline="0" noProof="0" dirty="0">
-                <a:ln>
-                  <a:noFill/>
-                </a:ln>
-                <a:solidFill>
-                  <a:srgbClr val="0070C1"/>
-                </a:solidFill>
-                <a:effectLst/>
-                <a:uLnTx/>
-                <a:uFillTx/>
-                <a:latin typeface="Consolas" panose="020B0609020204030204" pitchFamily="49" charset="0"/>
-                <a:ea typeface="+mn-ea"/>
-                <a:cs typeface="+mn-cs"/>
-              </a:rPr>
-              <a:t>id3</a:t>
-            </a:r>
-            <a:r>
-              <a:rPr kumimoji="0" lang="en-US" sz="2400" b="0" i="0" u="none" strike="noStrike" kern="1200" cap="none" spc="0" normalizeH="0" baseline="0" noProof="0" dirty="0">
-                <a:ln>
-                  <a:noFill/>
-                </a:ln>
-                <a:solidFill>
-                  <a:srgbClr val="000000"/>
-                </a:solidFill>
-                <a:effectLst/>
-                <a:uLnTx/>
-                <a:uFillTx/>
-                <a:latin typeface="Consolas" panose="020B0609020204030204" pitchFamily="49" charset="0"/>
-                <a:ea typeface="+mn-ea"/>
-                <a:cs typeface="+mn-cs"/>
-              </a:rPr>
-              <a:t> = </a:t>
-            </a:r>
-            <a:r>
-              <a:rPr kumimoji="0" lang="en-US" sz="2400" b="0" i="0" u="none" strike="noStrike" kern="1200" cap="none" spc="0" normalizeH="0" baseline="0" noProof="0" dirty="0" err="1">
-                <a:ln>
-                  <a:noFill/>
-                </a:ln>
-                <a:solidFill>
-                  <a:srgbClr val="001080"/>
-                </a:solidFill>
-                <a:effectLst/>
-                <a:uLnTx/>
-                <a:uFillTx/>
-                <a:latin typeface="Consolas" panose="020B0609020204030204" pitchFamily="49" charset="0"/>
-                <a:ea typeface="+mn-ea"/>
-                <a:cs typeface="+mn-cs"/>
-              </a:rPr>
-              <a:t>db</a:t>
-            </a:r>
-            <a:r>
-              <a:rPr kumimoji="0" lang="en-US" sz="2400" b="0" i="0" u="none" strike="noStrike" kern="1200" cap="none" spc="0" normalizeH="0" baseline="0" noProof="0" dirty="0" err="1">
-                <a:ln>
-                  <a:noFill/>
-                </a:ln>
-                <a:solidFill>
-                  <a:srgbClr val="000000"/>
-                </a:solidFill>
-                <a:effectLst/>
-                <a:uLnTx/>
-                <a:uFillTx/>
-                <a:latin typeface="Consolas" panose="020B0609020204030204" pitchFamily="49" charset="0"/>
-                <a:ea typeface="+mn-ea"/>
-                <a:cs typeface="+mn-cs"/>
-              </a:rPr>
-              <a:t>.</a:t>
-            </a:r>
-            <a:r>
-              <a:rPr kumimoji="0" lang="en-US" sz="2400" b="0" i="0" u="none" strike="noStrike" kern="1200" cap="none" spc="0" normalizeH="0" baseline="0" noProof="0" dirty="0" err="1">
-                <a:ln>
-                  <a:noFill/>
-                </a:ln>
-                <a:solidFill>
-                  <a:srgbClr val="795E26"/>
-                </a:solidFill>
-                <a:effectLst/>
-                <a:uLnTx/>
-                <a:uFillTx/>
-                <a:latin typeface="Consolas" panose="020B0609020204030204" pitchFamily="49" charset="0"/>
-                <a:ea typeface="+mn-ea"/>
-                <a:cs typeface="+mn-cs"/>
-              </a:rPr>
-              <a:t>addStudent</a:t>
-            </a:r>
-            <a:r>
-              <a:rPr kumimoji="0" lang="en-US" sz="2400" b="0" i="0" u="none" strike="noStrike" kern="1200" cap="none" spc="0" normalizeH="0" baseline="0" noProof="0" dirty="0">
-                <a:ln>
-                  <a:noFill/>
-                </a:ln>
-                <a:solidFill>
-                  <a:srgbClr val="000000"/>
-                </a:solidFill>
-                <a:effectLst/>
-                <a:uLnTx/>
-                <a:uFillTx/>
-                <a:latin typeface="Consolas" panose="020B0609020204030204" pitchFamily="49" charset="0"/>
-                <a:ea typeface="+mn-ea"/>
-                <a:cs typeface="+mn-cs"/>
-              </a:rPr>
-              <a:t>(</a:t>
-            </a:r>
-            <a:r>
-              <a:rPr kumimoji="0" lang="en-US" sz="2400" b="0" i="0" u="none" strike="noStrike" kern="1200" cap="none" spc="0" normalizeH="0" baseline="0" noProof="0" dirty="0">
-                <a:ln>
-                  <a:noFill/>
-                </a:ln>
-                <a:solidFill>
-                  <a:srgbClr val="A31515"/>
-                </a:solidFill>
-                <a:effectLst/>
-                <a:uLnTx/>
-                <a:uFillTx/>
-                <a:latin typeface="Consolas" panose="020B0609020204030204" pitchFamily="49" charset="0"/>
-                <a:ea typeface="+mn-ea"/>
-                <a:cs typeface="+mn-cs"/>
-              </a:rPr>
-              <a:t>'del'</a:t>
-            </a:r>
-            <a:r>
-              <a:rPr kumimoji="0" lang="en-US" sz="2400" b="0" i="0" u="none" strike="noStrike" kern="1200" cap="none" spc="0" normalizeH="0" baseline="0" noProof="0" dirty="0">
-                <a:ln>
-                  <a:noFill/>
-                </a:ln>
-                <a:solidFill>
-                  <a:srgbClr val="000000"/>
-                </a:solidFill>
-                <a:effectLst/>
-                <a:uLnTx/>
-                <a:uFillTx/>
-                <a:latin typeface="Consolas" panose="020B0609020204030204" pitchFamily="49" charset="0"/>
-                <a:ea typeface="+mn-ea"/>
-                <a:cs typeface="+mn-cs"/>
-              </a:rPr>
-              <a:t>);</a:t>
-            </a:r>
-          </a:p>
-          <a:p>
-            <a:pPr marL="0" marR="0" lvl="0" indent="0" algn="l" defTabSz="914400" rtl="0" eaLnBrk="1" fontAlgn="auto" latinLnBrk="0" hangingPunct="1">
+              <a:rPr lang="en-US" sz="2200" b="0" dirty="0">
+                <a:solidFill>
+                  <a:srgbClr val="3B3B3B"/>
+                </a:solidFill>
+                <a:effectLst/>
+                <a:latin typeface="Consolas" panose="020B0609020204030204" pitchFamily="49" charset="0"/>
+                <a:cs typeface="Consolas" panose="020B0609020204030204" pitchFamily="49" charset="0"/>
+              </a:rPr>
+              <a:t>  });</a:t>
+            </a:r>
+          </a:p>
+          <a:p>
+            <a:pPr>
               <a:lnSpc>
-                <a:spcPct val="100000"/>
+                <a:spcPct val="110000"/>
               </a:lnSpc>
-              <a:spcBef>
-                <a:spcPts val="0"/>
-              </a:spcBef>
-              <a:spcAft>
-                <a:spcPts val="0"/>
-              </a:spcAft>
-              <a:buClrTx/>
-              <a:buSzTx/>
-              <a:buFontTx/>
               <a:buNone/>
-              <a:tabLst/>
-              <a:defRPr/>
             </a:pPr>
             <a:r>
-              <a:rPr kumimoji="0" lang="en-US" sz="2400" b="0" i="0" u="none" strike="noStrike" kern="1200" cap="none" spc="0" normalizeH="0" baseline="0" noProof="0" dirty="0">
-                <a:ln>
-                  <a:noFill/>
-                </a:ln>
-                <a:solidFill>
-                  <a:srgbClr val="000000"/>
-                </a:solidFill>
-                <a:effectLst/>
-                <a:uLnTx/>
-                <a:uFillTx/>
-                <a:latin typeface="Consolas" panose="020B0609020204030204" pitchFamily="49" charset="0"/>
-                <a:ea typeface="+mn-ea"/>
-                <a:cs typeface="+mn-cs"/>
-              </a:rPr>
-              <a:t>      </a:t>
-            </a:r>
-            <a:r>
-              <a:rPr kumimoji="0" lang="en-US" sz="2400" b="0" i="0" u="none" strike="noStrike" kern="1200" cap="none" spc="0" normalizeH="0" baseline="0" noProof="0" dirty="0">
-                <a:ln>
-                  <a:noFill/>
-                </a:ln>
-                <a:solidFill>
-                  <a:srgbClr val="795E26"/>
-                </a:solidFill>
-                <a:effectLst/>
-                <a:uLnTx/>
-                <a:uFillTx/>
-                <a:latin typeface="Consolas" panose="020B0609020204030204" pitchFamily="49" charset="0"/>
-                <a:ea typeface="+mn-ea"/>
-                <a:cs typeface="+mn-cs"/>
-              </a:rPr>
-              <a:t>expect</a:t>
-            </a:r>
-            <a:r>
-              <a:rPr kumimoji="0" lang="en-US" sz="2400" b="0" i="0" u="none" strike="noStrike" kern="1200" cap="none" spc="0" normalizeH="0" baseline="0" noProof="0" dirty="0">
-                <a:ln>
-                  <a:noFill/>
-                </a:ln>
-                <a:solidFill>
-                  <a:srgbClr val="000000"/>
-                </a:solidFill>
-                <a:effectLst/>
-                <a:uLnTx/>
-                <a:uFillTx/>
-                <a:latin typeface="Consolas" panose="020B0609020204030204" pitchFamily="49" charset="0"/>
-                <a:ea typeface="+mn-ea"/>
-                <a:cs typeface="+mn-cs"/>
-              </a:rPr>
-              <a:t>(</a:t>
-            </a:r>
-            <a:r>
-              <a:rPr kumimoji="0" lang="en-US" sz="2400" b="0" i="0" u="none" strike="noStrike" kern="1200" cap="none" spc="0" normalizeH="0" baseline="0" noProof="0" dirty="0">
-                <a:ln>
-                  <a:noFill/>
-                </a:ln>
-                <a:solidFill>
-                  <a:srgbClr val="0070C1"/>
-                </a:solidFill>
-                <a:effectLst/>
-                <a:uLnTx/>
-                <a:uFillTx/>
-                <a:latin typeface="Consolas" panose="020B0609020204030204" pitchFamily="49" charset="0"/>
-                <a:ea typeface="+mn-ea"/>
-                <a:cs typeface="+mn-cs"/>
-              </a:rPr>
-              <a:t>id1</a:t>
-            </a:r>
-            <a:r>
-              <a:rPr kumimoji="0" lang="en-US" sz="2400" b="0" i="0" u="none" strike="noStrike" kern="1200" cap="none" spc="0" normalizeH="0" baseline="0" noProof="0" dirty="0">
-                <a:ln>
-                  <a:noFill/>
-                </a:ln>
-                <a:solidFill>
-                  <a:srgbClr val="000000"/>
-                </a:solidFill>
-                <a:effectLst/>
-                <a:uLnTx/>
-                <a:uFillTx/>
-                <a:latin typeface="Consolas" panose="020B0609020204030204" pitchFamily="49" charset="0"/>
-                <a:ea typeface="+mn-ea"/>
-                <a:cs typeface="+mn-cs"/>
-              </a:rPr>
-              <a:t>).</a:t>
-            </a:r>
-            <a:r>
-              <a:rPr kumimoji="0" lang="en-US" sz="2400" b="0" i="0" u="none" strike="noStrike" kern="1200" cap="none" spc="0" normalizeH="0" baseline="0" noProof="0" dirty="0" err="1">
-                <a:ln>
-                  <a:noFill/>
-                </a:ln>
-                <a:solidFill>
-                  <a:srgbClr val="001080"/>
-                </a:solidFill>
-                <a:effectLst/>
-                <a:uLnTx/>
-                <a:uFillTx/>
-                <a:latin typeface="Consolas" panose="020B0609020204030204" pitchFamily="49" charset="0"/>
-                <a:ea typeface="+mn-ea"/>
-                <a:cs typeface="+mn-cs"/>
-              </a:rPr>
-              <a:t>not</a:t>
-            </a:r>
-            <a:r>
-              <a:rPr kumimoji="0" lang="en-US" sz="2400" b="0" i="0" u="none" strike="noStrike" kern="1200" cap="none" spc="0" normalizeH="0" baseline="0" noProof="0" dirty="0" err="1">
-                <a:ln>
-                  <a:noFill/>
-                </a:ln>
-                <a:solidFill>
-                  <a:srgbClr val="000000"/>
-                </a:solidFill>
-                <a:effectLst/>
-                <a:uLnTx/>
-                <a:uFillTx/>
-                <a:latin typeface="Consolas" panose="020B0609020204030204" pitchFamily="49" charset="0"/>
-                <a:ea typeface="+mn-ea"/>
-                <a:cs typeface="+mn-cs"/>
-              </a:rPr>
-              <a:t>.</a:t>
-            </a:r>
-            <a:r>
-              <a:rPr kumimoji="0" lang="en-US" sz="2400" b="0" i="0" u="none" strike="noStrike" kern="1200" cap="none" spc="0" normalizeH="0" baseline="0" noProof="0" dirty="0" err="1">
-                <a:ln>
-                  <a:noFill/>
-                </a:ln>
-                <a:solidFill>
-                  <a:srgbClr val="795E26"/>
-                </a:solidFill>
-                <a:effectLst/>
-                <a:uLnTx/>
-                <a:uFillTx/>
-                <a:latin typeface="Consolas" panose="020B0609020204030204" pitchFamily="49" charset="0"/>
-                <a:ea typeface="+mn-ea"/>
-                <a:cs typeface="+mn-cs"/>
-              </a:rPr>
-              <a:t>toEqual</a:t>
-            </a:r>
-            <a:r>
-              <a:rPr kumimoji="0" lang="en-US" sz="2400" b="0" i="0" u="none" strike="noStrike" kern="1200" cap="none" spc="0" normalizeH="0" baseline="0" noProof="0" dirty="0">
-                <a:ln>
-                  <a:noFill/>
-                </a:ln>
-                <a:solidFill>
-                  <a:srgbClr val="000000"/>
-                </a:solidFill>
-                <a:effectLst/>
-                <a:uLnTx/>
-                <a:uFillTx/>
-                <a:latin typeface="Consolas" panose="020B0609020204030204" pitchFamily="49" charset="0"/>
-                <a:ea typeface="+mn-ea"/>
-                <a:cs typeface="+mn-cs"/>
-              </a:rPr>
-              <a:t>(</a:t>
-            </a:r>
-            <a:r>
-              <a:rPr kumimoji="0" lang="en-US" sz="2400" b="0" i="0" u="none" strike="noStrike" kern="1200" cap="none" spc="0" normalizeH="0" baseline="0" noProof="0" dirty="0">
-                <a:ln>
-                  <a:noFill/>
-                </a:ln>
-                <a:solidFill>
-                  <a:srgbClr val="0070C1"/>
-                </a:solidFill>
-                <a:effectLst/>
-                <a:uLnTx/>
-                <a:uFillTx/>
-                <a:latin typeface="Consolas" panose="020B0609020204030204" pitchFamily="49" charset="0"/>
-                <a:ea typeface="+mn-ea"/>
-                <a:cs typeface="+mn-cs"/>
-              </a:rPr>
-              <a:t>id2</a:t>
-            </a:r>
-            <a:r>
-              <a:rPr kumimoji="0" lang="en-US" sz="2400" b="0" i="0" u="none" strike="noStrike" kern="1200" cap="none" spc="0" normalizeH="0" baseline="0" noProof="0" dirty="0">
-                <a:ln>
-                  <a:noFill/>
-                </a:ln>
-                <a:solidFill>
-                  <a:srgbClr val="000000"/>
-                </a:solidFill>
-                <a:effectLst/>
-                <a:uLnTx/>
-                <a:uFillTx/>
-                <a:latin typeface="Consolas" panose="020B0609020204030204" pitchFamily="49" charset="0"/>
-                <a:ea typeface="+mn-ea"/>
-                <a:cs typeface="+mn-cs"/>
-              </a:rPr>
-              <a:t>)</a:t>
-            </a:r>
-          </a:p>
-          <a:p>
-            <a:pPr marL="0" marR="0" lvl="0" indent="0" algn="l" defTabSz="914400" rtl="0" eaLnBrk="1" fontAlgn="auto" latinLnBrk="0" hangingPunct="1">
-              <a:lnSpc>
-                <a:spcPct val="100000"/>
-              </a:lnSpc>
-              <a:spcBef>
-                <a:spcPts val="0"/>
-              </a:spcBef>
-              <a:spcAft>
-                <a:spcPts val="0"/>
-              </a:spcAft>
-              <a:buClrTx/>
-              <a:buSzTx/>
-              <a:buFontTx/>
-              <a:buNone/>
-              <a:tabLst/>
-              <a:defRPr/>
-            </a:pPr>
-            <a:r>
-              <a:rPr kumimoji="0" lang="en-US" sz="2400" b="0" i="0" u="none" strike="noStrike" kern="1200" cap="none" spc="0" normalizeH="0" baseline="0" noProof="0" dirty="0">
-                <a:ln>
-                  <a:noFill/>
-                </a:ln>
-                <a:solidFill>
-                  <a:srgbClr val="000000"/>
-                </a:solidFill>
-                <a:effectLst/>
-                <a:uLnTx/>
-                <a:uFillTx/>
-                <a:latin typeface="Consolas" panose="020B0609020204030204" pitchFamily="49" charset="0"/>
-                <a:ea typeface="+mn-ea"/>
-                <a:cs typeface="+mn-cs"/>
-              </a:rPr>
-              <a:t>      </a:t>
-            </a:r>
-            <a:r>
-              <a:rPr kumimoji="0" lang="en-US" sz="2400" b="0" i="0" u="none" strike="noStrike" kern="1200" cap="none" spc="0" normalizeH="0" baseline="0" noProof="0" dirty="0">
-                <a:ln>
-                  <a:noFill/>
-                </a:ln>
-                <a:solidFill>
-                  <a:srgbClr val="795E26"/>
-                </a:solidFill>
-                <a:effectLst/>
-                <a:uLnTx/>
-                <a:uFillTx/>
-                <a:latin typeface="Consolas" panose="020B0609020204030204" pitchFamily="49" charset="0"/>
-                <a:ea typeface="+mn-ea"/>
-                <a:cs typeface="+mn-cs"/>
-              </a:rPr>
-              <a:t>expect</a:t>
-            </a:r>
-            <a:r>
-              <a:rPr kumimoji="0" lang="en-US" sz="2400" b="0" i="0" u="none" strike="noStrike" kern="1200" cap="none" spc="0" normalizeH="0" baseline="0" noProof="0" dirty="0">
-                <a:ln>
-                  <a:noFill/>
-                </a:ln>
-                <a:solidFill>
-                  <a:srgbClr val="000000"/>
-                </a:solidFill>
-                <a:effectLst/>
-                <a:uLnTx/>
-                <a:uFillTx/>
-                <a:latin typeface="Consolas" panose="020B0609020204030204" pitchFamily="49" charset="0"/>
-                <a:ea typeface="+mn-ea"/>
-                <a:cs typeface="+mn-cs"/>
-              </a:rPr>
-              <a:t>(</a:t>
-            </a:r>
-            <a:r>
-              <a:rPr kumimoji="0" lang="en-US" sz="2400" b="0" i="0" u="none" strike="noStrike" kern="1200" cap="none" spc="0" normalizeH="0" baseline="0" noProof="0" dirty="0">
-                <a:ln>
-                  <a:noFill/>
-                </a:ln>
-                <a:solidFill>
-                  <a:srgbClr val="0070C1"/>
-                </a:solidFill>
-                <a:effectLst/>
-                <a:uLnTx/>
-                <a:uFillTx/>
-                <a:latin typeface="Consolas" panose="020B0609020204030204" pitchFamily="49" charset="0"/>
-                <a:ea typeface="+mn-ea"/>
-                <a:cs typeface="+mn-cs"/>
-              </a:rPr>
-              <a:t>id1</a:t>
-            </a:r>
-            <a:r>
-              <a:rPr kumimoji="0" lang="en-US" sz="2400" b="0" i="0" u="none" strike="noStrike" kern="1200" cap="none" spc="0" normalizeH="0" baseline="0" noProof="0" dirty="0">
-                <a:ln>
-                  <a:noFill/>
-                </a:ln>
-                <a:solidFill>
-                  <a:srgbClr val="000000"/>
-                </a:solidFill>
-                <a:effectLst/>
-                <a:uLnTx/>
-                <a:uFillTx/>
-                <a:latin typeface="Consolas" panose="020B0609020204030204" pitchFamily="49" charset="0"/>
-                <a:ea typeface="+mn-ea"/>
-                <a:cs typeface="+mn-cs"/>
-              </a:rPr>
-              <a:t>).</a:t>
-            </a:r>
-            <a:r>
-              <a:rPr kumimoji="0" lang="en-US" sz="2400" b="0" i="0" u="none" strike="noStrike" kern="1200" cap="none" spc="0" normalizeH="0" baseline="0" noProof="0" dirty="0" err="1">
-                <a:ln>
-                  <a:noFill/>
-                </a:ln>
-                <a:solidFill>
-                  <a:srgbClr val="001080"/>
-                </a:solidFill>
-                <a:effectLst/>
-                <a:uLnTx/>
-                <a:uFillTx/>
-                <a:latin typeface="Consolas" panose="020B0609020204030204" pitchFamily="49" charset="0"/>
-                <a:ea typeface="+mn-ea"/>
-                <a:cs typeface="+mn-cs"/>
-              </a:rPr>
-              <a:t>not</a:t>
-            </a:r>
-            <a:r>
-              <a:rPr kumimoji="0" lang="en-US" sz="2400" b="0" i="0" u="none" strike="noStrike" kern="1200" cap="none" spc="0" normalizeH="0" baseline="0" noProof="0" dirty="0" err="1">
-                <a:ln>
-                  <a:noFill/>
-                </a:ln>
-                <a:solidFill>
-                  <a:srgbClr val="000000"/>
-                </a:solidFill>
-                <a:effectLst/>
-                <a:uLnTx/>
-                <a:uFillTx/>
-                <a:latin typeface="Consolas" panose="020B0609020204030204" pitchFamily="49" charset="0"/>
-                <a:ea typeface="+mn-ea"/>
-                <a:cs typeface="+mn-cs"/>
-              </a:rPr>
-              <a:t>.</a:t>
-            </a:r>
-            <a:r>
-              <a:rPr kumimoji="0" lang="en-US" sz="2400" b="0" i="0" u="none" strike="noStrike" kern="1200" cap="none" spc="0" normalizeH="0" baseline="0" noProof="0" dirty="0" err="1">
-                <a:ln>
-                  <a:noFill/>
-                </a:ln>
-                <a:solidFill>
-                  <a:srgbClr val="795E26"/>
-                </a:solidFill>
-                <a:effectLst/>
-                <a:uLnTx/>
-                <a:uFillTx/>
-                <a:latin typeface="Consolas" panose="020B0609020204030204" pitchFamily="49" charset="0"/>
-                <a:ea typeface="+mn-ea"/>
-                <a:cs typeface="+mn-cs"/>
-              </a:rPr>
-              <a:t>toEqual</a:t>
-            </a:r>
-            <a:r>
-              <a:rPr kumimoji="0" lang="en-US" sz="2400" b="0" i="0" u="none" strike="noStrike" kern="1200" cap="none" spc="0" normalizeH="0" baseline="0" noProof="0" dirty="0">
-                <a:ln>
-                  <a:noFill/>
-                </a:ln>
-                <a:solidFill>
-                  <a:srgbClr val="000000"/>
-                </a:solidFill>
-                <a:effectLst/>
-                <a:uLnTx/>
-                <a:uFillTx/>
-                <a:latin typeface="Consolas" panose="020B0609020204030204" pitchFamily="49" charset="0"/>
-                <a:ea typeface="+mn-ea"/>
-                <a:cs typeface="+mn-cs"/>
-              </a:rPr>
-              <a:t>(</a:t>
-            </a:r>
-            <a:r>
-              <a:rPr kumimoji="0" lang="en-US" sz="2400" b="0" i="0" u="none" strike="noStrike" kern="1200" cap="none" spc="0" normalizeH="0" baseline="0" noProof="0" dirty="0">
-                <a:ln>
-                  <a:noFill/>
-                </a:ln>
-                <a:solidFill>
-                  <a:srgbClr val="0070C1"/>
-                </a:solidFill>
-                <a:effectLst/>
-                <a:uLnTx/>
-                <a:uFillTx/>
-                <a:latin typeface="Consolas" panose="020B0609020204030204" pitchFamily="49" charset="0"/>
-                <a:ea typeface="+mn-ea"/>
-                <a:cs typeface="+mn-cs"/>
-              </a:rPr>
-              <a:t>id3</a:t>
-            </a:r>
-            <a:r>
-              <a:rPr kumimoji="0" lang="en-US" sz="2400" b="0" i="0" u="none" strike="noStrike" kern="1200" cap="none" spc="0" normalizeH="0" baseline="0" noProof="0" dirty="0">
-                <a:ln>
-                  <a:noFill/>
-                </a:ln>
-                <a:solidFill>
-                  <a:srgbClr val="000000"/>
-                </a:solidFill>
-                <a:effectLst/>
-                <a:uLnTx/>
-                <a:uFillTx/>
-                <a:latin typeface="Consolas" panose="020B0609020204030204" pitchFamily="49" charset="0"/>
-                <a:ea typeface="+mn-ea"/>
-                <a:cs typeface="+mn-cs"/>
-              </a:rPr>
-              <a:t>)</a:t>
-            </a:r>
-          </a:p>
-          <a:p>
-            <a:pPr marL="0" marR="0" lvl="0" indent="0" algn="l" defTabSz="914400" rtl="0" eaLnBrk="1" fontAlgn="auto" latinLnBrk="0" hangingPunct="1">
-              <a:lnSpc>
-                <a:spcPct val="100000"/>
-              </a:lnSpc>
-              <a:spcBef>
-                <a:spcPts val="0"/>
-              </a:spcBef>
-              <a:spcAft>
-                <a:spcPts val="0"/>
-              </a:spcAft>
-              <a:buClrTx/>
-              <a:buSzTx/>
-              <a:buFontTx/>
-              <a:buNone/>
-              <a:tabLst/>
-              <a:defRPr/>
-            </a:pPr>
-            <a:r>
-              <a:rPr kumimoji="0" lang="en-US" sz="2400" b="0" i="0" u="none" strike="noStrike" kern="1200" cap="none" spc="0" normalizeH="0" baseline="0" noProof="0" dirty="0">
-                <a:ln>
-                  <a:noFill/>
-                </a:ln>
-                <a:solidFill>
-                  <a:srgbClr val="000000"/>
-                </a:solidFill>
-                <a:effectLst/>
-                <a:uLnTx/>
-                <a:uFillTx/>
-                <a:latin typeface="Consolas" panose="020B0609020204030204" pitchFamily="49" charset="0"/>
-                <a:ea typeface="+mn-ea"/>
-                <a:cs typeface="+mn-cs"/>
-              </a:rPr>
-              <a:t>      </a:t>
-            </a:r>
-            <a:r>
-              <a:rPr kumimoji="0" lang="en-US" sz="2400" b="0" i="0" u="none" strike="noStrike" kern="1200" cap="none" spc="0" normalizeH="0" baseline="0" noProof="0" dirty="0">
-                <a:ln>
-                  <a:noFill/>
-                </a:ln>
-                <a:solidFill>
-                  <a:srgbClr val="795E26"/>
-                </a:solidFill>
-                <a:effectLst/>
-                <a:uLnTx/>
-                <a:uFillTx/>
-                <a:latin typeface="Consolas" panose="020B0609020204030204" pitchFamily="49" charset="0"/>
-                <a:ea typeface="+mn-ea"/>
-                <a:cs typeface="+mn-cs"/>
-              </a:rPr>
-              <a:t>expect</a:t>
-            </a:r>
-            <a:r>
-              <a:rPr kumimoji="0" lang="en-US" sz="2400" b="0" i="0" u="none" strike="noStrike" kern="1200" cap="none" spc="0" normalizeH="0" baseline="0" noProof="0" dirty="0">
-                <a:ln>
-                  <a:noFill/>
-                </a:ln>
-                <a:solidFill>
-                  <a:srgbClr val="000000"/>
-                </a:solidFill>
-                <a:effectLst/>
-                <a:uLnTx/>
-                <a:uFillTx/>
-                <a:latin typeface="Consolas" panose="020B0609020204030204" pitchFamily="49" charset="0"/>
-                <a:ea typeface="+mn-ea"/>
-                <a:cs typeface="+mn-cs"/>
-              </a:rPr>
-              <a:t>(</a:t>
-            </a:r>
-            <a:r>
-              <a:rPr kumimoji="0" lang="en-US" sz="2400" b="0" i="0" u="none" strike="noStrike" kern="1200" cap="none" spc="0" normalizeH="0" baseline="0" noProof="0" dirty="0">
-                <a:ln>
-                  <a:noFill/>
-                </a:ln>
-                <a:solidFill>
-                  <a:srgbClr val="0070C1"/>
-                </a:solidFill>
-                <a:effectLst/>
-                <a:uLnTx/>
-                <a:uFillTx/>
-                <a:latin typeface="Consolas" panose="020B0609020204030204" pitchFamily="49" charset="0"/>
-                <a:ea typeface="+mn-ea"/>
-                <a:cs typeface="+mn-cs"/>
-              </a:rPr>
-              <a:t>id2</a:t>
-            </a:r>
-            <a:r>
-              <a:rPr kumimoji="0" lang="en-US" sz="2400" b="0" i="0" u="none" strike="noStrike" kern="1200" cap="none" spc="0" normalizeH="0" baseline="0" noProof="0" dirty="0">
-                <a:ln>
-                  <a:noFill/>
-                </a:ln>
-                <a:solidFill>
-                  <a:srgbClr val="000000"/>
-                </a:solidFill>
-                <a:effectLst/>
-                <a:uLnTx/>
-                <a:uFillTx/>
-                <a:latin typeface="Consolas" panose="020B0609020204030204" pitchFamily="49" charset="0"/>
-                <a:ea typeface="+mn-ea"/>
-                <a:cs typeface="+mn-cs"/>
-              </a:rPr>
-              <a:t>).</a:t>
-            </a:r>
-            <a:r>
-              <a:rPr kumimoji="0" lang="en-US" sz="2400" b="0" i="0" u="none" strike="noStrike" kern="1200" cap="none" spc="0" normalizeH="0" baseline="0" noProof="0" dirty="0" err="1">
-                <a:ln>
-                  <a:noFill/>
-                </a:ln>
-                <a:solidFill>
-                  <a:srgbClr val="001080"/>
-                </a:solidFill>
-                <a:effectLst/>
-                <a:uLnTx/>
-                <a:uFillTx/>
-                <a:latin typeface="Consolas" panose="020B0609020204030204" pitchFamily="49" charset="0"/>
-                <a:ea typeface="+mn-ea"/>
-                <a:cs typeface="+mn-cs"/>
-              </a:rPr>
-              <a:t>not</a:t>
-            </a:r>
-            <a:r>
-              <a:rPr kumimoji="0" lang="en-US" sz="2400" b="0" i="0" u="none" strike="noStrike" kern="1200" cap="none" spc="0" normalizeH="0" baseline="0" noProof="0" dirty="0" err="1">
-                <a:ln>
-                  <a:noFill/>
-                </a:ln>
-                <a:solidFill>
-                  <a:srgbClr val="000000"/>
-                </a:solidFill>
-                <a:effectLst/>
-                <a:uLnTx/>
-                <a:uFillTx/>
-                <a:latin typeface="Consolas" panose="020B0609020204030204" pitchFamily="49" charset="0"/>
-                <a:ea typeface="+mn-ea"/>
-                <a:cs typeface="+mn-cs"/>
-              </a:rPr>
-              <a:t>.</a:t>
-            </a:r>
-            <a:r>
-              <a:rPr kumimoji="0" lang="en-US" sz="2400" b="0" i="0" u="none" strike="noStrike" kern="1200" cap="none" spc="0" normalizeH="0" baseline="0" noProof="0" dirty="0" err="1">
-                <a:ln>
-                  <a:noFill/>
-                </a:ln>
-                <a:solidFill>
-                  <a:srgbClr val="795E26"/>
-                </a:solidFill>
-                <a:effectLst/>
-                <a:uLnTx/>
-                <a:uFillTx/>
-                <a:latin typeface="Consolas" panose="020B0609020204030204" pitchFamily="49" charset="0"/>
-                <a:ea typeface="+mn-ea"/>
-                <a:cs typeface="+mn-cs"/>
-              </a:rPr>
-              <a:t>toEqual</a:t>
-            </a:r>
-            <a:r>
-              <a:rPr kumimoji="0" lang="en-US" sz="2400" b="0" i="0" u="none" strike="noStrike" kern="1200" cap="none" spc="0" normalizeH="0" baseline="0" noProof="0" dirty="0">
-                <a:ln>
-                  <a:noFill/>
-                </a:ln>
-                <a:solidFill>
-                  <a:srgbClr val="000000"/>
-                </a:solidFill>
-                <a:effectLst/>
-                <a:uLnTx/>
-                <a:uFillTx/>
-                <a:latin typeface="Consolas" panose="020B0609020204030204" pitchFamily="49" charset="0"/>
-                <a:ea typeface="+mn-ea"/>
-                <a:cs typeface="+mn-cs"/>
-              </a:rPr>
-              <a:t>(</a:t>
-            </a:r>
-            <a:r>
-              <a:rPr kumimoji="0" lang="en-US" sz="2400" b="0" i="0" u="none" strike="noStrike" kern="1200" cap="none" spc="0" normalizeH="0" baseline="0" noProof="0" dirty="0">
-                <a:ln>
-                  <a:noFill/>
-                </a:ln>
-                <a:solidFill>
-                  <a:srgbClr val="0070C1"/>
-                </a:solidFill>
-                <a:effectLst/>
-                <a:uLnTx/>
-                <a:uFillTx/>
-                <a:latin typeface="Consolas" panose="020B0609020204030204" pitchFamily="49" charset="0"/>
-                <a:ea typeface="+mn-ea"/>
-                <a:cs typeface="+mn-cs"/>
-              </a:rPr>
-              <a:t>id3</a:t>
-            </a:r>
-            <a:r>
-              <a:rPr kumimoji="0" lang="en-US" sz="2400" b="0" i="0" u="none" strike="noStrike" kern="1200" cap="none" spc="0" normalizeH="0" baseline="0" noProof="0" dirty="0">
-                <a:ln>
-                  <a:noFill/>
-                </a:ln>
-                <a:solidFill>
-                  <a:srgbClr val="000000"/>
-                </a:solidFill>
-                <a:effectLst/>
-                <a:uLnTx/>
-                <a:uFillTx/>
-                <a:latin typeface="Consolas" panose="020B0609020204030204" pitchFamily="49" charset="0"/>
-                <a:ea typeface="+mn-ea"/>
-                <a:cs typeface="+mn-cs"/>
-              </a:rPr>
-              <a:t>)</a:t>
-            </a:r>
-          </a:p>
-          <a:p>
-            <a:pPr marL="0" marR="0" lvl="0" indent="0" algn="l" defTabSz="914400" rtl="0" eaLnBrk="1" fontAlgn="auto" latinLnBrk="0" hangingPunct="1">
-              <a:lnSpc>
-                <a:spcPct val="100000"/>
-              </a:lnSpc>
-              <a:spcBef>
-                <a:spcPts val="0"/>
-              </a:spcBef>
-              <a:spcAft>
-                <a:spcPts val="0"/>
-              </a:spcAft>
-              <a:buClrTx/>
-              <a:buSzTx/>
-              <a:buFontTx/>
-              <a:buNone/>
-              <a:tabLst/>
-              <a:defRPr/>
-            </a:pPr>
-            <a:r>
-              <a:rPr kumimoji="0" lang="en-US" sz="2400" b="0" i="0" u="none" strike="noStrike" kern="1200" cap="none" spc="0" normalizeH="0" baseline="0" noProof="0" dirty="0">
-                <a:ln>
-                  <a:noFill/>
-                </a:ln>
-                <a:solidFill>
-                  <a:srgbClr val="000000"/>
-                </a:solidFill>
-                <a:effectLst/>
-                <a:uLnTx/>
-                <a:uFillTx/>
-                <a:latin typeface="Consolas" panose="020B0609020204030204" pitchFamily="49" charset="0"/>
-                <a:ea typeface="+mn-ea"/>
-                <a:cs typeface="+mn-cs"/>
-              </a:rPr>
-              <a:t>    });</a:t>
-            </a:r>
-          </a:p>
-          <a:p>
-            <a:pPr marL="0" marR="0" lvl="0" indent="0" algn="l" defTabSz="914400" rtl="0" eaLnBrk="1" fontAlgn="auto" latinLnBrk="0" hangingPunct="1">
-              <a:lnSpc>
-                <a:spcPct val="100000"/>
-              </a:lnSpc>
-              <a:spcBef>
-                <a:spcPts val="0"/>
-              </a:spcBef>
-              <a:spcAft>
-                <a:spcPts val="0"/>
-              </a:spcAft>
-              <a:buClrTx/>
-              <a:buSzTx/>
-              <a:buFontTx/>
-              <a:buNone/>
-              <a:tabLst/>
-              <a:defRPr/>
-            </a:pPr>
-            <a:br>
-              <a:rPr kumimoji="0" lang="en-US" sz="1800" b="0" i="0" u="none" strike="noStrike" kern="1200" cap="none" spc="0" normalizeH="0" baseline="0" noProof="0" dirty="0">
-                <a:ln>
-                  <a:noFill/>
-                </a:ln>
-                <a:solidFill>
-                  <a:srgbClr val="000000"/>
-                </a:solidFill>
-                <a:effectLst/>
-                <a:uLnTx/>
-                <a:uFillTx/>
-                <a:latin typeface="Consolas" panose="020B0609020204030204" pitchFamily="49" charset="0"/>
-                <a:ea typeface="+mn-ea"/>
-                <a:cs typeface="+mn-cs"/>
-              </a:rPr>
-            </a:br>
-            <a:endParaRPr kumimoji="0" lang="en-US" sz="1800" b="0" i="0" u="none" strike="noStrike" kern="1200" cap="none" spc="0" normalizeH="0" baseline="0" noProof="0" dirty="0">
-              <a:ln>
-                <a:noFill/>
-              </a:ln>
-              <a:solidFill>
-                <a:srgbClr val="000000"/>
-              </a:solidFill>
-              <a:effectLst/>
-              <a:uLnTx/>
-              <a:uFillTx/>
-              <a:latin typeface="Consolas" panose="020B0609020204030204" pitchFamily="49" charset="0"/>
-              <a:ea typeface="+mn-ea"/>
-              <a:cs typeface="+mn-cs"/>
-            </a:endParaRPr>
-          </a:p>
-        </p:txBody>
-      </p:sp>
-      <p:sp>
-        <p:nvSpPr>
-          <p:cNvPr id="2" name="Title 1">
-            <a:extLst>
-              <a:ext uri="{FF2B5EF4-FFF2-40B4-BE49-F238E27FC236}">
-                <a16:creationId xmlns:a16="http://schemas.microsoft.com/office/drawing/2014/main" id="{591D3E0C-6DB3-A366-00C9-9208255B41E0}"/>
-              </a:ext>
-            </a:extLst>
-          </p:cNvPr>
-          <p:cNvSpPr>
-            <a:spLocks noGrp="1"/>
-          </p:cNvSpPr>
-          <p:nvPr>
-            <p:ph type="title"/>
-          </p:nvPr>
-        </p:nvSpPr>
-        <p:spPr/>
-        <p:txBody>
-          <a:bodyPr/>
-          <a:lstStyle/>
-          <a:p>
-            <a:r>
-              <a:rPr lang="en-US" dirty="0"/>
-              <a:t>Turn each testable behavior into one or more tests</a:t>
-            </a:r>
-          </a:p>
-        </p:txBody>
-      </p:sp>
-      <p:sp>
-        <p:nvSpPr>
-          <p:cNvPr id="4" name="Slide Number Placeholder 3">
-            <a:extLst>
-              <a:ext uri="{FF2B5EF4-FFF2-40B4-BE49-F238E27FC236}">
-                <a16:creationId xmlns:a16="http://schemas.microsoft.com/office/drawing/2014/main" id="{BF4F246C-5BE3-76FC-F2AE-8A414C7F8CB5}"/>
-              </a:ext>
-            </a:extLst>
-          </p:cNvPr>
-          <p:cNvSpPr>
-            <a:spLocks noGrp="1"/>
-          </p:cNvSpPr>
-          <p:nvPr>
-            <p:ph type="sldNum" sz="quarter" idx="12"/>
-          </p:nvPr>
-        </p:nvSpPr>
-        <p:spPr/>
-        <p:txBody>
-          <a:bodyPr/>
-          <a:lstStyle/>
-          <a:p>
-            <a:pPr marL="0" marR="0" lvl="0" indent="0" algn="r" defTabSz="914400" rtl="0" eaLnBrk="1" fontAlgn="auto" latinLnBrk="0" hangingPunct="1">
-              <a:lnSpc>
-                <a:spcPct val="100000"/>
-              </a:lnSpc>
-              <a:spcBef>
-                <a:spcPts val="0"/>
-              </a:spcBef>
-              <a:spcAft>
-                <a:spcPts val="0"/>
-              </a:spcAft>
-              <a:buClrTx/>
-              <a:buSzTx/>
-              <a:buFontTx/>
-              <a:buNone/>
-              <a:tabLst/>
-              <a:defRPr/>
-            </a:pPr>
-            <a:fld id="{20F37917-FD3A-4669-9018-DA04BCDD3D75}" type="slidenum">
-              <a:rPr kumimoji="0" lang="en-US" sz="1200" b="0" i="0" u="none" strike="noStrike" kern="1200" cap="none" spc="0" normalizeH="0" baseline="0" noProof="0" smtClean="0">
-                <a:ln>
-                  <a:noFill/>
-                </a:ln>
-                <a:solidFill>
-                  <a:prstClr val="black">
-                    <a:tint val="75000"/>
-                  </a:prstClr>
-                </a:solidFill>
-                <a:effectLst/>
-                <a:uLnTx/>
-                <a:uFillTx/>
-                <a:latin typeface="Calibri" panose="020F0502020204030204"/>
-                <a:ea typeface="+mn-ea"/>
-                <a:cs typeface="+mn-cs"/>
-              </a:rPr>
-              <a:pPr marL="0" marR="0" lvl="0" indent="0" algn="r" defTabSz="914400" rtl="0" eaLnBrk="1" fontAlgn="auto" latinLnBrk="0" hangingPunct="1">
-                <a:lnSpc>
-                  <a:spcPct val="100000"/>
-                </a:lnSpc>
-                <a:spcBef>
-                  <a:spcPts val="0"/>
-                </a:spcBef>
-                <a:spcAft>
-                  <a:spcPts val="0"/>
-                </a:spcAft>
-                <a:buClrTx/>
-                <a:buSzTx/>
-                <a:buFontTx/>
-                <a:buNone/>
-                <a:tabLst/>
-                <a:defRPr/>
-              </a:pPr>
-              <a:t>20</a:t>
-            </a:fld>
-            <a:endParaRPr kumimoji="0" lang="en-US" sz="1200" b="0" i="0" u="none" strike="noStrike" kern="1200" cap="none" spc="0" normalizeH="0" baseline="0" noProof="0">
-              <a:ln>
-                <a:noFill/>
-              </a:ln>
-              <a:solidFill>
-                <a:prstClr val="black">
-                  <a:tint val="75000"/>
-                </a:prstClr>
-              </a:solidFill>
-              <a:effectLst/>
-              <a:uLnTx/>
-              <a:uFillTx/>
-              <a:latin typeface="Calibri" panose="020F0502020204030204"/>
-              <a:ea typeface="+mn-ea"/>
-              <a:cs typeface="+mn-cs"/>
-            </a:endParaRPr>
+              <a:rPr lang="en-US" sz="2200" b="0" dirty="0">
+                <a:solidFill>
+                  <a:srgbClr val="3B3B3B"/>
+                </a:solidFill>
+                <a:effectLst/>
+                <a:latin typeface="Consolas" panose="020B0609020204030204" pitchFamily="49" charset="0"/>
+                <a:cs typeface="Consolas" panose="020B0609020204030204" pitchFamily="49" charset="0"/>
+              </a:rPr>
+              <a:t>});</a:t>
+            </a:r>
           </a:p>
         </p:txBody>
       </p:sp>
     </p:spTree>
     <p:extLst>
       <p:ext uri="{BB962C8B-B14F-4D97-AF65-F5344CB8AC3E}">
-        <p14:creationId xmlns:p14="http://schemas.microsoft.com/office/powerpoint/2010/main" val="2403278414"/>
+        <p14:creationId xmlns:p14="http://schemas.microsoft.com/office/powerpoint/2010/main" val="715072553"/>
       </p:ext>
     </p:extLst>
   </p:cSld>
@@ -21527,7 +20774,13 @@
   <p:cSld>
     <p:spTree>
       <p:nvGrpSpPr>
-        <p:cNvPr id="1" name=""/>
+        <p:cNvPr id="1" name="">
+          <a:extLst>
+            <a:ext uri="{FF2B5EF4-FFF2-40B4-BE49-F238E27FC236}">
+              <a16:creationId xmlns:a16="http://schemas.microsoft.com/office/drawing/2014/main" id="{C06AFB3A-DAA2-5584-DF93-087D3777FC31}"/>
+            </a:ext>
+          </a:extLst>
+        </p:cNvPr>
         <p:cNvGrpSpPr/>
         <p:nvPr/>
       </p:nvGrpSpPr>
@@ -21541,10 +20794,45 @@
       </p:grpSpPr>
       <p:sp>
         <p:nvSpPr>
+          <p:cNvPr id="3" name="Slide Number Placeholder 2">
+            <a:extLst>
+              <a:ext uri="{FF2B5EF4-FFF2-40B4-BE49-F238E27FC236}">
+                <a16:creationId xmlns:a16="http://schemas.microsoft.com/office/drawing/2014/main" id="{16D48085-8699-0B5A-DF92-276263AAD90D}"/>
+              </a:ext>
+            </a:extLst>
+          </p:cNvPr>
+          <p:cNvSpPr>
+            <a:spLocks noGrp="1"/>
+          </p:cNvSpPr>
+          <p:nvPr>
+            <p:ph type="sldNum" sz="quarter" idx="12"/>
+          </p:nvPr>
+        </p:nvSpPr>
+        <p:spPr>
+          <a:xfrm>
+            <a:off x="8610600" y="6356350"/>
+            <a:ext cx="2743200" cy="365125"/>
+          </a:xfrm>
+        </p:spPr>
+        <p:txBody>
+          <a:bodyPr/>
+          <a:lstStyle/>
+          <a:p>
+            <a:fld id="{20F37917-FD3A-4669-9018-DA04BCDD3D75}" type="slidenum">
+              <a:rPr lang="en-US" smtClean="0"/>
+              <a:pPr/>
+              <a:t>21</a:t>
+            </a:fld>
+            <a:endParaRPr lang="en-US"/>
+          </a:p>
+        </p:txBody>
+      </p:sp>
+      <p:sp>
+        <p:nvSpPr>
           <p:cNvPr id="2" name="Title 1">
             <a:extLst>
               <a:ext uri="{FF2B5EF4-FFF2-40B4-BE49-F238E27FC236}">
-                <a16:creationId xmlns:a16="http://schemas.microsoft.com/office/drawing/2014/main" id="{5D3050F9-1679-B42D-70EE-92EE12C88C74}"/>
+                <a16:creationId xmlns:a16="http://schemas.microsoft.com/office/drawing/2014/main" id="{8245A881-534A-9D72-6712-D15F82776E55}"/>
               </a:ext>
             </a:extLst>
           </p:cNvPr>
@@ -21555,53 +20843,31 @@
             <p:ph type="title"/>
           </p:nvPr>
         </p:nvSpPr>
-        <p:spPr/>
+        <p:spPr>
+          <a:xfrm>
+            <a:off x="838200" y="18255"/>
+            <a:ext cx="10515600" cy="1325563"/>
+          </a:xfrm>
+        </p:spPr>
         <p:txBody>
-          <a:bodyPr/>
+          <a:bodyPr>
+            <a:normAutofit/>
+          </a:bodyPr>
           <a:lstStyle/>
           <a:p>
             <a:r>
-              <a:rPr lang="en-US" dirty="0"/>
-              <a:t>Tests (3)</a:t>
+              <a:rPr lang="en-US" sz="3600" dirty="0"/>
+              <a:t>Tests from Testable Behaviors (2)</a:t>
             </a:r>
           </a:p>
         </p:txBody>
       </p:sp>
       <p:sp>
         <p:nvSpPr>
-          <p:cNvPr id="4" name="Slide Number Placeholder 3">
+          <p:cNvPr id="4" name="TextBox 3">
             <a:extLst>
               <a:ext uri="{FF2B5EF4-FFF2-40B4-BE49-F238E27FC236}">
-                <a16:creationId xmlns:a16="http://schemas.microsoft.com/office/drawing/2014/main" id="{02634133-7E55-DA75-0295-F1D8625BC856}"/>
-              </a:ext>
-            </a:extLst>
-          </p:cNvPr>
-          <p:cNvSpPr>
-            <a:spLocks noGrp="1"/>
-          </p:cNvSpPr>
-          <p:nvPr>
-            <p:ph type="sldNum" sz="quarter" idx="12"/>
-          </p:nvPr>
-        </p:nvSpPr>
-        <p:spPr/>
-        <p:txBody>
-          <a:bodyPr/>
-          <a:lstStyle/>
-          <a:p>
-            <a:fld id="{20F37917-FD3A-4669-9018-DA04BCDD3D75}" type="slidenum">
-              <a:rPr lang="en-US" smtClean="0"/>
-              <a:t>21</a:t>
-            </a:fld>
-            <a:endParaRPr lang="en-US"/>
-          </a:p>
-        </p:txBody>
-      </p:sp>
-      <p:sp>
-        <p:nvSpPr>
-          <p:cNvPr id="6" name="TextBox 5">
-            <a:extLst>
-              <a:ext uri="{FF2B5EF4-FFF2-40B4-BE49-F238E27FC236}">
-                <a16:creationId xmlns:a16="http://schemas.microsoft.com/office/drawing/2014/main" id="{84C01FCE-A4F6-F143-92B0-A48B1E13C30A}"/>
+                <a16:creationId xmlns:a16="http://schemas.microsoft.com/office/drawing/2014/main" id="{3AA5BC1E-8DE4-4274-1060-7E98282B1305}"/>
               </a:ext>
             </a:extLst>
           </p:cNvPr>
@@ -21610,8 +20876,8 @@
         </p:nvSpPr>
         <p:spPr>
           <a:xfrm>
-            <a:off x="577155" y="1782182"/>
-            <a:ext cx="11037689" cy="2308324"/>
+            <a:off x="744068" y="1555036"/>
+            <a:ext cx="10891341" cy="3320076"/>
           </a:xfrm>
           <a:prstGeom prst="rect">
             <a:avLst/>
@@ -21646,6 +20912,12 @@
           </a:bodyPr>
           <a:lstStyle/>
           <a:p>
+            <a:pPr>
+              <a:lnSpc>
+                <a:spcPct val="110000"/>
+              </a:lnSpc>
+              <a:buNone/>
+            </a:pPr>
             <a:r>
               <a:rPr lang="en-US" sz="2400" b="0" dirty="0">
                 <a:solidFill>
@@ -21653,16 +20925,276 @@
                 </a:solidFill>
                 <a:effectLst/>
                 <a:latin typeface="Consolas" panose="020B0609020204030204" pitchFamily="49" charset="0"/>
-              </a:rPr>
-              <a:t>test</a:t>
+                <a:cs typeface="Consolas" panose="020B0609020204030204" pitchFamily="49" charset="0"/>
+              </a:rPr>
+              <a:t>describe</a:t>
             </a:r>
             <a:r>
               <a:rPr lang="en-US" sz="2400" b="0" dirty="0">
                 <a:solidFill>
+                  <a:srgbClr val="3B3B3B"/>
+                </a:solidFill>
+                <a:effectLst/>
+                <a:latin typeface="Consolas" panose="020B0609020204030204" pitchFamily="49" charset="0"/>
+                <a:cs typeface="Consolas" panose="020B0609020204030204" pitchFamily="49" charset="0"/>
+              </a:rPr>
+              <a:t>(</a:t>
+            </a:r>
+            <a:r>
+              <a:rPr lang="en-US" sz="2400" b="0" dirty="0">
+                <a:solidFill>
+                  <a:srgbClr val="A31515"/>
+                </a:solidFill>
+                <a:effectLst/>
+                <a:latin typeface="Consolas" panose="020B0609020204030204" pitchFamily="49" charset="0"/>
+                <a:cs typeface="Consolas" panose="020B0609020204030204" pitchFamily="49" charset="0"/>
+              </a:rPr>
+              <a:t>'</a:t>
+            </a:r>
+            <a:r>
+              <a:rPr lang="en-US" sz="2400" b="0" dirty="0" err="1">
+                <a:solidFill>
+                  <a:srgbClr val="A31515"/>
+                </a:solidFill>
+                <a:effectLst/>
+                <a:latin typeface="Consolas" panose="020B0609020204030204" pitchFamily="49" charset="0"/>
+                <a:cs typeface="Consolas" panose="020B0609020204030204" pitchFamily="49" charset="0"/>
+              </a:rPr>
+              <a:t>addStudent</a:t>
+            </a:r>
+            <a:r>
+              <a:rPr lang="en-US" sz="2400" b="0" dirty="0">
+                <a:solidFill>
+                  <a:srgbClr val="A31515"/>
+                </a:solidFill>
+                <a:effectLst/>
+                <a:latin typeface="Consolas" panose="020B0609020204030204" pitchFamily="49" charset="0"/>
+                <a:cs typeface="Consolas" panose="020B0609020204030204" pitchFamily="49" charset="0"/>
+              </a:rPr>
+              <a:t>'</a:t>
+            </a:r>
+            <a:r>
+              <a:rPr lang="en-US" sz="2400" b="0" dirty="0">
+                <a:solidFill>
+                  <a:srgbClr val="3B3B3B"/>
+                </a:solidFill>
+                <a:effectLst/>
+                <a:latin typeface="Consolas" panose="020B0609020204030204" pitchFamily="49" charset="0"/>
+                <a:cs typeface="Consolas" panose="020B0609020204030204" pitchFamily="49" charset="0"/>
+              </a:rPr>
+              <a:t>, () </a:t>
+            </a:r>
+            <a:r>
+              <a:rPr lang="en-US" sz="2400" b="0" dirty="0">
+                <a:solidFill>
+                  <a:srgbClr val="0000FF"/>
+                </a:solidFill>
+                <a:effectLst/>
+                <a:latin typeface="Consolas" panose="020B0609020204030204" pitchFamily="49" charset="0"/>
+                <a:cs typeface="Consolas" panose="020B0609020204030204" pitchFamily="49" charset="0"/>
+              </a:rPr>
+              <a:t>=&gt;</a:t>
+            </a:r>
+            <a:r>
+              <a:rPr lang="en-US" sz="2400" b="0" dirty="0">
+                <a:solidFill>
+                  <a:srgbClr val="3B3B3B"/>
+                </a:solidFill>
+                <a:effectLst/>
+                <a:latin typeface="Consolas" panose="020B0609020204030204" pitchFamily="49" charset="0"/>
+                <a:cs typeface="Consolas" panose="020B0609020204030204" pitchFamily="49" charset="0"/>
+              </a:rPr>
+              <a:t> {</a:t>
+            </a:r>
+          </a:p>
+          <a:p>
+            <a:pPr>
+              <a:lnSpc>
+                <a:spcPct val="110000"/>
+              </a:lnSpc>
+              <a:buNone/>
+            </a:pPr>
+            <a:r>
+              <a:rPr lang="en-US" sz="2400" b="0" dirty="0">
+                <a:solidFill>
+                  <a:srgbClr val="795E26"/>
+                </a:solidFill>
+                <a:effectLst/>
+                <a:latin typeface="Consolas" panose="020B0609020204030204" pitchFamily="49" charset="0"/>
+                <a:cs typeface="Consolas" panose="020B0609020204030204" pitchFamily="49" charset="0"/>
+              </a:rPr>
+              <a:t>  it</a:t>
+            </a:r>
+            <a:r>
+              <a:rPr lang="en-US" sz="2400" b="0" dirty="0">
+                <a:solidFill>
+                  <a:srgbClr val="3B3B3B"/>
+                </a:solidFill>
+                <a:effectLst/>
+                <a:latin typeface="Consolas" panose="020B0609020204030204" pitchFamily="49" charset="0"/>
+                <a:cs typeface="Consolas" panose="020B0609020204030204" pitchFamily="49" charset="0"/>
+              </a:rPr>
+              <a:t>(</a:t>
+            </a:r>
+            <a:r>
+              <a:rPr lang="en-US" sz="2400" b="0" dirty="0">
+                <a:solidFill>
+                  <a:srgbClr val="A31515"/>
+                </a:solidFill>
+                <a:effectLst/>
+                <a:latin typeface="Consolas" panose="020B0609020204030204" pitchFamily="49" charset="0"/>
+                <a:cs typeface="Consolas" panose="020B0609020204030204" pitchFamily="49" charset="0"/>
+              </a:rPr>
+              <a:t>'should permit adding a student w/ same name as an existing student’</a:t>
+            </a:r>
+            <a:r>
+              <a:rPr lang="en-US" sz="2400" b="0" dirty="0">
+                <a:solidFill>
+                  <a:srgbClr val="3B3B3B"/>
+                </a:solidFill>
+                <a:effectLst/>
+                <a:latin typeface="Consolas" panose="020B0609020204030204" pitchFamily="49" charset="0"/>
+                <a:cs typeface="Consolas" panose="020B0609020204030204" pitchFamily="49" charset="0"/>
+              </a:rPr>
+              <a:t>, () </a:t>
+            </a:r>
+            <a:r>
+              <a:rPr lang="en-US" sz="2400" b="0" dirty="0">
+                <a:solidFill>
+                  <a:srgbClr val="0000FF"/>
+                </a:solidFill>
+                <a:effectLst/>
+                <a:latin typeface="Consolas" panose="020B0609020204030204" pitchFamily="49" charset="0"/>
+                <a:cs typeface="Consolas" panose="020B0609020204030204" pitchFamily="49" charset="0"/>
+              </a:rPr>
+              <a:t>=&gt;</a:t>
+            </a:r>
+            <a:r>
+              <a:rPr lang="en-US" sz="2400" b="0" dirty="0">
+                <a:solidFill>
+                  <a:srgbClr val="3B3B3B"/>
+                </a:solidFill>
+                <a:effectLst/>
+                <a:latin typeface="Consolas" panose="020B0609020204030204" pitchFamily="49" charset="0"/>
+                <a:cs typeface="Consolas" panose="020B0609020204030204" pitchFamily="49" charset="0"/>
+              </a:rPr>
+              <a:t> {</a:t>
+            </a:r>
+          </a:p>
+          <a:p>
+            <a:pPr>
+              <a:lnSpc>
+                <a:spcPct val="110000"/>
+              </a:lnSpc>
+              <a:buNone/>
+            </a:pPr>
+            <a:r>
+              <a:rPr lang="en-US" sz="2400" b="0" dirty="0">
+                <a:solidFill>
+                  <a:srgbClr val="0000FF"/>
+                </a:solidFill>
+                <a:effectLst/>
+                <a:latin typeface="Consolas" panose="020B0609020204030204" pitchFamily="49" charset="0"/>
+                <a:cs typeface="Consolas" panose="020B0609020204030204" pitchFamily="49" charset="0"/>
+              </a:rPr>
+              <a:t>    const</a:t>
+            </a:r>
+            <a:r>
+              <a:rPr lang="en-US" sz="2400" b="0" dirty="0">
+                <a:solidFill>
+                  <a:srgbClr val="3B3B3B"/>
+                </a:solidFill>
+                <a:effectLst/>
+                <a:latin typeface="Consolas" panose="020B0609020204030204" pitchFamily="49" charset="0"/>
+                <a:cs typeface="Consolas" panose="020B0609020204030204" pitchFamily="49" charset="0"/>
+              </a:rPr>
+              <a:t> </a:t>
+            </a:r>
+            <a:r>
+              <a:rPr lang="en-US" sz="2400" b="0" dirty="0">
+                <a:solidFill>
+                  <a:srgbClr val="0070C1"/>
+                </a:solidFill>
+                <a:effectLst/>
+                <a:latin typeface="Consolas" panose="020B0609020204030204" pitchFamily="49" charset="0"/>
+                <a:cs typeface="Consolas" panose="020B0609020204030204" pitchFamily="49" charset="0"/>
+              </a:rPr>
+              <a:t>id1</a:t>
+            </a:r>
+            <a:r>
+              <a:rPr lang="en-US" sz="2400" b="0" dirty="0">
+                <a:solidFill>
+                  <a:srgbClr val="3B3B3B"/>
+                </a:solidFill>
+                <a:effectLst/>
+                <a:latin typeface="Consolas" panose="020B0609020204030204" pitchFamily="49" charset="0"/>
+                <a:cs typeface="Consolas" panose="020B0609020204030204" pitchFamily="49" charset="0"/>
+              </a:rPr>
+              <a:t> </a:t>
+            </a:r>
+            <a:r>
+              <a:rPr lang="en-US" sz="2400" b="0" dirty="0">
+                <a:solidFill>
                   <a:srgbClr val="000000"/>
                 </a:solidFill>
                 <a:effectLst/>
                 <a:latin typeface="Consolas" panose="020B0609020204030204" pitchFamily="49" charset="0"/>
+                <a:cs typeface="Consolas" panose="020B0609020204030204" pitchFamily="49" charset="0"/>
+              </a:rPr>
+              <a:t>=</a:t>
+            </a:r>
+            <a:r>
+              <a:rPr lang="en-US" sz="2400" b="0" dirty="0">
+                <a:solidFill>
+                  <a:srgbClr val="3B3B3B"/>
+                </a:solidFill>
+                <a:effectLst/>
+                <a:latin typeface="Consolas" panose="020B0609020204030204" pitchFamily="49" charset="0"/>
+                <a:cs typeface="Consolas" panose="020B0609020204030204" pitchFamily="49" charset="0"/>
+              </a:rPr>
+              <a:t> </a:t>
+            </a:r>
+            <a:r>
+              <a:rPr lang="en-US" sz="2400" b="0" dirty="0" err="1">
+                <a:solidFill>
+                  <a:srgbClr val="001080"/>
+                </a:solidFill>
+                <a:effectLst/>
+                <a:latin typeface="Consolas" panose="020B0609020204030204" pitchFamily="49" charset="0"/>
+                <a:cs typeface="Consolas" panose="020B0609020204030204" pitchFamily="49" charset="0"/>
+              </a:rPr>
+              <a:t>db</a:t>
+            </a:r>
+            <a:r>
+              <a:rPr lang="en-US" sz="2400" b="0" dirty="0" err="1">
+                <a:solidFill>
+                  <a:srgbClr val="3B3B3B"/>
+                </a:solidFill>
+                <a:effectLst/>
+                <a:latin typeface="Consolas" panose="020B0609020204030204" pitchFamily="49" charset="0"/>
+                <a:cs typeface="Consolas" panose="020B0609020204030204" pitchFamily="49" charset="0"/>
+              </a:rPr>
+              <a:t>.</a:t>
+            </a:r>
+            <a:r>
+              <a:rPr lang="en-US" sz="2400" b="0" dirty="0" err="1">
+                <a:solidFill>
+                  <a:srgbClr val="795E26"/>
+                </a:solidFill>
+                <a:effectLst/>
+                <a:latin typeface="Consolas" panose="020B0609020204030204" pitchFamily="49" charset="0"/>
+                <a:cs typeface="Consolas" panose="020B0609020204030204" pitchFamily="49" charset="0"/>
+              </a:rPr>
+              <a:t>addStudent</a:t>
+            </a:r>
+            <a:r>
+              <a:rPr lang="en-US" sz="2400" b="0" dirty="0">
+                <a:solidFill>
+                  <a:srgbClr val="3B3B3B"/>
+                </a:solidFill>
+                <a:effectLst/>
+                <a:latin typeface="Consolas" panose="020B0609020204030204" pitchFamily="49" charset="0"/>
+                <a:cs typeface="Consolas" panose="020B0609020204030204" pitchFamily="49" charset="0"/>
               </a:rPr>
               <a:t>(</a:t>
             </a:r>
@@ -21673,8 +21205,9 @@
                 </a:solidFill>
                 <a:effectLst/>
                 <a:latin typeface="Consolas" panose="020B0609020204030204" pitchFamily="49" charset="0"/>
-              </a:rPr>
-              <a:t>'the </a:t>
+                <a:cs typeface="Consolas" panose="020B0609020204030204" pitchFamily="49" charset="0"/>
+              </a:rPr>
+              <a:t>'</a:t>
             </a:r>
             <a:r>
               <a:rPr lang="en-US" sz="2400" b="0" dirty="0" err="1">
@@ -21683,92 +21216,289 @@
                 </a:solidFill>
                 <a:effectLst/>
                 <a:latin typeface="Consolas" panose="020B0609020204030204" pitchFamily="49" charset="0"/>
+                <a:cs typeface="Consolas" panose="020B0609020204030204" pitchFamily="49" charset="0"/>
+              </a:rPr>
+              <a:t>blair</a:t>
+            </a:r>
+            <a:r>
+              <a:rPr lang="en-US" sz="2400" b="0" dirty="0">
+                <a:solidFill>
+                  <a:srgbClr val="A31515"/>
+                </a:solidFill>
+                <a:effectLst/>
+                <a:latin typeface="Consolas" panose="020B0609020204030204" pitchFamily="49" charset="0"/>
+                <a:cs typeface="Consolas" panose="020B0609020204030204" pitchFamily="49" charset="0"/>
+              </a:rPr>
+              <a:t>’</a:t>
+            </a:r>
+            <a:r>
+              <a:rPr lang="en-US" sz="2400" b="0" dirty="0">
+                <a:solidFill>
+                  <a:srgbClr val="3B3B3B"/>
+                </a:solidFill>
+                <a:effectLst/>
+                <a:latin typeface="Consolas" panose="020B0609020204030204" pitchFamily="49" charset="0"/>
+                <a:cs typeface="Consolas" panose="020B0609020204030204" pitchFamily="49" charset="0"/>
+              </a:rPr>
+              <a:t>);</a:t>
+            </a:r>
+          </a:p>
+          <a:p>
+            <a:pPr>
+              <a:lnSpc>
+                <a:spcPct val="110000"/>
+              </a:lnSpc>
+              <a:buNone/>
+            </a:pPr>
+            <a:r>
+              <a:rPr lang="en-US" sz="2400" b="0" dirty="0">
+                <a:solidFill>
+                  <a:srgbClr val="0000FF"/>
+                </a:solidFill>
+                <a:effectLst/>
+                <a:latin typeface="Consolas" panose="020B0609020204030204" pitchFamily="49" charset="0"/>
+                <a:cs typeface="Consolas" panose="020B0609020204030204" pitchFamily="49" charset="0"/>
+              </a:rPr>
+              <a:t>    const</a:t>
+            </a:r>
+            <a:r>
+              <a:rPr lang="en-US" sz="2400" b="0" dirty="0">
+                <a:solidFill>
+                  <a:srgbClr val="3B3B3B"/>
+                </a:solidFill>
+                <a:effectLst/>
+                <a:latin typeface="Consolas" panose="020B0609020204030204" pitchFamily="49" charset="0"/>
+                <a:cs typeface="Consolas" panose="020B0609020204030204" pitchFamily="49" charset="0"/>
+              </a:rPr>
+              <a:t> </a:t>
+            </a:r>
+            <a:r>
+              <a:rPr lang="en-US" sz="2400" b="0" dirty="0">
+                <a:solidFill>
+                  <a:srgbClr val="0070C1"/>
+                </a:solidFill>
+                <a:effectLst/>
+                <a:latin typeface="Consolas" panose="020B0609020204030204" pitchFamily="49" charset="0"/>
+                <a:cs typeface="Consolas" panose="020B0609020204030204" pitchFamily="49" charset="0"/>
+              </a:rPr>
+              <a:t>id2</a:t>
+            </a:r>
+            <a:r>
+              <a:rPr lang="en-US" sz="2400" b="0" dirty="0">
+                <a:solidFill>
+                  <a:srgbClr val="3B3B3B"/>
+                </a:solidFill>
+                <a:effectLst/>
+                <a:latin typeface="Consolas" panose="020B0609020204030204" pitchFamily="49" charset="0"/>
+                <a:cs typeface="Consolas" panose="020B0609020204030204" pitchFamily="49" charset="0"/>
+              </a:rPr>
+              <a:t> </a:t>
+            </a:r>
+            <a:r>
+              <a:rPr lang="en-US" sz="2400" b="0" dirty="0">
+                <a:solidFill>
+                  <a:srgbClr val="000000"/>
+                </a:solidFill>
+                <a:effectLst/>
+                <a:latin typeface="Consolas" panose="020B0609020204030204" pitchFamily="49" charset="0"/>
+                <a:cs typeface="Consolas" panose="020B0609020204030204" pitchFamily="49" charset="0"/>
+              </a:rPr>
+              <a:t>=</a:t>
+            </a:r>
+            <a:r>
+              <a:rPr lang="en-US" sz="2400" b="0" dirty="0">
+                <a:solidFill>
+                  <a:srgbClr val="3B3B3B"/>
+                </a:solidFill>
+                <a:effectLst/>
+                <a:latin typeface="Consolas" panose="020B0609020204030204" pitchFamily="49" charset="0"/>
+                <a:cs typeface="Consolas" panose="020B0609020204030204" pitchFamily="49" charset="0"/>
+              </a:rPr>
+              <a:t> </a:t>
+            </a:r>
+            <a:r>
+              <a:rPr lang="en-US" sz="2400" b="0" dirty="0" err="1">
+                <a:solidFill>
+                  <a:srgbClr val="001080"/>
+                </a:solidFill>
+                <a:effectLst/>
+                <a:latin typeface="Consolas" panose="020B0609020204030204" pitchFamily="49" charset="0"/>
+                <a:cs typeface="Consolas" panose="020B0609020204030204" pitchFamily="49" charset="0"/>
               </a:rPr>
               <a:t>db</a:t>
             </a:r>
             <a:r>
+              <a:rPr lang="en-US" sz="2400" b="0" dirty="0" err="1">
+                <a:solidFill>
+                  <a:srgbClr val="3B3B3B"/>
+                </a:solidFill>
+                <a:effectLst/>
+                <a:latin typeface="Consolas" panose="020B0609020204030204" pitchFamily="49" charset="0"/>
+                <a:cs typeface="Consolas" panose="020B0609020204030204" pitchFamily="49" charset="0"/>
+              </a:rPr>
+              <a:t>.</a:t>
+            </a:r>
+            <a:r>
+              <a:rPr lang="en-US" sz="2400" b="0" dirty="0" err="1">
+                <a:solidFill>
+                  <a:srgbClr val="795E26"/>
+                </a:solidFill>
+                <a:effectLst/>
+                <a:latin typeface="Consolas" panose="020B0609020204030204" pitchFamily="49" charset="0"/>
+                <a:cs typeface="Consolas" panose="020B0609020204030204" pitchFamily="49" charset="0"/>
+              </a:rPr>
+              <a:t>addStudent</a:t>
+            </a:r>
+            <a:r>
               <a:rPr lang="en-US" sz="2400" b="0" dirty="0">
                 <a:solidFill>
+                  <a:srgbClr val="3B3B3B"/>
+                </a:solidFill>
+                <a:effectLst/>
+                <a:latin typeface="Consolas" panose="020B0609020204030204" pitchFamily="49" charset="0"/>
+                <a:cs typeface="Consolas" panose="020B0609020204030204" pitchFamily="49" charset="0"/>
+              </a:rPr>
+              <a:t>(</a:t>
+            </a:r>
+            <a:r>
+              <a:rPr lang="en-US" sz="2400" b="0" dirty="0">
+                <a:solidFill>
                   <a:srgbClr val="A31515"/>
                 </a:solidFill>
                 <a:effectLst/>
                 <a:latin typeface="Consolas" panose="020B0609020204030204" pitchFamily="49" charset="0"/>
-              </a:rPr>
-              <a:t> can have more than one student with the same name'</a:t>
+                <a:cs typeface="Consolas" panose="020B0609020204030204" pitchFamily="49" charset="0"/>
+              </a:rPr>
+              <a:t>'</a:t>
+            </a:r>
+            <a:r>
+              <a:rPr lang="en-US" sz="2400" b="0" dirty="0" err="1">
+                <a:solidFill>
+                  <a:srgbClr val="A31515"/>
+                </a:solidFill>
+                <a:effectLst/>
+                <a:latin typeface="Consolas" panose="020B0609020204030204" pitchFamily="49" charset="0"/>
+                <a:cs typeface="Consolas" panose="020B0609020204030204" pitchFamily="49" charset="0"/>
+              </a:rPr>
+              <a:t>blair</a:t>
             </a:r>
             <a:r>
               <a:rPr lang="en-US" sz="2400" b="0" dirty="0">
                 <a:solidFill>
-                  <a:srgbClr val="000000"/>
-                </a:solidFill>
-                <a:effectLst/>
-                <a:latin typeface="Consolas" panose="020B0609020204030204" pitchFamily="49" charset="0"/>
-              </a:rPr>
-              <a:t>,</a:t>
-            </a:r>
-          </a:p>
-          <a:p>
+                  <a:srgbClr val="A31515"/>
+                </a:solidFill>
+                <a:effectLst/>
+                <a:latin typeface="Consolas" panose="020B0609020204030204" pitchFamily="49" charset="0"/>
+                <a:cs typeface="Consolas" panose="020B0609020204030204" pitchFamily="49" charset="0"/>
+              </a:rPr>
+              <a:t>’</a:t>
+            </a:r>
             <a:r>
               <a:rPr lang="en-US" sz="2400" b="0" dirty="0">
                 <a:solidFill>
-                  <a:srgbClr val="000000"/>
-                </a:solidFill>
-                <a:effectLst/>
-                <a:latin typeface="Consolas" panose="020B0609020204030204" pitchFamily="49" charset="0"/>
-              </a:rPr>
-              <a:t>    () </a:t>
-            </a:r>
+                  <a:srgbClr val="3B3B3B"/>
+                </a:solidFill>
+                <a:effectLst/>
+                <a:latin typeface="Consolas" panose="020B0609020204030204" pitchFamily="49" charset="0"/>
+                <a:cs typeface="Consolas" panose="020B0609020204030204" pitchFamily="49" charset="0"/>
+              </a:rPr>
+              <a:t>);</a:t>
+            </a:r>
+          </a:p>
+          <a:p>
+            <a:pPr>
+              <a:lnSpc>
+                <a:spcPct val="110000"/>
+              </a:lnSpc>
+              <a:buNone/>
+            </a:pPr>
             <a:r>
               <a:rPr lang="en-US" sz="2400" b="0" dirty="0">
                 <a:solidFill>
-                  <a:srgbClr val="0000FF"/>
-                </a:solidFill>
-                <a:effectLst/>
-                <a:latin typeface="Consolas" panose="020B0609020204030204" pitchFamily="49" charset="0"/>
-              </a:rPr>
-              <a:t>=&gt;</a:t>
+                  <a:srgbClr val="795E26"/>
+                </a:solidFill>
+                <a:effectLst/>
+                <a:latin typeface="Consolas" panose="020B0609020204030204" pitchFamily="49" charset="0"/>
+                <a:cs typeface="Consolas" panose="020B0609020204030204" pitchFamily="49" charset="0"/>
+              </a:rPr>
+              <a:t>    expect</a:t>
             </a:r>
             <a:r>
               <a:rPr lang="en-US" sz="2400" b="0" dirty="0">
                 <a:solidFill>
-                  <a:srgbClr val="000000"/>
-                </a:solidFill>
-                <a:effectLst/>
-                <a:latin typeface="Consolas" panose="020B0609020204030204" pitchFamily="49" charset="0"/>
-              </a:rPr>
-              <a:t> {</a:t>
-            </a:r>
-          </a:p>
-          <a:p>
+                  <a:srgbClr val="3B3B3B"/>
+                </a:solidFill>
+                <a:effectLst/>
+                <a:latin typeface="Consolas" panose="020B0609020204030204" pitchFamily="49" charset="0"/>
+                <a:cs typeface="Consolas" panose="020B0609020204030204" pitchFamily="49" charset="0"/>
+              </a:rPr>
+              <a:t>(</a:t>
+            </a:r>
             <a:r>
               <a:rPr lang="en-US" sz="2400" b="0" dirty="0">
                 <a:solidFill>
-                  <a:srgbClr val="000000"/>
-                </a:solidFill>
-                <a:effectLst/>
-                <a:latin typeface="Consolas" panose="020B0609020204030204" pitchFamily="49" charset="0"/>
-              </a:rPr>
-              <a:t>      </a:t>
+                  <a:srgbClr val="0070C1"/>
+                </a:solidFill>
+                <a:effectLst/>
+                <a:latin typeface="Consolas" panose="020B0609020204030204" pitchFamily="49" charset="0"/>
+                <a:cs typeface="Consolas" panose="020B0609020204030204" pitchFamily="49" charset="0"/>
+              </a:rPr>
+              <a:t>id1</a:t>
             </a:r>
             <a:r>
               <a:rPr lang="en-US" sz="2400" b="0" dirty="0">
                 <a:solidFill>
-                  <a:srgbClr val="0000FF"/>
-                </a:solidFill>
-                <a:effectLst/>
-                <a:latin typeface="Consolas" panose="020B0609020204030204" pitchFamily="49" charset="0"/>
-              </a:rPr>
-              <a:t>const</a:t>
+                  <a:srgbClr val="3B3B3B"/>
+                </a:solidFill>
+                <a:effectLst/>
+                <a:latin typeface="Consolas" panose="020B0609020204030204" pitchFamily="49" charset="0"/>
+                <a:cs typeface="Consolas" panose="020B0609020204030204" pitchFamily="49" charset="0"/>
+              </a:rPr>
+              <a:t>).</a:t>
+            </a:r>
+            <a:r>
+              <a:rPr lang="en-US" sz="2400" b="0" dirty="0" err="1">
+                <a:solidFill>
+                  <a:srgbClr val="001080"/>
+                </a:solidFill>
+                <a:effectLst/>
+                <a:latin typeface="Consolas" panose="020B0609020204030204" pitchFamily="49" charset="0"/>
+                <a:cs typeface="Consolas" panose="020B0609020204030204" pitchFamily="49" charset="0"/>
+              </a:rPr>
+              <a:t>not</a:t>
+            </a:r>
+            <a:r>
+              <a:rPr lang="en-US" sz="2400" b="0" dirty="0" err="1">
+                <a:solidFill>
+                  <a:srgbClr val="3B3B3B"/>
+                </a:solidFill>
+                <a:effectLst/>
+                <a:latin typeface="Consolas" panose="020B0609020204030204" pitchFamily="49" charset="0"/>
+                <a:cs typeface="Consolas" panose="020B0609020204030204" pitchFamily="49" charset="0"/>
+              </a:rPr>
+              <a:t>.</a:t>
+            </a:r>
+            <a:r>
+              <a:rPr lang="en-US" sz="2400" b="0" dirty="0" err="1">
+                <a:solidFill>
+                  <a:srgbClr val="795E26"/>
+                </a:solidFill>
+                <a:effectLst/>
+                <a:latin typeface="Consolas" panose="020B0609020204030204" pitchFamily="49" charset="0"/>
+                <a:cs typeface="Consolas" panose="020B0609020204030204" pitchFamily="49" charset="0"/>
+              </a:rPr>
+              <a:t>toEqual</a:t>
             </a:r>
             <a:r>
               <a:rPr lang="en-US" sz="2400" b="0" dirty="0">
                 <a:solidFill>
-                  <a:srgbClr val="000000"/>
-                </a:solidFill>
-                <a:effectLst/>
-                <a:latin typeface="Consolas" panose="020B0609020204030204" pitchFamily="49" charset="0"/>
-              </a:rPr>
-              <a:t> </a:t>
+                  <a:srgbClr val="3B3B3B"/>
+                </a:solidFill>
+                <a:effectLst/>
+                <a:latin typeface="Consolas" panose="020B0609020204030204" pitchFamily="49" charset="0"/>
+                <a:cs typeface="Consolas" panose="020B0609020204030204" pitchFamily="49" charset="0"/>
+              </a:rPr>
+              <a:t>(</a:t>
             </a:r>
             <a:r>
               <a:rPr lang="en-US" sz="2400" b="0" dirty="0">
@@ -21777,354 +21507,57 @@
                 </a:solidFill>
                 <a:effectLst/>
                 <a:latin typeface="Consolas" panose="020B0609020204030204" pitchFamily="49" charset="0"/>
-              </a:rPr>
-              <a:t>id1</a:t>
+                <a:cs typeface="Consolas" panose="020B0609020204030204" pitchFamily="49" charset="0"/>
+              </a:rPr>
+              <a:t>id2</a:t>
             </a:r>
             <a:r>
               <a:rPr lang="en-US" sz="2400" b="0" dirty="0">
                 <a:solidFill>
-                  <a:srgbClr val="000000"/>
-                </a:solidFill>
-                <a:effectLst/>
-                <a:latin typeface="Consolas" panose="020B0609020204030204" pitchFamily="49" charset="0"/>
-              </a:rPr>
-              <a:t> = </a:t>
-            </a:r>
-            <a:r>
-              <a:rPr lang="en-US" sz="2400" b="0" dirty="0" err="1">
-                <a:solidFill>
-                  <a:srgbClr val="001080"/>
-                </a:solidFill>
-                <a:effectLst/>
-                <a:latin typeface="Consolas" panose="020B0609020204030204" pitchFamily="49" charset="0"/>
-              </a:rPr>
-              <a:t>db</a:t>
-            </a:r>
-            <a:r>
-              <a:rPr lang="en-US" sz="2400" b="0" dirty="0" err="1">
-                <a:solidFill>
-                  <a:srgbClr val="000000"/>
-                </a:solidFill>
-                <a:effectLst/>
-                <a:latin typeface="Consolas" panose="020B0609020204030204" pitchFamily="49" charset="0"/>
-              </a:rPr>
-              <a:t>.</a:t>
-            </a:r>
-            <a:r>
-              <a:rPr lang="en-US" sz="2400" b="0" dirty="0" err="1">
-                <a:solidFill>
-                  <a:srgbClr val="795E26"/>
-                </a:solidFill>
-                <a:effectLst/>
-                <a:latin typeface="Consolas" panose="020B0609020204030204" pitchFamily="49" charset="0"/>
-              </a:rPr>
-              <a:t>addStudent</a:t>
-            </a:r>
+                  <a:srgbClr val="3B3B3B"/>
+                </a:solidFill>
+                <a:effectLst/>
+                <a:latin typeface="Consolas" panose="020B0609020204030204" pitchFamily="49" charset="0"/>
+                <a:cs typeface="Consolas" panose="020B0609020204030204" pitchFamily="49" charset="0"/>
+              </a:rPr>
+              <a:t>);</a:t>
+            </a:r>
+          </a:p>
+          <a:p>
+            <a:pPr>
+              <a:lnSpc>
+                <a:spcPct val="110000"/>
+              </a:lnSpc>
+            </a:pPr>
             <a:r>
               <a:rPr lang="en-US" sz="2400" b="0" dirty="0">
                 <a:solidFill>
-                  <a:srgbClr val="000000"/>
-                </a:solidFill>
-                <a:effectLst/>
-                <a:latin typeface="Consolas" panose="020B0609020204030204" pitchFamily="49" charset="0"/>
-              </a:rPr>
-              <a:t>(</a:t>
-            </a:r>
+                  <a:srgbClr val="3B3B3B"/>
+                </a:solidFill>
+                <a:effectLst/>
+                <a:latin typeface="Consolas" panose="020B0609020204030204" pitchFamily="49" charset="0"/>
+                <a:cs typeface="Consolas" panose="020B0609020204030204" pitchFamily="49" charset="0"/>
+              </a:rPr>
+              <a:t>  });</a:t>
+            </a:r>
+          </a:p>
+          <a:p>
+            <a:pPr>
+              <a:lnSpc>
+                <a:spcPct val="110000"/>
+              </a:lnSpc>
+              <a:buNone/>
+            </a:pPr>
             <a:r>
               <a:rPr lang="en-US" sz="2400" b="0" dirty="0">
                 <a:solidFill>
-                  <a:srgbClr val="A31515"/>
-                </a:solidFill>
-                <a:effectLst/>
-                <a:latin typeface="Consolas" panose="020B0609020204030204" pitchFamily="49" charset="0"/>
-              </a:rPr>
-              <a:t>'</a:t>
-            </a:r>
-            <a:r>
-              <a:rPr lang="en-US" sz="2400" b="0" dirty="0" err="1">
-                <a:solidFill>
-                  <a:srgbClr val="A31515"/>
-                </a:solidFill>
-                <a:effectLst/>
-                <a:latin typeface="Consolas" panose="020B0609020204030204" pitchFamily="49" charset="0"/>
-              </a:rPr>
-              <a:t>blair</a:t>
-            </a:r>
-            <a:r>
-              <a:rPr lang="en-US" sz="2400" b="0" dirty="0">
-                <a:solidFill>
-                  <a:srgbClr val="A31515"/>
-                </a:solidFill>
-                <a:effectLst/>
-                <a:latin typeface="Consolas" panose="020B0609020204030204" pitchFamily="49" charset="0"/>
-              </a:rPr>
-              <a:t>'</a:t>
-            </a:r>
-            <a:r>
-              <a:rPr lang="en-US" sz="2400" b="0" dirty="0">
-                <a:solidFill>
-                  <a:srgbClr val="000000"/>
-                </a:solidFill>
-                <a:effectLst/>
-                <a:latin typeface="Consolas" panose="020B0609020204030204" pitchFamily="49" charset="0"/>
-              </a:rPr>
-              <a:t>);</a:t>
-            </a:r>
-          </a:p>
-          <a:p>
-            <a:r>
-              <a:rPr lang="en-US" sz="2400" b="0" dirty="0">
-                <a:solidFill>
-                  <a:srgbClr val="000000"/>
-                </a:solidFill>
-                <a:effectLst/>
-                <a:latin typeface="Consolas" panose="020B0609020204030204" pitchFamily="49" charset="0"/>
-              </a:rPr>
-              <a:t>      </a:t>
-            </a:r>
-            <a:r>
-              <a:rPr lang="en-US" sz="2400" b="0" dirty="0">
-                <a:solidFill>
-                  <a:srgbClr val="0000FF"/>
-                </a:solidFill>
-                <a:effectLst/>
-                <a:latin typeface="Consolas" panose="020B0609020204030204" pitchFamily="49" charset="0"/>
-              </a:rPr>
-              <a:t>const</a:t>
-            </a:r>
-            <a:r>
-              <a:rPr lang="en-US" sz="2400" b="0" dirty="0">
-                <a:solidFill>
-                  <a:srgbClr val="000000"/>
-                </a:solidFill>
-                <a:effectLst/>
-                <a:latin typeface="Consolas" panose="020B0609020204030204" pitchFamily="49" charset="0"/>
-              </a:rPr>
-              <a:t> </a:t>
-            </a:r>
-            <a:r>
-              <a:rPr lang="en-US" sz="2400" b="0" dirty="0">
-                <a:solidFill>
-                  <a:srgbClr val="0070C1"/>
-                </a:solidFill>
-                <a:effectLst/>
-                <a:latin typeface="Consolas" panose="020B0609020204030204" pitchFamily="49" charset="0"/>
-              </a:rPr>
-              <a:t>id2</a:t>
-            </a:r>
-            <a:r>
-              <a:rPr lang="en-US" sz="2400" b="0" dirty="0">
-                <a:solidFill>
-                  <a:srgbClr val="000000"/>
-                </a:solidFill>
-                <a:effectLst/>
-                <a:latin typeface="Consolas" panose="020B0609020204030204" pitchFamily="49" charset="0"/>
-              </a:rPr>
-              <a:t> = </a:t>
-            </a:r>
-            <a:r>
-              <a:rPr lang="en-US" sz="2400" b="0" dirty="0" err="1">
-                <a:solidFill>
-                  <a:srgbClr val="001080"/>
-                </a:solidFill>
-                <a:effectLst/>
-                <a:latin typeface="Consolas" panose="020B0609020204030204" pitchFamily="49" charset="0"/>
-              </a:rPr>
-              <a:t>db</a:t>
-            </a:r>
-            <a:r>
-              <a:rPr lang="en-US" sz="2400" b="0" dirty="0" err="1">
-                <a:solidFill>
-                  <a:srgbClr val="000000"/>
-                </a:solidFill>
-                <a:effectLst/>
-                <a:latin typeface="Consolas" panose="020B0609020204030204" pitchFamily="49" charset="0"/>
-              </a:rPr>
-              <a:t>.</a:t>
-            </a:r>
-            <a:r>
-              <a:rPr lang="en-US" sz="2400" b="0" dirty="0" err="1">
-                <a:solidFill>
-                  <a:srgbClr val="795E26"/>
-                </a:solidFill>
-                <a:effectLst/>
-                <a:latin typeface="Consolas" panose="020B0609020204030204" pitchFamily="49" charset="0"/>
-              </a:rPr>
-              <a:t>addStudent</a:t>
-            </a:r>
-            <a:r>
-              <a:rPr lang="en-US" sz="2400" b="0" dirty="0">
-                <a:solidFill>
-                  <a:srgbClr val="000000"/>
-                </a:solidFill>
-                <a:effectLst/>
-                <a:latin typeface="Consolas" panose="020B0609020204030204" pitchFamily="49" charset="0"/>
-              </a:rPr>
-              <a:t>(</a:t>
-            </a:r>
-            <a:r>
-              <a:rPr lang="en-US" sz="2400" b="0" dirty="0">
-                <a:solidFill>
-                  <a:srgbClr val="A31515"/>
-                </a:solidFill>
-                <a:effectLst/>
-                <a:latin typeface="Consolas" panose="020B0609020204030204" pitchFamily="49" charset="0"/>
-              </a:rPr>
-              <a:t>'</a:t>
-            </a:r>
-            <a:r>
-              <a:rPr lang="en-US" sz="2400" b="0" dirty="0" err="1">
-                <a:solidFill>
-                  <a:srgbClr val="A31515"/>
-                </a:solidFill>
-                <a:effectLst/>
-                <a:latin typeface="Consolas" panose="020B0609020204030204" pitchFamily="49" charset="0"/>
-              </a:rPr>
-              <a:t>blair</a:t>
-            </a:r>
-            <a:r>
-              <a:rPr lang="en-US" sz="2400" b="0" dirty="0">
-                <a:solidFill>
-                  <a:srgbClr val="A31515"/>
-                </a:solidFill>
-                <a:effectLst/>
-                <a:latin typeface="Consolas" panose="020B0609020204030204" pitchFamily="49" charset="0"/>
-              </a:rPr>
-              <a:t>'</a:t>
-            </a:r>
-            <a:r>
-              <a:rPr lang="en-US" sz="2400" b="0" dirty="0">
-                <a:solidFill>
-                  <a:srgbClr val="000000"/>
-                </a:solidFill>
-                <a:effectLst/>
-                <a:latin typeface="Consolas" panose="020B0609020204030204" pitchFamily="49" charset="0"/>
-              </a:rPr>
-              <a:t>);</a:t>
-            </a:r>
-          </a:p>
-          <a:p>
-            <a:r>
-              <a:rPr lang="en-US" sz="2400" b="0" dirty="0">
-                <a:solidFill>
-                  <a:srgbClr val="000000"/>
-                </a:solidFill>
-                <a:effectLst/>
-                <a:latin typeface="Consolas" panose="020B0609020204030204" pitchFamily="49" charset="0"/>
-              </a:rPr>
-              <a:t>      </a:t>
-            </a:r>
-            <a:r>
-              <a:rPr lang="en-US" sz="2400" b="0" dirty="0">
-                <a:solidFill>
-                  <a:srgbClr val="795E26"/>
-                </a:solidFill>
-                <a:effectLst/>
-                <a:latin typeface="Consolas" panose="020B0609020204030204" pitchFamily="49" charset="0"/>
-              </a:rPr>
-              <a:t>expect</a:t>
-            </a:r>
-            <a:r>
-              <a:rPr lang="en-US" sz="2400" b="0" dirty="0">
-                <a:solidFill>
-                  <a:srgbClr val="000000"/>
-                </a:solidFill>
-                <a:effectLst/>
-                <a:latin typeface="Consolas" panose="020B0609020204030204" pitchFamily="49" charset="0"/>
-              </a:rPr>
-              <a:t>(</a:t>
-            </a:r>
-            <a:r>
-              <a:rPr lang="en-US" sz="2400" b="0" dirty="0">
-                <a:solidFill>
-                  <a:srgbClr val="0070C1"/>
-                </a:solidFill>
-                <a:effectLst/>
-                <a:latin typeface="Consolas" panose="020B0609020204030204" pitchFamily="49" charset="0"/>
-              </a:rPr>
-              <a:t>id1</a:t>
-            </a:r>
-            <a:r>
-              <a:rPr lang="en-US" sz="2400" b="0" dirty="0">
-                <a:solidFill>
-                  <a:srgbClr val="000000"/>
-                </a:solidFill>
-                <a:effectLst/>
-                <a:latin typeface="Consolas" panose="020B0609020204030204" pitchFamily="49" charset="0"/>
-              </a:rPr>
-              <a:t>).</a:t>
-            </a:r>
-            <a:r>
-              <a:rPr lang="en-US" sz="2400" b="0" dirty="0" err="1">
-                <a:solidFill>
-                  <a:srgbClr val="001080"/>
-                </a:solidFill>
-                <a:effectLst/>
-                <a:latin typeface="Consolas" panose="020B0609020204030204" pitchFamily="49" charset="0"/>
-              </a:rPr>
-              <a:t>not</a:t>
-            </a:r>
-            <a:r>
-              <a:rPr lang="en-US" sz="2400" b="0" dirty="0" err="1">
-                <a:solidFill>
-                  <a:srgbClr val="000000"/>
-                </a:solidFill>
-                <a:effectLst/>
-                <a:latin typeface="Consolas" panose="020B0609020204030204" pitchFamily="49" charset="0"/>
-              </a:rPr>
-              <a:t>.</a:t>
-            </a:r>
-            <a:r>
-              <a:rPr lang="en-US" sz="2400" b="0" dirty="0" err="1">
-                <a:solidFill>
-                  <a:srgbClr val="795E26"/>
-                </a:solidFill>
-                <a:effectLst/>
-                <a:latin typeface="Consolas" panose="020B0609020204030204" pitchFamily="49" charset="0"/>
-              </a:rPr>
-              <a:t>toEqual</a:t>
-            </a:r>
-            <a:r>
-              <a:rPr lang="en-US" sz="2400" b="0" dirty="0">
-                <a:solidFill>
-                  <a:srgbClr val="000000"/>
-                </a:solidFill>
-                <a:effectLst/>
-                <a:latin typeface="Consolas" panose="020B0609020204030204" pitchFamily="49" charset="0"/>
-              </a:rPr>
-              <a:t>(</a:t>
-            </a:r>
-            <a:r>
-              <a:rPr lang="en-US" sz="2400" b="0" dirty="0">
-                <a:solidFill>
-                  <a:srgbClr val="0070C1"/>
-                </a:solidFill>
-                <a:effectLst/>
-                <a:latin typeface="Consolas" panose="020B0609020204030204" pitchFamily="49" charset="0"/>
-              </a:rPr>
-              <a:t>id2</a:t>
-            </a:r>
-            <a:r>
-              <a:rPr lang="en-US" sz="2400" b="0" dirty="0">
-                <a:solidFill>
-                  <a:srgbClr val="000000"/>
-                </a:solidFill>
-                <a:effectLst/>
-                <a:latin typeface="Consolas" panose="020B0609020204030204" pitchFamily="49" charset="0"/>
-              </a:rPr>
-              <a:t>)</a:t>
-            </a:r>
-          </a:p>
-          <a:p>
-            <a:r>
-              <a:rPr lang="en-US" sz="2400" b="0" dirty="0">
-                <a:solidFill>
-                  <a:srgbClr val="000000"/>
-                </a:solidFill>
-                <a:effectLst/>
-                <a:latin typeface="Consolas" panose="020B0609020204030204" pitchFamily="49" charset="0"/>
-              </a:rPr>
-              <a:t>    })</a:t>
+                  <a:srgbClr val="3B3B3B"/>
+                </a:solidFill>
+                <a:effectLst/>
+                <a:latin typeface="Consolas" panose="020B0609020204030204" pitchFamily="49" charset="0"/>
+                <a:cs typeface="Consolas" panose="020B0609020204030204" pitchFamily="49" charset="0"/>
+              </a:rPr>
+              <a:t>});</a:t>
             </a:r>
           </a:p>
         </p:txBody>
@@ -22132,7 +21565,7 @@
     </p:spTree>
     <p:extLst>
       <p:ext uri="{BB962C8B-B14F-4D97-AF65-F5344CB8AC3E}">
-        <p14:creationId xmlns:p14="http://schemas.microsoft.com/office/powerpoint/2010/main" val="1216486688"/>
+        <p14:creationId xmlns:p14="http://schemas.microsoft.com/office/powerpoint/2010/main" val="915558948"/>
       </p:ext>
     </p:extLst>
   </p:cSld>
@@ -22182,7 +21615,7 @@
           <a:p>
             <a:r>
               <a:rPr lang="en-US" dirty="0"/>
-              <a:t>Tests (4)</a:t>
+              <a:t>Tests from testable behaviors (4)</a:t>
             </a:r>
           </a:p>
         </p:txBody>
@@ -22571,7 +22004,7 @@
           <a:p>
             <a:r>
               <a:rPr lang="en-US" dirty="0"/>
-              <a:t>Tests (5)</a:t>
+              <a:t>Tests from testable behaviors (5)</a:t>
             </a:r>
           </a:p>
         </p:txBody>
@@ -23028,7 +22461,7 @@
           <a:p>
             <a:r>
               <a:rPr lang="en-US" sz="3600" dirty="0"/>
-              <a:t>Now we can write some code </a:t>
+              <a:t>Now we can write some code</a:t>
             </a:r>
           </a:p>
         </p:txBody>
@@ -23140,7 +22573,7 @@
         </p:nvSpPr>
         <p:spPr>
           <a:xfrm>
-            <a:off x="7991061" y="323608"/>
+            <a:off x="8312425" y="278468"/>
             <a:ext cx="3485322" cy="768626"/>
           </a:xfrm>
           <a:prstGeom prst="roundRect">
@@ -23300,7 +22733,7 @@
         </p:nvSpPr>
         <p:spPr>
           <a:xfrm>
-            <a:off x="152400" y="1325563"/>
+            <a:off x="838200" y="1325562"/>
             <a:ext cx="11887200" cy="6247864"/>
           </a:xfrm>
           <a:prstGeom prst="rect">
@@ -24454,7 +23887,7 @@
         <p:spPr>
           <a:xfrm>
             <a:off x="719483" y="1649171"/>
-            <a:ext cx="10756900" cy="6370975"/>
+            <a:ext cx="10756900" cy="4493538"/>
           </a:xfrm>
           <a:prstGeom prst="rect">
             <a:avLst/>
@@ -24493,7 +23926,7 @@
               <a:buNone/>
             </a:pPr>
             <a:r>
-              <a:rPr lang="en-US" sz="2400" b="0" dirty="0">
+              <a:rPr lang="en-US" sz="2200" b="0" dirty="0">
                 <a:solidFill>
                   <a:srgbClr val="008000"/>
                 </a:solidFill>
@@ -24502,7 +23935,7 @@
               </a:rPr>
               <a:t>/** Adds a new student to the database</a:t>
             </a:r>
-            <a:endParaRPr lang="en-US" sz="2400" b="0" dirty="0">
+            <a:endParaRPr lang="en-US" sz="2200" b="0" dirty="0">
               <a:solidFill>
                 <a:srgbClr val="000000"/>
               </a:solidFill>
@@ -24515,7 +23948,7 @@
               <a:buNone/>
             </a:pPr>
             <a:r>
-              <a:rPr lang="en-US" sz="2400" dirty="0">
+              <a:rPr lang="en-US" sz="2200" dirty="0">
                 <a:solidFill>
                   <a:srgbClr val="008000"/>
                 </a:solidFill>
@@ -24524,7 +23957,7 @@
               <a:t> </a:t>
             </a:r>
             <a:r>
-              <a:rPr lang="en-US" sz="2400" b="0" dirty="0">
+              <a:rPr lang="en-US" sz="2200" b="0" dirty="0">
                 <a:solidFill>
                   <a:srgbClr val="008000"/>
                 </a:solidFill>
@@ -24534,7 +23967,7 @@
               <a:t>* </a:t>
             </a:r>
             <a:r>
-              <a:rPr lang="en-US" sz="2400" b="0" dirty="0">
+              <a:rPr lang="en-US" sz="2200" b="0" dirty="0">
                 <a:solidFill>
                   <a:srgbClr val="0000FF"/>
                 </a:solidFill>
@@ -24544,7 +23977,7 @@
               <a:t>@param</a:t>
             </a:r>
             <a:r>
-              <a:rPr lang="en-US" sz="2400" b="0" dirty="0">
+              <a:rPr lang="en-US" sz="2200" b="0" dirty="0">
                 <a:solidFill>
                   <a:srgbClr val="008000"/>
                 </a:solidFill>
@@ -24554,7 +23987,7 @@
               <a:t> </a:t>
             </a:r>
             <a:r>
-              <a:rPr lang="en-US" sz="2400" b="0" dirty="0">
+              <a:rPr lang="en-US" sz="2200" b="0" dirty="0">
                 <a:solidFill>
                   <a:srgbClr val="267F99"/>
                 </a:solidFill>
@@ -24564,7 +23997,7 @@
               <a:t>{string}</a:t>
             </a:r>
             <a:r>
-              <a:rPr lang="en-US" sz="2400" b="0" dirty="0">
+              <a:rPr lang="en-US" sz="2200" b="0" dirty="0">
                 <a:solidFill>
                   <a:srgbClr val="008000"/>
                 </a:solidFill>
@@ -24574,7 +24007,7 @@
               <a:t> </a:t>
             </a:r>
             <a:r>
-              <a:rPr lang="en-US" sz="2400" b="0" dirty="0" err="1">
+              <a:rPr lang="en-US" sz="2200" b="0" dirty="0" err="1">
                 <a:solidFill>
                   <a:srgbClr val="001080"/>
                 </a:solidFill>
@@ -24584,7 +24017,7 @@
               <a:t>newName</a:t>
             </a:r>
             <a:r>
-              <a:rPr lang="en-US" sz="2400" b="0" dirty="0">
+              <a:rPr lang="en-US" sz="2200" b="0" dirty="0">
                 <a:solidFill>
                   <a:srgbClr val="008000"/>
                 </a:solidFill>
@@ -24593,7 +24026,7 @@
               </a:rPr>
               <a:t> - the name of the student</a:t>
             </a:r>
-            <a:endParaRPr lang="en-US" sz="2400" b="0" dirty="0">
+            <a:endParaRPr lang="en-US" sz="2200" b="0" dirty="0">
               <a:solidFill>
                 <a:srgbClr val="3B3B3B"/>
               </a:solidFill>
@@ -24606,7 +24039,7 @@
               <a:buNone/>
             </a:pPr>
             <a:r>
-              <a:rPr lang="en-US" sz="2400" b="0" dirty="0">
+              <a:rPr lang="en-US" sz="2200" b="0" dirty="0">
                 <a:solidFill>
                   <a:srgbClr val="008000"/>
                 </a:solidFill>
@@ -24616,7 +24049,7 @@
               <a:t> * </a:t>
             </a:r>
             <a:r>
-              <a:rPr lang="en-US" sz="2400" b="0" dirty="0">
+              <a:rPr lang="en-US" sz="2200" b="0" dirty="0">
                 <a:solidFill>
                   <a:srgbClr val="0000FF"/>
                 </a:solidFill>
@@ -24626,7 +24059,7 @@
               <a:t>@returns</a:t>
             </a:r>
             <a:r>
-              <a:rPr lang="en-US" sz="2400" b="0" dirty="0">
+              <a:rPr lang="en-US" sz="2200" b="0" dirty="0">
                 <a:solidFill>
                   <a:srgbClr val="008000"/>
                 </a:solidFill>
@@ -24636,7 +24069,7 @@
               <a:t> </a:t>
             </a:r>
             <a:r>
-              <a:rPr lang="en-US" sz="2400" b="0" dirty="0">
+              <a:rPr lang="en-US" sz="2200" b="0" dirty="0">
                 <a:solidFill>
                   <a:srgbClr val="267F99"/>
                 </a:solidFill>
@@ -24646,7 +24079,7 @@
               <a:t>{</a:t>
             </a:r>
             <a:r>
-              <a:rPr lang="en-US" sz="2400" b="0" dirty="0" err="1">
+              <a:rPr lang="en-US" sz="2200" b="0" dirty="0" err="1">
                 <a:solidFill>
                   <a:srgbClr val="267F99"/>
                 </a:solidFill>
@@ -24656,7 +24089,7 @@
               <a:t>StudentID</a:t>
             </a:r>
             <a:r>
-              <a:rPr lang="en-US" sz="2400" b="0" dirty="0">
+              <a:rPr lang="en-US" sz="2200" b="0" dirty="0">
                 <a:solidFill>
                   <a:srgbClr val="267F99"/>
                 </a:solidFill>
@@ -24666,7 +24099,7 @@
               <a:t>}</a:t>
             </a:r>
             <a:r>
-              <a:rPr lang="en-US" sz="2400" b="0" dirty="0">
+              <a:rPr lang="en-US" sz="2200" b="0" dirty="0">
                 <a:solidFill>
                   <a:srgbClr val="008000"/>
                 </a:solidFill>
@@ -24675,7 +24108,7 @@
               </a:rPr>
               <a:t> - the newly-assigned ID for the new student</a:t>
             </a:r>
-            <a:endParaRPr lang="en-US" sz="2400" b="0" dirty="0">
+            <a:endParaRPr lang="en-US" sz="2200" b="0" dirty="0">
               <a:solidFill>
                 <a:srgbClr val="3B3B3B"/>
               </a:solidFill>
@@ -24688,7 +24121,7 @@
               <a:buNone/>
             </a:pPr>
             <a:r>
-              <a:rPr lang="en-US" sz="2400" b="0" dirty="0">
+              <a:rPr lang="en-US" sz="2200" b="0" dirty="0">
                 <a:solidFill>
                   <a:srgbClr val="008000"/>
                 </a:solidFill>
@@ -24697,7 +24130,7 @@
               </a:rPr>
               <a:t> */</a:t>
             </a:r>
-            <a:endParaRPr lang="en-US" sz="2400" b="0" dirty="0">
+            <a:endParaRPr lang="en-US" sz="2200" b="0" dirty="0">
               <a:solidFill>
                 <a:srgbClr val="3B3B3B"/>
               </a:solidFill>
@@ -24710,7 +24143,7 @@
               <a:buNone/>
             </a:pPr>
             <a:r>
-              <a:rPr lang="en-US" sz="2400" b="0" dirty="0">
+              <a:rPr lang="en-US" sz="2200" b="0" dirty="0">
                 <a:solidFill>
                   <a:srgbClr val="3B3B3B"/>
                 </a:solidFill>
@@ -24720,7 +24153,7 @@
               <a:t>  </a:t>
             </a:r>
             <a:r>
-              <a:rPr lang="en-US" sz="2400" b="0" dirty="0" err="1">
+              <a:rPr lang="en-US" sz="2200" b="0" dirty="0" err="1">
                 <a:solidFill>
                   <a:srgbClr val="795E26"/>
                 </a:solidFill>
@@ -24730,7 +24163,7 @@
               <a:t>addStudent</a:t>
             </a:r>
             <a:r>
-              <a:rPr lang="en-US" sz="2400" b="0" dirty="0">
+              <a:rPr lang="en-US" sz="2200" b="0" dirty="0">
                 <a:solidFill>
                   <a:srgbClr val="3B3B3B"/>
                 </a:solidFill>
@@ -24740,7 +24173,7 @@
               <a:t>(</a:t>
             </a:r>
             <a:r>
-              <a:rPr lang="en-US" sz="2400" b="0" dirty="0" err="1">
+              <a:rPr lang="en-US" sz="2200" b="0" dirty="0" err="1">
                 <a:solidFill>
                   <a:srgbClr val="001080"/>
                 </a:solidFill>
@@ -24750,7 +24183,7 @@
               <a:t>newName</a:t>
             </a:r>
             <a:r>
-              <a:rPr lang="en-US" sz="2400" b="0" dirty="0">
+              <a:rPr lang="en-US" sz="2200" b="0" dirty="0">
                 <a:solidFill>
                   <a:srgbClr val="000000"/>
                 </a:solidFill>
@@ -24760,7 +24193,7 @@
               <a:t>:</a:t>
             </a:r>
             <a:r>
-              <a:rPr lang="en-US" sz="2400" b="0" dirty="0">
+              <a:rPr lang="en-US" sz="2200" b="0" dirty="0">
                 <a:solidFill>
                   <a:srgbClr val="3B3B3B"/>
                 </a:solidFill>
@@ -24770,7 +24203,7 @@
               <a:t> </a:t>
             </a:r>
             <a:r>
-              <a:rPr lang="en-US" sz="2400" b="0" dirty="0">
+              <a:rPr lang="en-US" sz="2200" b="0" dirty="0">
                 <a:solidFill>
                   <a:srgbClr val="267F99"/>
                 </a:solidFill>
@@ -24780,7 +24213,7 @@
               <a:t>string</a:t>
             </a:r>
             <a:r>
-              <a:rPr lang="en-US" sz="2400" b="0" dirty="0">
+              <a:rPr lang="en-US" sz="2200" b="0" dirty="0">
                 <a:solidFill>
                   <a:srgbClr val="3B3B3B"/>
                 </a:solidFill>
@@ -24790,7 +24223,7 @@
               <a:t>)</a:t>
             </a:r>
             <a:r>
-              <a:rPr lang="en-US" sz="2400" b="0" dirty="0">
+              <a:rPr lang="en-US" sz="2200" b="0" dirty="0">
                 <a:solidFill>
                   <a:srgbClr val="000000"/>
                 </a:solidFill>
@@ -24800,7 +24233,7 @@
               <a:t>:</a:t>
             </a:r>
             <a:r>
-              <a:rPr lang="en-US" sz="2400" b="0" dirty="0">
+              <a:rPr lang="en-US" sz="2200" b="0" dirty="0">
                 <a:solidFill>
                   <a:srgbClr val="3B3B3B"/>
                 </a:solidFill>
@@ -24810,7 +24243,7 @@
               <a:t> </a:t>
             </a:r>
             <a:r>
-              <a:rPr lang="en-US" sz="2400" b="0" dirty="0" err="1">
+              <a:rPr lang="en-US" sz="2200" b="0" dirty="0" err="1">
                 <a:solidFill>
                   <a:srgbClr val="267F99"/>
                 </a:solidFill>
@@ -24820,7 +24253,7 @@
               <a:t>StudentID</a:t>
             </a:r>
             <a:r>
-              <a:rPr lang="en-US" sz="2400" b="0" dirty="0">
+              <a:rPr lang="en-US" sz="2200" b="0" dirty="0">
                 <a:solidFill>
                   <a:srgbClr val="3B3B3B"/>
                 </a:solidFill>
@@ -24835,7 +24268,7 @@
               <a:buNone/>
             </a:pPr>
             <a:r>
-              <a:rPr lang="en-US" sz="2400" b="0" dirty="0">
+              <a:rPr lang="en-US" sz="2200" b="0" dirty="0">
                 <a:solidFill>
                   <a:srgbClr val="3B3B3B"/>
                 </a:solidFill>
@@ -24845,7 +24278,7 @@
               <a:t>    </a:t>
             </a:r>
             <a:r>
-              <a:rPr lang="en-US" sz="2400" b="0" dirty="0">
+              <a:rPr lang="en-US" sz="2200" b="0" dirty="0">
                 <a:solidFill>
                   <a:srgbClr val="0000FF"/>
                 </a:solidFill>
@@ -24855,7 +24288,7 @@
               <a:t>const</a:t>
             </a:r>
             <a:r>
-              <a:rPr lang="en-US" sz="2400" b="0" dirty="0">
+              <a:rPr lang="en-US" sz="2200" b="0" dirty="0">
                 <a:solidFill>
                   <a:srgbClr val="3B3B3B"/>
                 </a:solidFill>
@@ -24865,7 +24298,7 @@
               <a:t> </a:t>
             </a:r>
             <a:r>
-              <a:rPr lang="en-US" sz="2400" b="0" dirty="0" err="1">
+              <a:rPr lang="en-US" sz="2200" b="0" dirty="0" err="1">
                 <a:solidFill>
                   <a:srgbClr val="0070C1"/>
                 </a:solidFill>
@@ -24875,7 +24308,7 @@
               <a:t>newID</a:t>
             </a:r>
             <a:r>
-              <a:rPr lang="en-US" sz="2400" b="0" dirty="0">
+              <a:rPr lang="en-US" sz="2200" b="0" dirty="0">
                 <a:solidFill>
                   <a:srgbClr val="3B3B3B"/>
                 </a:solidFill>
@@ -24885,7 +24318,7 @@
               <a:t> </a:t>
             </a:r>
             <a:r>
-              <a:rPr lang="en-US" sz="2400" b="0" dirty="0">
+              <a:rPr lang="en-US" sz="2200" b="0" dirty="0">
                 <a:solidFill>
                   <a:srgbClr val="000000"/>
                 </a:solidFill>
@@ -24895,7 +24328,7 @@
               <a:t>=</a:t>
             </a:r>
             <a:r>
-              <a:rPr lang="en-US" sz="2400" b="0" dirty="0">
+              <a:rPr lang="en-US" sz="2200" b="0" dirty="0">
                 <a:solidFill>
                   <a:srgbClr val="3B3B3B"/>
                 </a:solidFill>
@@ -24905,7 +24338,7 @@
               <a:t> </a:t>
             </a:r>
             <a:r>
-              <a:rPr lang="en-US" sz="2400" b="0" dirty="0">
+              <a:rPr lang="en-US" sz="2200" b="0" dirty="0">
                 <a:solidFill>
                   <a:srgbClr val="0000FF"/>
                 </a:solidFill>
@@ -24915,7 +24348,7 @@
               <a:t>this</a:t>
             </a:r>
             <a:r>
-              <a:rPr lang="en-US" sz="2400" b="0" dirty="0">
+              <a:rPr lang="en-US" sz="2200" b="0" dirty="0">
                 <a:solidFill>
                   <a:srgbClr val="3B3B3B"/>
                 </a:solidFill>
@@ -24925,7 +24358,7 @@
               <a:t>.</a:t>
             </a:r>
             <a:r>
-              <a:rPr lang="en-US" sz="2400" b="0" dirty="0">
+              <a:rPr lang="en-US" sz="2200" b="0" dirty="0">
                 <a:solidFill>
                   <a:srgbClr val="001080"/>
                 </a:solidFill>
@@ -24935,7 +24368,7 @@
               <a:t>_</a:t>
             </a:r>
             <a:r>
-              <a:rPr lang="en-US" sz="2400" b="0" dirty="0" err="1">
+              <a:rPr lang="en-US" sz="2200" b="0" dirty="0" err="1">
                 <a:solidFill>
                   <a:srgbClr val="001080"/>
                 </a:solidFill>
@@ -24945,7 +24378,7 @@
               <a:t>lastID</a:t>
             </a:r>
             <a:r>
-              <a:rPr lang="en-US" sz="2400" b="0" dirty="0">
+              <a:rPr lang="en-US" sz="2200" b="0" dirty="0">
                 <a:solidFill>
                   <a:srgbClr val="000000"/>
                 </a:solidFill>
@@ -24955,7 +24388,7 @@
               <a:t>++</a:t>
             </a:r>
             <a:r>
-              <a:rPr lang="en-US" sz="2400" b="0" dirty="0">
+              <a:rPr lang="en-US" sz="2200" b="0" dirty="0">
                 <a:solidFill>
                   <a:srgbClr val="3B3B3B"/>
                 </a:solidFill>
@@ -24970,7 +24403,7 @@
               <a:buNone/>
             </a:pPr>
             <a:r>
-              <a:rPr lang="en-US" sz="2400" b="0" dirty="0">
+              <a:rPr lang="en-US" sz="2200" b="0" dirty="0">
                 <a:solidFill>
                   <a:srgbClr val="3B3B3B"/>
                 </a:solidFill>
@@ -24980,7 +24413,7 @@
               <a:t>    </a:t>
             </a:r>
             <a:r>
-              <a:rPr lang="en-US" sz="2400" b="0" dirty="0">
+              <a:rPr lang="en-US" sz="2200" b="0" dirty="0">
                 <a:solidFill>
                   <a:srgbClr val="0000FF"/>
                 </a:solidFill>
@@ -24990,7 +24423,7 @@
               <a:t>const</a:t>
             </a:r>
             <a:r>
-              <a:rPr lang="en-US" sz="2400" b="0" dirty="0">
+              <a:rPr lang="en-US" sz="2200" b="0" dirty="0">
                 <a:solidFill>
                   <a:srgbClr val="3B3B3B"/>
                 </a:solidFill>
@@ -25000,7 +24433,7 @@
               <a:t> </a:t>
             </a:r>
             <a:r>
-              <a:rPr lang="en-US" sz="2400" b="0" dirty="0" err="1">
+              <a:rPr lang="en-US" sz="2200" b="0" dirty="0" err="1">
                 <a:solidFill>
                   <a:srgbClr val="0070C1"/>
                 </a:solidFill>
@@ -25010,7 +24443,7 @@
               <a:t>newStudent</a:t>
             </a:r>
             <a:r>
-              <a:rPr lang="en-US" sz="2400" b="0" dirty="0">
+              <a:rPr lang="en-US" sz="2200" b="0" dirty="0">
                 <a:solidFill>
                   <a:srgbClr val="000000"/>
                 </a:solidFill>
@@ -25020,7 +24453,7 @@
               <a:t>:</a:t>
             </a:r>
             <a:r>
-              <a:rPr lang="en-US" sz="2400" b="0" dirty="0">
+              <a:rPr lang="en-US" sz="2200" b="0" dirty="0">
                 <a:solidFill>
                   <a:srgbClr val="3B3B3B"/>
                 </a:solidFill>
@@ -25030,7 +24463,7 @@
               <a:t> </a:t>
             </a:r>
             <a:r>
-              <a:rPr lang="en-US" sz="2400" b="0" dirty="0">
+              <a:rPr lang="en-US" sz="2200" b="0" dirty="0">
                 <a:solidFill>
                   <a:srgbClr val="267F99"/>
                 </a:solidFill>
@@ -25040,7 +24473,7 @@
               <a:t>Student</a:t>
             </a:r>
             <a:r>
-              <a:rPr lang="en-US" sz="2400" b="0" dirty="0">
+              <a:rPr lang="en-US" sz="2200" b="0" dirty="0">
                 <a:solidFill>
                   <a:srgbClr val="3B3B3B"/>
                 </a:solidFill>
@@ -25050,7 +24483,7 @@
               <a:t> </a:t>
             </a:r>
             <a:r>
-              <a:rPr lang="en-US" sz="2400" b="0" dirty="0">
+              <a:rPr lang="en-US" sz="2200" b="0" dirty="0">
                 <a:solidFill>
                   <a:srgbClr val="000000"/>
                 </a:solidFill>
@@ -25060,7 +24493,7 @@
               <a:t>=</a:t>
             </a:r>
             <a:r>
-              <a:rPr lang="en-US" sz="2400" b="0" dirty="0">
+              <a:rPr lang="en-US" sz="2200" b="0" dirty="0">
                 <a:solidFill>
                   <a:srgbClr val="3B3B3B"/>
                 </a:solidFill>
@@ -25070,7 +24503,7 @@
               <a:t> { </a:t>
             </a:r>
             <a:r>
-              <a:rPr lang="en-US" sz="2400" b="0" dirty="0" err="1">
+              <a:rPr lang="en-US" sz="2200" b="0" dirty="0" err="1">
                 <a:solidFill>
                   <a:srgbClr val="001080"/>
                 </a:solidFill>
@@ -25080,7 +24513,7 @@
               <a:t>studentID</a:t>
             </a:r>
             <a:r>
-              <a:rPr lang="en-US" sz="2400" b="0" dirty="0">
+              <a:rPr lang="en-US" sz="2200" b="0" dirty="0">
                 <a:solidFill>
                   <a:srgbClr val="001080"/>
                 </a:solidFill>
@@ -25090,7 +24523,7 @@
               <a:t>:</a:t>
             </a:r>
             <a:r>
-              <a:rPr lang="en-US" sz="2400" b="0" dirty="0">
+              <a:rPr lang="en-US" sz="2200" b="0" dirty="0">
                 <a:solidFill>
                   <a:srgbClr val="3B3B3B"/>
                 </a:solidFill>
@@ -25100,7 +24533,7 @@
               <a:t> </a:t>
             </a:r>
             <a:r>
-              <a:rPr lang="en-US" sz="2400" b="0" dirty="0" err="1">
+              <a:rPr lang="en-US" sz="2200" b="0" dirty="0" err="1">
                 <a:solidFill>
                   <a:srgbClr val="0070C1"/>
                 </a:solidFill>
@@ -25110,7 +24543,7 @@
               <a:t>newID</a:t>
             </a:r>
             <a:r>
-              <a:rPr lang="en-US" sz="2400" b="0" dirty="0">
+              <a:rPr lang="en-US" sz="2200" b="0" dirty="0">
                 <a:solidFill>
                   <a:srgbClr val="3B3B3B"/>
                 </a:solidFill>
@@ -25125,7 +24558,7 @@
               <a:buNone/>
             </a:pPr>
             <a:r>
-              <a:rPr lang="en-US" sz="2400" dirty="0">
+              <a:rPr lang="en-US" sz="2200" dirty="0">
                 <a:solidFill>
                   <a:srgbClr val="3B3B3B"/>
                 </a:solidFill>
@@ -25134,7 +24567,7 @@
               <a:t>                                 </a:t>
             </a:r>
             <a:r>
-              <a:rPr lang="en-US" sz="2400" b="0" dirty="0">
+              <a:rPr lang="en-US" sz="2200" b="0" dirty="0">
                 <a:solidFill>
                   <a:srgbClr val="3B3B3B"/>
                 </a:solidFill>
@@ -25144,7 +24577,7 @@
               <a:t> </a:t>
             </a:r>
             <a:r>
-              <a:rPr lang="en-US" sz="2400" b="0" dirty="0" err="1">
+              <a:rPr lang="en-US" sz="2200" b="0" dirty="0" err="1">
                 <a:solidFill>
                   <a:srgbClr val="001080"/>
                 </a:solidFill>
@@ -25154,7 +24587,7 @@
               <a:t>studentName</a:t>
             </a:r>
             <a:r>
-              <a:rPr lang="en-US" sz="2400" b="0" dirty="0">
+              <a:rPr lang="en-US" sz="2200" b="0" dirty="0">
                 <a:solidFill>
                   <a:srgbClr val="001080"/>
                 </a:solidFill>
@@ -25164,7 +24597,7 @@
               <a:t>:</a:t>
             </a:r>
             <a:r>
-              <a:rPr lang="en-US" sz="2400" b="0" dirty="0">
+              <a:rPr lang="en-US" sz="2200" b="0" dirty="0">
                 <a:solidFill>
                   <a:srgbClr val="3B3B3B"/>
                 </a:solidFill>
@@ -25174,7 +24607,7 @@
               <a:t> </a:t>
             </a:r>
             <a:r>
-              <a:rPr lang="en-US" sz="2400" b="0" dirty="0" err="1">
+              <a:rPr lang="en-US" sz="2200" b="0" dirty="0" err="1">
                 <a:solidFill>
                   <a:srgbClr val="001080"/>
                 </a:solidFill>
@@ -25184,7 +24617,7 @@
               <a:t>newName</a:t>
             </a:r>
             <a:r>
-              <a:rPr lang="en-US" sz="2400" b="0" dirty="0">
+              <a:rPr lang="en-US" sz="2200" b="0" dirty="0">
                 <a:solidFill>
                   <a:srgbClr val="3B3B3B"/>
                 </a:solidFill>
@@ -25199,7 +24632,7 @@
               <a:buNone/>
             </a:pPr>
             <a:r>
-              <a:rPr lang="en-US" sz="2400" b="0" dirty="0">
+              <a:rPr lang="en-US" sz="2200" b="0" dirty="0">
                 <a:solidFill>
                   <a:srgbClr val="3B3B3B"/>
                 </a:solidFill>
@@ -25209,7 +24642,7 @@
               <a:t>    </a:t>
             </a:r>
             <a:r>
-              <a:rPr lang="en-US" sz="2400" b="0" dirty="0">
+              <a:rPr lang="en-US" sz="2200" b="0" dirty="0">
                 <a:solidFill>
                   <a:srgbClr val="0000FF"/>
                 </a:solidFill>
@@ -25219,7 +24652,7 @@
               <a:t>this</a:t>
             </a:r>
             <a:r>
-              <a:rPr lang="en-US" sz="2400" b="0" dirty="0">
+              <a:rPr lang="en-US" sz="2200" b="0" dirty="0">
                 <a:solidFill>
                   <a:srgbClr val="3B3B3B"/>
                 </a:solidFill>
@@ -25229,7 +24662,7 @@
               <a:t>.</a:t>
             </a:r>
             <a:r>
-              <a:rPr lang="en-US" sz="2400" b="0" dirty="0">
+              <a:rPr lang="en-US" sz="2200" b="0" dirty="0">
                 <a:solidFill>
                   <a:srgbClr val="001080"/>
                 </a:solidFill>
@@ -25239,7 +24672,7 @@
               <a:t>_</a:t>
             </a:r>
             <a:r>
-              <a:rPr lang="en-US" sz="2400" b="0" dirty="0" err="1">
+              <a:rPr lang="en-US" sz="2200" b="0" dirty="0" err="1">
                 <a:solidFill>
                   <a:srgbClr val="001080"/>
                 </a:solidFill>
@@ -25249,7 +24682,7 @@
               <a:t>transcripts</a:t>
             </a:r>
             <a:r>
-              <a:rPr lang="en-US" sz="2400" b="0" dirty="0" err="1">
+              <a:rPr lang="en-US" sz="2200" b="0" dirty="0" err="1">
                 <a:solidFill>
                   <a:srgbClr val="3B3B3B"/>
                 </a:solidFill>
@@ -25259,7 +24692,7 @@
               <a:t>.</a:t>
             </a:r>
             <a:r>
-              <a:rPr lang="en-US" sz="2400" b="0" dirty="0" err="1">
+              <a:rPr lang="en-US" sz="2200" b="0" dirty="0" err="1">
                 <a:solidFill>
                   <a:srgbClr val="795E26"/>
                 </a:solidFill>
@@ -25269,7 +24702,7 @@
               <a:t>push</a:t>
             </a:r>
             <a:r>
-              <a:rPr lang="en-US" sz="2400" b="0" dirty="0">
+              <a:rPr lang="en-US" sz="2200" b="0" dirty="0">
                 <a:solidFill>
                   <a:srgbClr val="3B3B3B"/>
                 </a:solidFill>
@@ -25284,7 +24717,7 @@
               <a:buNone/>
             </a:pPr>
             <a:r>
-              <a:rPr lang="en-US" sz="2400" dirty="0">
+              <a:rPr lang="en-US" sz="2200" dirty="0">
                 <a:solidFill>
                   <a:srgbClr val="3B3B3B"/>
                 </a:solidFill>
@@ -25293,7 +24726,7 @@
               <a:t>        </a:t>
             </a:r>
             <a:r>
-              <a:rPr lang="en-US" sz="2400" b="0" dirty="0">
+              <a:rPr lang="en-US" sz="2200" b="0" dirty="0">
                 <a:solidFill>
                   <a:srgbClr val="3B3B3B"/>
                 </a:solidFill>
@@ -25303,7 +24736,7 @@
               <a:t> </a:t>
             </a:r>
             <a:r>
-              <a:rPr lang="en-US" sz="2400" b="0" dirty="0">
+              <a:rPr lang="en-US" sz="2200" b="0" dirty="0">
                 <a:solidFill>
                   <a:srgbClr val="001080"/>
                 </a:solidFill>
@@ -25313,7 +24746,7 @@
               <a:t>student:</a:t>
             </a:r>
             <a:r>
-              <a:rPr lang="en-US" sz="2400" b="0" dirty="0">
+              <a:rPr lang="en-US" sz="2200" b="0" dirty="0">
                 <a:solidFill>
                   <a:srgbClr val="3B3B3B"/>
                 </a:solidFill>
@@ -25323,7 +24756,7 @@
               <a:t> </a:t>
             </a:r>
             <a:r>
-              <a:rPr lang="en-US" sz="2400" b="0" dirty="0" err="1">
+              <a:rPr lang="en-US" sz="2200" b="0" dirty="0" err="1">
                 <a:solidFill>
                   <a:srgbClr val="0070C1"/>
                 </a:solidFill>
@@ -25333,7 +24766,7 @@
               <a:t>newStudent</a:t>
             </a:r>
             <a:r>
-              <a:rPr lang="en-US" sz="2400" b="0" dirty="0">
+              <a:rPr lang="en-US" sz="2200" b="0" dirty="0">
                 <a:solidFill>
                   <a:srgbClr val="3B3B3B"/>
                 </a:solidFill>
@@ -25343,7 +24776,7 @@
               <a:t>, </a:t>
             </a:r>
             <a:r>
-              <a:rPr lang="en-US" sz="2400" b="0" dirty="0">
+              <a:rPr lang="en-US" sz="2200" b="0" dirty="0">
                 <a:solidFill>
                   <a:srgbClr val="001080"/>
                 </a:solidFill>
@@ -25353,7 +24786,7 @@
               <a:t>grades:</a:t>
             </a:r>
             <a:r>
-              <a:rPr lang="en-US" sz="2400" b="0" dirty="0">
+              <a:rPr lang="en-US" sz="2200" b="0" dirty="0">
                 <a:solidFill>
                   <a:srgbClr val="3B3B3B"/>
                 </a:solidFill>
@@ -25368,7 +24801,7 @@
               <a:buNone/>
             </a:pPr>
             <a:r>
-              <a:rPr lang="en-US" sz="2400" dirty="0">
+              <a:rPr lang="en-US" sz="2200" dirty="0">
                 <a:solidFill>
                   <a:srgbClr val="3B3B3B"/>
                 </a:solidFill>
@@ -25377,7 +24810,7 @@
               <a:t>    </a:t>
             </a:r>
             <a:r>
-              <a:rPr lang="en-US" sz="2400" b="0" dirty="0">
+              <a:rPr lang="en-US" sz="2200" b="0" dirty="0">
                 <a:solidFill>
                   <a:srgbClr val="3B3B3B"/>
                 </a:solidFill>
@@ -25392,7 +24825,7 @@
               <a:buNone/>
             </a:pPr>
             <a:r>
-              <a:rPr lang="en-US" sz="2400" b="0" dirty="0">
+              <a:rPr lang="en-US" sz="2200" b="0" dirty="0">
                 <a:solidFill>
                   <a:srgbClr val="3B3B3B"/>
                 </a:solidFill>
@@ -25402,7 +24835,7 @@
               <a:t>    </a:t>
             </a:r>
             <a:r>
-              <a:rPr lang="en-US" sz="2400" b="0" dirty="0">
+              <a:rPr lang="en-US" sz="2200" b="0" dirty="0">
                 <a:solidFill>
                   <a:srgbClr val="AF00DB"/>
                 </a:solidFill>
@@ -25412,7 +24845,7 @@
               <a:t>return</a:t>
             </a:r>
             <a:r>
-              <a:rPr lang="en-US" sz="2400" b="0" dirty="0">
+              <a:rPr lang="en-US" sz="2200" b="0" dirty="0">
                 <a:solidFill>
                   <a:srgbClr val="3B3B3B"/>
                 </a:solidFill>
@@ -25422,7 +24855,7 @@
               <a:t> </a:t>
             </a:r>
             <a:r>
-              <a:rPr lang="en-US" sz="2400" b="0" dirty="0" err="1">
+              <a:rPr lang="en-US" sz="2200" b="0" dirty="0" err="1">
                 <a:solidFill>
                   <a:srgbClr val="0070C1"/>
                 </a:solidFill>
@@ -25432,7 +24865,7 @@
               <a:t>newID</a:t>
             </a:r>
             <a:r>
-              <a:rPr lang="en-US" sz="2400" b="0" dirty="0">
+              <a:rPr lang="en-US" sz="2200" b="0" dirty="0">
                 <a:solidFill>
                   <a:srgbClr val="3B3B3B"/>
                 </a:solidFill>
@@ -25447,7 +24880,7 @@
               <a:buNone/>
             </a:pPr>
             <a:r>
-              <a:rPr lang="en-US" sz="2400" b="0" dirty="0">
+              <a:rPr lang="en-US" sz="2200" b="0" dirty="0">
                 <a:solidFill>
                   <a:srgbClr val="3B3B3B"/>
                 </a:solidFill>
@@ -25456,33 +24889,6 @@
               </a:rPr>
               <a:t>  }</a:t>
             </a:r>
-          </a:p>
-          <a:p>
-            <a:br>
-              <a:rPr lang="en-US" sz="2400" b="0" dirty="0">
-                <a:solidFill>
-                  <a:srgbClr val="000000"/>
-                </a:solidFill>
-                <a:effectLst/>
-                <a:latin typeface="Consolas" panose="020B0609020204030204" pitchFamily="49" charset="0"/>
-              </a:rPr>
-            </a:br>
-            <a:br>
-              <a:rPr lang="en-US" sz="2400" b="0" dirty="0">
-                <a:solidFill>
-                  <a:srgbClr val="000000"/>
-                </a:solidFill>
-                <a:effectLst/>
-                <a:latin typeface="Consolas" panose="020B0609020204030204" pitchFamily="49" charset="0"/>
-              </a:rPr>
-            </a:br>
-            <a:endParaRPr lang="en-US" sz="2400" b="0" dirty="0">
-              <a:solidFill>
-                <a:srgbClr val="000000"/>
-              </a:solidFill>
-              <a:effectLst/>
-              <a:latin typeface="Consolas" panose="020B0609020204030204" pitchFamily="49" charset="0"/>
-            </a:endParaRPr>
           </a:p>
         </p:txBody>
       </p:sp>
@@ -25585,744 +24991,6 @@
 </file>
 
 <file path=ppt/slides/slide26.xml><?xml version="1.0" encoding="utf-8"?>
-<p:sld xmlns:a="http://schemas.openxmlformats.org/drawingml/2006/main" xmlns:r="http://schemas.openxmlformats.org/officeDocument/2006/relationships" xmlns:p="http://schemas.openxmlformats.org/presentationml/2006/main" show="0">
-  <p:cSld>
-    <p:spTree>
-      <p:nvGrpSpPr>
-        <p:cNvPr id="1" name=""/>
-        <p:cNvGrpSpPr/>
-        <p:nvPr/>
-      </p:nvGrpSpPr>
-      <p:grpSpPr>
-        <a:xfrm>
-          <a:off x="0" y="0"/>
-          <a:ext cx="0" cy="0"/>
-          <a:chOff x="0" y="0"/>
-          <a:chExt cx="0" cy="0"/>
-        </a:xfrm>
-      </p:grpSpPr>
-      <p:sp>
-        <p:nvSpPr>
-          <p:cNvPr id="8" name="Rectangle 7">
-            <a:extLst>
-              <a:ext uri="{FF2B5EF4-FFF2-40B4-BE49-F238E27FC236}">
-                <a16:creationId xmlns:a16="http://schemas.microsoft.com/office/drawing/2014/main" id="{7A791031-BA3D-EBE8-7CD5-FBCD72D24023}"/>
-              </a:ext>
-            </a:extLst>
-          </p:cNvPr>
-          <p:cNvSpPr/>
-          <p:nvPr/>
-        </p:nvSpPr>
-        <p:spPr>
-          <a:xfrm>
-            <a:off x="313765" y="1665288"/>
-            <a:ext cx="11438964" cy="2022655"/>
-          </a:xfrm>
-          <a:prstGeom prst="rect">
-            <a:avLst/>
-          </a:prstGeom>
-          <a:solidFill>
-            <a:schemeClr val="accent2">
-              <a:lumMod val="20000"/>
-              <a:lumOff val="80000"/>
-            </a:schemeClr>
-          </a:solidFill>
-          <a:ln>
-            <a:solidFill>
-              <a:srgbClr val="0070C0"/>
-            </a:solidFill>
-          </a:ln>
-        </p:spPr>
-        <p:style>
-          <a:lnRef idx="2">
-            <a:schemeClr val="accent1">
-              <a:shade val="50000"/>
-            </a:schemeClr>
-          </a:lnRef>
-          <a:fillRef idx="1">
-            <a:schemeClr val="accent1"/>
-          </a:fillRef>
-          <a:effectRef idx="0">
-            <a:schemeClr val="accent1"/>
-          </a:effectRef>
-          <a:fontRef idx="minor">
-            <a:schemeClr val="lt1"/>
-          </a:fontRef>
-        </p:style>
-        <p:txBody>
-          <a:bodyPr rtlCol="0" anchor="ctr"/>
-          <a:lstStyle/>
-          <a:p>
-            <a:pPr algn="l"/>
-            <a:endParaRPr lang="en-US" dirty="0">
-              <a:solidFill>
-                <a:schemeClr val="tx1"/>
-              </a:solidFill>
-            </a:endParaRPr>
-          </a:p>
-        </p:txBody>
-      </p:sp>
-      <p:sp>
-        <p:nvSpPr>
-          <p:cNvPr id="2" name="Title 1">
-            <a:extLst>
-              <a:ext uri="{FF2B5EF4-FFF2-40B4-BE49-F238E27FC236}">
-                <a16:creationId xmlns:a16="http://schemas.microsoft.com/office/drawing/2014/main" id="{1316E8AF-BD74-88AB-9E01-FB6FACEFE331}"/>
-              </a:ext>
-            </a:extLst>
-          </p:cNvPr>
-          <p:cNvSpPr>
-            <a:spLocks noGrp="1"/>
-          </p:cNvSpPr>
-          <p:nvPr>
-            <p:ph type="title"/>
-          </p:nvPr>
-        </p:nvSpPr>
-        <p:spPr/>
-        <p:txBody>
-          <a:bodyPr/>
-          <a:lstStyle/>
-          <a:p>
-            <a:r>
-              <a:rPr lang="en-US" dirty="0"/>
-              <a:t>Review: </a:t>
-            </a:r>
-            <a:r>
-              <a:rPr lang="en-US" dirty="0" err="1"/>
-              <a:t>CoS</a:t>
-            </a:r>
-            <a:r>
-              <a:rPr lang="en-US" dirty="0"/>
-              <a:t> to testable behaviors to TDD</a:t>
-            </a:r>
-          </a:p>
-        </p:txBody>
-      </p:sp>
-      <p:sp>
-        <p:nvSpPr>
-          <p:cNvPr id="3" name="Content Placeholder 2">
-            <a:extLst>
-              <a:ext uri="{FF2B5EF4-FFF2-40B4-BE49-F238E27FC236}">
-                <a16:creationId xmlns:a16="http://schemas.microsoft.com/office/drawing/2014/main" id="{184B73AD-3850-13B8-7AB8-5D8ED30F0C3A}"/>
-              </a:ext>
-            </a:extLst>
-          </p:cNvPr>
-          <p:cNvSpPr>
-            <a:spLocks noGrp="1"/>
-          </p:cNvSpPr>
-          <p:nvPr>
-            <p:ph idx="1"/>
-          </p:nvPr>
-        </p:nvSpPr>
-        <p:spPr>
-          <a:xfrm>
-            <a:off x="838200" y="4155141"/>
-            <a:ext cx="8429368" cy="2566333"/>
-          </a:xfrm>
-        </p:spPr>
-        <p:txBody>
-          <a:bodyPr>
-            <a:normAutofit/>
-          </a:bodyPr>
-          <a:lstStyle/>
-          <a:p>
-            <a:pPr marL="0" indent="0">
-              <a:buNone/>
-            </a:pPr>
-            <a:r>
-              <a:rPr lang="en-US" dirty="0"/>
-              <a:t>It’s the end of the lesson, so you should be prepared to:</a:t>
-            </a:r>
-          </a:p>
-          <a:p>
-            <a:pPr lvl="1"/>
-            <a:r>
-              <a:rPr lang="en-US" dirty="0"/>
-              <a:t>Explain the basics of Test-Driven Development</a:t>
-            </a:r>
-          </a:p>
-          <a:p>
-            <a:pPr lvl="1"/>
-            <a:r>
-              <a:rPr lang="en-US" dirty="0"/>
-              <a:t>Explain the connection between conditions of satisfaction and testable behaviors</a:t>
-            </a:r>
-          </a:p>
-          <a:p>
-            <a:pPr lvl="1"/>
-            <a:r>
-              <a:rPr lang="en-US" dirty="0"/>
-              <a:t>Begin developing simple applications using TypeScript and </a:t>
-            </a:r>
-            <a:r>
-              <a:rPr lang="en-US" dirty="0" err="1"/>
-              <a:t>Vitest</a:t>
-            </a:r>
-            <a:endParaRPr lang="en-US" dirty="0"/>
-          </a:p>
-          <a:p>
-            <a:pPr marL="0" indent="0">
-              <a:buNone/>
-            </a:pPr>
-            <a:endParaRPr lang="en-US" dirty="0"/>
-          </a:p>
-          <a:p>
-            <a:endParaRPr lang="en-US" dirty="0"/>
-          </a:p>
-        </p:txBody>
-      </p:sp>
-      <p:sp>
-        <p:nvSpPr>
-          <p:cNvPr id="4" name="Slide Number Placeholder 3">
-            <a:extLst>
-              <a:ext uri="{FF2B5EF4-FFF2-40B4-BE49-F238E27FC236}">
-                <a16:creationId xmlns:a16="http://schemas.microsoft.com/office/drawing/2014/main" id="{98A884B0-329A-C1C7-01BF-6013C6128833}"/>
-              </a:ext>
-            </a:extLst>
-          </p:cNvPr>
-          <p:cNvSpPr>
-            <a:spLocks noGrp="1"/>
-          </p:cNvSpPr>
-          <p:nvPr>
-            <p:ph type="sldNum" sz="quarter" idx="12"/>
-          </p:nvPr>
-        </p:nvSpPr>
-        <p:spPr/>
-        <p:txBody>
-          <a:bodyPr/>
-          <a:lstStyle/>
-          <a:p>
-            <a:fld id="{20F37917-FD3A-4669-9018-DA04BCDD3D75}" type="slidenum">
-              <a:rPr lang="en-US" smtClean="0"/>
-              <a:t>26</a:t>
-            </a:fld>
-            <a:endParaRPr lang="en-US"/>
-          </a:p>
-        </p:txBody>
-      </p:sp>
-      <p:sp>
-        <p:nvSpPr>
-          <p:cNvPr id="5" name="Content Placeholder 2">
-            <a:extLst>
-              <a:ext uri="{FF2B5EF4-FFF2-40B4-BE49-F238E27FC236}">
-                <a16:creationId xmlns:a16="http://schemas.microsoft.com/office/drawing/2014/main" id="{ED25EF93-E31D-BF97-CD4C-B6E354FFAA0F}"/>
-              </a:ext>
-            </a:extLst>
-          </p:cNvPr>
-          <p:cNvSpPr txBox="1">
-            <a:spLocks/>
-          </p:cNvSpPr>
-          <p:nvPr/>
-        </p:nvSpPr>
-        <p:spPr>
-          <a:xfrm>
-            <a:off x="313765" y="1665288"/>
-            <a:ext cx="5782235" cy="2022655"/>
-          </a:xfrm>
-          <a:prstGeom prst="rect">
-            <a:avLst/>
-          </a:prstGeom>
-        </p:spPr>
-        <p:txBody>
-          <a:bodyPr vert="horz" lIns="91440" tIns="45720" rIns="91440" bIns="45720" rtlCol="0">
-            <a:normAutofit/>
-          </a:bodyPr>
-          <a:lstStyle>
-            <a:lvl1pPr marL="228600" indent="-228600" algn="l" defTabSz="914400" rtl="0" eaLnBrk="1" latinLnBrk="0" hangingPunct="1">
-              <a:lnSpc>
-                <a:spcPct val="90000"/>
-              </a:lnSpc>
-              <a:spcBef>
-                <a:spcPts val="1000"/>
-              </a:spcBef>
-              <a:buFont typeface="Arial" panose="020B0604020202020204" pitchFamily="34" charset="0"/>
-              <a:buChar char="•"/>
-              <a:defRPr sz="2800" kern="1200">
-                <a:solidFill>
-                  <a:schemeClr val="tx1"/>
-                </a:solidFill>
-                <a:latin typeface="+mn-lt"/>
-                <a:ea typeface="+mn-ea"/>
-                <a:cs typeface="+mn-cs"/>
-              </a:defRPr>
-            </a:lvl1pPr>
-            <a:lvl2pPr marL="685800" indent="-228600" algn="l" defTabSz="914400" rtl="0" eaLnBrk="1" latinLnBrk="0" hangingPunct="1">
-              <a:lnSpc>
-                <a:spcPct val="90000"/>
-              </a:lnSpc>
-              <a:spcBef>
-                <a:spcPts val="500"/>
-              </a:spcBef>
-              <a:buFont typeface="Arial" panose="020B0604020202020204" pitchFamily="34" charset="0"/>
-              <a:buChar char="•"/>
-              <a:defRPr sz="2400" kern="1200">
-                <a:solidFill>
-                  <a:schemeClr val="tx1"/>
-                </a:solidFill>
-                <a:latin typeface="+mn-lt"/>
-                <a:ea typeface="+mn-ea"/>
-                <a:cs typeface="+mn-cs"/>
-              </a:defRPr>
-            </a:lvl2pPr>
-            <a:lvl3pPr marL="1143000" indent="-228600" algn="l" defTabSz="914400" rtl="0" eaLnBrk="1" latinLnBrk="0" hangingPunct="1">
-              <a:lnSpc>
-                <a:spcPct val="90000"/>
-              </a:lnSpc>
-              <a:spcBef>
-                <a:spcPts val="500"/>
-              </a:spcBef>
-              <a:buFont typeface="Arial" panose="020B0604020202020204" pitchFamily="34" charset="0"/>
-              <a:buChar char="•"/>
-              <a:defRPr sz="2000" kern="1200">
-                <a:solidFill>
-                  <a:schemeClr val="tx1"/>
-                </a:solidFill>
-                <a:latin typeface="+mn-lt"/>
-                <a:ea typeface="+mn-ea"/>
-                <a:cs typeface="+mn-cs"/>
-              </a:defRPr>
-            </a:lvl3pPr>
-            <a:lvl4pPr marL="1600200" indent="-228600" algn="l" defTabSz="914400" rtl="0" eaLnBrk="1" latinLnBrk="0" hangingPunct="1">
-              <a:lnSpc>
-                <a:spcPct val="90000"/>
-              </a:lnSpc>
-              <a:spcBef>
-                <a:spcPts val="500"/>
-              </a:spcBef>
-              <a:buFont typeface="Arial" panose="020B0604020202020204" pitchFamily="34" charset="0"/>
-              <a:buChar char="•"/>
-              <a:defRPr sz="1800" kern="1200">
-                <a:solidFill>
-                  <a:schemeClr val="tx1"/>
-                </a:solidFill>
-                <a:latin typeface="+mn-lt"/>
-                <a:ea typeface="+mn-ea"/>
-                <a:cs typeface="+mn-cs"/>
-              </a:defRPr>
-            </a:lvl4pPr>
-            <a:lvl5pPr marL="2057400" indent="-228600" algn="l" defTabSz="914400" rtl="0" eaLnBrk="1" latinLnBrk="0" hangingPunct="1">
-              <a:lnSpc>
-                <a:spcPct val="90000"/>
-              </a:lnSpc>
-              <a:spcBef>
-                <a:spcPts val="500"/>
-              </a:spcBef>
-              <a:buFont typeface="Arial" panose="020B0604020202020204" pitchFamily="34" charset="0"/>
-              <a:buChar char="•"/>
-              <a:defRPr sz="1800" kern="1200">
-                <a:solidFill>
-                  <a:schemeClr val="tx1"/>
-                </a:solidFill>
-                <a:latin typeface="+mn-lt"/>
-                <a:ea typeface="+mn-ea"/>
-                <a:cs typeface="+mn-cs"/>
-              </a:defRPr>
-            </a:lvl5pPr>
-            <a:lvl6pPr marL="2514600" indent="-228600" algn="l" defTabSz="914400" rtl="0" eaLnBrk="1" latinLnBrk="0" hangingPunct="1">
-              <a:lnSpc>
-                <a:spcPct val="90000"/>
-              </a:lnSpc>
-              <a:spcBef>
-                <a:spcPts val="500"/>
-              </a:spcBef>
-              <a:buFont typeface="Arial" panose="020B0604020202020204" pitchFamily="34" charset="0"/>
-              <a:buChar char="•"/>
-              <a:defRPr sz="1800" kern="1200">
-                <a:solidFill>
-                  <a:schemeClr val="tx1"/>
-                </a:solidFill>
-                <a:latin typeface="+mn-lt"/>
-                <a:ea typeface="+mn-ea"/>
-                <a:cs typeface="+mn-cs"/>
-              </a:defRPr>
-            </a:lvl6pPr>
-            <a:lvl7pPr marL="2971800" indent="-228600" algn="l" defTabSz="914400" rtl="0" eaLnBrk="1" latinLnBrk="0" hangingPunct="1">
-              <a:lnSpc>
-                <a:spcPct val="90000"/>
-              </a:lnSpc>
-              <a:spcBef>
-                <a:spcPts val="500"/>
-              </a:spcBef>
-              <a:buFont typeface="Arial" panose="020B0604020202020204" pitchFamily="34" charset="0"/>
-              <a:buChar char="•"/>
-              <a:defRPr sz="1800" kern="1200">
-                <a:solidFill>
-                  <a:schemeClr val="tx1"/>
-                </a:solidFill>
-                <a:latin typeface="+mn-lt"/>
-                <a:ea typeface="+mn-ea"/>
-                <a:cs typeface="+mn-cs"/>
-              </a:defRPr>
-            </a:lvl7pPr>
-            <a:lvl8pPr marL="3429000" indent="-228600" algn="l" defTabSz="914400" rtl="0" eaLnBrk="1" latinLnBrk="0" hangingPunct="1">
-              <a:lnSpc>
-                <a:spcPct val="90000"/>
-              </a:lnSpc>
-              <a:spcBef>
-                <a:spcPts val="500"/>
-              </a:spcBef>
-              <a:buFont typeface="Arial" panose="020B0604020202020204" pitchFamily="34" charset="0"/>
-              <a:buChar char="•"/>
-              <a:defRPr sz="1800" kern="1200">
-                <a:solidFill>
-                  <a:schemeClr val="tx1"/>
-                </a:solidFill>
-                <a:latin typeface="+mn-lt"/>
-                <a:ea typeface="+mn-ea"/>
-                <a:cs typeface="+mn-cs"/>
-              </a:defRPr>
-            </a:lvl8pPr>
-            <a:lvl9pPr marL="3886200" indent="-228600" algn="l" defTabSz="914400" rtl="0" eaLnBrk="1" latinLnBrk="0" hangingPunct="1">
-              <a:lnSpc>
-                <a:spcPct val="90000"/>
-              </a:lnSpc>
-              <a:spcBef>
-                <a:spcPts val="500"/>
-              </a:spcBef>
-              <a:buFont typeface="Arial" panose="020B0604020202020204" pitchFamily="34" charset="0"/>
-              <a:buChar char="•"/>
-              <a:defRPr sz="1800" kern="1200">
-                <a:solidFill>
-                  <a:schemeClr val="tx1"/>
-                </a:solidFill>
-                <a:latin typeface="+mn-lt"/>
-                <a:ea typeface="+mn-ea"/>
-                <a:cs typeface="+mn-cs"/>
-              </a:defRPr>
-            </a:lvl9pPr>
-          </a:lstStyle>
-          <a:p>
-            <a:pPr marL="0" indent="0">
-              <a:buNone/>
-            </a:pPr>
-            <a:r>
-              <a:rPr lang="en-US" dirty="0" err="1"/>
-              <a:t>CoS</a:t>
-            </a:r>
-            <a:r>
-              <a:rPr lang="en-US" dirty="0"/>
-              <a:t>: The college administrator can…</a:t>
-            </a:r>
-          </a:p>
-          <a:p>
-            <a:pPr lvl="1"/>
-            <a:r>
-              <a:rPr lang="en-US" dirty="0"/>
-              <a:t>…add a new student to the database</a:t>
-            </a:r>
-            <a:br>
-              <a:rPr lang="en-US" dirty="0"/>
-            </a:br>
-            <a:endParaRPr lang="en-US" dirty="0">
-              <a:solidFill>
-                <a:schemeClr val="bg1"/>
-              </a:solidFill>
-            </a:endParaRPr>
-          </a:p>
-          <a:p>
-            <a:pPr lvl="1"/>
-            <a:endParaRPr lang="en-US" dirty="0"/>
-          </a:p>
-        </p:txBody>
-      </p:sp>
-      <p:sp>
-        <p:nvSpPr>
-          <p:cNvPr id="6" name="Content Placeholder 2">
-            <a:extLst>
-              <a:ext uri="{FF2B5EF4-FFF2-40B4-BE49-F238E27FC236}">
-                <a16:creationId xmlns:a16="http://schemas.microsoft.com/office/drawing/2014/main" id="{2B7E7856-FFA9-4A23-A3E0-530E7F7B6573}"/>
-              </a:ext>
-            </a:extLst>
-          </p:cNvPr>
-          <p:cNvSpPr txBox="1">
-            <a:spLocks/>
-          </p:cNvSpPr>
-          <p:nvPr/>
-        </p:nvSpPr>
-        <p:spPr>
-          <a:xfrm>
-            <a:off x="5834427" y="1665288"/>
-            <a:ext cx="5782235" cy="2180571"/>
-          </a:xfrm>
-          <a:prstGeom prst="rect">
-            <a:avLst/>
-          </a:prstGeom>
-        </p:spPr>
-        <p:txBody>
-          <a:bodyPr vert="horz" lIns="91440" tIns="45720" rIns="91440" bIns="45720" rtlCol="0">
-            <a:normAutofit/>
-          </a:bodyPr>
-          <a:lstStyle>
-            <a:lvl1pPr marL="228600" indent="-228600" algn="l" defTabSz="914400" rtl="0" eaLnBrk="1" latinLnBrk="0" hangingPunct="1">
-              <a:lnSpc>
-                <a:spcPct val="90000"/>
-              </a:lnSpc>
-              <a:spcBef>
-                <a:spcPts val="1000"/>
-              </a:spcBef>
-              <a:buFont typeface="Arial" panose="020B0604020202020204" pitchFamily="34" charset="0"/>
-              <a:buChar char="•"/>
-              <a:defRPr sz="2800" kern="1200">
-                <a:solidFill>
-                  <a:schemeClr val="tx1"/>
-                </a:solidFill>
-                <a:latin typeface="+mn-lt"/>
-                <a:ea typeface="+mn-ea"/>
-                <a:cs typeface="+mn-cs"/>
-              </a:defRPr>
-            </a:lvl1pPr>
-            <a:lvl2pPr marL="685800" indent="-228600" algn="l" defTabSz="914400" rtl="0" eaLnBrk="1" latinLnBrk="0" hangingPunct="1">
-              <a:lnSpc>
-                <a:spcPct val="90000"/>
-              </a:lnSpc>
-              <a:spcBef>
-                <a:spcPts val="500"/>
-              </a:spcBef>
-              <a:buFont typeface="Arial" panose="020B0604020202020204" pitchFamily="34" charset="0"/>
-              <a:buChar char="•"/>
-              <a:defRPr sz="2400" kern="1200">
-                <a:solidFill>
-                  <a:schemeClr val="tx1"/>
-                </a:solidFill>
-                <a:latin typeface="+mn-lt"/>
-                <a:ea typeface="+mn-ea"/>
-                <a:cs typeface="+mn-cs"/>
-              </a:defRPr>
-            </a:lvl2pPr>
-            <a:lvl3pPr marL="1143000" indent="-228600" algn="l" defTabSz="914400" rtl="0" eaLnBrk="1" latinLnBrk="0" hangingPunct="1">
-              <a:lnSpc>
-                <a:spcPct val="90000"/>
-              </a:lnSpc>
-              <a:spcBef>
-                <a:spcPts val="500"/>
-              </a:spcBef>
-              <a:buFont typeface="Arial" panose="020B0604020202020204" pitchFamily="34" charset="0"/>
-              <a:buChar char="•"/>
-              <a:defRPr sz="2000" kern="1200">
-                <a:solidFill>
-                  <a:schemeClr val="tx1"/>
-                </a:solidFill>
-                <a:latin typeface="+mn-lt"/>
-                <a:ea typeface="+mn-ea"/>
-                <a:cs typeface="+mn-cs"/>
-              </a:defRPr>
-            </a:lvl3pPr>
-            <a:lvl4pPr marL="1600200" indent="-228600" algn="l" defTabSz="914400" rtl="0" eaLnBrk="1" latinLnBrk="0" hangingPunct="1">
-              <a:lnSpc>
-                <a:spcPct val="90000"/>
-              </a:lnSpc>
-              <a:spcBef>
-                <a:spcPts val="500"/>
-              </a:spcBef>
-              <a:buFont typeface="Arial" panose="020B0604020202020204" pitchFamily="34" charset="0"/>
-              <a:buChar char="•"/>
-              <a:defRPr sz="1800" kern="1200">
-                <a:solidFill>
-                  <a:schemeClr val="tx1"/>
-                </a:solidFill>
-                <a:latin typeface="+mn-lt"/>
-                <a:ea typeface="+mn-ea"/>
-                <a:cs typeface="+mn-cs"/>
-              </a:defRPr>
-            </a:lvl4pPr>
-            <a:lvl5pPr marL="2057400" indent="-228600" algn="l" defTabSz="914400" rtl="0" eaLnBrk="1" latinLnBrk="0" hangingPunct="1">
-              <a:lnSpc>
-                <a:spcPct val="90000"/>
-              </a:lnSpc>
-              <a:spcBef>
-                <a:spcPts val="500"/>
-              </a:spcBef>
-              <a:buFont typeface="Arial" panose="020B0604020202020204" pitchFamily="34" charset="0"/>
-              <a:buChar char="•"/>
-              <a:defRPr sz="1800" kern="1200">
-                <a:solidFill>
-                  <a:schemeClr val="tx1"/>
-                </a:solidFill>
-                <a:latin typeface="+mn-lt"/>
-                <a:ea typeface="+mn-ea"/>
-                <a:cs typeface="+mn-cs"/>
-              </a:defRPr>
-            </a:lvl5pPr>
-            <a:lvl6pPr marL="2514600" indent="-228600" algn="l" defTabSz="914400" rtl="0" eaLnBrk="1" latinLnBrk="0" hangingPunct="1">
-              <a:lnSpc>
-                <a:spcPct val="90000"/>
-              </a:lnSpc>
-              <a:spcBef>
-                <a:spcPts val="500"/>
-              </a:spcBef>
-              <a:buFont typeface="Arial" panose="020B0604020202020204" pitchFamily="34" charset="0"/>
-              <a:buChar char="•"/>
-              <a:defRPr sz="1800" kern="1200">
-                <a:solidFill>
-                  <a:schemeClr val="tx1"/>
-                </a:solidFill>
-                <a:latin typeface="+mn-lt"/>
-                <a:ea typeface="+mn-ea"/>
-                <a:cs typeface="+mn-cs"/>
-              </a:defRPr>
-            </a:lvl6pPr>
-            <a:lvl7pPr marL="2971800" indent="-228600" algn="l" defTabSz="914400" rtl="0" eaLnBrk="1" latinLnBrk="0" hangingPunct="1">
-              <a:lnSpc>
-                <a:spcPct val="90000"/>
-              </a:lnSpc>
-              <a:spcBef>
-                <a:spcPts val="500"/>
-              </a:spcBef>
-              <a:buFont typeface="Arial" panose="020B0604020202020204" pitchFamily="34" charset="0"/>
-              <a:buChar char="•"/>
-              <a:defRPr sz="1800" kern="1200">
-                <a:solidFill>
-                  <a:schemeClr val="tx1"/>
-                </a:solidFill>
-                <a:latin typeface="+mn-lt"/>
-                <a:ea typeface="+mn-ea"/>
-                <a:cs typeface="+mn-cs"/>
-              </a:defRPr>
-            </a:lvl7pPr>
-            <a:lvl8pPr marL="3429000" indent="-228600" algn="l" defTabSz="914400" rtl="0" eaLnBrk="1" latinLnBrk="0" hangingPunct="1">
-              <a:lnSpc>
-                <a:spcPct val="90000"/>
-              </a:lnSpc>
-              <a:spcBef>
-                <a:spcPts val="500"/>
-              </a:spcBef>
-              <a:buFont typeface="Arial" panose="020B0604020202020204" pitchFamily="34" charset="0"/>
-              <a:buChar char="•"/>
-              <a:defRPr sz="1800" kern="1200">
-                <a:solidFill>
-                  <a:schemeClr val="tx1"/>
-                </a:solidFill>
-                <a:latin typeface="+mn-lt"/>
-                <a:ea typeface="+mn-ea"/>
-                <a:cs typeface="+mn-cs"/>
-              </a:defRPr>
-            </a:lvl8pPr>
-            <a:lvl9pPr marL="3886200" indent="-228600" algn="l" defTabSz="914400" rtl="0" eaLnBrk="1" latinLnBrk="0" hangingPunct="1">
-              <a:lnSpc>
-                <a:spcPct val="90000"/>
-              </a:lnSpc>
-              <a:spcBef>
-                <a:spcPts val="500"/>
-              </a:spcBef>
-              <a:buFont typeface="Arial" panose="020B0604020202020204" pitchFamily="34" charset="0"/>
-              <a:buChar char="•"/>
-              <a:defRPr sz="1800" kern="1200">
-                <a:solidFill>
-                  <a:schemeClr val="tx1"/>
-                </a:solidFill>
-                <a:latin typeface="+mn-lt"/>
-                <a:ea typeface="+mn-ea"/>
-                <a:cs typeface="+mn-cs"/>
-              </a:defRPr>
-            </a:lvl9pPr>
-          </a:lstStyle>
-          <a:p>
-            <a:pPr marL="0" indent="0">
-              <a:buNone/>
-            </a:pPr>
-            <a:r>
-              <a:rPr lang="en-US" dirty="0"/>
-              <a:t>Testable behaviors:</a:t>
-            </a:r>
-          </a:p>
-          <a:p>
-            <a:pPr lvl="1"/>
-            <a:r>
-              <a:rPr lang="en-US" dirty="0" err="1"/>
-              <a:t>addStudent</a:t>
-            </a:r>
-            <a:r>
-              <a:rPr lang="en-US" dirty="0"/>
-              <a:t> should add a student to the database and return their ID</a:t>
-            </a:r>
-          </a:p>
-          <a:p>
-            <a:pPr lvl="1"/>
-            <a:r>
-              <a:rPr lang="en-US" dirty="0" err="1"/>
-              <a:t>addStudent</a:t>
-            </a:r>
-            <a:r>
-              <a:rPr lang="en-US" dirty="0"/>
-              <a:t> should return an ID distinct from any ID in the database</a:t>
-            </a:r>
-            <a:endParaRPr lang="en-US" i="1" dirty="0"/>
-          </a:p>
-        </p:txBody>
-      </p:sp>
-      <p:sp>
-        <p:nvSpPr>
-          <p:cNvPr id="7" name="TextBox 6">
-            <a:extLst>
-              <a:ext uri="{FF2B5EF4-FFF2-40B4-BE49-F238E27FC236}">
-                <a16:creationId xmlns:a16="http://schemas.microsoft.com/office/drawing/2014/main" id="{83F499D7-2037-7DEA-76DD-DFA79044BE0F}"/>
-              </a:ext>
-            </a:extLst>
-          </p:cNvPr>
-          <p:cNvSpPr txBox="1"/>
-          <p:nvPr/>
-        </p:nvSpPr>
-        <p:spPr>
-          <a:xfrm>
-            <a:off x="215153" y="1546412"/>
-            <a:ext cx="11537576" cy="2141531"/>
-          </a:xfrm>
-          <a:prstGeom prst="rect">
-            <a:avLst/>
-          </a:prstGeom>
-          <a:noFill/>
-          <a:ln>
-            <a:noFill/>
-          </a:ln>
-        </p:spPr>
-        <p:style>
-          <a:lnRef idx="2">
-            <a:schemeClr val="accent1">
-              <a:shade val="50000"/>
-            </a:schemeClr>
-          </a:lnRef>
-          <a:fillRef idx="1">
-            <a:schemeClr val="accent1"/>
-          </a:fillRef>
-          <a:effectRef idx="0">
-            <a:schemeClr val="accent1"/>
-          </a:effectRef>
-          <a:fontRef idx="minor">
-            <a:schemeClr val="lt1"/>
-          </a:fontRef>
-        </p:style>
-        <p:txBody>
-          <a:bodyPr rot="0" spcFirstLastPara="0" vertOverflow="overflow" horzOverflow="overflow" vert="horz" wrap="square" lIns="91440" tIns="45720" rIns="91440" bIns="45720" numCol="1" spcCol="0" rtlCol="0" fromWordArt="0" anchor="ctr" anchorCtr="0" forceAA="0" compatLnSpc="1">
-            <a:prstTxWarp prst="textNoShape">
-              <a:avLst/>
-            </a:prstTxWarp>
-            <a:noAutofit/>
-          </a:bodyPr>
-          <a:lstStyle/>
-          <a:p>
-            <a:pPr algn="l"/>
-            <a:endParaRPr lang="en-US" dirty="0">
-              <a:solidFill>
-                <a:schemeClr val="tx1"/>
-              </a:solidFill>
-            </a:endParaRPr>
-          </a:p>
-        </p:txBody>
-      </p:sp>
-    </p:spTree>
-    <p:extLst>
-      <p:ext uri="{BB962C8B-B14F-4D97-AF65-F5344CB8AC3E}">
-        <p14:creationId xmlns:p14="http://schemas.microsoft.com/office/powerpoint/2010/main" val="3814196925"/>
-      </p:ext>
-    </p:extLst>
-  </p:cSld>
-  <p:clrMapOvr>
-    <a:masterClrMapping/>
-  </p:clrMapOvr>
-</p:sld>
-</file>
-
-<file path=ppt/slides/slide27.xml><?xml version="1.0" encoding="utf-8"?>
 <p:sld xmlns:a="http://schemas.openxmlformats.org/drawingml/2006/main" xmlns:r="http://schemas.openxmlformats.org/officeDocument/2006/relationships" xmlns:p="http://schemas.openxmlformats.org/presentationml/2006/main">
   <p:cSld>
     <p:spTree>
@@ -26825,7 +25493,7 @@
           <a:p>
             <a:fld id="{20F37917-FD3A-4669-9018-DA04BCDD3D75}" type="slidenum">
               <a:rPr lang="en-US" smtClean="0"/>
-              <a:t>27</a:t>
+              <a:t>26</a:t>
             </a:fld>
             <a:endParaRPr lang="en-US"/>
           </a:p>
@@ -27983,7 +26651,7 @@
 </p:sld>
 </file>
 
-<file path=ppt/slides/slide28.xml><?xml version="1.0" encoding="utf-8"?>
+<file path=ppt/slides/slide27.xml><?xml version="1.0" encoding="utf-8"?>
 <p:sld xmlns:a="http://schemas.openxmlformats.org/drawingml/2006/main" xmlns:r="http://schemas.openxmlformats.org/officeDocument/2006/relationships" xmlns:p="http://schemas.openxmlformats.org/presentationml/2006/main">
   <p:cSld>
     <p:spTree>
@@ -28029,7 +26697,7 @@
           <a:p>
             <a:r>
               <a:rPr lang="en-US" dirty="0"/>
-              <a:t>Review </a:t>
+              <a:t>Review: Here is the process we followed</a:t>
             </a:r>
           </a:p>
         </p:txBody>
@@ -28058,7 +26726,7 @@
             <a:fld id="{20F37917-FD3A-4669-9018-DA04BCDD3D75}" type="slidenum">
               <a:rPr lang="en-US" smtClean="0"/>
               <a:pPr/>
-              <a:t>28</a:t>
+              <a:t>27</a:t>
             </a:fld>
             <a:endParaRPr lang="en-US"/>
           </a:p>
@@ -29010,12 +27678,139 @@
           </p:sp>
         </p:grpSp>
       </p:grpSp>
+    </p:spTree>
+    <p:extLst>
+      <p:ext uri="{BB962C8B-B14F-4D97-AF65-F5344CB8AC3E}">
+        <p14:creationId xmlns:p14="http://schemas.microsoft.com/office/powerpoint/2010/main" val="269822497"/>
+      </p:ext>
+    </p:extLst>
+  </p:cSld>
+  <p:clrMapOvr>
+    <a:masterClrMapping/>
+  </p:clrMapOvr>
+</p:sld>
+</file>
+
+<file path=ppt/slides/slide28.xml><?xml version="1.0" encoding="utf-8"?>
+<p:sld xmlns:a="http://schemas.openxmlformats.org/drawingml/2006/main" xmlns:r="http://schemas.openxmlformats.org/officeDocument/2006/relationships" xmlns:p="http://schemas.openxmlformats.org/presentationml/2006/main">
+  <p:cSld>
+    <p:spTree>
+      <p:nvGrpSpPr>
+        <p:cNvPr id="1" name=""/>
+        <p:cNvGrpSpPr/>
+        <p:nvPr/>
+      </p:nvGrpSpPr>
+      <p:grpSpPr>
+        <a:xfrm>
+          <a:off x="0" y="0"/>
+          <a:ext cx="0" cy="0"/>
+          <a:chOff x="0" y="0"/>
+          <a:chExt cx="0" cy="0"/>
+        </a:xfrm>
+      </p:grpSpPr>
       <p:sp>
         <p:nvSpPr>
-          <p:cNvPr id="49" name="Content Placeholder 48">
+          <p:cNvPr id="8" name="Rectangle 7">
             <a:extLst>
               <a:ext uri="{FF2B5EF4-FFF2-40B4-BE49-F238E27FC236}">
-                <a16:creationId xmlns:a16="http://schemas.microsoft.com/office/drawing/2014/main" id="{4712C3F4-86C6-0D59-9224-64D97C960E09}"/>
+                <a16:creationId xmlns:a16="http://schemas.microsoft.com/office/drawing/2014/main" id="{7A791031-BA3D-EBE8-7CD5-FBCD72D24023}"/>
+              </a:ext>
+            </a:extLst>
+          </p:cNvPr>
+          <p:cNvSpPr/>
+          <p:nvPr/>
+        </p:nvSpPr>
+        <p:spPr>
+          <a:xfrm>
+            <a:off x="313765" y="1665288"/>
+            <a:ext cx="11438964" cy="2022655"/>
+          </a:xfrm>
+          <a:prstGeom prst="rect">
+            <a:avLst/>
+          </a:prstGeom>
+          <a:solidFill>
+            <a:schemeClr val="accent2">
+              <a:lumMod val="20000"/>
+              <a:lumOff val="80000"/>
+            </a:schemeClr>
+          </a:solidFill>
+          <a:ln>
+            <a:solidFill>
+              <a:srgbClr val="0070C0"/>
+            </a:solidFill>
+          </a:ln>
+        </p:spPr>
+        <p:style>
+          <a:lnRef idx="2">
+            <a:schemeClr val="accent1">
+              <a:shade val="50000"/>
+            </a:schemeClr>
+          </a:lnRef>
+          <a:fillRef idx="1">
+            <a:schemeClr val="accent1"/>
+          </a:fillRef>
+          <a:effectRef idx="0">
+            <a:schemeClr val="accent1"/>
+          </a:effectRef>
+          <a:fontRef idx="minor">
+            <a:schemeClr val="lt1"/>
+          </a:fontRef>
+        </p:style>
+        <p:txBody>
+          <a:bodyPr rtlCol="0" anchor="ctr"/>
+          <a:lstStyle/>
+          <a:p>
+            <a:pPr algn="l"/>
+            <a:endParaRPr lang="en-US" dirty="0">
+              <a:solidFill>
+                <a:schemeClr val="tx1"/>
+              </a:solidFill>
+            </a:endParaRPr>
+          </a:p>
+        </p:txBody>
+      </p:sp>
+      <p:sp>
+        <p:nvSpPr>
+          <p:cNvPr id="2" name="Title 1">
+            <a:extLst>
+              <a:ext uri="{FF2B5EF4-FFF2-40B4-BE49-F238E27FC236}">
+                <a16:creationId xmlns:a16="http://schemas.microsoft.com/office/drawing/2014/main" id="{1316E8AF-BD74-88AB-9E01-FB6FACEFE331}"/>
+              </a:ext>
+            </a:extLst>
+          </p:cNvPr>
+          <p:cNvSpPr>
+            <a:spLocks noGrp="1"/>
+          </p:cNvSpPr>
+          <p:nvPr>
+            <p:ph type="title"/>
+          </p:nvPr>
+        </p:nvSpPr>
+        <p:spPr/>
+        <p:txBody>
+          <a:bodyPr/>
+          <a:lstStyle/>
+          <a:p>
+            <a:r>
+              <a:rPr lang="en-US" dirty="0"/>
+              <a:t>Review: </a:t>
+            </a:r>
+            <a:r>
+              <a:rPr lang="en-US" dirty="0" err="1"/>
+              <a:t>CoS</a:t>
+            </a:r>
+            <a:r>
+              <a:rPr lang="en-US" dirty="0"/>
+              <a:t> to testable behaviors to TDD</a:t>
+            </a:r>
+          </a:p>
+        </p:txBody>
+      </p:sp>
+      <p:sp>
+        <p:nvSpPr>
+          <p:cNvPr id="3" name="Content Placeholder 2">
+            <a:extLst>
+              <a:ext uri="{FF2B5EF4-FFF2-40B4-BE49-F238E27FC236}">
+                <a16:creationId xmlns:a16="http://schemas.microsoft.com/office/drawing/2014/main" id="{184B73AD-3850-13B8-7AB8-5D8ED30F0C3A}"/>
               </a:ext>
             </a:extLst>
           </p:cNvPr>
@@ -29026,22 +27821,605 @@
             <p:ph idx="1"/>
           </p:nvPr>
         </p:nvSpPr>
+        <p:spPr>
+          <a:xfrm>
+            <a:off x="838200" y="3890537"/>
+            <a:ext cx="8429368" cy="2566333"/>
+          </a:xfrm>
+        </p:spPr>
+        <p:txBody>
+          <a:bodyPr>
+            <a:normAutofit/>
+          </a:bodyPr>
+          <a:lstStyle/>
+          <a:p>
+            <a:pPr marL="0" indent="0">
+              <a:buNone/>
+            </a:pPr>
+            <a:r>
+              <a:rPr lang="en-US" dirty="0"/>
+              <a:t>It’s the end of the lesson, so you should be prepared to:</a:t>
+            </a:r>
+          </a:p>
+          <a:p>
+            <a:pPr lvl="1"/>
+            <a:r>
+              <a:rPr lang="en-US" dirty="0"/>
+              <a:t>Explain the basics of Test-Driven Development</a:t>
+            </a:r>
+          </a:p>
+          <a:p>
+            <a:pPr lvl="1"/>
+            <a:r>
+              <a:rPr lang="en-US" dirty="0"/>
+              <a:t>Explain the connection between conditions of satisfaction and testable behaviors</a:t>
+            </a:r>
+          </a:p>
+          <a:p>
+            <a:pPr lvl="1"/>
+            <a:r>
+              <a:rPr lang="en-US" dirty="0"/>
+              <a:t>Begin developing simple applications using TypeScript and </a:t>
+            </a:r>
+            <a:r>
+              <a:rPr lang="en-US" dirty="0" err="1"/>
+              <a:t>Vitest</a:t>
+            </a:r>
+            <a:endParaRPr lang="en-US" dirty="0"/>
+          </a:p>
+          <a:p>
+            <a:pPr marL="0" indent="0">
+              <a:buNone/>
+            </a:pPr>
+            <a:endParaRPr lang="en-US" dirty="0"/>
+          </a:p>
+          <a:p>
+            <a:endParaRPr lang="en-US" dirty="0"/>
+          </a:p>
+        </p:txBody>
+      </p:sp>
+      <p:sp>
+        <p:nvSpPr>
+          <p:cNvPr id="4" name="Slide Number Placeholder 3">
+            <a:extLst>
+              <a:ext uri="{FF2B5EF4-FFF2-40B4-BE49-F238E27FC236}">
+                <a16:creationId xmlns:a16="http://schemas.microsoft.com/office/drawing/2014/main" id="{98A884B0-329A-C1C7-01BF-6013C6128833}"/>
+              </a:ext>
+            </a:extLst>
+          </p:cNvPr>
+          <p:cNvSpPr>
+            <a:spLocks noGrp="1"/>
+          </p:cNvSpPr>
+          <p:nvPr>
+            <p:ph type="sldNum" sz="quarter" idx="12"/>
+          </p:nvPr>
+        </p:nvSpPr>
         <p:spPr/>
         <p:txBody>
           <a:bodyPr/>
           <a:lstStyle/>
           <a:p>
+            <a:fld id="{20F37917-FD3A-4669-9018-DA04BCDD3D75}" type="slidenum">
+              <a:rPr lang="en-US" smtClean="0"/>
+              <a:t>28</a:t>
+            </a:fld>
+            <a:endParaRPr lang="en-US"/>
+          </a:p>
+        </p:txBody>
+      </p:sp>
+      <p:sp>
+        <p:nvSpPr>
+          <p:cNvPr id="5" name="Content Placeholder 2">
+            <a:extLst>
+              <a:ext uri="{FF2B5EF4-FFF2-40B4-BE49-F238E27FC236}">
+                <a16:creationId xmlns:a16="http://schemas.microsoft.com/office/drawing/2014/main" id="{ED25EF93-E31D-BF97-CD4C-B6E354FFAA0F}"/>
+              </a:ext>
+            </a:extLst>
+          </p:cNvPr>
+          <p:cNvSpPr txBox="1">
+            <a:spLocks/>
+          </p:cNvSpPr>
+          <p:nvPr/>
+        </p:nvSpPr>
+        <p:spPr>
+          <a:xfrm>
+            <a:off x="313765" y="1665288"/>
+            <a:ext cx="5782235" cy="2022655"/>
+          </a:xfrm>
+          <a:prstGeom prst="rect">
+            <a:avLst/>
+          </a:prstGeom>
+        </p:spPr>
+        <p:txBody>
+          <a:bodyPr vert="horz" lIns="91440" tIns="45720" rIns="91440" bIns="45720" rtlCol="0">
+            <a:normAutofit/>
+          </a:bodyPr>
+          <a:lstStyle>
+            <a:lvl1pPr marL="228600" indent="-228600" algn="l" defTabSz="914400" rtl="0" eaLnBrk="1" latinLnBrk="0" hangingPunct="1">
+              <a:lnSpc>
+                <a:spcPct val="90000"/>
+              </a:lnSpc>
+              <a:spcBef>
+                <a:spcPts val="1000"/>
+              </a:spcBef>
+              <a:buFont typeface="Arial" panose="020B0604020202020204" pitchFamily="34" charset="0"/>
+              <a:buChar char="•"/>
+              <a:defRPr sz="2800" kern="1200">
+                <a:solidFill>
+                  <a:schemeClr val="tx1"/>
+                </a:solidFill>
+                <a:latin typeface="+mn-lt"/>
+                <a:ea typeface="+mn-ea"/>
+                <a:cs typeface="+mn-cs"/>
+              </a:defRPr>
+            </a:lvl1pPr>
+            <a:lvl2pPr marL="685800" indent="-228600" algn="l" defTabSz="914400" rtl="0" eaLnBrk="1" latinLnBrk="0" hangingPunct="1">
+              <a:lnSpc>
+                <a:spcPct val="90000"/>
+              </a:lnSpc>
+              <a:spcBef>
+                <a:spcPts val="500"/>
+              </a:spcBef>
+              <a:buFont typeface="Arial" panose="020B0604020202020204" pitchFamily="34" charset="0"/>
+              <a:buChar char="•"/>
+              <a:defRPr sz="2400" kern="1200">
+                <a:solidFill>
+                  <a:schemeClr val="tx1"/>
+                </a:solidFill>
+                <a:latin typeface="+mn-lt"/>
+                <a:ea typeface="+mn-ea"/>
+                <a:cs typeface="+mn-cs"/>
+              </a:defRPr>
+            </a:lvl2pPr>
+            <a:lvl3pPr marL="1143000" indent="-228600" algn="l" defTabSz="914400" rtl="0" eaLnBrk="1" latinLnBrk="0" hangingPunct="1">
+              <a:lnSpc>
+                <a:spcPct val="90000"/>
+              </a:lnSpc>
+              <a:spcBef>
+                <a:spcPts val="500"/>
+              </a:spcBef>
+              <a:buFont typeface="Arial" panose="020B0604020202020204" pitchFamily="34" charset="0"/>
+              <a:buChar char="•"/>
+              <a:defRPr sz="2000" kern="1200">
+                <a:solidFill>
+                  <a:schemeClr val="tx1"/>
+                </a:solidFill>
+                <a:latin typeface="+mn-lt"/>
+                <a:ea typeface="+mn-ea"/>
+                <a:cs typeface="+mn-cs"/>
+              </a:defRPr>
+            </a:lvl3pPr>
+            <a:lvl4pPr marL="1600200" indent="-228600" algn="l" defTabSz="914400" rtl="0" eaLnBrk="1" latinLnBrk="0" hangingPunct="1">
+              <a:lnSpc>
+                <a:spcPct val="90000"/>
+              </a:lnSpc>
+              <a:spcBef>
+                <a:spcPts val="500"/>
+              </a:spcBef>
+              <a:buFont typeface="Arial" panose="020B0604020202020204" pitchFamily="34" charset="0"/>
+              <a:buChar char="•"/>
+              <a:defRPr sz="1800" kern="1200">
+                <a:solidFill>
+                  <a:schemeClr val="tx1"/>
+                </a:solidFill>
+                <a:latin typeface="+mn-lt"/>
+                <a:ea typeface="+mn-ea"/>
+                <a:cs typeface="+mn-cs"/>
+              </a:defRPr>
+            </a:lvl4pPr>
+            <a:lvl5pPr marL="2057400" indent="-228600" algn="l" defTabSz="914400" rtl="0" eaLnBrk="1" latinLnBrk="0" hangingPunct="1">
+              <a:lnSpc>
+                <a:spcPct val="90000"/>
+              </a:lnSpc>
+              <a:spcBef>
+                <a:spcPts val="500"/>
+              </a:spcBef>
+              <a:buFont typeface="Arial" panose="020B0604020202020204" pitchFamily="34" charset="0"/>
+              <a:buChar char="•"/>
+              <a:defRPr sz="1800" kern="1200">
+                <a:solidFill>
+                  <a:schemeClr val="tx1"/>
+                </a:solidFill>
+                <a:latin typeface="+mn-lt"/>
+                <a:ea typeface="+mn-ea"/>
+                <a:cs typeface="+mn-cs"/>
+              </a:defRPr>
+            </a:lvl5pPr>
+            <a:lvl6pPr marL="2514600" indent="-228600" algn="l" defTabSz="914400" rtl="0" eaLnBrk="1" latinLnBrk="0" hangingPunct="1">
+              <a:lnSpc>
+                <a:spcPct val="90000"/>
+              </a:lnSpc>
+              <a:spcBef>
+                <a:spcPts val="500"/>
+              </a:spcBef>
+              <a:buFont typeface="Arial" panose="020B0604020202020204" pitchFamily="34" charset="0"/>
+              <a:buChar char="•"/>
+              <a:defRPr sz="1800" kern="1200">
+                <a:solidFill>
+                  <a:schemeClr val="tx1"/>
+                </a:solidFill>
+                <a:latin typeface="+mn-lt"/>
+                <a:ea typeface="+mn-ea"/>
+                <a:cs typeface="+mn-cs"/>
+              </a:defRPr>
+            </a:lvl6pPr>
+            <a:lvl7pPr marL="2971800" indent="-228600" algn="l" defTabSz="914400" rtl="0" eaLnBrk="1" latinLnBrk="0" hangingPunct="1">
+              <a:lnSpc>
+                <a:spcPct val="90000"/>
+              </a:lnSpc>
+              <a:spcBef>
+                <a:spcPts val="500"/>
+              </a:spcBef>
+              <a:buFont typeface="Arial" panose="020B0604020202020204" pitchFamily="34" charset="0"/>
+              <a:buChar char="•"/>
+              <a:defRPr sz="1800" kern="1200">
+                <a:solidFill>
+                  <a:schemeClr val="tx1"/>
+                </a:solidFill>
+                <a:latin typeface="+mn-lt"/>
+                <a:ea typeface="+mn-ea"/>
+                <a:cs typeface="+mn-cs"/>
+              </a:defRPr>
+            </a:lvl7pPr>
+            <a:lvl8pPr marL="3429000" indent="-228600" algn="l" defTabSz="914400" rtl="0" eaLnBrk="1" latinLnBrk="0" hangingPunct="1">
+              <a:lnSpc>
+                <a:spcPct val="90000"/>
+              </a:lnSpc>
+              <a:spcBef>
+                <a:spcPts val="500"/>
+              </a:spcBef>
+              <a:buFont typeface="Arial" panose="020B0604020202020204" pitchFamily="34" charset="0"/>
+              <a:buChar char="•"/>
+              <a:defRPr sz="1800" kern="1200">
+                <a:solidFill>
+                  <a:schemeClr val="tx1"/>
+                </a:solidFill>
+                <a:latin typeface="+mn-lt"/>
+                <a:ea typeface="+mn-ea"/>
+                <a:cs typeface="+mn-cs"/>
+              </a:defRPr>
+            </a:lvl8pPr>
+            <a:lvl9pPr marL="3886200" indent="-228600" algn="l" defTabSz="914400" rtl="0" eaLnBrk="1" latinLnBrk="0" hangingPunct="1">
+              <a:lnSpc>
+                <a:spcPct val="90000"/>
+              </a:lnSpc>
+              <a:spcBef>
+                <a:spcPts val="500"/>
+              </a:spcBef>
+              <a:buFont typeface="Arial" panose="020B0604020202020204" pitchFamily="34" charset="0"/>
+              <a:buChar char="•"/>
+              <a:defRPr sz="1800" kern="1200">
+                <a:solidFill>
+                  <a:schemeClr val="tx1"/>
+                </a:solidFill>
+                <a:latin typeface="+mn-lt"/>
+                <a:ea typeface="+mn-ea"/>
+                <a:cs typeface="+mn-cs"/>
+              </a:defRPr>
+            </a:lvl9pPr>
+          </a:lstStyle>
+          <a:p>
+            <a:pPr marL="0" indent="0">
+              <a:buNone/>
+            </a:pPr>
+            <a:r>
+              <a:rPr lang="en-US" dirty="0" err="1"/>
+              <a:t>CoS</a:t>
+            </a:r>
             <a:r>
               <a:rPr lang="en-US" dirty="0"/>
-              <a:t>Here's the process we followed:</a:t>
-            </a:r>
+              <a:t>: The college administrator can…</a:t>
+            </a:r>
+          </a:p>
+          <a:p>
+            <a:pPr lvl="1"/>
+            <a:r>
+              <a:rPr lang="en-US" dirty="0"/>
+              <a:t>…add a new student to the database</a:t>
+            </a:r>
+            <a:br>
+              <a:rPr lang="en-US" dirty="0"/>
+            </a:br>
+            <a:endParaRPr lang="en-US" dirty="0">
+              <a:solidFill>
+                <a:schemeClr val="bg1"/>
+              </a:solidFill>
+            </a:endParaRPr>
+          </a:p>
+          <a:p>
+            <a:pPr lvl="1"/>
+            <a:endParaRPr lang="en-US" dirty="0"/>
+          </a:p>
+        </p:txBody>
+      </p:sp>
+      <p:sp>
+        <p:nvSpPr>
+          <p:cNvPr id="6" name="Content Placeholder 2">
+            <a:extLst>
+              <a:ext uri="{FF2B5EF4-FFF2-40B4-BE49-F238E27FC236}">
+                <a16:creationId xmlns:a16="http://schemas.microsoft.com/office/drawing/2014/main" id="{2B7E7856-FFA9-4A23-A3E0-530E7F7B6573}"/>
+              </a:ext>
+            </a:extLst>
+          </p:cNvPr>
+          <p:cNvSpPr txBox="1">
+            <a:spLocks/>
+          </p:cNvSpPr>
+          <p:nvPr/>
+        </p:nvSpPr>
+        <p:spPr>
+          <a:xfrm>
+            <a:off x="5834427" y="1665288"/>
+            <a:ext cx="5782235" cy="2180571"/>
+          </a:xfrm>
+          <a:prstGeom prst="rect">
+            <a:avLst/>
+          </a:prstGeom>
+        </p:spPr>
+        <p:txBody>
+          <a:bodyPr vert="horz" lIns="91440" tIns="45720" rIns="91440" bIns="45720" rtlCol="0">
+            <a:normAutofit/>
+          </a:bodyPr>
+          <a:lstStyle>
+            <a:lvl1pPr marL="228600" indent="-228600" algn="l" defTabSz="914400" rtl="0" eaLnBrk="1" latinLnBrk="0" hangingPunct="1">
+              <a:lnSpc>
+                <a:spcPct val="90000"/>
+              </a:lnSpc>
+              <a:spcBef>
+                <a:spcPts val="1000"/>
+              </a:spcBef>
+              <a:buFont typeface="Arial" panose="020B0604020202020204" pitchFamily="34" charset="0"/>
+              <a:buChar char="•"/>
+              <a:defRPr sz="2800" kern="1200">
+                <a:solidFill>
+                  <a:schemeClr val="tx1"/>
+                </a:solidFill>
+                <a:latin typeface="+mn-lt"/>
+                <a:ea typeface="+mn-ea"/>
+                <a:cs typeface="+mn-cs"/>
+              </a:defRPr>
+            </a:lvl1pPr>
+            <a:lvl2pPr marL="685800" indent="-228600" algn="l" defTabSz="914400" rtl="0" eaLnBrk="1" latinLnBrk="0" hangingPunct="1">
+              <a:lnSpc>
+                <a:spcPct val="90000"/>
+              </a:lnSpc>
+              <a:spcBef>
+                <a:spcPts val="500"/>
+              </a:spcBef>
+              <a:buFont typeface="Arial" panose="020B0604020202020204" pitchFamily="34" charset="0"/>
+              <a:buChar char="•"/>
+              <a:defRPr sz="2400" kern="1200">
+                <a:solidFill>
+                  <a:schemeClr val="tx1"/>
+                </a:solidFill>
+                <a:latin typeface="+mn-lt"/>
+                <a:ea typeface="+mn-ea"/>
+                <a:cs typeface="+mn-cs"/>
+              </a:defRPr>
+            </a:lvl2pPr>
+            <a:lvl3pPr marL="1143000" indent="-228600" algn="l" defTabSz="914400" rtl="0" eaLnBrk="1" latinLnBrk="0" hangingPunct="1">
+              <a:lnSpc>
+                <a:spcPct val="90000"/>
+              </a:lnSpc>
+              <a:spcBef>
+                <a:spcPts val="500"/>
+              </a:spcBef>
+              <a:buFont typeface="Arial" panose="020B0604020202020204" pitchFamily="34" charset="0"/>
+              <a:buChar char="•"/>
+              <a:defRPr sz="2000" kern="1200">
+                <a:solidFill>
+                  <a:schemeClr val="tx1"/>
+                </a:solidFill>
+                <a:latin typeface="+mn-lt"/>
+                <a:ea typeface="+mn-ea"/>
+                <a:cs typeface="+mn-cs"/>
+              </a:defRPr>
+            </a:lvl3pPr>
+            <a:lvl4pPr marL="1600200" indent="-228600" algn="l" defTabSz="914400" rtl="0" eaLnBrk="1" latinLnBrk="0" hangingPunct="1">
+              <a:lnSpc>
+                <a:spcPct val="90000"/>
+              </a:lnSpc>
+              <a:spcBef>
+                <a:spcPts val="500"/>
+              </a:spcBef>
+              <a:buFont typeface="Arial" panose="020B0604020202020204" pitchFamily="34" charset="0"/>
+              <a:buChar char="•"/>
+              <a:defRPr sz="1800" kern="1200">
+                <a:solidFill>
+                  <a:schemeClr val="tx1"/>
+                </a:solidFill>
+                <a:latin typeface="+mn-lt"/>
+                <a:ea typeface="+mn-ea"/>
+                <a:cs typeface="+mn-cs"/>
+              </a:defRPr>
+            </a:lvl4pPr>
+            <a:lvl5pPr marL="2057400" indent="-228600" algn="l" defTabSz="914400" rtl="0" eaLnBrk="1" latinLnBrk="0" hangingPunct="1">
+              <a:lnSpc>
+                <a:spcPct val="90000"/>
+              </a:lnSpc>
+              <a:spcBef>
+                <a:spcPts val="500"/>
+              </a:spcBef>
+              <a:buFont typeface="Arial" panose="020B0604020202020204" pitchFamily="34" charset="0"/>
+              <a:buChar char="•"/>
+              <a:defRPr sz="1800" kern="1200">
+                <a:solidFill>
+                  <a:schemeClr val="tx1"/>
+                </a:solidFill>
+                <a:latin typeface="+mn-lt"/>
+                <a:ea typeface="+mn-ea"/>
+                <a:cs typeface="+mn-cs"/>
+              </a:defRPr>
+            </a:lvl5pPr>
+            <a:lvl6pPr marL="2514600" indent="-228600" algn="l" defTabSz="914400" rtl="0" eaLnBrk="1" latinLnBrk="0" hangingPunct="1">
+              <a:lnSpc>
+                <a:spcPct val="90000"/>
+              </a:lnSpc>
+              <a:spcBef>
+                <a:spcPts val="500"/>
+              </a:spcBef>
+              <a:buFont typeface="Arial" panose="020B0604020202020204" pitchFamily="34" charset="0"/>
+              <a:buChar char="•"/>
+              <a:defRPr sz="1800" kern="1200">
+                <a:solidFill>
+                  <a:schemeClr val="tx1"/>
+                </a:solidFill>
+                <a:latin typeface="+mn-lt"/>
+                <a:ea typeface="+mn-ea"/>
+                <a:cs typeface="+mn-cs"/>
+              </a:defRPr>
+            </a:lvl6pPr>
+            <a:lvl7pPr marL="2971800" indent="-228600" algn="l" defTabSz="914400" rtl="0" eaLnBrk="1" latinLnBrk="0" hangingPunct="1">
+              <a:lnSpc>
+                <a:spcPct val="90000"/>
+              </a:lnSpc>
+              <a:spcBef>
+                <a:spcPts val="500"/>
+              </a:spcBef>
+              <a:buFont typeface="Arial" panose="020B0604020202020204" pitchFamily="34" charset="0"/>
+              <a:buChar char="•"/>
+              <a:defRPr sz="1800" kern="1200">
+                <a:solidFill>
+                  <a:schemeClr val="tx1"/>
+                </a:solidFill>
+                <a:latin typeface="+mn-lt"/>
+                <a:ea typeface="+mn-ea"/>
+                <a:cs typeface="+mn-cs"/>
+              </a:defRPr>
+            </a:lvl7pPr>
+            <a:lvl8pPr marL="3429000" indent="-228600" algn="l" defTabSz="914400" rtl="0" eaLnBrk="1" latinLnBrk="0" hangingPunct="1">
+              <a:lnSpc>
+                <a:spcPct val="90000"/>
+              </a:lnSpc>
+              <a:spcBef>
+                <a:spcPts val="500"/>
+              </a:spcBef>
+              <a:buFont typeface="Arial" panose="020B0604020202020204" pitchFamily="34" charset="0"/>
+              <a:buChar char="•"/>
+              <a:defRPr sz="1800" kern="1200">
+                <a:solidFill>
+                  <a:schemeClr val="tx1"/>
+                </a:solidFill>
+                <a:latin typeface="+mn-lt"/>
+                <a:ea typeface="+mn-ea"/>
+                <a:cs typeface="+mn-cs"/>
+              </a:defRPr>
+            </a:lvl8pPr>
+            <a:lvl9pPr marL="3886200" indent="-228600" algn="l" defTabSz="914400" rtl="0" eaLnBrk="1" latinLnBrk="0" hangingPunct="1">
+              <a:lnSpc>
+                <a:spcPct val="90000"/>
+              </a:lnSpc>
+              <a:spcBef>
+                <a:spcPts val="500"/>
+              </a:spcBef>
+              <a:buFont typeface="Arial" panose="020B0604020202020204" pitchFamily="34" charset="0"/>
+              <a:buChar char="•"/>
+              <a:defRPr sz="1800" kern="1200">
+                <a:solidFill>
+                  <a:schemeClr val="tx1"/>
+                </a:solidFill>
+                <a:latin typeface="+mn-lt"/>
+                <a:ea typeface="+mn-ea"/>
+                <a:cs typeface="+mn-cs"/>
+              </a:defRPr>
+            </a:lvl9pPr>
+          </a:lstStyle>
+          <a:p>
+            <a:pPr marL="0" indent="0">
+              <a:buNone/>
+            </a:pPr>
+            <a:r>
+              <a:rPr lang="en-US" dirty="0"/>
+              <a:t>Testable behaviors:</a:t>
+            </a:r>
+          </a:p>
+          <a:p>
+            <a:pPr lvl="1"/>
+            <a:r>
+              <a:rPr lang="en-US" dirty="0" err="1"/>
+              <a:t>addStudent</a:t>
+            </a:r>
+            <a:r>
+              <a:rPr lang="en-US" dirty="0"/>
+              <a:t> should add a student to the database and return their ID</a:t>
+            </a:r>
+          </a:p>
+          <a:p>
+            <a:pPr lvl="1"/>
+            <a:r>
+              <a:rPr lang="en-US" dirty="0" err="1"/>
+              <a:t>addStudent</a:t>
+            </a:r>
+            <a:r>
+              <a:rPr lang="en-US" dirty="0"/>
+              <a:t> should return an ID distinct from any ID in the database</a:t>
+            </a:r>
+            <a:endParaRPr lang="en-US" i="1" dirty="0"/>
+          </a:p>
+        </p:txBody>
+      </p:sp>
+      <p:sp>
+        <p:nvSpPr>
+          <p:cNvPr id="7" name="TextBox 6">
+            <a:extLst>
+              <a:ext uri="{FF2B5EF4-FFF2-40B4-BE49-F238E27FC236}">
+                <a16:creationId xmlns:a16="http://schemas.microsoft.com/office/drawing/2014/main" id="{83F499D7-2037-7DEA-76DD-DFA79044BE0F}"/>
+              </a:ext>
+            </a:extLst>
+          </p:cNvPr>
+          <p:cNvSpPr txBox="1"/>
+          <p:nvPr/>
+        </p:nvSpPr>
+        <p:spPr>
+          <a:xfrm>
+            <a:off x="215153" y="1546412"/>
+            <a:ext cx="11537576" cy="2141531"/>
+          </a:xfrm>
+          <a:prstGeom prst="rect">
+            <a:avLst/>
+          </a:prstGeom>
+          <a:noFill/>
+          <a:ln>
+            <a:noFill/>
+          </a:ln>
+        </p:spPr>
+        <p:style>
+          <a:lnRef idx="2">
+            <a:schemeClr val="accent1">
+              <a:shade val="50000"/>
+            </a:schemeClr>
+          </a:lnRef>
+          <a:fillRef idx="1">
+            <a:schemeClr val="accent1"/>
+          </a:fillRef>
+          <a:effectRef idx="0">
+            <a:schemeClr val="accent1"/>
+          </a:effectRef>
+          <a:fontRef idx="minor">
+            <a:schemeClr val="lt1"/>
+          </a:fontRef>
+        </p:style>
+        <p:txBody>
+          <a:bodyPr rot="0" spcFirstLastPara="0" vertOverflow="overflow" horzOverflow="overflow" vert="horz" wrap="square" lIns="91440" tIns="45720" rIns="91440" bIns="45720" numCol="1" spcCol="0" rtlCol="0" fromWordArt="0" anchor="ctr" anchorCtr="0" forceAA="0" compatLnSpc="1">
+            <a:prstTxWarp prst="textNoShape">
+              <a:avLst/>
+            </a:prstTxWarp>
+            <a:noAutofit/>
+          </a:bodyPr>
+          <a:lstStyle/>
+          <a:p>
+            <a:pPr algn="l"/>
+            <a:endParaRPr lang="en-US" dirty="0">
+              <a:solidFill>
+                <a:schemeClr val="tx1"/>
+              </a:solidFill>
+            </a:endParaRPr>
           </a:p>
         </p:txBody>
       </p:sp>
     </p:spTree>
     <p:extLst>
       <p:ext uri="{BB962C8B-B14F-4D97-AF65-F5344CB8AC3E}">
-        <p14:creationId xmlns:p14="http://schemas.microsoft.com/office/powerpoint/2010/main" val="1609379614"/>
+        <p14:creationId xmlns:p14="http://schemas.microsoft.com/office/powerpoint/2010/main" val="3814196925"/>
       </p:ext>
     </p:extLst>
   </p:cSld>
@@ -29266,8 +28644,8 @@
           <a:lstStyle/>
           <a:p>
             <a:r>
-              <a:rPr lang="en-US" dirty="0"/>
-              <a:t>Part 3: Test-Driven Development</a:t>
+              <a:rPr lang="en-US" sz="3600" dirty="0"/>
+              <a:t>Test-Driven Development</a:t>
             </a:r>
           </a:p>
         </p:txBody>
@@ -32324,10 +31702,10 @@
       </p:sp>
       <p:grpSp>
         <p:nvGrpSpPr>
-          <p:cNvPr id="20" name="Group 19">
+          <p:cNvPr id="23" name="Group 22">
             <a:extLst>
               <a:ext uri="{FF2B5EF4-FFF2-40B4-BE49-F238E27FC236}">
-                <a16:creationId xmlns:a16="http://schemas.microsoft.com/office/drawing/2014/main" id="{53B58E01-009B-98BA-F56B-E01C599DB2BE}"/>
+                <a16:creationId xmlns:a16="http://schemas.microsoft.com/office/drawing/2014/main" id="{2F116E24-F2B5-D4ED-24D3-6802E0F42725}"/>
               </a:ext>
             </a:extLst>
           </p:cNvPr>
@@ -32337,936 +31715,915 @@
         <p:grpSpPr>
           <a:xfrm>
             <a:off x="156796" y="2293785"/>
-            <a:ext cx="11321493" cy="3027216"/>
-            <a:chOff x="156796" y="2293785"/>
-            <a:chExt cx="11321493" cy="3027216"/>
+            <a:ext cx="11321493" cy="1904613"/>
+            <a:chOff x="133350" y="1652027"/>
+            <a:chExt cx="11321493" cy="1904613"/>
           </a:xfrm>
         </p:grpSpPr>
-        <p:grpSp>
-          <p:nvGrpSpPr>
-            <p:cNvPr id="23" name="Group 22">
+        <p:sp>
+          <p:nvSpPr>
+            <p:cNvPr id="9" name="Rectangle: Rounded Corners 8">
               <a:extLst>
                 <a:ext uri="{FF2B5EF4-FFF2-40B4-BE49-F238E27FC236}">
-                  <a16:creationId xmlns:a16="http://schemas.microsoft.com/office/drawing/2014/main" id="{2F116E24-F2B5-D4ED-24D3-6802E0F42725}"/>
+                  <a16:creationId xmlns:a16="http://schemas.microsoft.com/office/drawing/2014/main" id="{9B7831DA-7020-B7A2-42AA-385F63B61815}"/>
                 </a:ext>
               </a:extLst>
             </p:cNvPr>
-            <p:cNvGrpSpPr/>
+            <p:cNvSpPr/>
             <p:nvPr/>
-          </p:nvGrpSpPr>
-          <p:grpSpPr>
+          </p:nvSpPr>
+          <p:spPr>
             <a:xfrm>
-              <a:off x="156796" y="2293785"/>
-              <a:ext cx="11321493" cy="2066180"/>
-              <a:chOff x="133350" y="1652027"/>
-              <a:chExt cx="11321493" cy="1904613"/>
+              <a:off x="133350" y="2516734"/>
+              <a:ext cx="2026024" cy="1039906"/>
             </a:xfrm>
-          </p:grpSpPr>
-          <p:sp>
-            <p:nvSpPr>
-              <p:cNvPr id="9" name="Rectangle: Rounded Corners 8">
-                <a:extLst>
-                  <a:ext uri="{FF2B5EF4-FFF2-40B4-BE49-F238E27FC236}">
-                    <a16:creationId xmlns:a16="http://schemas.microsoft.com/office/drawing/2014/main" id="{9B7831DA-7020-B7A2-42AA-385F63B61815}"/>
-                  </a:ext>
-                </a:extLst>
-              </p:cNvPr>
-              <p:cNvSpPr/>
-              <p:nvPr/>
-            </p:nvSpPr>
-            <p:spPr>
-              <a:xfrm>
-                <a:off x="133350" y="2516734"/>
-                <a:ext cx="2026024" cy="1039906"/>
-              </a:xfrm>
-              <a:prstGeom prst="roundRect">
-                <a:avLst/>
-              </a:prstGeom>
+            <a:prstGeom prst="roundRect">
+              <a:avLst/>
+            </a:prstGeom>
+            <a:solidFill>
+              <a:schemeClr val="bg2">
+                <a:lumMod val="75000"/>
+              </a:schemeClr>
+            </a:solidFill>
+            <a:ln>
               <a:solidFill>
-                <a:schemeClr val="bg2">
-                  <a:lumMod val="75000"/>
-                </a:schemeClr>
+                <a:srgbClr val="0070C0"/>
               </a:solidFill>
-              <a:ln>
-                <a:solidFill>
-                  <a:srgbClr val="0070C0"/>
-                </a:solidFill>
-              </a:ln>
-            </p:spPr>
-            <p:style>
-              <a:lnRef idx="2">
-                <a:schemeClr val="accent1">
-                  <a:shade val="50000"/>
-                </a:schemeClr>
-              </a:lnRef>
-              <a:fillRef idx="1">
-                <a:schemeClr val="accent1"/>
-              </a:fillRef>
-              <a:effectRef idx="0">
-                <a:schemeClr val="accent1"/>
-              </a:effectRef>
-              <a:fontRef idx="minor">
-                <a:schemeClr val="lt1"/>
-              </a:fontRef>
-            </p:style>
-            <p:txBody>
-              <a:bodyPr rtlCol="0" anchor="ctr"/>
-              <a:lstStyle/>
-              <a:p>
-                <a:pPr algn="ctr"/>
-                <a:r>
-                  <a:rPr lang="en-US" sz="2800" dirty="0">
-                    <a:solidFill>
-                      <a:schemeClr val="tx1"/>
-                    </a:solidFill>
-                  </a:rPr>
-                  <a:t>Satisfaction Conditions</a:t>
-                </a:r>
-              </a:p>
-            </p:txBody>
-          </p:sp>
-          <p:sp>
-            <p:nvSpPr>
-              <p:cNvPr id="10" name="Rectangle: Rounded Corners 9">
-                <a:extLst>
-                  <a:ext uri="{FF2B5EF4-FFF2-40B4-BE49-F238E27FC236}">
-                    <a16:creationId xmlns:a16="http://schemas.microsoft.com/office/drawing/2014/main" id="{33196CED-8A44-EF6D-D876-156032EBBEE8}"/>
-                  </a:ext>
-                </a:extLst>
-              </p:cNvPr>
-              <p:cNvSpPr/>
-              <p:nvPr/>
-            </p:nvSpPr>
-            <p:spPr>
-              <a:xfrm>
-                <a:off x="6330330" y="2516734"/>
-                <a:ext cx="2026024" cy="1039906"/>
-              </a:xfrm>
-              <a:prstGeom prst="roundRect">
-                <a:avLst/>
-              </a:prstGeom>
-              <a:solidFill>
-                <a:schemeClr val="accent6">
-                  <a:lumMod val="60000"/>
-                  <a:lumOff val="40000"/>
-                </a:schemeClr>
-              </a:solidFill>
-              <a:ln>
-                <a:solidFill>
-                  <a:srgbClr val="0070C0"/>
-                </a:solidFill>
-              </a:ln>
-            </p:spPr>
-            <p:style>
-              <a:lnRef idx="2">
-                <a:schemeClr val="accent1">
-                  <a:shade val="50000"/>
-                </a:schemeClr>
-              </a:lnRef>
-              <a:fillRef idx="1">
-                <a:schemeClr val="accent1"/>
-              </a:fillRef>
-              <a:effectRef idx="0">
-                <a:schemeClr val="accent1"/>
-              </a:effectRef>
-              <a:fontRef idx="minor">
-                <a:schemeClr val="lt1"/>
-              </a:fontRef>
-            </p:style>
-            <p:txBody>
-              <a:bodyPr rtlCol="0" anchor="ctr"/>
-              <a:lstStyle/>
-              <a:p>
-                <a:pPr algn="ctr"/>
-                <a:r>
-                  <a:rPr lang="en-US" sz="2800" dirty="0">
-                    <a:solidFill>
-                      <a:schemeClr val="tx1"/>
-                    </a:solidFill>
-                  </a:rPr>
-                  <a:t>Executable Tests</a:t>
-                </a:r>
-              </a:p>
-            </p:txBody>
-          </p:sp>
-          <p:sp>
-            <p:nvSpPr>
-              <p:cNvPr id="11" name="Rectangle: Rounded Corners 10">
-                <a:extLst>
-                  <a:ext uri="{FF2B5EF4-FFF2-40B4-BE49-F238E27FC236}">
-                    <a16:creationId xmlns:a16="http://schemas.microsoft.com/office/drawing/2014/main" id="{84F0FCC6-6459-4236-323A-E85C12EFE4DD}"/>
-                  </a:ext>
-                </a:extLst>
-              </p:cNvPr>
-              <p:cNvSpPr/>
-              <p:nvPr/>
-            </p:nvSpPr>
-            <p:spPr>
-              <a:xfrm>
-                <a:off x="3231840" y="2516734"/>
-                <a:ext cx="2026024" cy="1039906"/>
-              </a:xfrm>
-              <a:prstGeom prst="roundRect">
-                <a:avLst/>
-              </a:prstGeom>
-              <a:solidFill>
-                <a:schemeClr val="accent4">
-                  <a:lumMod val="60000"/>
-                  <a:lumOff val="40000"/>
-                </a:schemeClr>
-              </a:solidFill>
-              <a:ln>
-                <a:solidFill>
-                  <a:srgbClr val="0070C0"/>
-                </a:solidFill>
-              </a:ln>
-            </p:spPr>
-            <p:style>
-              <a:lnRef idx="2">
-                <a:schemeClr val="accent1">
-                  <a:shade val="50000"/>
-                </a:schemeClr>
-              </a:lnRef>
-              <a:fillRef idx="1">
-                <a:schemeClr val="accent1"/>
-              </a:fillRef>
-              <a:effectRef idx="0">
-                <a:schemeClr val="accent1"/>
-              </a:effectRef>
-              <a:fontRef idx="minor">
-                <a:schemeClr val="lt1"/>
-              </a:fontRef>
-            </p:style>
-            <p:txBody>
-              <a:bodyPr rtlCol="0" anchor="ctr"/>
-              <a:lstStyle/>
-              <a:p>
-                <a:pPr algn="ctr"/>
-                <a:r>
-                  <a:rPr lang="en-US" sz="2800" dirty="0">
-                    <a:solidFill>
-                      <a:schemeClr val="tx1"/>
-                    </a:solidFill>
-                  </a:rPr>
-                  <a:t>Testable Behaviors</a:t>
-                </a:r>
-              </a:p>
-            </p:txBody>
-          </p:sp>
-          <p:sp>
-            <p:nvSpPr>
-              <p:cNvPr id="12" name="Rectangle: Rounded Corners 11">
-                <a:extLst>
-                  <a:ext uri="{FF2B5EF4-FFF2-40B4-BE49-F238E27FC236}">
-                    <a16:creationId xmlns:a16="http://schemas.microsoft.com/office/drawing/2014/main" id="{260C95F7-7FA1-4747-F1AD-CCDFD56F0AB7}"/>
-                  </a:ext>
-                </a:extLst>
-              </p:cNvPr>
-              <p:cNvSpPr/>
-              <p:nvPr/>
-            </p:nvSpPr>
-            <p:spPr>
-              <a:xfrm>
-                <a:off x="9428819" y="2516734"/>
-                <a:ext cx="2026024" cy="1039906"/>
-              </a:xfrm>
-              <a:prstGeom prst="roundRect">
-                <a:avLst/>
-              </a:prstGeom>
-              <a:solidFill>
-                <a:srgbClr val="FF0000"/>
-              </a:solidFill>
-              <a:ln>
-                <a:solidFill>
-                  <a:srgbClr val="0070C0"/>
-                </a:solidFill>
-              </a:ln>
-            </p:spPr>
-            <p:style>
-              <a:lnRef idx="2">
-                <a:schemeClr val="accent1">
-                  <a:shade val="50000"/>
-                </a:schemeClr>
-              </a:lnRef>
-              <a:fillRef idx="1">
-                <a:schemeClr val="accent1"/>
-              </a:fillRef>
-              <a:effectRef idx="0">
-                <a:schemeClr val="accent1"/>
-              </a:effectRef>
-              <a:fontRef idx="minor">
-                <a:schemeClr val="lt1"/>
-              </a:fontRef>
-            </p:style>
-            <p:txBody>
-              <a:bodyPr rtlCol="0" anchor="ctr"/>
-              <a:lstStyle/>
-              <a:p>
-                <a:pPr algn="ctr"/>
-                <a:r>
-                  <a:rPr lang="en-US" sz="2800" dirty="0">
-                    <a:solidFill>
-                      <a:schemeClr val="tx1"/>
-                    </a:solidFill>
-                  </a:rPr>
-                  <a:t>Executing Code</a:t>
-                </a:r>
-              </a:p>
-            </p:txBody>
-          </p:sp>
-          <p:sp>
-            <p:nvSpPr>
-              <p:cNvPr id="14" name="Isosceles Triangle 13">
-                <a:extLst>
-                  <a:ext uri="{FF2B5EF4-FFF2-40B4-BE49-F238E27FC236}">
-                    <a16:creationId xmlns:a16="http://schemas.microsoft.com/office/drawing/2014/main" id="{3342E8EF-B25F-3293-0CA6-6FDD9F5C46F6}"/>
-                  </a:ext>
-                </a:extLst>
-              </p:cNvPr>
-              <p:cNvSpPr/>
-              <p:nvPr/>
-            </p:nvSpPr>
-            <p:spPr>
-              <a:xfrm rot="5400000">
-                <a:off x="2273639" y="2283026"/>
-                <a:ext cx="843934" cy="663388"/>
-              </a:xfrm>
-              <a:prstGeom prst="triangle">
-                <a:avLst>
-                  <a:gd name="adj" fmla="val 45486"/>
-                </a:avLst>
-              </a:prstGeom>
-              <a:solidFill>
-                <a:schemeClr val="accent2"/>
-              </a:solidFill>
-              <a:ln>
-                <a:solidFill>
-                  <a:srgbClr val="0070C0"/>
-                </a:solidFill>
-              </a:ln>
-            </p:spPr>
-            <p:style>
-              <a:lnRef idx="2">
-                <a:schemeClr val="accent1">
-                  <a:shade val="50000"/>
-                </a:schemeClr>
-              </a:lnRef>
-              <a:fillRef idx="1">
-                <a:schemeClr val="accent1"/>
-              </a:fillRef>
-              <a:effectRef idx="0">
-                <a:schemeClr val="accent1"/>
-              </a:effectRef>
-              <a:fontRef idx="minor">
-                <a:schemeClr val="lt1"/>
-              </a:fontRef>
-            </p:style>
-            <p:txBody>
-              <a:bodyPr rtlCol="0" anchor="ctr"/>
-              <a:lstStyle/>
-              <a:p>
-                <a:pPr algn="ctr"/>
-                <a:endParaRPr lang="en-US" sz="2800" dirty="0">
+            </a:ln>
+          </p:spPr>
+          <p:style>
+            <a:lnRef idx="2">
+              <a:schemeClr val="accent1">
+                <a:shade val="50000"/>
+              </a:schemeClr>
+            </a:lnRef>
+            <a:fillRef idx="1">
+              <a:schemeClr val="accent1"/>
+            </a:fillRef>
+            <a:effectRef idx="0">
+              <a:schemeClr val="accent1"/>
+            </a:effectRef>
+            <a:fontRef idx="minor">
+              <a:schemeClr val="lt1"/>
+            </a:fontRef>
+          </p:style>
+          <p:txBody>
+            <a:bodyPr rtlCol="0" anchor="ctr"/>
+            <a:lstStyle/>
+            <a:p>
+              <a:pPr algn="ctr"/>
+              <a:r>
+                <a:rPr lang="en-US" sz="2800" dirty="0">
                   <a:solidFill>
                     <a:schemeClr val="tx1"/>
                   </a:solidFill>
-                </a:endParaRPr>
-              </a:p>
-            </p:txBody>
-          </p:sp>
-          <p:sp>
-            <p:nvSpPr>
-              <p:cNvPr id="15" name="Isosceles Triangle 14">
-                <a:extLst>
-                  <a:ext uri="{FF2B5EF4-FFF2-40B4-BE49-F238E27FC236}">
-                    <a16:creationId xmlns:a16="http://schemas.microsoft.com/office/drawing/2014/main" id="{A83C0F02-4CC5-D865-60AE-8257CB593DD4}"/>
-                  </a:ext>
-                </a:extLst>
-              </p:cNvPr>
-              <p:cNvSpPr/>
-              <p:nvPr/>
-            </p:nvSpPr>
-            <p:spPr>
-              <a:xfrm rot="5400000">
-                <a:off x="5382134" y="2294750"/>
-                <a:ext cx="843934" cy="663388"/>
-              </a:xfrm>
-              <a:prstGeom prst="triangle">
-                <a:avLst>
-                  <a:gd name="adj" fmla="val 45486"/>
-                </a:avLst>
-              </a:prstGeom>
+                </a:rPr>
+                <a:t>Satisfaction Conditions</a:t>
+              </a:r>
+            </a:p>
+          </p:txBody>
+        </p:sp>
+        <p:sp>
+          <p:nvSpPr>
+            <p:cNvPr id="10" name="Rectangle: Rounded Corners 9">
+              <a:extLst>
+                <a:ext uri="{FF2B5EF4-FFF2-40B4-BE49-F238E27FC236}">
+                  <a16:creationId xmlns:a16="http://schemas.microsoft.com/office/drawing/2014/main" id="{33196CED-8A44-EF6D-D876-156032EBBEE8}"/>
+                </a:ext>
+              </a:extLst>
+            </p:cNvPr>
+            <p:cNvSpPr/>
+            <p:nvPr/>
+          </p:nvSpPr>
+          <p:spPr>
+            <a:xfrm>
+              <a:off x="6330330" y="2516734"/>
+              <a:ext cx="2026024" cy="1039906"/>
+            </a:xfrm>
+            <a:prstGeom prst="roundRect">
+              <a:avLst/>
+            </a:prstGeom>
+            <a:solidFill>
+              <a:schemeClr val="accent6">
+                <a:lumMod val="60000"/>
+                <a:lumOff val="40000"/>
+              </a:schemeClr>
+            </a:solidFill>
+            <a:ln>
               <a:solidFill>
-                <a:schemeClr val="accent2"/>
+                <a:srgbClr val="0070C0"/>
               </a:solidFill>
-              <a:ln>
-                <a:solidFill>
-                  <a:srgbClr val="0070C0"/>
-                </a:solidFill>
-              </a:ln>
-            </p:spPr>
-            <p:style>
-              <a:lnRef idx="2">
-                <a:schemeClr val="accent1">
-                  <a:shade val="50000"/>
-                </a:schemeClr>
-              </a:lnRef>
-              <a:fillRef idx="1">
-                <a:schemeClr val="accent1"/>
-              </a:fillRef>
-              <a:effectRef idx="0">
-                <a:schemeClr val="accent1"/>
-              </a:effectRef>
-              <a:fontRef idx="minor">
-                <a:schemeClr val="lt1"/>
-              </a:fontRef>
-            </p:style>
-            <p:txBody>
-              <a:bodyPr rtlCol="0" anchor="ctr"/>
-              <a:lstStyle/>
-              <a:p>
-                <a:pPr algn="ctr"/>
-                <a:endParaRPr lang="en-US" sz="2800" dirty="0">
+            </a:ln>
+          </p:spPr>
+          <p:style>
+            <a:lnRef idx="2">
+              <a:schemeClr val="accent1">
+                <a:shade val="50000"/>
+              </a:schemeClr>
+            </a:lnRef>
+            <a:fillRef idx="1">
+              <a:schemeClr val="accent1"/>
+            </a:fillRef>
+            <a:effectRef idx="0">
+              <a:schemeClr val="accent1"/>
+            </a:effectRef>
+            <a:fontRef idx="minor">
+              <a:schemeClr val="lt1"/>
+            </a:fontRef>
+          </p:style>
+          <p:txBody>
+            <a:bodyPr rtlCol="0" anchor="ctr"/>
+            <a:lstStyle/>
+            <a:p>
+              <a:pPr algn="ctr"/>
+              <a:r>
+                <a:rPr lang="en-US" sz="2800" dirty="0">
                   <a:solidFill>
                     <a:schemeClr val="tx1"/>
                   </a:solidFill>
-                </a:endParaRPr>
-              </a:p>
-            </p:txBody>
-          </p:sp>
-          <p:sp>
-            <p:nvSpPr>
-              <p:cNvPr id="16" name="Isosceles Triangle 15">
-                <a:extLst>
-                  <a:ext uri="{FF2B5EF4-FFF2-40B4-BE49-F238E27FC236}">
-                    <a16:creationId xmlns:a16="http://schemas.microsoft.com/office/drawing/2014/main" id="{C6BA4CF9-F399-91D3-2918-527DA39DD679}"/>
-                  </a:ext>
-                </a:extLst>
-              </p:cNvPr>
-              <p:cNvSpPr/>
-              <p:nvPr/>
-            </p:nvSpPr>
-            <p:spPr>
-              <a:xfrm rot="5400000">
-                <a:off x="8470620" y="2704993"/>
-                <a:ext cx="843934" cy="663388"/>
-              </a:xfrm>
-              <a:prstGeom prst="triangle">
-                <a:avLst>
-                  <a:gd name="adj" fmla="val 45486"/>
-                </a:avLst>
-              </a:prstGeom>
+                </a:rPr>
+                <a:t>Executable Tests</a:t>
+              </a:r>
+            </a:p>
+          </p:txBody>
+        </p:sp>
+        <p:sp>
+          <p:nvSpPr>
+            <p:cNvPr id="11" name="Rectangle: Rounded Corners 10">
+              <a:extLst>
+                <a:ext uri="{FF2B5EF4-FFF2-40B4-BE49-F238E27FC236}">
+                  <a16:creationId xmlns:a16="http://schemas.microsoft.com/office/drawing/2014/main" id="{84F0FCC6-6459-4236-323A-E85C12EFE4DD}"/>
+                </a:ext>
+              </a:extLst>
+            </p:cNvPr>
+            <p:cNvSpPr/>
+            <p:nvPr/>
+          </p:nvSpPr>
+          <p:spPr>
+            <a:xfrm>
+              <a:off x="3231840" y="2516734"/>
+              <a:ext cx="2026024" cy="1039906"/>
+            </a:xfrm>
+            <a:prstGeom prst="roundRect">
+              <a:avLst/>
+            </a:prstGeom>
+            <a:solidFill>
+              <a:schemeClr val="accent4">
+                <a:lumMod val="60000"/>
+                <a:lumOff val="40000"/>
+              </a:schemeClr>
+            </a:solidFill>
+            <a:ln>
               <a:solidFill>
-                <a:schemeClr val="accent2"/>
+                <a:srgbClr val="0070C0"/>
               </a:solidFill>
-              <a:ln>
-                <a:solidFill>
-                  <a:srgbClr val="0070C0"/>
-                </a:solidFill>
-              </a:ln>
-            </p:spPr>
-            <p:style>
-              <a:lnRef idx="2">
-                <a:schemeClr val="accent1">
-                  <a:shade val="50000"/>
-                </a:schemeClr>
-              </a:lnRef>
-              <a:fillRef idx="1">
-                <a:schemeClr val="accent1"/>
-              </a:fillRef>
-              <a:effectRef idx="0">
-                <a:schemeClr val="accent1"/>
-              </a:effectRef>
-              <a:fontRef idx="minor">
-                <a:schemeClr val="lt1"/>
-              </a:fontRef>
-            </p:style>
-            <p:txBody>
-              <a:bodyPr rtlCol="0" anchor="ctr"/>
-              <a:lstStyle/>
-              <a:p>
-                <a:pPr algn="ctr"/>
-                <a:endParaRPr lang="en-US" sz="2800" dirty="0">
+            </a:ln>
+          </p:spPr>
+          <p:style>
+            <a:lnRef idx="2">
+              <a:schemeClr val="accent1">
+                <a:shade val="50000"/>
+              </a:schemeClr>
+            </a:lnRef>
+            <a:fillRef idx="1">
+              <a:schemeClr val="accent1"/>
+            </a:fillRef>
+            <a:effectRef idx="0">
+              <a:schemeClr val="accent1"/>
+            </a:effectRef>
+            <a:fontRef idx="minor">
+              <a:schemeClr val="lt1"/>
+            </a:fontRef>
+          </p:style>
+          <p:txBody>
+            <a:bodyPr rtlCol="0" anchor="ctr"/>
+            <a:lstStyle/>
+            <a:p>
+              <a:pPr algn="ctr"/>
+              <a:r>
+                <a:rPr lang="en-US" sz="2800" dirty="0">
                   <a:solidFill>
                     <a:schemeClr val="tx1"/>
                   </a:solidFill>
-                </a:endParaRPr>
-              </a:p>
-            </p:txBody>
-          </p:sp>
-          <p:sp>
-            <p:nvSpPr>
-              <p:cNvPr id="17" name="TextBox 16">
-                <a:extLst>
-                  <a:ext uri="{FF2B5EF4-FFF2-40B4-BE49-F238E27FC236}">
-                    <a16:creationId xmlns:a16="http://schemas.microsoft.com/office/drawing/2014/main" id="{13D4DC05-CE8F-B921-4C9E-523FF6041D46}"/>
-                  </a:ext>
-                </a:extLst>
-              </p:cNvPr>
-              <p:cNvSpPr txBox="1"/>
-              <p:nvPr/>
-            </p:nvSpPr>
-            <p:spPr>
-              <a:xfrm>
-                <a:off x="1662890" y="1674908"/>
-                <a:ext cx="2190750" cy="552450"/>
-              </a:xfrm>
-              <a:prstGeom prst="rect">
-                <a:avLst/>
-              </a:prstGeom>
-              <a:noFill/>
-              <a:ln>
-                <a:noFill/>
-              </a:ln>
-            </p:spPr>
-            <p:style>
-              <a:lnRef idx="2">
-                <a:schemeClr val="accent1">
-                  <a:shade val="50000"/>
-                </a:schemeClr>
-              </a:lnRef>
-              <a:fillRef idx="1">
-                <a:schemeClr val="accent1"/>
-              </a:fillRef>
-              <a:effectRef idx="0">
-                <a:schemeClr val="accent1"/>
-              </a:effectRef>
-              <a:fontRef idx="minor">
-                <a:schemeClr val="lt1"/>
-              </a:fontRef>
-            </p:style>
-            <p:txBody>
-              <a:bodyPr rot="0" spcFirstLastPara="0" vertOverflow="overflow" horzOverflow="overflow" vert="horz" wrap="square" lIns="91440" tIns="45720" rIns="91440" bIns="45720" numCol="1" spcCol="0" rtlCol="0" fromWordArt="0" anchor="ctr" anchorCtr="0" forceAA="0" compatLnSpc="1">
-                <a:prstTxWarp prst="textNoShape">
-                  <a:avLst/>
-                </a:prstTxWarp>
-                <a:noAutofit/>
-              </a:bodyPr>
-              <a:lstStyle/>
-              <a:p>
-                <a:pPr algn="ctr"/>
-                <a:r>
-                  <a:rPr lang="en-US" sz="3200" dirty="0">
-                    <a:solidFill>
-                      <a:schemeClr val="tx1"/>
-                    </a:solidFill>
-                  </a:rPr>
-                  <a:t>Analyze</a:t>
-                </a:r>
-              </a:p>
-            </p:txBody>
-          </p:sp>
-          <p:sp>
-            <p:nvSpPr>
-              <p:cNvPr id="18" name="TextBox 17">
-                <a:extLst>
-                  <a:ext uri="{FF2B5EF4-FFF2-40B4-BE49-F238E27FC236}">
-                    <a16:creationId xmlns:a16="http://schemas.microsoft.com/office/drawing/2014/main" id="{DA422BAB-AEDC-38C5-4D18-19CA15FB1AA1}"/>
-                  </a:ext>
-                </a:extLst>
-              </p:cNvPr>
-              <p:cNvSpPr txBox="1"/>
-              <p:nvPr/>
-            </p:nvSpPr>
-            <p:spPr>
-              <a:xfrm>
-                <a:off x="4698722" y="1652027"/>
-                <a:ext cx="2190750" cy="552450"/>
-              </a:xfrm>
-              <a:prstGeom prst="rect">
-                <a:avLst/>
-              </a:prstGeom>
-              <a:noFill/>
-              <a:ln>
-                <a:noFill/>
-              </a:ln>
-            </p:spPr>
-            <p:style>
-              <a:lnRef idx="2">
-                <a:schemeClr val="accent1">
-                  <a:shade val="50000"/>
-                </a:schemeClr>
-              </a:lnRef>
-              <a:fillRef idx="1">
-                <a:schemeClr val="accent1"/>
-              </a:fillRef>
-              <a:effectRef idx="0">
-                <a:schemeClr val="accent1"/>
-              </a:effectRef>
-              <a:fontRef idx="minor">
-                <a:schemeClr val="lt1"/>
-              </a:fontRef>
-            </p:style>
-            <p:txBody>
-              <a:bodyPr rot="0" spcFirstLastPara="0" vertOverflow="overflow" horzOverflow="overflow" vert="horz" wrap="square" lIns="91440" tIns="45720" rIns="91440" bIns="45720" numCol="1" spcCol="0" rtlCol="0" fromWordArt="0" anchor="ctr" anchorCtr="0" forceAA="0" compatLnSpc="1">
-                <a:prstTxWarp prst="textNoShape">
-                  <a:avLst/>
-                </a:prstTxWarp>
-                <a:noAutofit/>
-              </a:bodyPr>
-              <a:lstStyle/>
-              <a:p>
-                <a:pPr algn="ctr"/>
-                <a:r>
-                  <a:rPr lang="en-US" sz="3200" dirty="0">
-                    <a:solidFill>
-                      <a:schemeClr val="tx1"/>
-                    </a:solidFill>
-                  </a:rPr>
-                  <a:t>Design</a:t>
-                </a:r>
-              </a:p>
-            </p:txBody>
-          </p:sp>
-          <p:sp>
-            <p:nvSpPr>
-              <p:cNvPr id="19" name="TextBox 18">
-                <a:extLst>
-                  <a:ext uri="{FF2B5EF4-FFF2-40B4-BE49-F238E27FC236}">
-                    <a16:creationId xmlns:a16="http://schemas.microsoft.com/office/drawing/2014/main" id="{86B8F8EC-EE8B-A7C1-6981-C99539FB2FFD}"/>
-                  </a:ext>
-                </a:extLst>
-              </p:cNvPr>
-              <p:cNvSpPr txBox="1"/>
-              <p:nvPr/>
-            </p:nvSpPr>
-            <p:spPr>
-              <a:xfrm>
-                <a:off x="7797212" y="1786330"/>
-                <a:ext cx="2190750" cy="552450"/>
-              </a:xfrm>
-              <a:prstGeom prst="rect">
-                <a:avLst/>
-              </a:prstGeom>
-              <a:noFill/>
-              <a:ln>
-                <a:noFill/>
-              </a:ln>
-            </p:spPr>
-            <p:style>
-              <a:lnRef idx="2">
-                <a:schemeClr val="accent1">
-                  <a:shade val="50000"/>
-                </a:schemeClr>
-              </a:lnRef>
-              <a:fillRef idx="1">
-                <a:schemeClr val="accent1"/>
-              </a:fillRef>
-              <a:effectRef idx="0">
-                <a:schemeClr val="accent1"/>
-              </a:effectRef>
-              <a:fontRef idx="minor">
-                <a:schemeClr val="lt1"/>
-              </a:fontRef>
-            </p:style>
-            <p:txBody>
-              <a:bodyPr rot="0" spcFirstLastPara="0" vertOverflow="overflow" horzOverflow="overflow" vert="horz" wrap="square" lIns="91440" tIns="45720" rIns="91440" bIns="45720" numCol="1" spcCol="0" rtlCol="0" fromWordArt="0" anchor="ctr" anchorCtr="0" forceAA="0" compatLnSpc="1">
-                <a:prstTxWarp prst="textNoShape">
-                  <a:avLst/>
-                </a:prstTxWarp>
-                <a:noAutofit/>
-              </a:bodyPr>
-              <a:lstStyle/>
-              <a:p>
-                <a:pPr algn="ctr"/>
-                <a:r>
-                  <a:rPr lang="en-US" sz="3200" dirty="0">
-                    <a:solidFill>
-                      <a:schemeClr val="tx1"/>
-                    </a:solidFill>
-                  </a:rPr>
-                  <a:t>Code</a:t>
-                </a:r>
-              </a:p>
-            </p:txBody>
-          </p:sp>
-        </p:grpSp>
-        <p:grpSp>
-          <p:nvGrpSpPr>
-            <p:cNvPr id="4" name="Group 3">
+                </a:rPr>
+                <a:t>Testable Behaviors</a:t>
+              </a:r>
+            </a:p>
+          </p:txBody>
+        </p:sp>
+        <p:sp>
+          <p:nvSpPr>
+            <p:cNvPr id="12" name="Rectangle: Rounded Corners 11">
               <a:extLst>
                 <a:ext uri="{FF2B5EF4-FFF2-40B4-BE49-F238E27FC236}">
-                  <a16:creationId xmlns:a16="http://schemas.microsoft.com/office/drawing/2014/main" id="{C59F9F24-497B-1CE7-0A6F-C288F96138EF}"/>
+                  <a16:creationId xmlns:a16="http://schemas.microsoft.com/office/drawing/2014/main" id="{260C95F7-7FA1-4747-F1AD-CCDFD56F0AB7}"/>
                 </a:ext>
               </a:extLst>
             </p:cNvPr>
-            <p:cNvGrpSpPr/>
+            <p:cNvSpPr/>
             <p:nvPr/>
-          </p:nvGrpSpPr>
-          <p:grpSpPr>
+          </p:nvSpPr>
+          <p:spPr>
             <a:xfrm>
-              <a:off x="1686135" y="3700308"/>
-              <a:ext cx="2190750" cy="1620693"/>
-              <a:chOff x="1694164" y="3678445"/>
-              <a:chExt cx="2190750" cy="1620693"/>
+              <a:off x="9428819" y="2516734"/>
+              <a:ext cx="2026024" cy="1039906"/>
             </a:xfrm>
-          </p:grpSpPr>
-          <p:sp>
-            <p:nvSpPr>
-              <p:cNvPr id="2" name="Isosceles Triangle 1">
-                <a:extLst>
-                  <a:ext uri="{FF2B5EF4-FFF2-40B4-BE49-F238E27FC236}">
-                    <a16:creationId xmlns:a16="http://schemas.microsoft.com/office/drawing/2014/main" id="{A33B838C-61F1-6E66-2C32-55F818AD0E10}"/>
-                  </a:ext>
-                </a:extLst>
-              </p:cNvPr>
-              <p:cNvSpPr/>
-              <p:nvPr/>
-            </p:nvSpPr>
-            <p:spPr>
-              <a:xfrm rot="16200000">
-                <a:off x="2295110" y="3768718"/>
-                <a:ext cx="843934" cy="663388"/>
-              </a:xfrm>
-              <a:prstGeom prst="triangle">
-                <a:avLst>
-                  <a:gd name="adj" fmla="val 45486"/>
-                </a:avLst>
-              </a:prstGeom>
+            <a:prstGeom prst="roundRect">
+              <a:avLst/>
+            </a:prstGeom>
+            <a:solidFill>
+              <a:srgbClr val="FF0000"/>
+            </a:solidFill>
+            <a:ln>
               <a:solidFill>
-                <a:schemeClr val="accent2"/>
+                <a:srgbClr val="0070C0"/>
               </a:solidFill>
-              <a:ln>
-                <a:solidFill>
-                  <a:srgbClr val="0070C0"/>
-                </a:solidFill>
-              </a:ln>
-            </p:spPr>
-            <p:style>
-              <a:lnRef idx="2">
-                <a:schemeClr val="accent1">
-                  <a:shade val="50000"/>
-                </a:schemeClr>
-              </a:lnRef>
-              <a:fillRef idx="1">
-                <a:schemeClr val="accent1"/>
-              </a:fillRef>
-              <a:effectRef idx="0">
-                <a:schemeClr val="accent1"/>
-              </a:effectRef>
-              <a:fontRef idx="minor">
-                <a:schemeClr val="lt1"/>
-              </a:fontRef>
-            </p:style>
-            <p:txBody>
-              <a:bodyPr rtlCol="0" anchor="ctr"/>
-              <a:lstStyle/>
-              <a:p>
-                <a:pPr algn="ctr"/>
-                <a:endParaRPr lang="en-US" sz="2800" dirty="0">
+            </a:ln>
+          </p:spPr>
+          <p:style>
+            <a:lnRef idx="2">
+              <a:schemeClr val="accent1">
+                <a:shade val="50000"/>
+              </a:schemeClr>
+            </a:lnRef>
+            <a:fillRef idx="1">
+              <a:schemeClr val="accent1"/>
+            </a:fillRef>
+            <a:effectRef idx="0">
+              <a:schemeClr val="accent1"/>
+            </a:effectRef>
+            <a:fontRef idx="minor">
+              <a:schemeClr val="lt1"/>
+            </a:fontRef>
+          </p:style>
+          <p:txBody>
+            <a:bodyPr rtlCol="0" anchor="ctr"/>
+            <a:lstStyle/>
+            <a:p>
+              <a:pPr algn="ctr"/>
+              <a:r>
+                <a:rPr lang="en-US" sz="2800" dirty="0">
                   <a:solidFill>
                     <a:schemeClr val="tx1"/>
                   </a:solidFill>
-                </a:endParaRPr>
-              </a:p>
-            </p:txBody>
-          </p:sp>
-          <p:sp>
-            <p:nvSpPr>
-              <p:cNvPr id="3" name="TextBox 2">
-                <a:extLst>
-                  <a:ext uri="{FF2B5EF4-FFF2-40B4-BE49-F238E27FC236}">
-                    <a16:creationId xmlns:a16="http://schemas.microsoft.com/office/drawing/2014/main" id="{DD03D699-1893-08A9-0668-F007A4C01AB5}"/>
-                  </a:ext>
-                </a:extLst>
-              </p:cNvPr>
-              <p:cNvSpPr txBox="1"/>
-              <p:nvPr/>
-            </p:nvSpPr>
-            <p:spPr>
-              <a:xfrm>
-                <a:off x="1694164" y="4746688"/>
-                <a:ext cx="2190750" cy="552450"/>
-              </a:xfrm>
-              <a:prstGeom prst="rect">
-                <a:avLst/>
-              </a:prstGeom>
-              <a:noFill/>
-              <a:ln>
-                <a:noFill/>
-              </a:ln>
-            </p:spPr>
-            <p:style>
-              <a:lnRef idx="2">
-                <a:schemeClr val="accent1">
-                  <a:shade val="50000"/>
-                </a:schemeClr>
-              </a:lnRef>
-              <a:fillRef idx="1">
-                <a:schemeClr val="accent1"/>
-              </a:fillRef>
-              <a:effectRef idx="0">
-                <a:schemeClr val="accent1"/>
-              </a:effectRef>
-              <a:fontRef idx="minor">
-                <a:schemeClr val="lt1"/>
-              </a:fontRef>
-            </p:style>
-            <p:txBody>
-              <a:bodyPr rot="0" spcFirstLastPara="0" vertOverflow="overflow" horzOverflow="overflow" vert="horz" wrap="square" lIns="91440" tIns="45720" rIns="91440" bIns="45720" numCol="1" spcCol="0" rtlCol="0" fromWordArt="0" anchor="ctr" anchorCtr="0" forceAA="0" compatLnSpc="1">
-                <a:prstTxWarp prst="textNoShape">
-                  <a:avLst/>
-                </a:prstTxWarp>
-                <a:noAutofit/>
-              </a:bodyPr>
-              <a:lstStyle/>
-              <a:p>
-                <a:pPr algn="ctr"/>
-                <a:r>
-                  <a:rPr lang="en-US" sz="3200" dirty="0">
-                    <a:solidFill>
-                      <a:schemeClr val="tx1"/>
-                    </a:solidFill>
-                  </a:rPr>
-                  <a:t>Negotiate</a:t>
-                </a:r>
-              </a:p>
-            </p:txBody>
-          </p:sp>
-        </p:grpSp>
-        <p:grpSp>
-          <p:nvGrpSpPr>
-            <p:cNvPr id="7" name="Group 6">
+                </a:rPr>
+                <a:t>Executing Code</a:t>
+              </a:r>
+            </a:p>
+          </p:txBody>
+        </p:sp>
+        <p:sp>
+          <p:nvSpPr>
+            <p:cNvPr id="14" name="Isosceles Triangle 13">
               <a:extLst>
                 <a:ext uri="{FF2B5EF4-FFF2-40B4-BE49-F238E27FC236}">
-                  <a16:creationId xmlns:a16="http://schemas.microsoft.com/office/drawing/2014/main" id="{B592211C-69EF-1D54-C8A9-EEE08C02F687}"/>
+                  <a16:creationId xmlns:a16="http://schemas.microsoft.com/office/drawing/2014/main" id="{3342E8EF-B25F-3293-0CA6-6FDD9F5C46F6}"/>
                 </a:ext>
               </a:extLst>
             </p:cNvPr>
-            <p:cNvGrpSpPr/>
+            <p:cNvSpPr/>
             <p:nvPr/>
-          </p:nvGrpSpPr>
-          <p:grpSpPr>
+          </p:nvSpPr>
+          <p:spPr>
+            <a:xfrm rot="5400000">
+              <a:off x="2273639" y="2283026"/>
+              <a:ext cx="843934" cy="663388"/>
+            </a:xfrm>
+            <a:prstGeom prst="triangle">
+              <a:avLst>
+                <a:gd name="adj" fmla="val 45486"/>
+              </a:avLst>
+            </a:prstGeom>
+            <a:solidFill>
+              <a:schemeClr val="accent2"/>
+            </a:solidFill>
+            <a:ln>
+              <a:solidFill>
+                <a:srgbClr val="0070C0"/>
+              </a:solidFill>
+            </a:ln>
+          </p:spPr>
+          <p:style>
+            <a:lnRef idx="2">
+              <a:schemeClr val="accent1">
+                <a:shade val="50000"/>
+              </a:schemeClr>
+            </a:lnRef>
+            <a:fillRef idx="1">
+              <a:schemeClr val="accent1"/>
+            </a:fillRef>
+            <a:effectRef idx="0">
+              <a:schemeClr val="accent1"/>
+            </a:effectRef>
+            <a:fontRef idx="minor">
+              <a:schemeClr val="lt1"/>
+            </a:fontRef>
+          </p:style>
+          <p:txBody>
+            <a:bodyPr rtlCol="0" anchor="ctr"/>
+            <a:lstStyle/>
+            <a:p>
+              <a:pPr algn="ctr"/>
+              <a:endParaRPr lang="en-US" sz="2800" dirty="0">
+                <a:solidFill>
+                  <a:schemeClr val="tx1"/>
+                </a:solidFill>
+              </a:endParaRPr>
+            </a:p>
+          </p:txBody>
+        </p:sp>
+        <p:sp>
+          <p:nvSpPr>
+            <p:cNvPr id="15" name="Isosceles Triangle 14">
+              <a:extLst>
+                <a:ext uri="{FF2B5EF4-FFF2-40B4-BE49-F238E27FC236}">
+                  <a16:creationId xmlns:a16="http://schemas.microsoft.com/office/drawing/2014/main" id="{A83C0F02-4CC5-D865-60AE-8257CB593DD4}"/>
+                </a:ext>
+              </a:extLst>
+            </p:cNvPr>
+            <p:cNvSpPr/>
+            <p:nvPr/>
+          </p:nvSpPr>
+          <p:spPr>
+            <a:xfrm rot="5400000">
+              <a:off x="5382134" y="2294750"/>
+              <a:ext cx="843934" cy="663388"/>
+            </a:xfrm>
+            <a:prstGeom prst="triangle">
+              <a:avLst>
+                <a:gd name="adj" fmla="val 45486"/>
+              </a:avLst>
+            </a:prstGeom>
+            <a:solidFill>
+              <a:schemeClr val="accent2"/>
+            </a:solidFill>
+            <a:ln>
+              <a:solidFill>
+                <a:srgbClr val="0070C0"/>
+              </a:solidFill>
+            </a:ln>
+          </p:spPr>
+          <p:style>
+            <a:lnRef idx="2">
+              <a:schemeClr val="accent1">
+                <a:shade val="50000"/>
+              </a:schemeClr>
+            </a:lnRef>
+            <a:fillRef idx="1">
+              <a:schemeClr val="accent1"/>
+            </a:fillRef>
+            <a:effectRef idx="0">
+              <a:schemeClr val="accent1"/>
+            </a:effectRef>
+            <a:fontRef idx="minor">
+              <a:schemeClr val="lt1"/>
+            </a:fontRef>
+          </p:style>
+          <p:txBody>
+            <a:bodyPr rtlCol="0" anchor="ctr"/>
+            <a:lstStyle/>
+            <a:p>
+              <a:pPr algn="ctr"/>
+              <a:endParaRPr lang="en-US" sz="2800" dirty="0">
+                <a:solidFill>
+                  <a:schemeClr val="tx1"/>
+                </a:solidFill>
+              </a:endParaRPr>
+            </a:p>
+          </p:txBody>
+        </p:sp>
+        <p:sp>
+          <p:nvSpPr>
+            <p:cNvPr id="16" name="Isosceles Triangle 15">
+              <a:extLst>
+                <a:ext uri="{FF2B5EF4-FFF2-40B4-BE49-F238E27FC236}">
+                  <a16:creationId xmlns:a16="http://schemas.microsoft.com/office/drawing/2014/main" id="{C6BA4CF9-F399-91D3-2918-527DA39DD679}"/>
+                </a:ext>
+              </a:extLst>
+            </p:cNvPr>
+            <p:cNvSpPr/>
+            <p:nvPr/>
+          </p:nvSpPr>
+          <p:spPr>
+            <a:xfrm rot="5400000">
+              <a:off x="8470620" y="2704993"/>
+              <a:ext cx="843934" cy="663388"/>
+            </a:xfrm>
+            <a:prstGeom prst="triangle">
+              <a:avLst>
+                <a:gd name="adj" fmla="val 45486"/>
+              </a:avLst>
+            </a:prstGeom>
+            <a:solidFill>
+              <a:schemeClr val="accent2"/>
+            </a:solidFill>
+            <a:ln>
+              <a:solidFill>
+                <a:srgbClr val="0070C0"/>
+              </a:solidFill>
+            </a:ln>
+          </p:spPr>
+          <p:style>
+            <a:lnRef idx="2">
+              <a:schemeClr val="accent1">
+                <a:shade val="50000"/>
+              </a:schemeClr>
+            </a:lnRef>
+            <a:fillRef idx="1">
+              <a:schemeClr val="accent1"/>
+            </a:fillRef>
+            <a:effectRef idx="0">
+              <a:schemeClr val="accent1"/>
+            </a:effectRef>
+            <a:fontRef idx="minor">
+              <a:schemeClr val="lt1"/>
+            </a:fontRef>
+          </p:style>
+          <p:txBody>
+            <a:bodyPr rtlCol="0" anchor="ctr"/>
+            <a:lstStyle/>
+            <a:p>
+              <a:pPr algn="ctr"/>
+              <a:endParaRPr lang="en-US" sz="2800" dirty="0">
+                <a:solidFill>
+                  <a:schemeClr val="tx1"/>
+                </a:solidFill>
+              </a:endParaRPr>
+            </a:p>
+          </p:txBody>
+        </p:sp>
+        <p:sp>
+          <p:nvSpPr>
+            <p:cNvPr id="17" name="TextBox 16">
+              <a:extLst>
+                <a:ext uri="{FF2B5EF4-FFF2-40B4-BE49-F238E27FC236}">
+                  <a16:creationId xmlns:a16="http://schemas.microsoft.com/office/drawing/2014/main" id="{13D4DC05-CE8F-B921-4C9E-523FF6041D46}"/>
+                </a:ext>
+              </a:extLst>
+            </p:cNvPr>
+            <p:cNvSpPr txBox="1"/>
+            <p:nvPr/>
+          </p:nvSpPr>
+          <p:spPr>
             <a:xfrm>
-              <a:off x="4797844" y="3637260"/>
-              <a:ext cx="2190750" cy="1620693"/>
-              <a:chOff x="1694164" y="3678445"/>
-              <a:chExt cx="2190750" cy="1620693"/>
+              <a:off x="1662890" y="1674908"/>
+              <a:ext cx="2190750" cy="552450"/>
             </a:xfrm>
-          </p:grpSpPr>
-          <p:sp>
-            <p:nvSpPr>
-              <p:cNvPr id="8" name="Isosceles Triangle 7">
-                <a:extLst>
-                  <a:ext uri="{FF2B5EF4-FFF2-40B4-BE49-F238E27FC236}">
-                    <a16:creationId xmlns:a16="http://schemas.microsoft.com/office/drawing/2014/main" id="{1B108B81-5762-9F41-4180-ADB169FF3D3E}"/>
-                  </a:ext>
-                </a:extLst>
-              </p:cNvPr>
-              <p:cNvSpPr/>
-              <p:nvPr/>
-            </p:nvSpPr>
-            <p:spPr>
-              <a:xfrm rot="16200000">
-                <a:off x="2295110" y="3768718"/>
-                <a:ext cx="843934" cy="663388"/>
-              </a:xfrm>
-              <a:prstGeom prst="triangle">
-                <a:avLst>
-                  <a:gd name="adj" fmla="val 45486"/>
-                </a:avLst>
-              </a:prstGeom>
-              <a:solidFill>
-                <a:schemeClr val="accent2"/>
-              </a:solidFill>
-              <a:ln>
-                <a:solidFill>
-                  <a:srgbClr val="0070C0"/>
-                </a:solidFill>
-              </a:ln>
-            </p:spPr>
-            <p:style>
-              <a:lnRef idx="2">
-                <a:schemeClr val="accent1">
-                  <a:shade val="50000"/>
-                </a:schemeClr>
-              </a:lnRef>
-              <a:fillRef idx="1">
-                <a:schemeClr val="accent1"/>
-              </a:fillRef>
-              <a:effectRef idx="0">
-                <a:schemeClr val="accent1"/>
-              </a:effectRef>
-              <a:fontRef idx="minor">
-                <a:schemeClr val="lt1"/>
-              </a:fontRef>
-            </p:style>
-            <p:txBody>
-              <a:bodyPr rtlCol="0" anchor="ctr"/>
-              <a:lstStyle/>
-              <a:p>
-                <a:pPr algn="ctr"/>
-                <a:endParaRPr lang="en-US" sz="2800" dirty="0">
+            <a:prstGeom prst="rect">
+              <a:avLst/>
+            </a:prstGeom>
+            <a:noFill/>
+            <a:ln>
+              <a:noFill/>
+            </a:ln>
+          </p:spPr>
+          <p:style>
+            <a:lnRef idx="2">
+              <a:schemeClr val="accent1">
+                <a:shade val="50000"/>
+              </a:schemeClr>
+            </a:lnRef>
+            <a:fillRef idx="1">
+              <a:schemeClr val="accent1"/>
+            </a:fillRef>
+            <a:effectRef idx="0">
+              <a:schemeClr val="accent1"/>
+            </a:effectRef>
+            <a:fontRef idx="minor">
+              <a:schemeClr val="lt1"/>
+            </a:fontRef>
+          </p:style>
+          <p:txBody>
+            <a:bodyPr rot="0" spcFirstLastPara="0" vertOverflow="overflow" horzOverflow="overflow" vert="horz" wrap="square" lIns="91440" tIns="45720" rIns="91440" bIns="45720" numCol="1" spcCol="0" rtlCol="0" fromWordArt="0" anchor="ctr" anchorCtr="0" forceAA="0" compatLnSpc="1">
+              <a:prstTxWarp prst="textNoShape">
+                <a:avLst/>
+              </a:prstTxWarp>
+              <a:noAutofit/>
+            </a:bodyPr>
+            <a:lstStyle/>
+            <a:p>
+              <a:pPr algn="ctr"/>
+              <a:r>
+                <a:rPr lang="en-US" sz="3200" dirty="0">
                   <a:solidFill>
                     <a:schemeClr val="tx1"/>
                   </a:solidFill>
-                </a:endParaRPr>
-              </a:p>
-            </p:txBody>
-          </p:sp>
-          <p:sp>
-            <p:nvSpPr>
-              <p:cNvPr id="13" name="TextBox 12">
-                <a:extLst>
-                  <a:ext uri="{FF2B5EF4-FFF2-40B4-BE49-F238E27FC236}">
-                    <a16:creationId xmlns:a16="http://schemas.microsoft.com/office/drawing/2014/main" id="{F979A1DA-6C9B-B2A8-7062-BAA4E6E12FD4}"/>
-                  </a:ext>
-                </a:extLst>
-              </p:cNvPr>
-              <p:cNvSpPr txBox="1"/>
-              <p:nvPr/>
-            </p:nvSpPr>
-            <p:spPr>
-              <a:xfrm>
-                <a:off x="1694164" y="4746688"/>
-                <a:ext cx="2190750" cy="552450"/>
-              </a:xfrm>
-              <a:prstGeom prst="rect">
+                </a:rPr>
+                <a:t>Analyze</a:t>
+              </a:r>
+            </a:p>
+          </p:txBody>
+        </p:sp>
+        <p:sp>
+          <p:nvSpPr>
+            <p:cNvPr id="18" name="TextBox 17">
+              <a:extLst>
+                <a:ext uri="{FF2B5EF4-FFF2-40B4-BE49-F238E27FC236}">
+                  <a16:creationId xmlns:a16="http://schemas.microsoft.com/office/drawing/2014/main" id="{DA422BAB-AEDC-38C5-4D18-19CA15FB1AA1}"/>
+                </a:ext>
+              </a:extLst>
+            </p:cNvPr>
+            <p:cNvSpPr txBox="1"/>
+            <p:nvPr/>
+          </p:nvSpPr>
+          <p:spPr>
+            <a:xfrm>
+              <a:off x="4698722" y="1652027"/>
+              <a:ext cx="2190750" cy="552450"/>
+            </a:xfrm>
+            <a:prstGeom prst="rect">
+              <a:avLst/>
+            </a:prstGeom>
+            <a:noFill/>
+            <a:ln>
+              <a:noFill/>
+            </a:ln>
+          </p:spPr>
+          <p:style>
+            <a:lnRef idx="2">
+              <a:schemeClr val="accent1">
+                <a:shade val="50000"/>
+              </a:schemeClr>
+            </a:lnRef>
+            <a:fillRef idx="1">
+              <a:schemeClr val="accent1"/>
+            </a:fillRef>
+            <a:effectRef idx="0">
+              <a:schemeClr val="accent1"/>
+            </a:effectRef>
+            <a:fontRef idx="minor">
+              <a:schemeClr val="lt1"/>
+            </a:fontRef>
+          </p:style>
+          <p:txBody>
+            <a:bodyPr rot="0" spcFirstLastPara="0" vertOverflow="overflow" horzOverflow="overflow" vert="horz" wrap="square" lIns="91440" tIns="45720" rIns="91440" bIns="45720" numCol="1" spcCol="0" rtlCol="0" fromWordArt="0" anchor="ctr" anchorCtr="0" forceAA="0" compatLnSpc="1">
+              <a:prstTxWarp prst="textNoShape">
                 <a:avLst/>
-              </a:prstGeom>
+              </a:prstTxWarp>
+              <a:noAutofit/>
+            </a:bodyPr>
+            <a:lstStyle/>
+            <a:p>
+              <a:pPr algn="ctr"/>
+              <a:r>
+                <a:rPr lang="en-US" sz="3200" dirty="0">
+                  <a:solidFill>
+                    <a:schemeClr val="tx1"/>
+                  </a:solidFill>
+                </a:rPr>
+                <a:t>Design</a:t>
+              </a:r>
+            </a:p>
+          </p:txBody>
+        </p:sp>
+        <p:sp>
+          <p:nvSpPr>
+            <p:cNvPr id="19" name="TextBox 18">
+              <a:extLst>
+                <a:ext uri="{FF2B5EF4-FFF2-40B4-BE49-F238E27FC236}">
+                  <a16:creationId xmlns:a16="http://schemas.microsoft.com/office/drawing/2014/main" id="{86B8F8EC-EE8B-A7C1-6981-C99539FB2FFD}"/>
+                </a:ext>
+              </a:extLst>
+            </p:cNvPr>
+            <p:cNvSpPr txBox="1"/>
+            <p:nvPr/>
+          </p:nvSpPr>
+          <p:spPr>
+            <a:xfrm>
+              <a:off x="7797212" y="1786330"/>
+              <a:ext cx="2190750" cy="552450"/>
+            </a:xfrm>
+            <a:prstGeom prst="rect">
+              <a:avLst/>
+            </a:prstGeom>
+            <a:noFill/>
+            <a:ln>
               <a:noFill/>
-              <a:ln>
-                <a:noFill/>
-              </a:ln>
-            </p:spPr>
-            <p:style>
-              <a:lnRef idx="2">
-                <a:schemeClr val="accent1">
-                  <a:shade val="50000"/>
-                </a:schemeClr>
-              </a:lnRef>
-              <a:fillRef idx="1">
-                <a:schemeClr val="accent1"/>
-              </a:fillRef>
-              <a:effectRef idx="0">
-                <a:schemeClr val="accent1"/>
-              </a:effectRef>
-              <a:fontRef idx="minor">
-                <a:schemeClr val="lt1"/>
-              </a:fontRef>
-            </p:style>
-            <p:txBody>
-              <a:bodyPr rot="0" spcFirstLastPara="0" vertOverflow="overflow" horzOverflow="overflow" vert="horz" wrap="square" lIns="91440" tIns="45720" rIns="91440" bIns="45720" numCol="1" spcCol="0" rtlCol="0" fromWordArt="0" anchor="ctr" anchorCtr="0" forceAA="0" compatLnSpc="1">
-                <a:prstTxWarp prst="textNoShape">
-                  <a:avLst/>
-                </a:prstTxWarp>
-                <a:noAutofit/>
-              </a:bodyPr>
-              <a:lstStyle/>
-              <a:p>
-                <a:pPr algn="ctr"/>
-                <a:r>
-                  <a:rPr lang="en-US" sz="3200" dirty="0">
-                    <a:solidFill>
-                      <a:schemeClr val="tx1"/>
-                    </a:solidFill>
-                  </a:rPr>
-                  <a:t>Negotiate</a:t>
-                </a:r>
-              </a:p>
-            </p:txBody>
-          </p:sp>
-        </p:grpSp>
+            </a:ln>
+          </p:spPr>
+          <p:style>
+            <a:lnRef idx="2">
+              <a:schemeClr val="accent1">
+                <a:shade val="50000"/>
+              </a:schemeClr>
+            </a:lnRef>
+            <a:fillRef idx="1">
+              <a:schemeClr val="accent1"/>
+            </a:fillRef>
+            <a:effectRef idx="0">
+              <a:schemeClr val="accent1"/>
+            </a:effectRef>
+            <a:fontRef idx="minor">
+              <a:schemeClr val="lt1"/>
+            </a:fontRef>
+          </p:style>
+          <p:txBody>
+            <a:bodyPr rot="0" spcFirstLastPara="0" vertOverflow="overflow" horzOverflow="overflow" vert="horz" wrap="square" lIns="91440" tIns="45720" rIns="91440" bIns="45720" numCol="1" spcCol="0" rtlCol="0" fromWordArt="0" anchor="ctr" anchorCtr="0" forceAA="0" compatLnSpc="1">
+              <a:prstTxWarp prst="textNoShape">
+                <a:avLst/>
+              </a:prstTxWarp>
+              <a:noAutofit/>
+            </a:bodyPr>
+            <a:lstStyle/>
+            <a:p>
+              <a:pPr algn="ctr"/>
+              <a:r>
+                <a:rPr lang="en-US" sz="3200" dirty="0">
+                  <a:solidFill>
+                    <a:schemeClr val="tx1"/>
+                  </a:solidFill>
+                </a:rPr>
+                <a:t>Code</a:t>
+              </a:r>
+            </a:p>
+          </p:txBody>
+        </p:sp>
+      </p:grpSp>
+      <p:grpSp>
+        <p:nvGrpSpPr>
+          <p:cNvPr id="4" name="Group 3">
+            <a:extLst>
+              <a:ext uri="{FF2B5EF4-FFF2-40B4-BE49-F238E27FC236}">
+                <a16:creationId xmlns:a16="http://schemas.microsoft.com/office/drawing/2014/main" id="{C59F9F24-497B-1CE7-0A6F-C288F96138EF}"/>
+              </a:ext>
+            </a:extLst>
+          </p:cNvPr>
+          <p:cNvGrpSpPr/>
+          <p:nvPr/>
+        </p:nvGrpSpPr>
+        <p:grpSpPr>
+          <a:xfrm>
+            <a:off x="1686135" y="3700308"/>
+            <a:ext cx="2190750" cy="1620693"/>
+            <a:chOff x="1694164" y="3678445"/>
+            <a:chExt cx="2190750" cy="1620693"/>
+          </a:xfrm>
+        </p:grpSpPr>
+        <p:sp>
+          <p:nvSpPr>
+            <p:cNvPr id="2" name="Isosceles Triangle 1">
+              <a:extLst>
+                <a:ext uri="{FF2B5EF4-FFF2-40B4-BE49-F238E27FC236}">
+                  <a16:creationId xmlns:a16="http://schemas.microsoft.com/office/drawing/2014/main" id="{A33B838C-61F1-6E66-2C32-55F818AD0E10}"/>
+                </a:ext>
+              </a:extLst>
+            </p:cNvPr>
+            <p:cNvSpPr/>
+            <p:nvPr/>
+          </p:nvSpPr>
+          <p:spPr>
+            <a:xfrm rot="16200000">
+              <a:off x="2295110" y="3768718"/>
+              <a:ext cx="843934" cy="663388"/>
+            </a:xfrm>
+            <a:prstGeom prst="triangle">
+              <a:avLst>
+                <a:gd name="adj" fmla="val 45486"/>
+              </a:avLst>
+            </a:prstGeom>
+            <a:solidFill>
+              <a:schemeClr val="accent2"/>
+            </a:solidFill>
+            <a:ln>
+              <a:solidFill>
+                <a:srgbClr val="0070C0"/>
+              </a:solidFill>
+            </a:ln>
+          </p:spPr>
+          <p:style>
+            <a:lnRef idx="2">
+              <a:schemeClr val="accent1">
+                <a:shade val="50000"/>
+              </a:schemeClr>
+            </a:lnRef>
+            <a:fillRef idx="1">
+              <a:schemeClr val="accent1"/>
+            </a:fillRef>
+            <a:effectRef idx="0">
+              <a:schemeClr val="accent1"/>
+            </a:effectRef>
+            <a:fontRef idx="minor">
+              <a:schemeClr val="lt1"/>
+            </a:fontRef>
+          </p:style>
+          <p:txBody>
+            <a:bodyPr rtlCol="0" anchor="ctr"/>
+            <a:lstStyle/>
+            <a:p>
+              <a:pPr algn="ctr"/>
+              <a:endParaRPr lang="en-US" sz="2800" dirty="0">
+                <a:solidFill>
+                  <a:schemeClr val="tx1"/>
+                </a:solidFill>
+              </a:endParaRPr>
+            </a:p>
+          </p:txBody>
+        </p:sp>
+        <p:sp>
+          <p:nvSpPr>
+            <p:cNvPr id="3" name="TextBox 2">
+              <a:extLst>
+                <a:ext uri="{FF2B5EF4-FFF2-40B4-BE49-F238E27FC236}">
+                  <a16:creationId xmlns:a16="http://schemas.microsoft.com/office/drawing/2014/main" id="{DD03D699-1893-08A9-0668-F007A4C01AB5}"/>
+                </a:ext>
+              </a:extLst>
+            </p:cNvPr>
+            <p:cNvSpPr txBox="1"/>
+            <p:nvPr/>
+          </p:nvSpPr>
+          <p:spPr>
+            <a:xfrm>
+              <a:off x="1694164" y="4746688"/>
+              <a:ext cx="2190750" cy="552450"/>
+            </a:xfrm>
+            <a:prstGeom prst="rect">
+              <a:avLst/>
+            </a:prstGeom>
+            <a:noFill/>
+            <a:ln>
+              <a:noFill/>
+            </a:ln>
+          </p:spPr>
+          <p:style>
+            <a:lnRef idx="2">
+              <a:schemeClr val="accent1">
+                <a:shade val="50000"/>
+              </a:schemeClr>
+            </a:lnRef>
+            <a:fillRef idx="1">
+              <a:schemeClr val="accent1"/>
+            </a:fillRef>
+            <a:effectRef idx="0">
+              <a:schemeClr val="accent1"/>
+            </a:effectRef>
+            <a:fontRef idx="minor">
+              <a:schemeClr val="lt1"/>
+            </a:fontRef>
+          </p:style>
+          <p:txBody>
+            <a:bodyPr rot="0" spcFirstLastPara="0" vertOverflow="overflow" horzOverflow="overflow" vert="horz" wrap="square" lIns="91440" tIns="45720" rIns="91440" bIns="45720" numCol="1" spcCol="0" rtlCol="0" fromWordArt="0" anchor="ctr" anchorCtr="0" forceAA="0" compatLnSpc="1">
+              <a:prstTxWarp prst="textNoShape">
+                <a:avLst/>
+              </a:prstTxWarp>
+              <a:noAutofit/>
+            </a:bodyPr>
+            <a:lstStyle/>
+            <a:p>
+              <a:pPr algn="ctr"/>
+              <a:r>
+                <a:rPr lang="en-US" sz="3200" dirty="0">
+                  <a:solidFill>
+                    <a:schemeClr val="tx1"/>
+                  </a:solidFill>
+                </a:rPr>
+                <a:t>Negotiate</a:t>
+              </a:r>
+            </a:p>
+          </p:txBody>
+        </p:sp>
+      </p:grpSp>
+      <p:grpSp>
+        <p:nvGrpSpPr>
+          <p:cNvPr id="7" name="Group 6">
+            <a:extLst>
+              <a:ext uri="{FF2B5EF4-FFF2-40B4-BE49-F238E27FC236}">
+                <a16:creationId xmlns:a16="http://schemas.microsoft.com/office/drawing/2014/main" id="{B592211C-69EF-1D54-C8A9-EEE08C02F687}"/>
+              </a:ext>
+            </a:extLst>
+          </p:cNvPr>
+          <p:cNvGrpSpPr/>
+          <p:nvPr/>
+        </p:nvGrpSpPr>
+        <p:grpSpPr>
+          <a:xfrm>
+            <a:off x="4797844" y="3637260"/>
+            <a:ext cx="2190750" cy="1620693"/>
+            <a:chOff x="1694164" y="3678445"/>
+            <a:chExt cx="2190750" cy="1620693"/>
+          </a:xfrm>
+        </p:grpSpPr>
+        <p:sp>
+          <p:nvSpPr>
+            <p:cNvPr id="8" name="Isosceles Triangle 7">
+              <a:extLst>
+                <a:ext uri="{FF2B5EF4-FFF2-40B4-BE49-F238E27FC236}">
+                  <a16:creationId xmlns:a16="http://schemas.microsoft.com/office/drawing/2014/main" id="{1B108B81-5762-9F41-4180-ADB169FF3D3E}"/>
+                </a:ext>
+              </a:extLst>
+            </p:cNvPr>
+            <p:cNvSpPr/>
+            <p:nvPr/>
+          </p:nvSpPr>
+          <p:spPr>
+            <a:xfrm rot="16200000">
+              <a:off x="2295110" y="3768718"/>
+              <a:ext cx="843934" cy="663388"/>
+            </a:xfrm>
+            <a:prstGeom prst="triangle">
+              <a:avLst>
+                <a:gd name="adj" fmla="val 45486"/>
+              </a:avLst>
+            </a:prstGeom>
+            <a:solidFill>
+              <a:schemeClr val="accent2"/>
+            </a:solidFill>
+            <a:ln>
+              <a:solidFill>
+                <a:srgbClr val="0070C0"/>
+              </a:solidFill>
+            </a:ln>
+          </p:spPr>
+          <p:style>
+            <a:lnRef idx="2">
+              <a:schemeClr val="accent1">
+                <a:shade val="50000"/>
+              </a:schemeClr>
+            </a:lnRef>
+            <a:fillRef idx="1">
+              <a:schemeClr val="accent1"/>
+            </a:fillRef>
+            <a:effectRef idx="0">
+              <a:schemeClr val="accent1"/>
+            </a:effectRef>
+            <a:fontRef idx="minor">
+              <a:schemeClr val="lt1"/>
+            </a:fontRef>
+          </p:style>
+          <p:txBody>
+            <a:bodyPr rtlCol="0" anchor="ctr"/>
+            <a:lstStyle/>
+            <a:p>
+              <a:pPr algn="ctr"/>
+              <a:endParaRPr lang="en-US" sz="2800" dirty="0">
+                <a:solidFill>
+                  <a:schemeClr val="tx1"/>
+                </a:solidFill>
+              </a:endParaRPr>
+            </a:p>
+          </p:txBody>
+        </p:sp>
+        <p:sp>
+          <p:nvSpPr>
+            <p:cNvPr id="13" name="TextBox 12">
+              <a:extLst>
+                <a:ext uri="{FF2B5EF4-FFF2-40B4-BE49-F238E27FC236}">
+                  <a16:creationId xmlns:a16="http://schemas.microsoft.com/office/drawing/2014/main" id="{F979A1DA-6C9B-B2A8-7062-BAA4E6E12FD4}"/>
+                </a:ext>
+              </a:extLst>
+            </p:cNvPr>
+            <p:cNvSpPr txBox="1"/>
+            <p:nvPr/>
+          </p:nvSpPr>
+          <p:spPr>
+            <a:xfrm>
+              <a:off x="1694164" y="4746688"/>
+              <a:ext cx="2190750" cy="552450"/>
+            </a:xfrm>
+            <a:prstGeom prst="rect">
+              <a:avLst/>
+            </a:prstGeom>
+            <a:noFill/>
+            <a:ln>
+              <a:noFill/>
+            </a:ln>
+          </p:spPr>
+          <p:style>
+            <a:lnRef idx="2">
+              <a:schemeClr val="accent1">
+                <a:shade val="50000"/>
+              </a:schemeClr>
+            </a:lnRef>
+            <a:fillRef idx="1">
+              <a:schemeClr val="accent1"/>
+            </a:fillRef>
+            <a:effectRef idx="0">
+              <a:schemeClr val="accent1"/>
+            </a:effectRef>
+            <a:fontRef idx="minor">
+              <a:schemeClr val="lt1"/>
+            </a:fontRef>
+          </p:style>
+          <p:txBody>
+            <a:bodyPr rot="0" spcFirstLastPara="0" vertOverflow="overflow" horzOverflow="overflow" vert="horz" wrap="square" lIns="91440" tIns="45720" rIns="91440" bIns="45720" numCol="1" spcCol="0" rtlCol="0" fromWordArt="0" anchor="ctr" anchorCtr="0" forceAA="0" compatLnSpc="1">
+              <a:prstTxWarp prst="textNoShape">
+                <a:avLst/>
+              </a:prstTxWarp>
+              <a:noAutofit/>
+            </a:bodyPr>
+            <a:lstStyle/>
+            <a:p>
+              <a:pPr algn="ctr"/>
+              <a:r>
+                <a:rPr lang="en-US" sz="3200" dirty="0">
+                  <a:solidFill>
+                    <a:schemeClr val="tx1"/>
+                  </a:solidFill>
+                </a:rPr>
+                <a:t>Negotiate</a:t>
+              </a:r>
+            </a:p>
+          </p:txBody>
+        </p:sp>
       </p:grpSp>
     </p:spTree>
     <p:extLst>
